--- a/Presentation Slides/Midterm 23-11-2021.pptx
+++ b/Presentation Slides/Midterm 23-11-2021.pptx
@@ -6,17 +6,974 @@
     <p:sldMasterId id="2147483661" r:id="rId3"/>
     <p:sldMasterId id="2147483674" r:id="rId4"/>
   </p:sldMasterIdLst>
+  <p:notesMasterIdLst>
+    <p:notesMasterId r:id="rId5"/>
+  </p:notesMasterIdLst>
   <p:sldIdLst>
-    <p:sldId id="256" r:id="rId5"/>
-    <p:sldId id="257" r:id="rId6"/>
-    <p:sldId id="258" r:id="rId7"/>
-    <p:sldId id="259" r:id="rId8"/>
-    <p:sldId id="260" r:id="rId9"/>
-    <p:sldId id="261" r:id="rId10"/>
+    <p:sldId id="256" r:id="rId6"/>
+    <p:sldId id="257" r:id="rId7"/>
+    <p:sldId id="258" r:id="rId8"/>
+    <p:sldId id="259" r:id="rId9"/>
+    <p:sldId id="260" r:id="rId10"/>
+    <p:sldId id="261" r:id="rId11"/>
+    <p:sldId id="262" r:id="rId12"/>
+    <p:sldId id="263" r:id="rId13"/>
+    <p:sldId id="264" r:id="rId14"/>
   </p:sldIdLst>
   <p:sldSz cx="9144000" cy="6858000"/>
   <p:notesSz cx="7559675" cy="10691812"/>
 </p:presentation>
+</file>
+
+<file path=ppt/notesMasters/notesMaster1.xml><?xml version="1.0" encoding="utf-8"?>
+<p:notesMaster xmlns:a="http://schemas.openxmlformats.org/drawingml/2006/main" xmlns:p="http://schemas.openxmlformats.org/presentationml/2006/main" xmlns:r="http://schemas.openxmlformats.org/officeDocument/2006/relationships" xmlns:p14="http://schemas.microsoft.com/office/powerpoint/2010/main" xmlns:p15="http://schemas.microsoft.com/office/powerpoint/2012/main" xmlns:mc="http://schemas.openxmlformats.org/markup-compatibility/2006">
+  <p:cSld>
+    <p:spTree>
+      <p:nvGrpSpPr>
+        <p:cNvPr id="1" name=""/>
+        <p:cNvGrpSpPr/>
+        <p:nvPr/>
+      </p:nvGrpSpPr>
+      <p:grpSpPr>
+        <a:xfrm>
+          <a:off x="0" y="0"/>
+          <a:ext cx="0" cy="0"/>
+          <a:chOff x="0" y="0"/>
+          <a:chExt cx="0" cy="0"/>
+        </a:xfrm>
+      </p:grpSpPr>
+      <p:sp>
+        <p:nvSpPr>
+          <p:cNvPr id="127" name="PlaceHolder 1"/>
+          <p:cNvSpPr>
+            <a:spLocks noGrp="1"/>
+          </p:cNvSpPr>
+          <p:nvPr>
+            <p:ph type="sldImg"/>
+          </p:nvPr>
+        </p:nvSpPr>
+        <p:spPr>
+          <a:xfrm>
+            <a:off x="216000" y="812520"/>
+            <a:ext cx="7127280" cy="4008960"/>
+          </a:xfrm>
+          <a:prstGeom prst="rect">
+            <a:avLst/>
+          </a:prstGeom>
+        </p:spPr>
+        <p:txBody>
+          <a:bodyPr lIns="0" rIns="0" tIns="0" bIns="0" anchor="ctr">
+            <a:noAutofit/>
+          </a:bodyPr>
+          <a:p>
+            <a:pPr algn="ctr"/>
+            <a:r>
+              <a:rPr b="0" lang="de-AT" sz="4400" spc="-1" strike="noStrike">
+                <a:latin typeface="Arial"/>
+              </a:rPr>
+              <a:t>Folie mittels Klicken verschieben</a:t>
+            </a:r>
+            <a:endParaRPr b="0" lang="de-AT" sz="4400" spc="-1" strike="noStrike">
+              <a:latin typeface="Arial"/>
+            </a:endParaRPr>
+          </a:p>
+        </p:txBody>
+      </p:sp>
+      <p:sp>
+        <p:nvSpPr>
+          <p:cNvPr id="128" name="PlaceHolder 2"/>
+          <p:cNvSpPr>
+            <a:spLocks noGrp="1"/>
+          </p:cNvSpPr>
+          <p:nvPr>
+            <p:ph type="body"/>
+          </p:nvPr>
+        </p:nvSpPr>
+        <p:spPr>
+          <a:xfrm>
+            <a:off x="756000" y="5078520"/>
+            <a:ext cx="6047640" cy="4811040"/>
+          </a:xfrm>
+          <a:prstGeom prst="rect">
+            <a:avLst/>
+          </a:prstGeom>
+        </p:spPr>
+        <p:txBody>
+          <a:bodyPr lIns="0" rIns="0" tIns="0" bIns="0">
+            <a:noAutofit/>
+          </a:bodyPr>
+          <a:p>
+            <a:r>
+              <a:rPr b="0" lang="de-AT" sz="2000" spc="-1" strike="noStrike">
+                <a:latin typeface="Arial"/>
+              </a:rPr>
+              <a:t>Format der Notizen mittels Klicken bearbeiten</a:t>
+            </a:r>
+            <a:endParaRPr b="0" lang="de-AT" sz="2000" spc="-1" strike="noStrike">
+              <a:latin typeface="Arial"/>
+            </a:endParaRPr>
+          </a:p>
+        </p:txBody>
+      </p:sp>
+      <p:sp>
+        <p:nvSpPr>
+          <p:cNvPr id="129" name="PlaceHolder 3"/>
+          <p:cNvSpPr>
+            <a:spLocks noGrp="1"/>
+          </p:cNvSpPr>
+          <p:nvPr>
+            <p:ph type="hdr"/>
+          </p:nvPr>
+        </p:nvSpPr>
+        <p:spPr>
+          <a:xfrm>
+            <a:off x="0" y="0"/>
+            <a:ext cx="3280680" cy="534240"/>
+          </a:xfrm>
+          <a:prstGeom prst="rect">
+            <a:avLst/>
+          </a:prstGeom>
+        </p:spPr>
+        <p:txBody>
+          <a:bodyPr lIns="0" rIns="0" tIns="0" bIns="0">
+            <a:noAutofit/>
+          </a:bodyPr>
+          <a:p>
+            <a:r>
+              <a:rPr b="0" lang="de-AT" sz="1400" spc="-1" strike="noStrike">
+                <a:latin typeface="Times New Roman"/>
+              </a:rPr>
+              <a:t>&lt;Kopfzeile&gt;</a:t>
+            </a:r>
+            <a:endParaRPr b="0" lang="de-AT" sz="1400" spc="-1" strike="noStrike">
+              <a:latin typeface="Times New Roman"/>
+            </a:endParaRPr>
+          </a:p>
+        </p:txBody>
+      </p:sp>
+      <p:sp>
+        <p:nvSpPr>
+          <p:cNvPr id="130" name="PlaceHolder 4"/>
+          <p:cNvSpPr>
+            <a:spLocks noGrp="1"/>
+          </p:cNvSpPr>
+          <p:nvPr>
+            <p:ph type="dt"/>
+          </p:nvPr>
+        </p:nvSpPr>
+        <p:spPr>
+          <a:xfrm>
+            <a:off x="4278960" y="0"/>
+            <a:ext cx="3280680" cy="534240"/>
+          </a:xfrm>
+          <a:prstGeom prst="rect">
+            <a:avLst/>
+          </a:prstGeom>
+        </p:spPr>
+        <p:txBody>
+          <a:bodyPr lIns="0" rIns="0" tIns="0" bIns="0">
+            <a:noAutofit/>
+          </a:bodyPr>
+          <a:p>
+            <a:pPr algn="r"/>
+            <a:r>
+              <a:rPr b="0" lang="de-AT" sz="1400" spc="-1" strike="noStrike">
+                <a:latin typeface="Times New Roman"/>
+              </a:rPr>
+              <a:t>&lt;Datum/Uhrzeit&gt;</a:t>
+            </a:r>
+            <a:endParaRPr b="0" lang="de-AT" sz="1400" spc="-1" strike="noStrike">
+              <a:latin typeface="Times New Roman"/>
+            </a:endParaRPr>
+          </a:p>
+        </p:txBody>
+      </p:sp>
+      <p:sp>
+        <p:nvSpPr>
+          <p:cNvPr id="131" name="PlaceHolder 5"/>
+          <p:cNvSpPr>
+            <a:spLocks noGrp="1"/>
+          </p:cNvSpPr>
+          <p:nvPr>
+            <p:ph type="ftr"/>
+          </p:nvPr>
+        </p:nvSpPr>
+        <p:spPr>
+          <a:xfrm>
+            <a:off x="0" y="10157400"/>
+            <a:ext cx="3280680" cy="534240"/>
+          </a:xfrm>
+          <a:prstGeom prst="rect">
+            <a:avLst/>
+          </a:prstGeom>
+        </p:spPr>
+        <p:txBody>
+          <a:bodyPr lIns="0" rIns="0" tIns="0" bIns="0" anchor="b">
+            <a:noAutofit/>
+          </a:bodyPr>
+          <a:p>
+            <a:r>
+              <a:rPr b="0" lang="de-AT" sz="1400" spc="-1" strike="noStrike">
+                <a:latin typeface="Times New Roman"/>
+              </a:rPr>
+              <a:t>&lt;Fußzeile&gt;</a:t>
+            </a:r>
+            <a:endParaRPr b="0" lang="de-AT" sz="1400" spc="-1" strike="noStrike">
+              <a:latin typeface="Times New Roman"/>
+            </a:endParaRPr>
+          </a:p>
+        </p:txBody>
+      </p:sp>
+      <p:sp>
+        <p:nvSpPr>
+          <p:cNvPr id="132" name="PlaceHolder 6"/>
+          <p:cNvSpPr>
+            <a:spLocks noGrp="1"/>
+          </p:cNvSpPr>
+          <p:nvPr>
+            <p:ph type="sldNum"/>
+          </p:nvPr>
+        </p:nvSpPr>
+        <p:spPr>
+          <a:xfrm>
+            <a:off x="4278960" y="10157400"/>
+            <a:ext cx="3280680" cy="534240"/>
+          </a:xfrm>
+          <a:prstGeom prst="rect">
+            <a:avLst/>
+          </a:prstGeom>
+        </p:spPr>
+        <p:txBody>
+          <a:bodyPr lIns="0" rIns="0" tIns="0" bIns="0" anchor="b">
+            <a:noAutofit/>
+          </a:bodyPr>
+          <a:p>
+            <a:pPr algn="r"/>
+            <a:fld id="{5890C2FE-44CF-48ED-A885-D4240E0E51B3}" type="slidenum">
+              <a:rPr b="0" lang="de-AT" sz="1400" spc="-1" strike="noStrike">
+                <a:latin typeface="Times New Roman"/>
+              </a:rPr>
+              <a:t>&lt;Foliennummer&gt;</a:t>
+            </a:fld>
+            <a:endParaRPr b="0" lang="de-AT" sz="1400" spc="-1" strike="noStrike">
+              <a:latin typeface="Times New Roman"/>
+            </a:endParaRPr>
+          </a:p>
+        </p:txBody>
+      </p:sp>
+    </p:spTree>
+  </p:cSld>
+  <p:clrMap bg1="lt1" bg2="lt2" tx1="dk1" tx2="dk2" accent1="accent1" accent2="accent2" accent3="accent3" accent4="accent4" accent5="accent5" accent6="accent6" hlink="hlink" folHlink="folHlink"/>
+</p:notesMaster>
+</file>
+
+<file path=ppt/notesSlides/notesSlide1.xml><?xml version="1.0" encoding="utf-8"?>
+<p:notes xmlns:a="http://schemas.openxmlformats.org/drawingml/2006/main" xmlns:p="http://schemas.openxmlformats.org/presentationml/2006/main" xmlns:r="http://schemas.openxmlformats.org/officeDocument/2006/relationships" xmlns:p14="http://schemas.microsoft.com/office/powerpoint/2010/main" xmlns:p15="http://schemas.microsoft.com/office/powerpoint/2012/main" xmlns:mc="http://schemas.openxmlformats.org/markup-compatibility/2006">
+  <p:cSld>
+    <p:spTree>
+      <p:nvGrpSpPr>
+        <p:cNvPr id="1" name=""/>
+        <p:cNvGrpSpPr/>
+        <p:nvPr/>
+      </p:nvGrpSpPr>
+      <p:grpSpPr>
+        <a:xfrm>
+          <a:off x="0" y="0"/>
+          <a:ext cx="0" cy="0"/>
+          <a:chOff x="0" y="0"/>
+          <a:chExt cx="0" cy="0"/>
+        </a:xfrm>
+      </p:grpSpPr>
+      <p:sp>
+        <p:nvSpPr>
+          <p:cNvPr id="156" name="PlaceHolder 1"/>
+          <p:cNvSpPr>
+            <a:spLocks noGrp="1"/>
+          </p:cNvSpPr>
+          <p:nvPr>
+            <p:ph type="sldImg"/>
+          </p:nvPr>
+        </p:nvSpPr>
+        <p:spPr>
+          <a:xfrm>
+            <a:off x="216000" y="812520"/>
+            <a:ext cx="7127280" cy="4008960"/>
+          </a:xfrm>
+          <a:prstGeom prst="rect">
+            <a:avLst/>
+          </a:prstGeom>
+        </p:spPr>
+      </p:sp>
+      <p:sp>
+        <p:nvSpPr>
+          <p:cNvPr id="157" name="PlaceHolder 2"/>
+          <p:cNvSpPr>
+            <a:spLocks noGrp="1"/>
+          </p:cNvSpPr>
+          <p:nvPr>
+            <p:ph type="body"/>
+          </p:nvPr>
+        </p:nvSpPr>
+        <p:spPr>
+          <a:xfrm>
+            <a:off x="756000" y="5078520"/>
+            <a:ext cx="6047640" cy="4811040"/>
+          </a:xfrm>
+          <a:prstGeom prst="rect">
+            <a:avLst/>
+          </a:prstGeom>
+        </p:spPr>
+        <p:txBody>
+          <a:bodyPr lIns="0" rIns="0" tIns="0" bIns="0">
+            <a:noAutofit/>
+          </a:bodyPr>
+          <a:p>
+            <a:r>
+              <a:rPr b="0" lang="zxx" sz="2000" spc="-1" strike="noStrike">
+                <a:latin typeface="Arial"/>
+              </a:rPr>
+              <a:t>Good morning everybody and welcome to our presentation. We are going to present the topic P4 Accuracy of Approximate Circuits</a:t>
+            </a:r>
+            <a:endParaRPr b="0" lang="zxx" sz="2000" spc="-1" strike="noStrike">
+              <a:latin typeface="Arial"/>
+            </a:endParaRPr>
+          </a:p>
+        </p:txBody>
+      </p:sp>
+    </p:spTree>
+  </p:cSld>
+</p:notes>
+</file>
+
+<file path=ppt/notesSlides/notesSlide2.xml><?xml version="1.0" encoding="utf-8"?>
+<p:notes xmlns:a="http://schemas.openxmlformats.org/drawingml/2006/main" xmlns:p="http://schemas.openxmlformats.org/presentationml/2006/main" xmlns:r="http://schemas.openxmlformats.org/officeDocument/2006/relationships" xmlns:p14="http://schemas.microsoft.com/office/powerpoint/2010/main" xmlns:p15="http://schemas.microsoft.com/office/powerpoint/2012/main" xmlns:mc="http://schemas.openxmlformats.org/markup-compatibility/2006">
+  <p:cSld>
+    <p:spTree>
+      <p:nvGrpSpPr>
+        <p:cNvPr id="1" name=""/>
+        <p:cNvGrpSpPr/>
+        <p:nvPr/>
+      </p:nvGrpSpPr>
+      <p:grpSpPr>
+        <a:xfrm>
+          <a:off x="0" y="0"/>
+          <a:ext cx="0" cy="0"/>
+          <a:chOff x="0" y="0"/>
+          <a:chExt cx="0" cy="0"/>
+        </a:xfrm>
+      </p:grpSpPr>
+      <p:sp>
+        <p:nvSpPr>
+          <p:cNvPr id="158" name="PlaceHolder 1"/>
+          <p:cNvSpPr>
+            <a:spLocks noGrp="1"/>
+          </p:cNvSpPr>
+          <p:nvPr>
+            <p:ph type="sldImg"/>
+          </p:nvPr>
+        </p:nvSpPr>
+        <p:spPr>
+          <a:xfrm>
+            <a:off x="216000" y="812520"/>
+            <a:ext cx="7127280" cy="4008960"/>
+          </a:xfrm>
+          <a:prstGeom prst="rect">
+            <a:avLst/>
+          </a:prstGeom>
+        </p:spPr>
+      </p:sp>
+      <p:sp>
+        <p:nvSpPr>
+          <p:cNvPr id="159" name="PlaceHolder 2"/>
+          <p:cNvSpPr>
+            <a:spLocks noGrp="1"/>
+          </p:cNvSpPr>
+          <p:nvPr>
+            <p:ph type="body"/>
+          </p:nvPr>
+        </p:nvSpPr>
+        <p:spPr>
+          <a:xfrm>
+            <a:off x="756000" y="5078520"/>
+            <a:ext cx="6047640" cy="4811040"/>
+          </a:xfrm>
+          <a:prstGeom prst="rect">
+            <a:avLst/>
+          </a:prstGeom>
+        </p:spPr>
+        <p:txBody>
+          <a:bodyPr lIns="0" rIns="0" tIns="0" bIns="0">
+            <a:noAutofit/>
+          </a:bodyPr>
+          <a:p>
+            <a:r>
+              <a:rPr b="0" lang="zxx" sz="2000" spc="-1" strike="noStrike">
+                <a:latin typeface="Arial"/>
+              </a:rPr>
+              <a:t>We would like to start with a small introduction about approximate computing and its advantages compared to conventional circuits.</a:t>
+            </a:r>
+            <a:endParaRPr b="0" lang="zxx" sz="2000" spc="-1" strike="noStrike">
+              <a:latin typeface="Arial"/>
+            </a:endParaRPr>
+          </a:p>
+          <a:p>
+            <a:r>
+              <a:rPr b="0" lang="zxx" sz="2000" spc="-1" strike="noStrike">
+                <a:latin typeface="Arial"/>
+              </a:rPr>
+              <a:t>According to multiple papers, it has shown to be one of the most promising energy-efficient paradigms and has therefore reached a lot of research attention.</a:t>
+            </a:r>
+            <a:endParaRPr b="0" lang="zxx" sz="2000" spc="-1" strike="noStrike">
+              <a:latin typeface="Arial"/>
+            </a:endParaRPr>
+          </a:p>
+          <a:p>
+            <a:r>
+              <a:rPr b="0" lang="zxx" sz="2000" spc="-1" strike="noStrike">
+                <a:latin typeface="Arial"/>
+              </a:rPr>
+              <a:t>Another advantage of the approximate circuits is that the hardware uses less space due to the reduced number of logic gates. </a:t>
+            </a:r>
+            <a:endParaRPr b="0" lang="zxx" sz="2000" spc="-1" strike="noStrike">
+              <a:latin typeface="Arial"/>
+            </a:endParaRPr>
+          </a:p>
+          <a:p>
+            <a:r>
+              <a:rPr b="0" lang="zxx" sz="2000" spc="-1" strike="noStrike">
+                <a:latin typeface="Arial"/>
+              </a:rPr>
+              <a:t>For the same reason it has a reduced delay time and produces faster results.  </a:t>
+            </a:r>
+            <a:endParaRPr b="0" lang="zxx" sz="2000" spc="-1" strike="noStrike">
+              <a:latin typeface="Arial"/>
+            </a:endParaRPr>
+          </a:p>
+          <a:p>
+            <a:endParaRPr b="0" lang="zxx" sz="2000" spc="-1" strike="noStrike">
+              <a:latin typeface="Arial"/>
+            </a:endParaRPr>
+          </a:p>
+          <a:p>
+            <a:endParaRPr b="0" lang="zxx" sz="2000" spc="-1" strike="noStrike">
+              <a:latin typeface="Arial"/>
+            </a:endParaRPr>
+          </a:p>
+          <a:p>
+            <a:endParaRPr b="0" lang="zxx" sz="2000" spc="-1" strike="noStrike">
+              <a:latin typeface="Arial"/>
+            </a:endParaRPr>
+          </a:p>
+        </p:txBody>
+      </p:sp>
+    </p:spTree>
+  </p:cSld>
+</p:notes>
+</file>
+
+<file path=ppt/notesSlides/notesSlide3.xml><?xml version="1.0" encoding="utf-8"?>
+<p:notes xmlns:a="http://schemas.openxmlformats.org/drawingml/2006/main" xmlns:p="http://schemas.openxmlformats.org/presentationml/2006/main" xmlns:r="http://schemas.openxmlformats.org/officeDocument/2006/relationships" xmlns:p14="http://schemas.microsoft.com/office/powerpoint/2010/main" xmlns:p15="http://schemas.microsoft.com/office/powerpoint/2012/main" xmlns:mc="http://schemas.openxmlformats.org/markup-compatibility/2006">
+  <p:cSld>
+    <p:spTree>
+      <p:nvGrpSpPr>
+        <p:cNvPr id="1" name=""/>
+        <p:cNvGrpSpPr/>
+        <p:nvPr/>
+      </p:nvGrpSpPr>
+      <p:grpSpPr>
+        <a:xfrm>
+          <a:off x="0" y="0"/>
+          <a:ext cx="0" cy="0"/>
+          <a:chOff x="0" y="0"/>
+          <a:chExt cx="0" cy="0"/>
+        </a:xfrm>
+      </p:grpSpPr>
+      <p:sp>
+        <p:nvSpPr>
+          <p:cNvPr id="160" name="PlaceHolder 1"/>
+          <p:cNvSpPr>
+            <a:spLocks noGrp="1"/>
+          </p:cNvSpPr>
+          <p:nvPr>
+            <p:ph type="sldImg"/>
+          </p:nvPr>
+        </p:nvSpPr>
+        <p:spPr>
+          <a:xfrm>
+            <a:off x="1107000" y="812520"/>
+            <a:ext cx="5345280" cy="4008960"/>
+          </a:xfrm>
+          <a:prstGeom prst="rect">
+            <a:avLst/>
+          </a:prstGeom>
+        </p:spPr>
+      </p:sp>
+      <p:sp>
+        <p:nvSpPr>
+          <p:cNvPr id="161" name="PlaceHolder 2"/>
+          <p:cNvSpPr>
+            <a:spLocks noGrp="1"/>
+          </p:cNvSpPr>
+          <p:nvPr>
+            <p:ph type="body"/>
+          </p:nvPr>
+        </p:nvSpPr>
+        <p:spPr>
+          <a:xfrm>
+            <a:off x="756000" y="5078520"/>
+            <a:ext cx="6047640" cy="4811040"/>
+          </a:xfrm>
+          <a:prstGeom prst="rect">
+            <a:avLst/>
+          </a:prstGeom>
+        </p:spPr>
+        <p:txBody>
+          <a:bodyPr lIns="0" rIns="0" tIns="0" bIns="0">
+            <a:noAutofit/>
+          </a:bodyPr>
+          <a:p>
+            <a:r>
+              <a:rPr b="0" lang="zxx" sz="2000" spc="-1" strike="noStrike">
+                <a:latin typeface="Arial"/>
+              </a:rPr>
+              <a:t>Now adding to all the advantages, the question arises How do approximate circuits achieve all of those above mentioned advantages in our design?</a:t>
+            </a:r>
+            <a:endParaRPr b="0" lang="zxx" sz="2000" spc="-1" strike="noStrike">
+              <a:latin typeface="Arial"/>
+            </a:endParaRPr>
+          </a:p>
+          <a:p>
+            <a:r>
+              <a:rPr b="0" lang="zxx" sz="2000" spc="-1" strike="noStrike">
+                <a:latin typeface="Arial"/>
+              </a:rPr>
+              <a:t>As already mentioned, the amount of logic gates is reduced.</a:t>
+            </a:r>
+            <a:br/>
+            <a:r>
+              <a:rPr b="0" lang="zxx" sz="2000" spc="-1" strike="noStrike">
+                <a:latin typeface="Arial"/>
+              </a:rPr>
+              <a:t>For demonstration purposed, we are going to show you two different Full Adder design. One exact and one approximate. </a:t>
+            </a:r>
+            <a:br/>
+            <a:endParaRPr b="0" lang="zxx" sz="2000" spc="-1" strike="noStrike">
+              <a:latin typeface="Arial"/>
+            </a:endParaRPr>
+          </a:p>
+          <a:p>
+            <a:endParaRPr b="0" lang="zxx" sz="2000" spc="-1" strike="noStrike">
+              <a:latin typeface="Arial"/>
+            </a:endParaRPr>
+          </a:p>
+          <a:p>
+            <a:endParaRPr b="0" lang="zxx" sz="2000" spc="-1" strike="noStrike">
+              <a:latin typeface="Arial"/>
+            </a:endParaRPr>
+          </a:p>
+          <a:p>
+            <a:endParaRPr b="0" lang="zxx" sz="2000" spc="-1" strike="noStrike">
+              <a:latin typeface="Arial"/>
+            </a:endParaRPr>
+          </a:p>
+          <a:p>
+            <a:endParaRPr b="0" lang="zxx" sz="2000" spc="-1" strike="noStrike">
+              <a:latin typeface="Arial"/>
+            </a:endParaRPr>
+          </a:p>
+          <a:p>
+            <a:endParaRPr b="0" lang="zxx" sz="2000" spc="-1" strike="noStrike">
+              <a:latin typeface="Arial"/>
+            </a:endParaRPr>
+          </a:p>
+        </p:txBody>
+      </p:sp>
+    </p:spTree>
+  </p:cSld>
+</p:notes>
+</file>
+
+<file path=ppt/notesSlides/notesSlide4.xml><?xml version="1.0" encoding="utf-8"?>
+<p:notes xmlns:a="http://schemas.openxmlformats.org/drawingml/2006/main" xmlns:p="http://schemas.openxmlformats.org/presentationml/2006/main" xmlns:r="http://schemas.openxmlformats.org/officeDocument/2006/relationships" xmlns:p14="http://schemas.microsoft.com/office/powerpoint/2010/main" xmlns:p15="http://schemas.microsoft.com/office/powerpoint/2012/main" xmlns:mc="http://schemas.openxmlformats.org/markup-compatibility/2006">
+  <p:cSld>
+    <p:spTree>
+      <p:nvGrpSpPr>
+        <p:cNvPr id="1" name=""/>
+        <p:cNvGrpSpPr/>
+        <p:nvPr/>
+      </p:nvGrpSpPr>
+      <p:grpSpPr>
+        <a:xfrm>
+          <a:off x="0" y="0"/>
+          <a:ext cx="0" cy="0"/>
+          <a:chOff x="0" y="0"/>
+          <a:chExt cx="0" cy="0"/>
+        </a:xfrm>
+      </p:grpSpPr>
+      <p:sp>
+        <p:nvSpPr>
+          <p:cNvPr id="162" name="PlaceHolder 1"/>
+          <p:cNvSpPr>
+            <a:spLocks noGrp="1"/>
+          </p:cNvSpPr>
+          <p:nvPr>
+            <p:ph type="sldImg"/>
+          </p:nvPr>
+        </p:nvSpPr>
+        <p:spPr>
+          <a:xfrm>
+            <a:off x="1107000" y="812520"/>
+            <a:ext cx="5345280" cy="4008960"/>
+          </a:xfrm>
+          <a:prstGeom prst="rect">
+            <a:avLst/>
+          </a:prstGeom>
+        </p:spPr>
+      </p:sp>
+      <p:sp>
+        <p:nvSpPr>
+          <p:cNvPr id="163" name="PlaceHolder 2"/>
+          <p:cNvSpPr>
+            <a:spLocks noGrp="1"/>
+          </p:cNvSpPr>
+          <p:nvPr>
+            <p:ph type="body"/>
+          </p:nvPr>
+        </p:nvSpPr>
+        <p:spPr>
+          <a:xfrm>
+            <a:off x="756000" y="5078520"/>
+            <a:ext cx="6047640" cy="4811040"/>
+          </a:xfrm>
+          <a:prstGeom prst="rect">
+            <a:avLst/>
+          </a:prstGeom>
+        </p:spPr>
+        <p:txBody>
+          <a:bodyPr lIns="0" rIns="0" tIns="0" bIns="0">
+            <a:noAutofit/>
+          </a:bodyPr>
+          <a:p>
+            <a:r>
+              <a:rPr b="0" lang="zxx" sz="2000" spc="-1" strike="noStrike">
+                <a:latin typeface="Arial"/>
+              </a:rPr>
+              <a:t>The first design is an exact adder and the second one is an approximate design taken from a paper.</a:t>
+            </a:r>
+            <a:endParaRPr b="0" lang="zxx" sz="2000" spc="-1" strike="noStrike">
+              <a:latin typeface="Arial"/>
+            </a:endParaRPr>
+          </a:p>
+          <a:p>
+            <a:r>
+              <a:rPr b="0" lang="zxx" sz="2000" spc="-1" strike="noStrike">
+                <a:latin typeface="Arial"/>
+              </a:rPr>
+              <a:t>As you can clearly see, the second one is „missing“ some logic gates. </a:t>
+            </a:r>
+            <a:endParaRPr b="0" lang="zxx" sz="2000" spc="-1" strike="noStrike">
+              <a:latin typeface="Arial"/>
+            </a:endParaRPr>
+          </a:p>
+          <a:p>
+            <a:r>
+              <a:rPr b="0" lang="zxx" sz="2000" spc="-1" strike="noStrike">
+                <a:latin typeface="Arial"/>
+              </a:rPr>
+              <a:t>To see what effect it has, we will take a look at the truth tables. </a:t>
+            </a:r>
+            <a:endParaRPr b="0" lang="zxx" sz="2000" spc="-1" strike="noStrike">
+              <a:latin typeface="Arial"/>
+            </a:endParaRPr>
+          </a:p>
+        </p:txBody>
+      </p:sp>
+    </p:spTree>
+  </p:cSld>
+</p:notes>
+</file>
+
+<file path=ppt/notesSlides/notesSlide5.xml><?xml version="1.0" encoding="utf-8"?>
+<p:notes xmlns:a="http://schemas.openxmlformats.org/drawingml/2006/main" xmlns:p="http://schemas.openxmlformats.org/presentationml/2006/main" xmlns:r="http://schemas.openxmlformats.org/officeDocument/2006/relationships" xmlns:p14="http://schemas.microsoft.com/office/powerpoint/2010/main" xmlns:p15="http://schemas.microsoft.com/office/powerpoint/2012/main" xmlns:mc="http://schemas.openxmlformats.org/markup-compatibility/2006">
+  <p:cSld>
+    <p:spTree>
+      <p:nvGrpSpPr>
+        <p:cNvPr id="1" name=""/>
+        <p:cNvGrpSpPr/>
+        <p:nvPr/>
+      </p:nvGrpSpPr>
+      <p:grpSpPr>
+        <a:xfrm>
+          <a:off x="0" y="0"/>
+          <a:ext cx="0" cy="0"/>
+          <a:chOff x="0" y="0"/>
+          <a:chExt cx="0" cy="0"/>
+        </a:xfrm>
+      </p:grpSpPr>
+      <p:sp>
+        <p:nvSpPr>
+          <p:cNvPr id="164" name="PlaceHolder 1"/>
+          <p:cNvSpPr>
+            <a:spLocks noGrp="1"/>
+          </p:cNvSpPr>
+          <p:nvPr>
+            <p:ph type="sldImg"/>
+          </p:nvPr>
+        </p:nvSpPr>
+        <p:spPr>
+          <a:xfrm>
+            <a:off x="1107000" y="812520"/>
+            <a:ext cx="5345280" cy="4008960"/>
+          </a:xfrm>
+          <a:prstGeom prst="rect">
+            <a:avLst/>
+          </a:prstGeom>
+        </p:spPr>
+      </p:sp>
+      <p:sp>
+        <p:nvSpPr>
+          <p:cNvPr id="165" name="PlaceHolder 2"/>
+          <p:cNvSpPr>
+            <a:spLocks noGrp="1"/>
+          </p:cNvSpPr>
+          <p:nvPr>
+            <p:ph type="body"/>
+          </p:nvPr>
+        </p:nvSpPr>
+        <p:spPr>
+          <a:xfrm>
+            <a:off x="756000" y="5078520"/>
+            <a:ext cx="6047640" cy="4811040"/>
+          </a:xfrm>
+          <a:prstGeom prst="rect">
+            <a:avLst/>
+          </a:prstGeom>
+        </p:spPr>
+        <p:txBody>
+          <a:bodyPr lIns="0" rIns="0" tIns="0" bIns="0">
+            <a:noAutofit/>
+          </a:bodyPr>
+          <a:p>
+            <a:r>
+              <a:rPr b="0" lang="de-AT" sz="2000" spc="-1" strike="noStrike">
+                <a:latin typeface="Arial"/>
+              </a:rPr>
+              <a:t>As we can see the sum is always calculated correctly.</a:t>
+            </a:r>
+            <a:br/>
+            <a:r>
+              <a:rPr b="0" lang="de-AT" sz="2000" spc="-1" strike="noStrike">
+                <a:latin typeface="Arial"/>
+              </a:rPr>
+              <a:t>However deviations occur, when calculating the carry out. </a:t>
+            </a:r>
+            <a:br/>
+            <a:r>
+              <a:rPr b="0" lang="de-AT" sz="2000" spc="-1" strike="noStrike">
+                <a:latin typeface="Arial"/>
+              </a:rPr>
+              <a:t>In this chart the tik marks show a correct result and the crosses indicate a wrong bit. </a:t>
+            </a:r>
+            <a:br/>
+            <a:r>
+              <a:rPr b="0" lang="de-AT" sz="2000" spc="-1" strike="noStrike">
+                <a:latin typeface="Arial"/>
+              </a:rPr>
+              <a:t>Therefore in 6 out of 8 cases, we are calculating the correct carry out. </a:t>
+            </a:r>
+            <a:endParaRPr b="0" lang="de-AT" sz="2000" spc="-1" strike="noStrike">
+              <a:latin typeface="Arial"/>
+            </a:endParaRPr>
+          </a:p>
+          <a:p>
+            <a:endParaRPr b="0" lang="de-AT" sz="2000" spc="-1" strike="noStrike">
+              <a:latin typeface="Arial"/>
+            </a:endParaRPr>
+          </a:p>
+          <a:p>
+            <a:r>
+              <a:rPr b="0" lang="de-AT" sz="2000" spc="-1" strike="noStrike">
+                <a:latin typeface="Arial"/>
+              </a:rPr>
+              <a:t>This design will be implemented on an open source processor. </a:t>
+            </a:r>
+            <a:br/>
+            <a:endParaRPr b="0" lang="de-AT" sz="2000" spc="-1" strike="noStrike">
+              <a:latin typeface="Arial"/>
+            </a:endParaRPr>
+          </a:p>
+        </p:txBody>
+      </p:sp>
+    </p:spTree>
+  </p:cSld>
+</p:notes>
+</file>
+
+<file path=ppt/notesSlides/notesSlide6.xml><?xml version="1.0" encoding="utf-8"?>
+<p:notes xmlns:a="http://schemas.openxmlformats.org/drawingml/2006/main" xmlns:p="http://schemas.openxmlformats.org/presentationml/2006/main" xmlns:r="http://schemas.openxmlformats.org/officeDocument/2006/relationships" xmlns:p14="http://schemas.microsoft.com/office/powerpoint/2010/main" xmlns:p15="http://schemas.microsoft.com/office/powerpoint/2012/main" xmlns:mc="http://schemas.openxmlformats.org/markup-compatibility/2006">
+  <p:cSld>
+    <p:spTree>
+      <p:nvGrpSpPr>
+        <p:cNvPr id="1" name=""/>
+        <p:cNvGrpSpPr/>
+        <p:nvPr/>
+      </p:nvGrpSpPr>
+      <p:grpSpPr>
+        <a:xfrm>
+          <a:off x="0" y="0"/>
+          <a:ext cx="0" cy="0"/>
+          <a:chOff x="0" y="0"/>
+          <a:chExt cx="0" cy="0"/>
+        </a:xfrm>
+      </p:grpSpPr>
+      <p:sp>
+        <p:nvSpPr>
+          <p:cNvPr id="166" name="PlaceHolder 1"/>
+          <p:cNvSpPr>
+            <a:spLocks noGrp="1"/>
+          </p:cNvSpPr>
+          <p:nvPr>
+            <p:ph type="sldImg"/>
+          </p:nvPr>
+        </p:nvSpPr>
+        <p:spPr>
+          <a:xfrm>
+            <a:off x="1107000" y="812520"/>
+            <a:ext cx="5345280" cy="4008960"/>
+          </a:xfrm>
+          <a:prstGeom prst="rect">
+            <a:avLst/>
+          </a:prstGeom>
+        </p:spPr>
+      </p:sp>
+      <p:sp>
+        <p:nvSpPr>
+          <p:cNvPr id="167" name="PlaceHolder 2"/>
+          <p:cNvSpPr>
+            <a:spLocks noGrp="1"/>
+          </p:cNvSpPr>
+          <p:nvPr>
+            <p:ph type="body"/>
+          </p:nvPr>
+        </p:nvSpPr>
+        <p:spPr>
+          <a:xfrm>
+            <a:off x="756000" y="5078520"/>
+            <a:ext cx="6047640" cy="4811040"/>
+          </a:xfrm>
+          <a:prstGeom prst="rect">
+            <a:avLst/>
+          </a:prstGeom>
+        </p:spPr>
+        <p:txBody>
+          <a:bodyPr lIns="0" rIns="0" tIns="0" bIns="0">
+            <a:noAutofit/>
+          </a:bodyPr>
+          <a:p>
+            <a:r>
+              <a:rPr b="0" lang="zxx" sz="2000" spc="-1" strike="noStrike">
+                <a:latin typeface="Arial"/>
+              </a:rPr>
+              <a:t>We already wrote the VHDL code for the Full Adders and wrote a Python code that creates a Binary decision tree. </a:t>
+            </a:r>
+            <a:endParaRPr b="0" lang="zxx" sz="2000" spc="-1" strike="noStrike">
+              <a:latin typeface="Arial"/>
+            </a:endParaRPr>
+          </a:p>
+          <a:p>
+            <a:r>
+              <a:rPr b="0" lang="zxx" sz="2000" spc="-1" strike="noStrike">
+                <a:latin typeface="Arial"/>
+              </a:rPr>
+              <a:t>The binary decision tree will be later used to estimate the worst case error. </a:t>
+            </a:r>
+            <a:endParaRPr b="0" lang="zxx" sz="2000" spc="-1" strike="noStrike">
+              <a:latin typeface="Arial"/>
+            </a:endParaRPr>
+          </a:p>
+        </p:txBody>
+      </p:sp>
+    </p:spTree>
+  </p:cSld>
+</p:notes>
+</file>
+
+<file path=ppt/notesSlides/notesSlide7.xml><?xml version="1.0" encoding="utf-8"?>
+<p:notes xmlns:a="http://schemas.openxmlformats.org/drawingml/2006/main" xmlns:p="http://schemas.openxmlformats.org/presentationml/2006/main" xmlns:r="http://schemas.openxmlformats.org/officeDocument/2006/relationships" xmlns:p14="http://schemas.microsoft.com/office/powerpoint/2010/main" xmlns:p15="http://schemas.microsoft.com/office/powerpoint/2012/main" xmlns:mc="http://schemas.openxmlformats.org/markup-compatibility/2006">
+  <p:cSld>
+    <p:spTree>
+      <p:nvGrpSpPr>
+        <p:cNvPr id="1" name=""/>
+        <p:cNvGrpSpPr/>
+        <p:nvPr/>
+      </p:nvGrpSpPr>
+      <p:grpSpPr>
+        <a:xfrm>
+          <a:off x="0" y="0"/>
+          <a:ext cx="0" cy="0"/>
+          <a:chOff x="0" y="0"/>
+          <a:chExt cx="0" cy="0"/>
+        </a:xfrm>
+      </p:grpSpPr>
+      <p:sp>
+        <p:nvSpPr>
+          <p:cNvPr id="168" name="PlaceHolder 1"/>
+          <p:cNvSpPr>
+            <a:spLocks noGrp="1"/>
+          </p:cNvSpPr>
+          <p:nvPr>
+            <p:ph type="sldImg"/>
+          </p:nvPr>
+        </p:nvSpPr>
+        <p:spPr>
+          <a:xfrm>
+            <a:off x="1107000" y="812520"/>
+            <a:ext cx="5345280" cy="4008960"/>
+          </a:xfrm>
+          <a:prstGeom prst="rect">
+            <a:avLst/>
+          </a:prstGeom>
+        </p:spPr>
+      </p:sp>
+      <p:sp>
+        <p:nvSpPr>
+          <p:cNvPr id="169" name="PlaceHolder 2"/>
+          <p:cNvSpPr>
+            <a:spLocks noGrp="1"/>
+          </p:cNvSpPr>
+          <p:nvPr>
+            <p:ph type="body"/>
+          </p:nvPr>
+        </p:nvSpPr>
+        <p:spPr>
+          <a:xfrm>
+            <a:off x="756000" y="5078520"/>
+            <a:ext cx="6047640" cy="4811040"/>
+          </a:xfrm>
+          <a:prstGeom prst="rect">
+            <a:avLst/>
+          </a:prstGeom>
+        </p:spPr>
+        <p:txBody>
+          <a:bodyPr lIns="0" rIns="0" tIns="0" bIns="0">
+            <a:noAutofit/>
+          </a:bodyPr>
+          <a:p>
+            <a:r>
+              <a:rPr b="0" lang="zxx" sz="2000" spc="-1" strike="noStrike">
+                <a:latin typeface="Arial"/>
+              </a:rPr>
+              <a:t>Erklärung des BDT </a:t>
+            </a:r>
+            <a:endParaRPr b="0" lang="zxx" sz="2000" spc="-1" strike="noStrike">
+              <a:latin typeface="Arial"/>
+            </a:endParaRPr>
+          </a:p>
+        </p:txBody>
+      </p:sp>
+    </p:spTree>
+  </p:cSld>
+</p:notes>
 </file>
 
 <file path=ppt/slideLayouts/slideLayout1.xml><?xml version="1.0" encoding="utf-8"?>
@@ -60,7 +1017,7 @@
       </p:grpSpPr>
       <p:sp>
         <p:nvSpPr>
-          <p:cNvPr id="31" name="PlaceHolder 1"/>
+          <p:cNvPr id="30" name="PlaceHolder 1"/>
           <p:cNvSpPr>
             <a:spLocks noGrp="1"/>
           </p:cNvSpPr>
@@ -71,7 +1028,7 @@
         <p:spPr>
           <a:xfrm>
             <a:off x="822960" y="1385640"/>
-            <a:ext cx="7543440" cy="4147560"/>
+            <a:ext cx="7543080" cy="4147200"/>
           </a:xfrm>
           <a:prstGeom prst="rect">
             <a:avLst/>
@@ -82,18 +1039,16 @@
             <a:noAutofit/>
           </a:bodyPr>
           <a:p>
-            <a:endParaRPr b="0" lang="en-US" sz="1800" spc="-1" strike="noStrike">
-              <a:solidFill>
-                <a:srgbClr val="000000"/>
-              </a:solidFill>
-              <a:latin typeface="Calibri"/>
-            </a:endParaRPr>
-          </a:p>
-        </p:txBody>
-      </p:sp>
-      <p:sp>
-        <p:nvSpPr>
-          <p:cNvPr id="32" name="PlaceHolder 2"/>
+            <a:pPr algn="ctr"/>
+            <a:endParaRPr b="0" lang="de-AT" sz="4400" spc="-1" strike="noStrike">
+              <a:latin typeface="Arial"/>
+            </a:endParaRPr>
+          </a:p>
+        </p:txBody>
+      </p:sp>
+      <p:sp>
+        <p:nvSpPr>
+          <p:cNvPr id="31" name="PlaceHolder 2"/>
           <p:cNvSpPr>
             <a:spLocks noGrp="1"/>
           </p:cNvSpPr>
@@ -115,18 +1070,15 @@
             <a:normAutofit/>
           </a:bodyPr>
           <a:p>
-            <a:endParaRPr b="0" lang="en-US" sz="2000" spc="-1" strike="noStrike">
-              <a:solidFill>
-                <a:srgbClr val="404040"/>
-              </a:solidFill>
-              <a:latin typeface="Calibri"/>
-            </a:endParaRPr>
-          </a:p>
-        </p:txBody>
-      </p:sp>
-      <p:sp>
-        <p:nvSpPr>
-          <p:cNvPr id="33" name="PlaceHolder 3"/>
+            <a:endParaRPr b="0" lang="de-AT" sz="3200" spc="-1" strike="noStrike">
+              <a:latin typeface="Arial"/>
+            </a:endParaRPr>
+          </a:p>
+        </p:txBody>
+      </p:sp>
+      <p:sp>
+        <p:nvSpPr>
+          <p:cNvPr id="32" name="PlaceHolder 3"/>
           <p:cNvSpPr>
             <a:spLocks noGrp="1"/>
           </p:cNvSpPr>
@@ -148,11 +1100,8 @@
             <a:normAutofit/>
           </a:bodyPr>
           <a:p>
-            <a:endParaRPr b="0" lang="en-US" sz="2000" spc="-1" strike="noStrike">
-              <a:solidFill>
-                <a:srgbClr val="404040"/>
-              </a:solidFill>
-              <a:latin typeface="Calibri"/>
+            <a:endParaRPr b="0" lang="de-AT" sz="3200" spc="-1" strike="noStrike">
+              <a:latin typeface="Arial"/>
             </a:endParaRPr>
           </a:p>
         </p:txBody>
@@ -181,7 +1130,7 @@
       </p:grpSpPr>
       <p:sp>
         <p:nvSpPr>
-          <p:cNvPr id="34" name="PlaceHolder 1"/>
+          <p:cNvPr id="33" name="PlaceHolder 1"/>
           <p:cNvSpPr>
             <a:spLocks noGrp="1"/>
           </p:cNvSpPr>
@@ -192,7 +1141,7 @@
         <p:spPr>
           <a:xfrm>
             <a:off x="822960" y="1385640"/>
-            <a:ext cx="7543440" cy="4147560"/>
+            <a:ext cx="7543080" cy="4147200"/>
           </a:xfrm>
           <a:prstGeom prst="rect">
             <a:avLst/>
@@ -203,18 +1152,16 @@
             <a:noAutofit/>
           </a:bodyPr>
           <a:p>
-            <a:endParaRPr b="0" lang="en-US" sz="1800" spc="-1" strike="noStrike">
-              <a:solidFill>
-                <a:srgbClr val="000000"/>
-              </a:solidFill>
-              <a:latin typeface="Calibri"/>
-            </a:endParaRPr>
-          </a:p>
-        </p:txBody>
-      </p:sp>
-      <p:sp>
-        <p:nvSpPr>
-          <p:cNvPr id="35" name="PlaceHolder 2"/>
+            <a:pPr algn="ctr"/>
+            <a:endParaRPr b="0" lang="de-AT" sz="4400" spc="-1" strike="noStrike">
+              <a:latin typeface="Arial"/>
+            </a:endParaRPr>
+          </a:p>
+        </p:txBody>
+      </p:sp>
+      <p:sp>
+        <p:nvSpPr>
+          <p:cNvPr id="34" name="PlaceHolder 2"/>
           <p:cNvSpPr>
             <a:spLocks noGrp="1"/>
           </p:cNvSpPr>
@@ -236,18 +1183,15 @@
             <a:normAutofit/>
           </a:bodyPr>
           <a:p>
-            <a:endParaRPr b="0" lang="en-US" sz="2000" spc="-1" strike="noStrike">
-              <a:solidFill>
-                <a:srgbClr val="404040"/>
-              </a:solidFill>
-              <a:latin typeface="Calibri"/>
-            </a:endParaRPr>
-          </a:p>
-        </p:txBody>
-      </p:sp>
-      <p:sp>
-        <p:nvSpPr>
-          <p:cNvPr id="36" name="PlaceHolder 3"/>
+            <a:endParaRPr b="0" lang="de-AT" sz="3200" spc="-1" strike="noStrike">
+              <a:latin typeface="Arial"/>
+            </a:endParaRPr>
+          </a:p>
+        </p:txBody>
+      </p:sp>
+      <p:sp>
+        <p:nvSpPr>
+          <p:cNvPr id="35" name="PlaceHolder 3"/>
           <p:cNvSpPr>
             <a:spLocks noGrp="1"/>
           </p:cNvSpPr>
@@ -269,18 +1213,15 @@
             <a:normAutofit/>
           </a:bodyPr>
           <a:p>
-            <a:endParaRPr b="0" lang="en-US" sz="2000" spc="-1" strike="noStrike">
-              <a:solidFill>
-                <a:srgbClr val="404040"/>
-              </a:solidFill>
-              <a:latin typeface="Calibri"/>
-            </a:endParaRPr>
-          </a:p>
-        </p:txBody>
-      </p:sp>
-      <p:sp>
-        <p:nvSpPr>
-          <p:cNvPr id="37" name="PlaceHolder 4"/>
+            <a:endParaRPr b="0" lang="de-AT" sz="3200" spc="-1" strike="noStrike">
+              <a:latin typeface="Arial"/>
+            </a:endParaRPr>
+          </a:p>
+        </p:txBody>
+      </p:sp>
+      <p:sp>
+        <p:nvSpPr>
+          <p:cNvPr id="36" name="PlaceHolder 4"/>
           <p:cNvSpPr>
             <a:spLocks noGrp="1"/>
           </p:cNvSpPr>
@@ -302,18 +1243,15 @@
             <a:normAutofit/>
           </a:bodyPr>
           <a:p>
-            <a:endParaRPr b="0" lang="en-US" sz="2000" spc="-1" strike="noStrike">
-              <a:solidFill>
-                <a:srgbClr val="404040"/>
-              </a:solidFill>
-              <a:latin typeface="Calibri"/>
-            </a:endParaRPr>
-          </a:p>
-        </p:txBody>
-      </p:sp>
-      <p:sp>
-        <p:nvSpPr>
-          <p:cNvPr id="38" name="PlaceHolder 5"/>
+            <a:endParaRPr b="0" lang="de-AT" sz="3200" spc="-1" strike="noStrike">
+              <a:latin typeface="Arial"/>
+            </a:endParaRPr>
+          </a:p>
+        </p:txBody>
+      </p:sp>
+      <p:sp>
+        <p:nvSpPr>
+          <p:cNvPr id="37" name="PlaceHolder 5"/>
           <p:cNvSpPr>
             <a:spLocks noGrp="1"/>
           </p:cNvSpPr>
@@ -335,11 +1273,8 @@
             <a:normAutofit/>
           </a:bodyPr>
           <a:p>
-            <a:endParaRPr b="0" lang="en-US" sz="2000" spc="-1" strike="noStrike">
-              <a:solidFill>
-                <a:srgbClr val="404040"/>
-              </a:solidFill>
-              <a:latin typeface="Calibri"/>
+            <a:endParaRPr b="0" lang="de-AT" sz="3200" spc="-1" strike="noStrike">
+              <a:latin typeface="Arial"/>
             </a:endParaRPr>
           </a:p>
         </p:txBody>
@@ -368,7 +1303,7 @@
       </p:grpSpPr>
       <p:sp>
         <p:nvSpPr>
-          <p:cNvPr id="39" name="PlaceHolder 1"/>
+          <p:cNvPr id="38" name="PlaceHolder 1"/>
           <p:cNvSpPr>
             <a:spLocks noGrp="1"/>
           </p:cNvSpPr>
@@ -379,7 +1314,7 @@
         <p:spPr>
           <a:xfrm>
             <a:off x="822960" y="1385640"/>
-            <a:ext cx="7543440" cy="4147560"/>
+            <a:ext cx="7543080" cy="4147200"/>
           </a:xfrm>
           <a:prstGeom prst="rect">
             <a:avLst/>
@@ -390,18 +1325,16 @@
             <a:noAutofit/>
           </a:bodyPr>
           <a:p>
-            <a:endParaRPr b="0" lang="en-US" sz="1800" spc="-1" strike="noStrike">
-              <a:solidFill>
-                <a:srgbClr val="000000"/>
-              </a:solidFill>
-              <a:latin typeface="Calibri"/>
-            </a:endParaRPr>
-          </a:p>
-        </p:txBody>
-      </p:sp>
-      <p:sp>
-        <p:nvSpPr>
-          <p:cNvPr id="40" name="PlaceHolder 2"/>
+            <a:pPr algn="ctr"/>
+            <a:endParaRPr b="0" lang="de-AT" sz="4400" spc="-1" strike="noStrike">
+              <a:latin typeface="Arial"/>
+            </a:endParaRPr>
+          </a:p>
+        </p:txBody>
+      </p:sp>
+      <p:sp>
+        <p:nvSpPr>
+          <p:cNvPr id="39" name="PlaceHolder 2"/>
           <p:cNvSpPr>
             <a:spLocks noGrp="1"/>
           </p:cNvSpPr>
@@ -423,18 +1356,15 @@
             <a:normAutofit/>
           </a:bodyPr>
           <a:p>
-            <a:endParaRPr b="0" lang="en-US" sz="2000" spc="-1" strike="noStrike">
-              <a:solidFill>
-                <a:srgbClr val="404040"/>
-              </a:solidFill>
-              <a:latin typeface="Calibri"/>
-            </a:endParaRPr>
-          </a:p>
-        </p:txBody>
-      </p:sp>
-      <p:sp>
-        <p:nvSpPr>
-          <p:cNvPr id="41" name="PlaceHolder 3"/>
+            <a:endParaRPr b="0" lang="de-AT" sz="3200" spc="-1" strike="noStrike">
+              <a:latin typeface="Arial"/>
+            </a:endParaRPr>
+          </a:p>
+        </p:txBody>
+      </p:sp>
+      <p:sp>
+        <p:nvSpPr>
+          <p:cNvPr id="40" name="PlaceHolder 3"/>
           <p:cNvSpPr>
             <a:spLocks noGrp="1"/>
           </p:cNvSpPr>
@@ -456,18 +1386,15 @@
             <a:normAutofit/>
           </a:bodyPr>
           <a:p>
-            <a:endParaRPr b="0" lang="en-US" sz="2000" spc="-1" strike="noStrike">
-              <a:solidFill>
-                <a:srgbClr val="404040"/>
-              </a:solidFill>
-              <a:latin typeface="Calibri"/>
-            </a:endParaRPr>
-          </a:p>
-        </p:txBody>
-      </p:sp>
-      <p:sp>
-        <p:nvSpPr>
-          <p:cNvPr id="42" name="PlaceHolder 4"/>
+            <a:endParaRPr b="0" lang="de-AT" sz="3200" spc="-1" strike="noStrike">
+              <a:latin typeface="Arial"/>
+            </a:endParaRPr>
+          </a:p>
+        </p:txBody>
+      </p:sp>
+      <p:sp>
+        <p:nvSpPr>
+          <p:cNvPr id="41" name="PlaceHolder 4"/>
           <p:cNvSpPr>
             <a:spLocks noGrp="1"/>
           </p:cNvSpPr>
@@ -489,18 +1416,15 @@
             <a:normAutofit/>
           </a:bodyPr>
           <a:p>
-            <a:endParaRPr b="0" lang="en-US" sz="2000" spc="-1" strike="noStrike">
-              <a:solidFill>
-                <a:srgbClr val="404040"/>
-              </a:solidFill>
-              <a:latin typeface="Calibri"/>
-            </a:endParaRPr>
-          </a:p>
-        </p:txBody>
-      </p:sp>
-      <p:sp>
-        <p:nvSpPr>
-          <p:cNvPr id="43" name="PlaceHolder 5"/>
+            <a:endParaRPr b="0" lang="de-AT" sz="3200" spc="-1" strike="noStrike">
+              <a:latin typeface="Arial"/>
+            </a:endParaRPr>
+          </a:p>
+        </p:txBody>
+      </p:sp>
+      <p:sp>
+        <p:nvSpPr>
+          <p:cNvPr id="42" name="PlaceHolder 5"/>
           <p:cNvSpPr>
             <a:spLocks noGrp="1"/>
           </p:cNvSpPr>
@@ -522,18 +1446,15 @@
             <a:normAutofit/>
           </a:bodyPr>
           <a:p>
-            <a:endParaRPr b="0" lang="en-US" sz="2000" spc="-1" strike="noStrike">
-              <a:solidFill>
-                <a:srgbClr val="404040"/>
-              </a:solidFill>
-              <a:latin typeface="Calibri"/>
-            </a:endParaRPr>
-          </a:p>
-        </p:txBody>
-      </p:sp>
-      <p:sp>
-        <p:nvSpPr>
-          <p:cNvPr id="44" name="PlaceHolder 6"/>
+            <a:endParaRPr b="0" lang="de-AT" sz="3200" spc="-1" strike="noStrike">
+              <a:latin typeface="Arial"/>
+            </a:endParaRPr>
+          </a:p>
+        </p:txBody>
+      </p:sp>
+      <p:sp>
+        <p:nvSpPr>
+          <p:cNvPr id="43" name="PlaceHolder 6"/>
           <p:cNvSpPr>
             <a:spLocks noGrp="1"/>
           </p:cNvSpPr>
@@ -555,18 +1476,15 @@
             <a:normAutofit/>
           </a:bodyPr>
           <a:p>
-            <a:endParaRPr b="0" lang="en-US" sz="2000" spc="-1" strike="noStrike">
-              <a:solidFill>
-                <a:srgbClr val="404040"/>
-              </a:solidFill>
-              <a:latin typeface="Calibri"/>
-            </a:endParaRPr>
-          </a:p>
-        </p:txBody>
-      </p:sp>
-      <p:sp>
-        <p:nvSpPr>
-          <p:cNvPr id="45" name="PlaceHolder 7"/>
+            <a:endParaRPr b="0" lang="de-AT" sz="3200" spc="-1" strike="noStrike">
+              <a:latin typeface="Arial"/>
+            </a:endParaRPr>
+          </a:p>
+        </p:txBody>
+      </p:sp>
+      <p:sp>
+        <p:nvSpPr>
+          <p:cNvPr id="44" name="PlaceHolder 7"/>
           <p:cNvSpPr>
             <a:spLocks noGrp="1"/>
           </p:cNvSpPr>
@@ -588,11 +1506,8 @@
             <a:normAutofit/>
           </a:bodyPr>
           <a:p>
-            <a:endParaRPr b="0" lang="en-US" sz="2000" spc="-1" strike="noStrike">
-              <a:solidFill>
-                <a:srgbClr val="404040"/>
-              </a:solidFill>
-              <a:latin typeface="Calibri"/>
+            <a:endParaRPr b="0" lang="de-AT" sz="3200" spc="-1" strike="noStrike">
+              <a:latin typeface="Arial"/>
             </a:endParaRPr>
           </a:p>
         </p:txBody>
@@ -643,7 +1558,7 @@
       </p:grpSpPr>
       <p:sp>
         <p:nvSpPr>
-          <p:cNvPr id="52" name="PlaceHolder 1"/>
+          <p:cNvPr id="50" name="PlaceHolder 1"/>
           <p:cNvSpPr>
             <a:spLocks noGrp="1"/>
           </p:cNvSpPr>
@@ -654,7 +1569,7 @@
         <p:spPr>
           <a:xfrm>
             <a:off x="822960" y="1385640"/>
-            <a:ext cx="7543440" cy="4147560"/>
+            <a:ext cx="7543080" cy="4147200"/>
           </a:xfrm>
           <a:prstGeom prst="rect">
             <a:avLst/>
@@ -665,18 +1580,16 @@
             <a:noAutofit/>
           </a:bodyPr>
           <a:p>
-            <a:endParaRPr b="0" lang="en-US" sz="1800" spc="-1" strike="noStrike">
-              <a:solidFill>
-                <a:srgbClr val="000000"/>
-              </a:solidFill>
-              <a:latin typeface="Calibri"/>
-            </a:endParaRPr>
-          </a:p>
-        </p:txBody>
-      </p:sp>
-      <p:sp>
-        <p:nvSpPr>
-          <p:cNvPr id="53" name="PlaceHolder 2"/>
+            <a:pPr algn="ctr"/>
+            <a:endParaRPr b="0" lang="de-AT" sz="4400" spc="-1" strike="noStrike">
+              <a:latin typeface="Arial"/>
+            </a:endParaRPr>
+          </a:p>
+        </p:txBody>
+      </p:sp>
+      <p:sp>
+        <p:nvSpPr>
+          <p:cNvPr id="51" name="PlaceHolder 2"/>
           <p:cNvSpPr>
             <a:spLocks noGrp="1"/>
           </p:cNvSpPr>
@@ -729,7 +1642,7 @@
       </p:grpSpPr>
       <p:sp>
         <p:nvSpPr>
-          <p:cNvPr id="54" name="PlaceHolder 1"/>
+          <p:cNvPr id="52" name="PlaceHolder 1"/>
           <p:cNvSpPr>
             <a:spLocks noGrp="1"/>
           </p:cNvSpPr>
@@ -740,7 +1653,7 @@
         <p:spPr>
           <a:xfrm>
             <a:off x="822960" y="1385640"/>
-            <a:ext cx="7543440" cy="4147560"/>
+            <a:ext cx="7543080" cy="4147200"/>
           </a:xfrm>
           <a:prstGeom prst="rect">
             <a:avLst/>
@@ -751,18 +1664,16 @@
             <a:noAutofit/>
           </a:bodyPr>
           <a:p>
-            <a:endParaRPr b="0" lang="en-US" sz="1800" spc="-1" strike="noStrike">
-              <a:solidFill>
-                <a:srgbClr val="000000"/>
-              </a:solidFill>
-              <a:latin typeface="Calibri"/>
-            </a:endParaRPr>
-          </a:p>
-        </p:txBody>
-      </p:sp>
-      <p:sp>
-        <p:nvSpPr>
-          <p:cNvPr id="55" name="PlaceHolder 2"/>
+            <a:pPr algn="ctr"/>
+            <a:endParaRPr b="0" lang="de-AT" sz="4400" spc="-1" strike="noStrike">
+              <a:latin typeface="Arial"/>
+            </a:endParaRPr>
+          </a:p>
+        </p:txBody>
+      </p:sp>
+      <p:sp>
+        <p:nvSpPr>
+          <p:cNvPr id="53" name="PlaceHolder 2"/>
           <p:cNvSpPr>
             <a:spLocks noGrp="1"/>
           </p:cNvSpPr>
@@ -784,11 +1695,8 @@
             <a:normAutofit/>
           </a:bodyPr>
           <a:p>
-            <a:endParaRPr b="0" lang="en-US" sz="2000" spc="-1" strike="noStrike">
-              <a:solidFill>
-                <a:srgbClr val="404040"/>
-              </a:solidFill>
-              <a:latin typeface="Calibri"/>
+            <a:endParaRPr b="0" lang="de-AT" sz="3200" spc="-1" strike="noStrike">
+              <a:latin typeface="Arial"/>
             </a:endParaRPr>
           </a:p>
         </p:txBody>
@@ -817,7 +1725,7 @@
       </p:grpSpPr>
       <p:sp>
         <p:nvSpPr>
-          <p:cNvPr id="56" name="PlaceHolder 1"/>
+          <p:cNvPr id="54" name="PlaceHolder 1"/>
           <p:cNvSpPr>
             <a:spLocks noGrp="1"/>
           </p:cNvSpPr>
@@ -828,7 +1736,7 @@
         <p:spPr>
           <a:xfrm>
             <a:off x="822960" y="1385640"/>
-            <a:ext cx="7543440" cy="4147560"/>
+            <a:ext cx="7543080" cy="4147200"/>
           </a:xfrm>
           <a:prstGeom prst="rect">
             <a:avLst/>
@@ -839,18 +1747,16 @@
             <a:noAutofit/>
           </a:bodyPr>
           <a:p>
-            <a:endParaRPr b="0" lang="en-US" sz="1800" spc="-1" strike="noStrike">
-              <a:solidFill>
-                <a:srgbClr val="000000"/>
-              </a:solidFill>
-              <a:latin typeface="Calibri"/>
-            </a:endParaRPr>
-          </a:p>
-        </p:txBody>
-      </p:sp>
-      <p:sp>
-        <p:nvSpPr>
-          <p:cNvPr id="57" name="PlaceHolder 2"/>
+            <a:pPr algn="ctr"/>
+            <a:endParaRPr b="0" lang="de-AT" sz="4400" spc="-1" strike="noStrike">
+              <a:latin typeface="Arial"/>
+            </a:endParaRPr>
+          </a:p>
+        </p:txBody>
+      </p:sp>
+      <p:sp>
+        <p:nvSpPr>
+          <p:cNvPr id="55" name="PlaceHolder 2"/>
           <p:cNvSpPr>
             <a:spLocks noGrp="1"/>
           </p:cNvSpPr>
@@ -872,18 +1778,15 @@
             <a:normAutofit/>
           </a:bodyPr>
           <a:p>
-            <a:endParaRPr b="0" lang="en-US" sz="2000" spc="-1" strike="noStrike">
-              <a:solidFill>
-                <a:srgbClr val="404040"/>
-              </a:solidFill>
-              <a:latin typeface="Calibri"/>
-            </a:endParaRPr>
-          </a:p>
-        </p:txBody>
-      </p:sp>
-      <p:sp>
-        <p:nvSpPr>
-          <p:cNvPr id="58" name="PlaceHolder 3"/>
+            <a:endParaRPr b="0" lang="de-AT" sz="3200" spc="-1" strike="noStrike">
+              <a:latin typeface="Arial"/>
+            </a:endParaRPr>
+          </a:p>
+        </p:txBody>
+      </p:sp>
+      <p:sp>
+        <p:nvSpPr>
+          <p:cNvPr id="56" name="PlaceHolder 3"/>
           <p:cNvSpPr>
             <a:spLocks noGrp="1"/>
           </p:cNvSpPr>
@@ -905,11 +1808,8 @@
             <a:normAutofit/>
           </a:bodyPr>
           <a:p>
-            <a:endParaRPr b="0" lang="en-US" sz="2000" spc="-1" strike="noStrike">
-              <a:solidFill>
-                <a:srgbClr val="404040"/>
-              </a:solidFill>
-              <a:latin typeface="Calibri"/>
+            <a:endParaRPr b="0" lang="de-AT" sz="3200" spc="-1" strike="noStrike">
+              <a:latin typeface="Arial"/>
             </a:endParaRPr>
           </a:p>
         </p:txBody>
@@ -938,7 +1838,7 @@
       </p:grpSpPr>
       <p:sp>
         <p:nvSpPr>
-          <p:cNvPr id="59" name="PlaceHolder 1"/>
+          <p:cNvPr id="57" name="PlaceHolder 1"/>
           <p:cNvSpPr>
             <a:spLocks noGrp="1"/>
           </p:cNvSpPr>
@@ -949,7 +1849,7 @@
         <p:spPr>
           <a:xfrm>
             <a:off x="822960" y="1385640"/>
-            <a:ext cx="7543440" cy="4147560"/>
+            <a:ext cx="7543080" cy="4147200"/>
           </a:xfrm>
           <a:prstGeom prst="rect">
             <a:avLst/>
@@ -960,11 +1860,9 @@
             <a:noAutofit/>
           </a:bodyPr>
           <a:p>
-            <a:endParaRPr b="0" lang="en-US" sz="1800" spc="-1" strike="noStrike">
-              <a:solidFill>
-                <a:srgbClr val="000000"/>
-              </a:solidFill>
-              <a:latin typeface="Calibri"/>
+            <a:pPr algn="ctr"/>
+            <a:endParaRPr b="0" lang="de-AT" sz="4400" spc="-1" strike="noStrike">
+              <a:latin typeface="Arial"/>
             </a:endParaRPr>
           </a:p>
         </p:txBody>
@@ -993,7 +1891,7 @@
       </p:grpSpPr>
       <p:sp>
         <p:nvSpPr>
-          <p:cNvPr id="60" name="PlaceHolder 1"/>
+          <p:cNvPr id="58" name="PlaceHolder 1"/>
           <p:cNvSpPr>
             <a:spLocks noGrp="1"/>
           </p:cNvSpPr>
@@ -1003,8 +1901,8 @@
         </p:nvSpPr>
         <p:spPr>
           <a:xfrm>
-            <a:off x="822960" y="4141080"/>
-            <a:ext cx="7543440" cy="13716000"/>
+            <a:off x="822960" y="4140000"/>
+            <a:ext cx="7543080" cy="13716000"/>
           </a:xfrm>
           <a:prstGeom prst="rect">
             <a:avLst/>
@@ -1046,7 +1944,7 @@
       </p:grpSpPr>
       <p:sp>
         <p:nvSpPr>
-          <p:cNvPr id="61" name="PlaceHolder 1"/>
+          <p:cNvPr id="59" name="PlaceHolder 1"/>
           <p:cNvSpPr>
             <a:spLocks noGrp="1"/>
           </p:cNvSpPr>
@@ -1057,7 +1955,7 @@
         <p:spPr>
           <a:xfrm>
             <a:off x="822960" y="1385640"/>
-            <a:ext cx="7543440" cy="4147560"/>
+            <a:ext cx="7543080" cy="4147200"/>
           </a:xfrm>
           <a:prstGeom prst="rect">
             <a:avLst/>
@@ -1068,18 +1966,16 @@
             <a:noAutofit/>
           </a:bodyPr>
           <a:p>
-            <a:endParaRPr b="0" lang="en-US" sz="1800" spc="-1" strike="noStrike">
-              <a:solidFill>
-                <a:srgbClr val="000000"/>
-              </a:solidFill>
-              <a:latin typeface="Calibri"/>
-            </a:endParaRPr>
-          </a:p>
-        </p:txBody>
-      </p:sp>
-      <p:sp>
-        <p:nvSpPr>
-          <p:cNvPr id="62" name="PlaceHolder 2"/>
+            <a:pPr algn="ctr"/>
+            <a:endParaRPr b="0" lang="de-AT" sz="4400" spc="-1" strike="noStrike">
+              <a:latin typeface="Arial"/>
+            </a:endParaRPr>
+          </a:p>
+        </p:txBody>
+      </p:sp>
+      <p:sp>
+        <p:nvSpPr>
+          <p:cNvPr id="60" name="PlaceHolder 2"/>
           <p:cNvSpPr>
             <a:spLocks noGrp="1"/>
           </p:cNvSpPr>
@@ -1101,18 +1997,15 @@
             <a:normAutofit/>
           </a:bodyPr>
           <a:p>
-            <a:endParaRPr b="0" lang="en-US" sz="2000" spc="-1" strike="noStrike">
-              <a:solidFill>
-                <a:srgbClr val="404040"/>
-              </a:solidFill>
-              <a:latin typeface="Calibri"/>
-            </a:endParaRPr>
-          </a:p>
-        </p:txBody>
-      </p:sp>
-      <p:sp>
-        <p:nvSpPr>
-          <p:cNvPr id="63" name="PlaceHolder 3"/>
+            <a:endParaRPr b="0" lang="de-AT" sz="3200" spc="-1" strike="noStrike">
+              <a:latin typeface="Arial"/>
+            </a:endParaRPr>
+          </a:p>
+        </p:txBody>
+      </p:sp>
+      <p:sp>
+        <p:nvSpPr>
+          <p:cNvPr id="61" name="PlaceHolder 3"/>
           <p:cNvSpPr>
             <a:spLocks noGrp="1"/>
           </p:cNvSpPr>
@@ -1134,18 +2027,15 @@
             <a:normAutofit/>
           </a:bodyPr>
           <a:p>
-            <a:endParaRPr b="0" lang="en-US" sz="2000" spc="-1" strike="noStrike">
-              <a:solidFill>
-                <a:srgbClr val="404040"/>
-              </a:solidFill>
-              <a:latin typeface="Calibri"/>
-            </a:endParaRPr>
-          </a:p>
-        </p:txBody>
-      </p:sp>
-      <p:sp>
-        <p:nvSpPr>
-          <p:cNvPr id="64" name="PlaceHolder 4"/>
+            <a:endParaRPr b="0" lang="de-AT" sz="3200" spc="-1" strike="noStrike">
+              <a:latin typeface="Arial"/>
+            </a:endParaRPr>
+          </a:p>
+        </p:txBody>
+      </p:sp>
+      <p:sp>
+        <p:nvSpPr>
+          <p:cNvPr id="62" name="PlaceHolder 4"/>
           <p:cNvSpPr>
             <a:spLocks noGrp="1"/>
           </p:cNvSpPr>
@@ -1167,11 +2057,8 @@
             <a:normAutofit/>
           </a:bodyPr>
           <a:p>
-            <a:endParaRPr b="0" lang="en-US" sz="2000" spc="-1" strike="noStrike">
-              <a:solidFill>
-                <a:srgbClr val="404040"/>
-              </a:solidFill>
-              <a:latin typeface="Calibri"/>
+            <a:endParaRPr b="0" lang="de-AT" sz="3200" spc="-1" strike="noStrike">
+              <a:latin typeface="Arial"/>
             </a:endParaRPr>
           </a:p>
         </p:txBody>
@@ -1200,7 +2087,7 @@
       </p:grpSpPr>
       <p:sp>
         <p:nvSpPr>
-          <p:cNvPr id="10" name="PlaceHolder 1"/>
+          <p:cNvPr id="9" name="PlaceHolder 1"/>
           <p:cNvSpPr>
             <a:spLocks noGrp="1"/>
           </p:cNvSpPr>
@@ -1211,7 +2098,7 @@
         <p:spPr>
           <a:xfrm>
             <a:off x="822960" y="1385640"/>
-            <a:ext cx="7543440" cy="4147560"/>
+            <a:ext cx="7543080" cy="4147200"/>
           </a:xfrm>
           <a:prstGeom prst="rect">
             <a:avLst/>
@@ -1222,18 +2109,16 @@
             <a:noAutofit/>
           </a:bodyPr>
           <a:p>
-            <a:endParaRPr b="0" lang="en-US" sz="1800" spc="-1" strike="noStrike">
-              <a:solidFill>
-                <a:srgbClr val="000000"/>
-              </a:solidFill>
-              <a:latin typeface="Calibri"/>
-            </a:endParaRPr>
-          </a:p>
-        </p:txBody>
-      </p:sp>
-      <p:sp>
-        <p:nvSpPr>
-          <p:cNvPr id="11" name="PlaceHolder 2"/>
+            <a:pPr algn="ctr"/>
+            <a:endParaRPr b="0" lang="de-AT" sz="4400" spc="-1" strike="noStrike">
+              <a:latin typeface="Arial"/>
+            </a:endParaRPr>
+          </a:p>
+        </p:txBody>
+      </p:sp>
+      <p:sp>
+        <p:nvSpPr>
+          <p:cNvPr id="10" name="PlaceHolder 2"/>
           <p:cNvSpPr>
             <a:spLocks noGrp="1"/>
           </p:cNvSpPr>
@@ -1286,7 +2171,7 @@
       </p:grpSpPr>
       <p:sp>
         <p:nvSpPr>
-          <p:cNvPr id="65" name="PlaceHolder 1"/>
+          <p:cNvPr id="63" name="PlaceHolder 1"/>
           <p:cNvSpPr>
             <a:spLocks noGrp="1"/>
           </p:cNvSpPr>
@@ -1297,7 +2182,7 @@
         <p:spPr>
           <a:xfrm>
             <a:off x="822960" y="1385640"/>
-            <a:ext cx="7543440" cy="4147560"/>
+            <a:ext cx="7543080" cy="4147200"/>
           </a:xfrm>
           <a:prstGeom prst="rect">
             <a:avLst/>
@@ -1308,18 +2193,16 @@
             <a:noAutofit/>
           </a:bodyPr>
           <a:p>
-            <a:endParaRPr b="0" lang="en-US" sz="1800" spc="-1" strike="noStrike">
-              <a:solidFill>
-                <a:srgbClr val="000000"/>
-              </a:solidFill>
-              <a:latin typeface="Calibri"/>
-            </a:endParaRPr>
-          </a:p>
-        </p:txBody>
-      </p:sp>
-      <p:sp>
-        <p:nvSpPr>
-          <p:cNvPr id="66" name="PlaceHolder 2"/>
+            <a:pPr algn="ctr"/>
+            <a:endParaRPr b="0" lang="de-AT" sz="4400" spc="-1" strike="noStrike">
+              <a:latin typeface="Arial"/>
+            </a:endParaRPr>
+          </a:p>
+        </p:txBody>
+      </p:sp>
+      <p:sp>
+        <p:nvSpPr>
+          <p:cNvPr id="64" name="PlaceHolder 2"/>
           <p:cNvSpPr>
             <a:spLocks noGrp="1"/>
           </p:cNvSpPr>
@@ -1341,18 +2224,15 @@
             <a:normAutofit/>
           </a:bodyPr>
           <a:p>
-            <a:endParaRPr b="0" lang="en-US" sz="2000" spc="-1" strike="noStrike">
-              <a:solidFill>
-                <a:srgbClr val="404040"/>
-              </a:solidFill>
-              <a:latin typeface="Calibri"/>
-            </a:endParaRPr>
-          </a:p>
-        </p:txBody>
-      </p:sp>
-      <p:sp>
-        <p:nvSpPr>
-          <p:cNvPr id="67" name="PlaceHolder 3"/>
+            <a:endParaRPr b="0" lang="de-AT" sz="3200" spc="-1" strike="noStrike">
+              <a:latin typeface="Arial"/>
+            </a:endParaRPr>
+          </a:p>
+        </p:txBody>
+      </p:sp>
+      <p:sp>
+        <p:nvSpPr>
+          <p:cNvPr id="65" name="PlaceHolder 3"/>
           <p:cNvSpPr>
             <a:spLocks noGrp="1"/>
           </p:cNvSpPr>
@@ -1374,18 +2254,15 @@
             <a:normAutofit/>
           </a:bodyPr>
           <a:p>
-            <a:endParaRPr b="0" lang="en-US" sz="2000" spc="-1" strike="noStrike">
-              <a:solidFill>
-                <a:srgbClr val="404040"/>
-              </a:solidFill>
-              <a:latin typeface="Calibri"/>
-            </a:endParaRPr>
-          </a:p>
-        </p:txBody>
-      </p:sp>
-      <p:sp>
-        <p:nvSpPr>
-          <p:cNvPr id="68" name="PlaceHolder 4"/>
+            <a:endParaRPr b="0" lang="de-AT" sz="3200" spc="-1" strike="noStrike">
+              <a:latin typeface="Arial"/>
+            </a:endParaRPr>
+          </a:p>
+        </p:txBody>
+      </p:sp>
+      <p:sp>
+        <p:nvSpPr>
+          <p:cNvPr id="66" name="PlaceHolder 4"/>
           <p:cNvSpPr>
             <a:spLocks noGrp="1"/>
           </p:cNvSpPr>
@@ -1407,11 +2284,8 @@
             <a:normAutofit/>
           </a:bodyPr>
           <a:p>
-            <a:endParaRPr b="0" lang="en-US" sz="2000" spc="-1" strike="noStrike">
-              <a:solidFill>
-                <a:srgbClr val="404040"/>
-              </a:solidFill>
-              <a:latin typeface="Calibri"/>
+            <a:endParaRPr b="0" lang="de-AT" sz="3200" spc="-1" strike="noStrike">
+              <a:latin typeface="Arial"/>
             </a:endParaRPr>
           </a:p>
         </p:txBody>
@@ -1440,7 +2314,7 @@
       </p:grpSpPr>
       <p:sp>
         <p:nvSpPr>
-          <p:cNvPr id="69" name="PlaceHolder 1"/>
+          <p:cNvPr id="67" name="PlaceHolder 1"/>
           <p:cNvSpPr>
             <a:spLocks noGrp="1"/>
           </p:cNvSpPr>
@@ -1451,7 +2325,7 @@
         <p:spPr>
           <a:xfrm>
             <a:off x="822960" y="1385640"/>
-            <a:ext cx="7543440" cy="4147560"/>
+            <a:ext cx="7543080" cy="4147200"/>
           </a:xfrm>
           <a:prstGeom prst="rect">
             <a:avLst/>
@@ -1462,18 +2336,16 @@
             <a:noAutofit/>
           </a:bodyPr>
           <a:p>
-            <a:endParaRPr b="0" lang="en-US" sz="1800" spc="-1" strike="noStrike">
-              <a:solidFill>
-                <a:srgbClr val="000000"/>
-              </a:solidFill>
-              <a:latin typeface="Calibri"/>
-            </a:endParaRPr>
-          </a:p>
-        </p:txBody>
-      </p:sp>
-      <p:sp>
-        <p:nvSpPr>
-          <p:cNvPr id="70" name="PlaceHolder 2"/>
+            <a:pPr algn="ctr"/>
+            <a:endParaRPr b="0" lang="de-AT" sz="4400" spc="-1" strike="noStrike">
+              <a:latin typeface="Arial"/>
+            </a:endParaRPr>
+          </a:p>
+        </p:txBody>
+      </p:sp>
+      <p:sp>
+        <p:nvSpPr>
+          <p:cNvPr id="68" name="PlaceHolder 2"/>
           <p:cNvSpPr>
             <a:spLocks noGrp="1"/>
           </p:cNvSpPr>
@@ -1495,18 +2367,15 @@
             <a:normAutofit/>
           </a:bodyPr>
           <a:p>
-            <a:endParaRPr b="0" lang="en-US" sz="2000" spc="-1" strike="noStrike">
-              <a:solidFill>
-                <a:srgbClr val="404040"/>
-              </a:solidFill>
-              <a:latin typeface="Calibri"/>
-            </a:endParaRPr>
-          </a:p>
-        </p:txBody>
-      </p:sp>
-      <p:sp>
-        <p:nvSpPr>
-          <p:cNvPr id="71" name="PlaceHolder 3"/>
+            <a:endParaRPr b="0" lang="de-AT" sz="3200" spc="-1" strike="noStrike">
+              <a:latin typeface="Arial"/>
+            </a:endParaRPr>
+          </a:p>
+        </p:txBody>
+      </p:sp>
+      <p:sp>
+        <p:nvSpPr>
+          <p:cNvPr id="69" name="PlaceHolder 3"/>
           <p:cNvSpPr>
             <a:spLocks noGrp="1"/>
           </p:cNvSpPr>
@@ -1528,18 +2397,15 @@
             <a:normAutofit/>
           </a:bodyPr>
           <a:p>
-            <a:endParaRPr b="0" lang="en-US" sz="2000" spc="-1" strike="noStrike">
-              <a:solidFill>
-                <a:srgbClr val="404040"/>
-              </a:solidFill>
-              <a:latin typeface="Calibri"/>
-            </a:endParaRPr>
-          </a:p>
-        </p:txBody>
-      </p:sp>
-      <p:sp>
-        <p:nvSpPr>
-          <p:cNvPr id="72" name="PlaceHolder 4"/>
+            <a:endParaRPr b="0" lang="de-AT" sz="3200" spc="-1" strike="noStrike">
+              <a:latin typeface="Arial"/>
+            </a:endParaRPr>
+          </a:p>
+        </p:txBody>
+      </p:sp>
+      <p:sp>
+        <p:nvSpPr>
+          <p:cNvPr id="70" name="PlaceHolder 4"/>
           <p:cNvSpPr>
             <a:spLocks noGrp="1"/>
           </p:cNvSpPr>
@@ -1561,11 +2427,8 @@
             <a:normAutofit/>
           </a:bodyPr>
           <a:p>
-            <a:endParaRPr b="0" lang="en-US" sz="2000" spc="-1" strike="noStrike">
-              <a:solidFill>
-                <a:srgbClr val="404040"/>
-              </a:solidFill>
-              <a:latin typeface="Calibri"/>
+            <a:endParaRPr b="0" lang="de-AT" sz="3200" spc="-1" strike="noStrike">
+              <a:latin typeface="Arial"/>
             </a:endParaRPr>
           </a:p>
         </p:txBody>
@@ -1594,7 +2457,7 @@
       </p:grpSpPr>
       <p:sp>
         <p:nvSpPr>
-          <p:cNvPr id="73" name="PlaceHolder 1"/>
+          <p:cNvPr id="71" name="PlaceHolder 1"/>
           <p:cNvSpPr>
             <a:spLocks noGrp="1"/>
           </p:cNvSpPr>
@@ -1605,7 +2468,7 @@
         <p:spPr>
           <a:xfrm>
             <a:off x="822960" y="1385640"/>
-            <a:ext cx="7543440" cy="4147560"/>
+            <a:ext cx="7543080" cy="4147200"/>
           </a:xfrm>
           <a:prstGeom prst="rect">
             <a:avLst/>
@@ -1616,18 +2479,16 @@
             <a:noAutofit/>
           </a:bodyPr>
           <a:p>
-            <a:endParaRPr b="0" lang="en-US" sz="1800" spc="-1" strike="noStrike">
-              <a:solidFill>
-                <a:srgbClr val="000000"/>
-              </a:solidFill>
-              <a:latin typeface="Calibri"/>
-            </a:endParaRPr>
-          </a:p>
-        </p:txBody>
-      </p:sp>
-      <p:sp>
-        <p:nvSpPr>
-          <p:cNvPr id="74" name="PlaceHolder 2"/>
+            <a:pPr algn="ctr"/>
+            <a:endParaRPr b="0" lang="de-AT" sz="4400" spc="-1" strike="noStrike">
+              <a:latin typeface="Arial"/>
+            </a:endParaRPr>
+          </a:p>
+        </p:txBody>
+      </p:sp>
+      <p:sp>
+        <p:nvSpPr>
+          <p:cNvPr id="72" name="PlaceHolder 2"/>
           <p:cNvSpPr>
             <a:spLocks noGrp="1"/>
           </p:cNvSpPr>
@@ -1649,18 +2510,15 @@
             <a:normAutofit/>
           </a:bodyPr>
           <a:p>
-            <a:endParaRPr b="0" lang="en-US" sz="2000" spc="-1" strike="noStrike">
-              <a:solidFill>
-                <a:srgbClr val="404040"/>
-              </a:solidFill>
-              <a:latin typeface="Calibri"/>
-            </a:endParaRPr>
-          </a:p>
-        </p:txBody>
-      </p:sp>
-      <p:sp>
-        <p:nvSpPr>
-          <p:cNvPr id="75" name="PlaceHolder 3"/>
+            <a:endParaRPr b="0" lang="de-AT" sz="3200" spc="-1" strike="noStrike">
+              <a:latin typeface="Arial"/>
+            </a:endParaRPr>
+          </a:p>
+        </p:txBody>
+      </p:sp>
+      <p:sp>
+        <p:nvSpPr>
+          <p:cNvPr id="73" name="PlaceHolder 3"/>
           <p:cNvSpPr>
             <a:spLocks noGrp="1"/>
           </p:cNvSpPr>
@@ -1682,11 +2540,8 @@
             <a:normAutofit/>
           </a:bodyPr>
           <a:p>
-            <a:endParaRPr b="0" lang="en-US" sz="2000" spc="-1" strike="noStrike">
-              <a:solidFill>
-                <a:srgbClr val="404040"/>
-              </a:solidFill>
-              <a:latin typeface="Calibri"/>
+            <a:endParaRPr b="0" lang="de-AT" sz="3200" spc="-1" strike="noStrike">
+              <a:latin typeface="Arial"/>
             </a:endParaRPr>
           </a:p>
         </p:txBody>
@@ -1715,7 +2570,7 @@
       </p:grpSpPr>
       <p:sp>
         <p:nvSpPr>
-          <p:cNvPr id="76" name="PlaceHolder 1"/>
+          <p:cNvPr id="74" name="PlaceHolder 1"/>
           <p:cNvSpPr>
             <a:spLocks noGrp="1"/>
           </p:cNvSpPr>
@@ -1726,7 +2581,7 @@
         <p:spPr>
           <a:xfrm>
             <a:off x="822960" y="1385640"/>
-            <a:ext cx="7543440" cy="4147560"/>
+            <a:ext cx="7543080" cy="4147200"/>
           </a:xfrm>
           <a:prstGeom prst="rect">
             <a:avLst/>
@@ -1737,18 +2592,16 @@
             <a:noAutofit/>
           </a:bodyPr>
           <a:p>
-            <a:endParaRPr b="0" lang="en-US" sz="1800" spc="-1" strike="noStrike">
-              <a:solidFill>
-                <a:srgbClr val="000000"/>
-              </a:solidFill>
-              <a:latin typeface="Calibri"/>
-            </a:endParaRPr>
-          </a:p>
-        </p:txBody>
-      </p:sp>
-      <p:sp>
-        <p:nvSpPr>
-          <p:cNvPr id="77" name="PlaceHolder 2"/>
+            <a:pPr algn="ctr"/>
+            <a:endParaRPr b="0" lang="de-AT" sz="4400" spc="-1" strike="noStrike">
+              <a:latin typeface="Arial"/>
+            </a:endParaRPr>
+          </a:p>
+        </p:txBody>
+      </p:sp>
+      <p:sp>
+        <p:nvSpPr>
+          <p:cNvPr id="75" name="PlaceHolder 2"/>
           <p:cNvSpPr>
             <a:spLocks noGrp="1"/>
           </p:cNvSpPr>
@@ -1770,18 +2623,15 @@
             <a:normAutofit/>
           </a:bodyPr>
           <a:p>
-            <a:endParaRPr b="0" lang="en-US" sz="2000" spc="-1" strike="noStrike">
-              <a:solidFill>
-                <a:srgbClr val="404040"/>
-              </a:solidFill>
-              <a:latin typeface="Calibri"/>
-            </a:endParaRPr>
-          </a:p>
-        </p:txBody>
-      </p:sp>
-      <p:sp>
-        <p:nvSpPr>
-          <p:cNvPr id="78" name="PlaceHolder 3"/>
+            <a:endParaRPr b="0" lang="de-AT" sz="3200" spc="-1" strike="noStrike">
+              <a:latin typeface="Arial"/>
+            </a:endParaRPr>
+          </a:p>
+        </p:txBody>
+      </p:sp>
+      <p:sp>
+        <p:nvSpPr>
+          <p:cNvPr id="76" name="PlaceHolder 3"/>
           <p:cNvSpPr>
             <a:spLocks noGrp="1"/>
           </p:cNvSpPr>
@@ -1803,18 +2653,15 @@
             <a:normAutofit/>
           </a:bodyPr>
           <a:p>
-            <a:endParaRPr b="0" lang="en-US" sz="2000" spc="-1" strike="noStrike">
-              <a:solidFill>
-                <a:srgbClr val="404040"/>
-              </a:solidFill>
-              <a:latin typeface="Calibri"/>
-            </a:endParaRPr>
-          </a:p>
-        </p:txBody>
-      </p:sp>
-      <p:sp>
-        <p:nvSpPr>
-          <p:cNvPr id="79" name="PlaceHolder 4"/>
+            <a:endParaRPr b="0" lang="de-AT" sz="3200" spc="-1" strike="noStrike">
+              <a:latin typeface="Arial"/>
+            </a:endParaRPr>
+          </a:p>
+        </p:txBody>
+      </p:sp>
+      <p:sp>
+        <p:nvSpPr>
+          <p:cNvPr id="77" name="PlaceHolder 4"/>
           <p:cNvSpPr>
             <a:spLocks noGrp="1"/>
           </p:cNvSpPr>
@@ -1836,18 +2683,15 @@
             <a:normAutofit/>
           </a:bodyPr>
           <a:p>
-            <a:endParaRPr b="0" lang="en-US" sz="2000" spc="-1" strike="noStrike">
-              <a:solidFill>
-                <a:srgbClr val="404040"/>
-              </a:solidFill>
-              <a:latin typeface="Calibri"/>
-            </a:endParaRPr>
-          </a:p>
-        </p:txBody>
-      </p:sp>
-      <p:sp>
-        <p:nvSpPr>
-          <p:cNvPr id="80" name="PlaceHolder 5"/>
+            <a:endParaRPr b="0" lang="de-AT" sz="3200" spc="-1" strike="noStrike">
+              <a:latin typeface="Arial"/>
+            </a:endParaRPr>
+          </a:p>
+        </p:txBody>
+      </p:sp>
+      <p:sp>
+        <p:nvSpPr>
+          <p:cNvPr id="78" name="PlaceHolder 5"/>
           <p:cNvSpPr>
             <a:spLocks noGrp="1"/>
           </p:cNvSpPr>
@@ -1869,11 +2713,8 @@
             <a:normAutofit/>
           </a:bodyPr>
           <a:p>
-            <a:endParaRPr b="0" lang="en-US" sz="2000" spc="-1" strike="noStrike">
-              <a:solidFill>
-                <a:srgbClr val="404040"/>
-              </a:solidFill>
-              <a:latin typeface="Calibri"/>
+            <a:endParaRPr b="0" lang="de-AT" sz="3200" spc="-1" strike="noStrike">
+              <a:latin typeface="Arial"/>
             </a:endParaRPr>
           </a:p>
         </p:txBody>
@@ -1902,7 +2743,7 @@
       </p:grpSpPr>
       <p:sp>
         <p:nvSpPr>
-          <p:cNvPr id="81" name="PlaceHolder 1"/>
+          <p:cNvPr id="79" name="PlaceHolder 1"/>
           <p:cNvSpPr>
             <a:spLocks noGrp="1"/>
           </p:cNvSpPr>
@@ -1913,7 +2754,7 @@
         <p:spPr>
           <a:xfrm>
             <a:off x="822960" y="1385640"/>
-            <a:ext cx="7543440" cy="4147560"/>
+            <a:ext cx="7543080" cy="4147200"/>
           </a:xfrm>
           <a:prstGeom prst="rect">
             <a:avLst/>
@@ -1924,18 +2765,16 @@
             <a:noAutofit/>
           </a:bodyPr>
           <a:p>
-            <a:endParaRPr b="0" lang="en-US" sz="1800" spc="-1" strike="noStrike">
-              <a:solidFill>
-                <a:srgbClr val="000000"/>
-              </a:solidFill>
-              <a:latin typeface="Calibri"/>
-            </a:endParaRPr>
-          </a:p>
-        </p:txBody>
-      </p:sp>
-      <p:sp>
-        <p:nvSpPr>
-          <p:cNvPr id="82" name="PlaceHolder 2"/>
+            <a:pPr algn="ctr"/>
+            <a:endParaRPr b="0" lang="de-AT" sz="4400" spc="-1" strike="noStrike">
+              <a:latin typeface="Arial"/>
+            </a:endParaRPr>
+          </a:p>
+        </p:txBody>
+      </p:sp>
+      <p:sp>
+        <p:nvSpPr>
+          <p:cNvPr id="80" name="PlaceHolder 2"/>
           <p:cNvSpPr>
             <a:spLocks noGrp="1"/>
           </p:cNvSpPr>
@@ -1957,18 +2796,15 @@
             <a:normAutofit/>
           </a:bodyPr>
           <a:p>
-            <a:endParaRPr b="0" lang="en-US" sz="2000" spc="-1" strike="noStrike">
-              <a:solidFill>
-                <a:srgbClr val="404040"/>
-              </a:solidFill>
-              <a:latin typeface="Calibri"/>
-            </a:endParaRPr>
-          </a:p>
-        </p:txBody>
-      </p:sp>
-      <p:sp>
-        <p:nvSpPr>
-          <p:cNvPr id="83" name="PlaceHolder 3"/>
+            <a:endParaRPr b="0" lang="de-AT" sz="3200" spc="-1" strike="noStrike">
+              <a:latin typeface="Arial"/>
+            </a:endParaRPr>
+          </a:p>
+        </p:txBody>
+      </p:sp>
+      <p:sp>
+        <p:nvSpPr>
+          <p:cNvPr id="81" name="PlaceHolder 3"/>
           <p:cNvSpPr>
             <a:spLocks noGrp="1"/>
           </p:cNvSpPr>
@@ -1990,18 +2826,15 @@
             <a:normAutofit/>
           </a:bodyPr>
           <a:p>
-            <a:endParaRPr b="0" lang="en-US" sz="2000" spc="-1" strike="noStrike">
-              <a:solidFill>
-                <a:srgbClr val="404040"/>
-              </a:solidFill>
-              <a:latin typeface="Calibri"/>
-            </a:endParaRPr>
-          </a:p>
-        </p:txBody>
-      </p:sp>
-      <p:sp>
-        <p:nvSpPr>
-          <p:cNvPr id="84" name="PlaceHolder 4"/>
+            <a:endParaRPr b="0" lang="de-AT" sz="3200" spc="-1" strike="noStrike">
+              <a:latin typeface="Arial"/>
+            </a:endParaRPr>
+          </a:p>
+        </p:txBody>
+      </p:sp>
+      <p:sp>
+        <p:nvSpPr>
+          <p:cNvPr id="82" name="PlaceHolder 4"/>
           <p:cNvSpPr>
             <a:spLocks noGrp="1"/>
           </p:cNvSpPr>
@@ -2023,18 +2856,15 @@
             <a:normAutofit/>
           </a:bodyPr>
           <a:p>
-            <a:endParaRPr b="0" lang="en-US" sz="2000" spc="-1" strike="noStrike">
-              <a:solidFill>
-                <a:srgbClr val="404040"/>
-              </a:solidFill>
-              <a:latin typeface="Calibri"/>
-            </a:endParaRPr>
-          </a:p>
-        </p:txBody>
-      </p:sp>
-      <p:sp>
-        <p:nvSpPr>
-          <p:cNvPr id="85" name="PlaceHolder 5"/>
+            <a:endParaRPr b="0" lang="de-AT" sz="3200" spc="-1" strike="noStrike">
+              <a:latin typeface="Arial"/>
+            </a:endParaRPr>
+          </a:p>
+        </p:txBody>
+      </p:sp>
+      <p:sp>
+        <p:nvSpPr>
+          <p:cNvPr id="83" name="PlaceHolder 5"/>
           <p:cNvSpPr>
             <a:spLocks noGrp="1"/>
           </p:cNvSpPr>
@@ -2056,18 +2886,15 @@
             <a:normAutofit/>
           </a:bodyPr>
           <a:p>
-            <a:endParaRPr b="0" lang="en-US" sz="2000" spc="-1" strike="noStrike">
-              <a:solidFill>
-                <a:srgbClr val="404040"/>
-              </a:solidFill>
-              <a:latin typeface="Calibri"/>
-            </a:endParaRPr>
-          </a:p>
-        </p:txBody>
-      </p:sp>
-      <p:sp>
-        <p:nvSpPr>
-          <p:cNvPr id="86" name="PlaceHolder 6"/>
+            <a:endParaRPr b="0" lang="de-AT" sz="3200" spc="-1" strike="noStrike">
+              <a:latin typeface="Arial"/>
+            </a:endParaRPr>
+          </a:p>
+        </p:txBody>
+      </p:sp>
+      <p:sp>
+        <p:nvSpPr>
+          <p:cNvPr id="84" name="PlaceHolder 6"/>
           <p:cNvSpPr>
             <a:spLocks noGrp="1"/>
           </p:cNvSpPr>
@@ -2089,18 +2916,15 @@
             <a:normAutofit/>
           </a:bodyPr>
           <a:p>
-            <a:endParaRPr b="0" lang="en-US" sz="2000" spc="-1" strike="noStrike">
-              <a:solidFill>
-                <a:srgbClr val="404040"/>
-              </a:solidFill>
-              <a:latin typeface="Calibri"/>
-            </a:endParaRPr>
-          </a:p>
-        </p:txBody>
-      </p:sp>
-      <p:sp>
-        <p:nvSpPr>
-          <p:cNvPr id="87" name="PlaceHolder 7"/>
+            <a:endParaRPr b="0" lang="de-AT" sz="3200" spc="-1" strike="noStrike">
+              <a:latin typeface="Arial"/>
+            </a:endParaRPr>
+          </a:p>
+        </p:txBody>
+      </p:sp>
+      <p:sp>
+        <p:nvSpPr>
+          <p:cNvPr id="85" name="PlaceHolder 7"/>
           <p:cNvSpPr>
             <a:spLocks noGrp="1"/>
           </p:cNvSpPr>
@@ -2122,11 +2946,8 @@
             <a:normAutofit/>
           </a:bodyPr>
           <a:p>
-            <a:endParaRPr b="0" lang="en-US" sz="2000" spc="-1" strike="noStrike">
-              <a:solidFill>
-                <a:srgbClr val="404040"/>
-              </a:solidFill>
-              <a:latin typeface="Calibri"/>
+            <a:endParaRPr b="0" lang="de-AT" sz="3200" spc="-1" strike="noStrike">
+              <a:latin typeface="Arial"/>
             </a:endParaRPr>
           </a:p>
         </p:txBody>
@@ -2177,7 +2998,7 @@
       </p:grpSpPr>
       <p:sp>
         <p:nvSpPr>
-          <p:cNvPr id="94" name="PlaceHolder 1"/>
+          <p:cNvPr id="91" name="PlaceHolder 1"/>
           <p:cNvSpPr>
             <a:spLocks noGrp="1"/>
           </p:cNvSpPr>
@@ -2188,7 +3009,7 @@
         <p:spPr>
           <a:xfrm>
             <a:off x="822960" y="1385640"/>
-            <a:ext cx="7543440" cy="4147560"/>
+            <a:ext cx="7543080" cy="4147200"/>
           </a:xfrm>
           <a:prstGeom prst="rect">
             <a:avLst/>
@@ -2199,18 +3020,16 @@
             <a:noAutofit/>
           </a:bodyPr>
           <a:p>
-            <a:endParaRPr b="0" lang="en-US" sz="1800" spc="-1" strike="noStrike">
-              <a:solidFill>
-                <a:srgbClr val="000000"/>
-              </a:solidFill>
-              <a:latin typeface="Calibri"/>
-            </a:endParaRPr>
-          </a:p>
-        </p:txBody>
-      </p:sp>
-      <p:sp>
-        <p:nvSpPr>
-          <p:cNvPr id="95" name="PlaceHolder 2"/>
+            <a:pPr algn="ctr"/>
+            <a:endParaRPr b="0" lang="de-AT" sz="4400" spc="-1" strike="noStrike">
+              <a:latin typeface="Arial"/>
+            </a:endParaRPr>
+          </a:p>
+        </p:txBody>
+      </p:sp>
+      <p:sp>
+        <p:nvSpPr>
+          <p:cNvPr id="92" name="PlaceHolder 2"/>
           <p:cNvSpPr>
             <a:spLocks noGrp="1"/>
           </p:cNvSpPr>
@@ -2263,7 +3082,7 @@
       </p:grpSpPr>
       <p:sp>
         <p:nvSpPr>
-          <p:cNvPr id="96" name="PlaceHolder 1"/>
+          <p:cNvPr id="93" name="PlaceHolder 1"/>
           <p:cNvSpPr>
             <a:spLocks noGrp="1"/>
           </p:cNvSpPr>
@@ -2274,7 +3093,7 @@
         <p:spPr>
           <a:xfrm>
             <a:off x="822960" y="1385640"/>
-            <a:ext cx="7543440" cy="4147560"/>
+            <a:ext cx="7543080" cy="4147200"/>
           </a:xfrm>
           <a:prstGeom prst="rect">
             <a:avLst/>
@@ -2285,18 +3104,16 @@
             <a:noAutofit/>
           </a:bodyPr>
           <a:p>
-            <a:endParaRPr b="0" lang="en-US" sz="1800" spc="-1" strike="noStrike">
-              <a:solidFill>
-                <a:srgbClr val="000000"/>
-              </a:solidFill>
-              <a:latin typeface="Calibri"/>
-            </a:endParaRPr>
-          </a:p>
-        </p:txBody>
-      </p:sp>
-      <p:sp>
-        <p:nvSpPr>
-          <p:cNvPr id="97" name="PlaceHolder 2"/>
+            <a:pPr algn="ctr"/>
+            <a:endParaRPr b="0" lang="de-AT" sz="4400" spc="-1" strike="noStrike">
+              <a:latin typeface="Arial"/>
+            </a:endParaRPr>
+          </a:p>
+        </p:txBody>
+      </p:sp>
+      <p:sp>
+        <p:nvSpPr>
+          <p:cNvPr id="94" name="PlaceHolder 2"/>
           <p:cNvSpPr>
             <a:spLocks noGrp="1"/>
           </p:cNvSpPr>
@@ -2318,11 +3135,8 @@
             <a:normAutofit/>
           </a:bodyPr>
           <a:p>
-            <a:endParaRPr b="0" lang="en-US" sz="2000" spc="-1" strike="noStrike">
-              <a:solidFill>
-                <a:srgbClr val="404040"/>
-              </a:solidFill>
-              <a:latin typeface="Calibri"/>
+            <a:endParaRPr b="0" lang="de-AT" sz="3200" spc="-1" strike="noStrike">
+              <a:latin typeface="Arial"/>
             </a:endParaRPr>
           </a:p>
         </p:txBody>
@@ -2351,7 +3165,7 @@
       </p:grpSpPr>
       <p:sp>
         <p:nvSpPr>
-          <p:cNvPr id="98" name="PlaceHolder 1"/>
+          <p:cNvPr id="95" name="PlaceHolder 1"/>
           <p:cNvSpPr>
             <a:spLocks noGrp="1"/>
           </p:cNvSpPr>
@@ -2362,7 +3176,7 @@
         <p:spPr>
           <a:xfrm>
             <a:off x="822960" y="1385640"/>
-            <a:ext cx="7543440" cy="4147560"/>
+            <a:ext cx="7543080" cy="4147200"/>
           </a:xfrm>
           <a:prstGeom prst="rect">
             <a:avLst/>
@@ -2373,18 +3187,16 @@
             <a:noAutofit/>
           </a:bodyPr>
           <a:p>
-            <a:endParaRPr b="0" lang="en-US" sz="1800" spc="-1" strike="noStrike">
-              <a:solidFill>
-                <a:srgbClr val="000000"/>
-              </a:solidFill>
-              <a:latin typeface="Calibri"/>
-            </a:endParaRPr>
-          </a:p>
-        </p:txBody>
-      </p:sp>
-      <p:sp>
-        <p:nvSpPr>
-          <p:cNvPr id="99" name="PlaceHolder 2"/>
+            <a:pPr algn="ctr"/>
+            <a:endParaRPr b="0" lang="de-AT" sz="4400" spc="-1" strike="noStrike">
+              <a:latin typeface="Arial"/>
+            </a:endParaRPr>
+          </a:p>
+        </p:txBody>
+      </p:sp>
+      <p:sp>
+        <p:nvSpPr>
+          <p:cNvPr id="96" name="PlaceHolder 2"/>
           <p:cNvSpPr>
             <a:spLocks noGrp="1"/>
           </p:cNvSpPr>
@@ -2406,18 +3218,15 @@
             <a:normAutofit/>
           </a:bodyPr>
           <a:p>
-            <a:endParaRPr b="0" lang="en-US" sz="2000" spc="-1" strike="noStrike">
-              <a:solidFill>
-                <a:srgbClr val="404040"/>
-              </a:solidFill>
-              <a:latin typeface="Calibri"/>
-            </a:endParaRPr>
-          </a:p>
-        </p:txBody>
-      </p:sp>
-      <p:sp>
-        <p:nvSpPr>
-          <p:cNvPr id="100" name="PlaceHolder 3"/>
+            <a:endParaRPr b="0" lang="de-AT" sz="3200" spc="-1" strike="noStrike">
+              <a:latin typeface="Arial"/>
+            </a:endParaRPr>
+          </a:p>
+        </p:txBody>
+      </p:sp>
+      <p:sp>
+        <p:nvSpPr>
+          <p:cNvPr id="97" name="PlaceHolder 3"/>
           <p:cNvSpPr>
             <a:spLocks noGrp="1"/>
           </p:cNvSpPr>
@@ -2439,11 +3248,8 @@
             <a:normAutofit/>
           </a:bodyPr>
           <a:p>
-            <a:endParaRPr b="0" lang="en-US" sz="2000" spc="-1" strike="noStrike">
-              <a:solidFill>
-                <a:srgbClr val="404040"/>
-              </a:solidFill>
-              <a:latin typeface="Calibri"/>
+            <a:endParaRPr b="0" lang="de-AT" sz="3200" spc="-1" strike="noStrike">
+              <a:latin typeface="Arial"/>
             </a:endParaRPr>
           </a:p>
         </p:txBody>
@@ -2472,7 +3278,7 @@
       </p:grpSpPr>
       <p:sp>
         <p:nvSpPr>
-          <p:cNvPr id="101" name="PlaceHolder 1"/>
+          <p:cNvPr id="98" name="PlaceHolder 1"/>
           <p:cNvSpPr>
             <a:spLocks noGrp="1"/>
           </p:cNvSpPr>
@@ -2483,7 +3289,7 @@
         <p:spPr>
           <a:xfrm>
             <a:off x="822960" y="1385640"/>
-            <a:ext cx="7543440" cy="4147560"/>
+            <a:ext cx="7543080" cy="4147200"/>
           </a:xfrm>
           <a:prstGeom prst="rect">
             <a:avLst/>
@@ -2494,11 +3300,9 @@
             <a:noAutofit/>
           </a:bodyPr>
           <a:p>
-            <a:endParaRPr b="0" lang="en-US" sz="1800" spc="-1" strike="noStrike">
-              <a:solidFill>
-                <a:srgbClr val="000000"/>
-              </a:solidFill>
-              <a:latin typeface="Calibri"/>
+            <a:pPr algn="ctr"/>
+            <a:endParaRPr b="0" lang="de-AT" sz="4400" spc="-1" strike="noStrike">
+              <a:latin typeface="Arial"/>
             </a:endParaRPr>
           </a:p>
         </p:txBody>
@@ -2527,7 +3331,7 @@
       </p:grpSpPr>
       <p:sp>
         <p:nvSpPr>
-          <p:cNvPr id="12" name="PlaceHolder 1"/>
+          <p:cNvPr id="11" name="PlaceHolder 1"/>
           <p:cNvSpPr>
             <a:spLocks noGrp="1"/>
           </p:cNvSpPr>
@@ -2538,7 +3342,7 @@
         <p:spPr>
           <a:xfrm>
             <a:off x="822960" y="1385640"/>
-            <a:ext cx="7543440" cy="4147560"/>
+            <a:ext cx="7543080" cy="4147200"/>
           </a:xfrm>
           <a:prstGeom prst="rect">
             <a:avLst/>
@@ -2549,18 +3353,16 @@
             <a:noAutofit/>
           </a:bodyPr>
           <a:p>
-            <a:endParaRPr b="0" lang="en-US" sz="1800" spc="-1" strike="noStrike">
-              <a:solidFill>
-                <a:srgbClr val="000000"/>
-              </a:solidFill>
-              <a:latin typeface="Calibri"/>
-            </a:endParaRPr>
-          </a:p>
-        </p:txBody>
-      </p:sp>
-      <p:sp>
-        <p:nvSpPr>
-          <p:cNvPr id="13" name="PlaceHolder 2"/>
+            <a:pPr algn="ctr"/>
+            <a:endParaRPr b="0" lang="de-AT" sz="4400" spc="-1" strike="noStrike">
+              <a:latin typeface="Arial"/>
+            </a:endParaRPr>
+          </a:p>
+        </p:txBody>
+      </p:sp>
+      <p:sp>
+        <p:nvSpPr>
+          <p:cNvPr id="12" name="PlaceHolder 2"/>
           <p:cNvSpPr>
             <a:spLocks noGrp="1"/>
           </p:cNvSpPr>
@@ -2582,11 +3384,8 @@
             <a:normAutofit/>
           </a:bodyPr>
           <a:p>
-            <a:endParaRPr b="0" lang="en-US" sz="2000" spc="-1" strike="noStrike">
-              <a:solidFill>
-                <a:srgbClr val="404040"/>
-              </a:solidFill>
-              <a:latin typeface="Calibri"/>
+            <a:endParaRPr b="0" lang="de-AT" sz="3200" spc="-1" strike="noStrike">
+              <a:latin typeface="Arial"/>
             </a:endParaRPr>
           </a:p>
         </p:txBody>
@@ -2615,7 +3414,7 @@
       </p:grpSpPr>
       <p:sp>
         <p:nvSpPr>
-          <p:cNvPr id="102" name="PlaceHolder 1"/>
+          <p:cNvPr id="99" name="PlaceHolder 1"/>
           <p:cNvSpPr>
             <a:spLocks noGrp="1"/>
           </p:cNvSpPr>
@@ -2625,8 +3424,8 @@
         </p:nvSpPr>
         <p:spPr>
           <a:xfrm>
-            <a:off x="822960" y="4141080"/>
-            <a:ext cx="7543440" cy="13716000"/>
+            <a:off x="822960" y="4140000"/>
+            <a:ext cx="7543080" cy="13716000"/>
           </a:xfrm>
           <a:prstGeom prst="rect">
             <a:avLst/>
@@ -2668,7 +3467,7 @@
       </p:grpSpPr>
       <p:sp>
         <p:nvSpPr>
-          <p:cNvPr id="103" name="PlaceHolder 1"/>
+          <p:cNvPr id="100" name="PlaceHolder 1"/>
           <p:cNvSpPr>
             <a:spLocks noGrp="1"/>
           </p:cNvSpPr>
@@ -2679,7 +3478,7 @@
         <p:spPr>
           <a:xfrm>
             <a:off x="822960" y="1385640"/>
-            <a:ext cx="7543440" cy="4147560"/>
+            <a:ext cx="7543080" cy="4147200"/>
           </a:xfrm>
           <a:prstGeom prst="rect">
             <a:avLst/>
@@ -2690,18 +3489,16 @@
             <a:noAutofit/>
           </a:bodyPr>
           <a:p>
-            <a:endParaRPr b="0" lang="en-US" sz="1800" spc="-1" strike="noStrike">
-              <a:solidFill>
-                <a:srgbClr val="000000"/>
-              </a:solidFill>
-              <a:latin typeface="Calibri"/>
-            </a:endParaRPr>
-          </a:p>
-        </p:txBody>
-      </p:sp>
-      <p:sp>
-        <p:nvSpPr>
-          <p:cNvPr id="104" name="PlaceHolder 2"/>
+            <a:pPr algn="ctr"/>
+            <a:endParaRPr b="0" lang="de-AT" sz="4400" spc="-1" strike="noStrike">
+              <a:latin typeface="Arial"/>
+            </a:endParaRPr>
+          </a:p>
+        </p:txBody>
+      </p:sp>
+      <p:sp>
+        <p:nvSpPr>
+          <p:cNvPr id="101" name="PlaceHolder 2"/>
           <p:cNvSpPr>
             <a:spLocks noGrp="1"/>
           </p:cNvSpPr>
@@ -2723,18 +3520,15 @@
             <a:normAutofit/>
           </a:bodyPr>
           <a:p>
-            <a:endParaRPr b="0" lang="en-US" sz="2000" spc="-1" strike="noStrike">
-              <a:solidFill>
-                <a:srgbClr val="404040"/>
-              </a:solidFill>
-              <a:latin typeface="Calibri"/>
-            </a:endParaRPr>
-          </a:p>
-        </p:txBody>
-      </p:sp>
-      <p:sp>
-        <p:nvSpPr>
-          <p:cNvPr id="105" name="PlaceHolder 3"/>
+            <a:endParaRPr b="0" lang="de-AT" sz="3200" spc="-1" strike="noStrike">
+              <a:latin typeface="Arial"/>
+            </a:endParaRPr>
+          </a:p>
+        </p:txBody>
+      </p:sp>
+      <p:sp>
+        <p:nvSpPr>
+          <p:cNvPr id="102" name="PlaceHolder 3"/>
           <p:cNvSpPr>
             <a:spLocks noGrp="1"/>
           </p:cNvSpPr>
@@ -2756,18 +3550,15 @@
             <a:normAutofit/>
           </a:bodyPr>
           <a:p>
-            <a:endParaRPr b="0" lang="en-US" sz="2000" spc="-1" strike="noStrike">
-              <a:solidFill>
-                <a:srgbClr val="404040"/>
-              </a:solidFill>
-              <a:latin typeface="Calibri"/>
-            </a:endParaRPr>
-          </a:p>
-        </p:txBody>
-      </p:sp>
-      <p:sp>
-        <p:nvSpPr>
-          <p:cNvPr id="106" name="PlaceHolder 4"/>
+            <a:endParaRPr b="0" lang="de-AT" sz="3200" spc="-1" strike="noStrike">
+              <a:latin typeface="Arial"/>
+            </a:endParaRPr>
+          </a:p>
+        </p:txBody>
+      </p:sp>
+      <p:sp>
+        <p:nvSpPr>
+          <p:cNvPr id="103" name="PlaceHolder 4"/>
           <p:cNvSpPr>
             <a:spLocks noGrp="1"/>
           </p:cNvSpPr>
@@ -2789,11 +3580,8 @@
             <a:normAutofit/>
           </a:bodyPr>
           <a:p>
-            <a:endParaRPr b="0" lang="en-US" sz="2000" spc="-1" strike="noStrike">
-              <a:solidFill>
-                <a:srgbClr val="404040"/>
-              </a:solidFill>
-              <a:latin typeface="Calibri"/>
+            <a:endParaRPr b="0" lang="de-AT" sz="3200" spc="-1" strike="noStrike">
+              <a:latin typeface="Arial"/>
             </a:endParaRPr>
           </a:p>
         </p:txBody>
@@ -2822,7 +3610,7 @@
       </p:grpSpPr>
       <p:sp>
         <p:nvSpPr>
-          <p:cNvPr id="107" name="PlaceHolder 1"/>
+          <p:cNvPr id="104" name="PlaceHolder 1"/>
           <p:cNvSpPr>
             <a:spLocks noGrp="1"/>
           </p:cNvSpPr>
@@ -2833,7 +3621,7 @@
         <p:spPr>
           <a:xfrm>
             <a:off x="822960" y="1385640"/>
-            <a:ext cx="7543440" cy="4147560"/>
+            <a:ext cx="7543080" cy="4147200"/>
           </a:xfrm>
           <a:prstGeom prst="rect">
             <a:avLst/>
@@ -2844,18 +3632,16 @@
             <a:noAutofit/>
           </a:bodyPr>
           <a:p>
-            <a:endParaRPr b="0" lang="en-US" sz="1800" spc="-1" strike="noStrike">
-              <a:solidFill>
-                <a:srgbClr val="000000"/>
-              </a:solidFill>
-              <a:latin typeface="Calibri"/>
-            </a:endParaRPr>
-          </a:p>
-        </p:txBody>
-      </p:sp>
-      <p:sp>
-        <p:nvSpPr>
-          <p:cNvPr id="108" name="PlaceHolder 2"/>
+            <a:pPr algn="ctr"/>
+            <a:endParaRPr b="0" lang="de-AT" sz="4400" spc="-1" strike="noStrike">
+              <a:latin typeface="Arial"/>
+            </a:endParaRPr>
+          </a:p>
+        </p:txBody>
+      </p:sp>
+      <p:sp>
+        <p:nvSpPr>
+          <p:cNvPr id="105" name="PlaceHolder 2"/>
           <p:cNvSpPr>
             <a:spLocks noGrp="1"/>
           </p:cNvSpPr>
@@ -2877,18 +3663,15 @@
             <a:normAutofit/>
           </a:bodyPr>
           <a:p>
-            <a:endParaRPr b="0" lang="en-US" sz="2000" spc="-1" strike="noStrike">
-              <a:solidFill>
-                <a:srgbClr val="404040"/>
-              </a:solidFill>
-              <a:latin typeface="Calibri"/>
-            </a:endParaRPr>
-          </a:p>
-        </p:txBody>
-      </p:sp>
-      <p:sp>
-        <p:nvSpPr>
-          <p:cNvPr id="109" name="PlaceHolder 3"/>
+            <a:endParaRPr b="0" lang="de-AT" sz="3200" spc="-1" strike="noStrike">
+              <a:latin typeface="Arial"/>
+            </a:endParaRPr>
+          </a:p>
+        </p:txBody>
+      </p:sp>
+      <p:sp>
+        <p:nvSpPr>
+          <p:cNvPr id="106" name="PlaceHolder 3"/>
           <p:cNvSpPr>
             <a:spLocks noGrp="1"/>
           </p:cNvSpPr>
@@ -2910,18 +3693,15 @@
             <a:normAutofit/>
           </a:bodyPr>
           <a:p>
-            <a:endParaRPr b="0" lang="en-US" sz="2000" spc="-1" strike="noStrike">
-              <a:solidFill>
-                <a:srgbClr val="404040"/>
-              </a:solidFill>
-              <a:latin typeface="Calibri"/>
-            </a:endParaRPr>
-          </a:p>
-        </p:txBody>
-      </p:sp>
-      <p:sp>
-        <p:nvSpPr>
-          <p:cNvPr id="110" name="PlaceHolder 4"/>
+            <a:endParaRPr b="0" lang="de-AT" sz="3200" spc="-1" strike="noStrike">
+              <a:latin typeface="Arial"/>
+            </a:endParaRPr>
+          </a:p>
+        </p:txBody>
+      </p:sp>
+      <p:sp>
+        <p:nvSpPr>
+          <p:cNvPr id="107" name="PlaceHolder 4"/>
           <p:cNvSpPr>
             <a:spLocks noGrp="1"/>
           </p:cNvSpPr>
@@ -2943,11 +3723,8 @@
             <a:normAutofit/>
           </a:bodyPr>
           <a:p>
-            <a:endParaRPr b="0" lang="en-US" sz="2000" spc="-1" strike="noStrike">
-              <a:solidFill>
-                <a:srgbClr val="404040"/>
-              </a:solidFill>
-              <a:latin typeface="Calibri"/>
+            <a:endParaRPr b="0" lang="de-AT" sz="3200" spc="-1" strike="noStrike">
+              <a:latin typeface="Arial"/>
             </a:endParaRPr>
           </a:p>
         </p:txBody>
@@ -2976,7 +3753,7 @@
       </p:grpSpPr>
       <p:sp>
         <p:nvSpPr>
-          <p:cNvPr id="111" name="PlaceHolder 1"/>
+          <p:cNvPr id="108" name="PlaceHolder 1"/>
           <p:cNvSpPr>
             <a:spLocks noGrp="1"/>
           </p:cNvSpPr>
@@ -2987,7 +3764,7 @@
         <p:spPr>
           <a:xfrm>
             <a:off x="822960" y="1385640"/>
-            <a:ext cx="7543440" cy="4147560"/>
+            <a:ext cx="7543080" cy="4147200"/>
           </a:xfrm>
           <a:prstGeom prst="rect">
             <a:avLst/>
@@ -2998,18 +3775,16 @@
             <a:noAutofit/>
           </a:bodyPr>
           <a:p>
-            <a:endParaRPr b="0" lang="en-US" sz="1800" spc="-1" strike="noStrike">
-              <a:solidFill>
-                <a:srgbClr val="000000"/>
-              </a:solidFill>
-              <a:latin typeface="Calibri"/>
-            </a:endParaRPr>
-          </a:p>
-        </p:txBody>
-      </p:sp>
-      <p:sp>
-        <p:nvSpPr>
-          <p:cNvPr id="112" name="PlaceHolder 2"/>
+            <a:pPr algn="ctr"/>
+            <a:endParaRPr b="0" lang="de-AT" sz="4400" spc="-1" strike="noStrike">
+              <a:latin typeface="Arial"/>
+            </a:endParaRPr>
+          </a:p>
+        </p:txBody>
+      </p:sp>
+      <p:sp>
+        <p:nvSpPr>
+          <p:cNvPr id="109" name="PlaceHolder 2"/>
           <p:cNvSpPr>
             <a:spLocks noGrp="1"/>
           </p:cNvSpPr>
@@ -3031,18 +3806,15 @@
             <a:normAutofit/>
           </a:bodyPr>
           <a:p>
-            <a:endParaRPr b="0" lang="en-US" sz="2000" spc="-1" strike="noStrike">
-              <a:solidFill>
-                <a:srgbClr val="404040"/>
-              </a:solidFill>
-              <a:latin typeface="Calibri"/>
-            </a:endParaRPr>
-          </a:p>
-        </p:txBody>
-      </p:sp>
-      <p:sp>
-        <p:nvSpPr>
-          <p:cNvPr id="113" name="PlaceHolder 3"/>
+            <a:endParaRPr b="0" lang="de-AT" sz="3200" spc="-1" strike="noStrike">
+              <a:latin typeface="Arial"/>
+            </a:endParaRPr>
+          </a:p>
+        </p:txBody>
+      </p:sp>
+      <p:sp>
+        <p:nvSpPr>
+          <p:cNvPr id="110" name="PlaceHolder 3"/>
           <p:cNvSpPr>
             <a:spLocks noGrp="1"/>
           </p:cNvSpPr>
@@ -3064,18 +3836,15 @@
             <a:normAutofit/>
           </a:bodyPr>
           <a:p>
-            <a:endParaRPr b="0" lang="en-US" sz="2000" spc="-1" strike="noStrike">
-              <a:solidFill>
-                <a:srgbClr val="404040"/>
-              </a:solidFill>
-              <a:latin typeface="Calibri"/>
-            </a:endParaRPr>
-          </a:p>
-        </p:txBody>
-      </p:sp>
-      <p:sp>
-        <p:nvSpPr>
-          <p:cNvPr id="114" name="PlaceHolder 4"/>
+            <a:endParaRPr b="0" lang="de-AT" sz="3200" spc="-1" strike="noStrike">
+              <a:latin typeface="Arial"/>
+            </a:endParaRPr>
+          </a:p>
+        </p:txBody>
+      </p:sp>
+      <p:sp>
+        <p:nvSpPr>
+          <p:cNvPr id="111" name="PlaceHolder 4"/>
           <p:cNvSpPr>
             <a:spLocks noGrp="1"/>
           </p:cNvSpPr>
@@ -3097,11 +3866,8 @@
             <a:normAutofit/>
           </a:bodyPr>
           <a:p>
-            <a:endParaRPr b="0" lang="en-US" sz="2000" spc="-1" strike="noStrike">
-              <a:solidFill>
-                <a:srgbClr val="404040"/>
-              </a:solidFill>
-              <a:latin typeface="Calibri"/>
+            <a:endParaRPr b="0" lang="de-AT" sz="3200" spc="-1" strike="noStrike">
+              <a:latin typeface="Arial"/>
             </a:endParaRPr>
           </a:p>
         </p:txBody>
@@ -3130,7 +3896,7 @@
       </p:grpSpPr>
       <p:sp>
         <p:nvSpPr>
-          <p:cNvPr id="115" name="PlaceHolder 1"/>
+          <p:cNvPr id="112" name="PlaceHolder 1"/>
           <p:cNvSpPr>
             <a:spLocks noGrp="1"/>
           </p:cNvSpPr>
@@ -3141,7 +3907,7 @@
         <p:spPr>
           <a:xfrm>
             <a:off x="822960" y="1385640"/>
-            <a:ext cx="7543440" cy="4147560"/>
+            <a:ext cx="7543080" cy="4147200"/>
           </a:xfrm>
           <a:prstGeom prst="rect">
             <a:avLst/>
@@ -3152,18 +3918,16 @@
             <a:noAutofit/>
           </a:bodyPr>
           <a:p>
-            <a:endParaRPr b="0" lang="en-US" sz="1800" spc="-1" strike="noStrike">
-              <a:solidFill>
-                <a:srgbClr val="000000"/>
-              </a:solidFill>
-              <a:latin typeface="Calibri"/>
-            </a:endParaRPr>
-          </a:p>
-        </p:txBody>
-      </p:sp>
-      <p:sp>
-        <p:nvSpPr>
-          <p:cNvPr id="116" name="PlaceHolder 2"/>
+            <a:pPr algn="ctr"/>
+            <a:endParaRPr b="0" lang="de-AT" sz="4400" spc="-1" strike="noStrike">
+              <a:latin typeface="Arial"/>
+            </a:endParaRPr>
+          </a:p>
+        </p:txBody>
+      </p:sp>
+      <p:sp>
+        <p:nvSpPr>
+          <p:cNvPr id="113" name="PlaceHolder 2"/>
           <p:cNvSpPr>
             <a:spLocks noGrp="1"/>
           </p:cNvSpPr>
@@ -3185,18 +3949,15 @@
             <a:normAutofit/>
           </a:bodyPr>
           <a:p>
-            <a:endParaRPr b="0" lang="en-US" sz="2000" spc="-1" strike="noStrike">
-              <a:solidFill>
-                <a:srgbClr val="404040"/>
-              </a:solidFill>
-              <a:latin typeface="Calibri"/>
-            </a:endParaRPr>
-          </a:p>
-        </p:txBody>
-      </p:sp>
-      <p:sp>
-        <p:nvSpPr>
-          <p:cNvPr id="117" name="PlaceHolder 3"/>
+            <a:endParaRPr b="0" lang="de-AT" sz="3200" spc="-1" strike="noStrike">
+              <a:latin typeface="Arial"/>
+            </a:endParaRPr>
+          </a:p>
+        </p:txBody>
+      </p:sp>
+      <p:sp>
+        <p:nvSpPr>
+          <p:cNvPr id="114" name="PlaceHolder 3"/>
           <p:cNvSpPr>
             <a:spLocks noGrp="1"/>
           </p:cNvSpPr>
@@ -3218,11 +3979,8 @@
             <a:normAutofit/>
           </a:bodyPr>
           <a:p>
-            <a:endParaRPr b="0" lang="en-US" sz="2000" spc="-1" strike="noStrike">
-              <a:solidFill>
-                <a:srgbClr val="404040"/>
-              </a:solidFill>
-              <a:latin typeface="Calibri"/>
+            <a:endParaRPr b="0" lang="de-AT" sz="3200" spc="-1" strike="noStrike">
+              <a:latin typeface="Arial"/>
             </a:endParaRPr>
           </a:p>
         </p:txBody>
@@ -3251,7 +4009,7 @@
       </p:grpSpPr>
       <p:sp>
         <p:nvSpPr>
-          <p:cNvPr id="118" name="PlaceHolder 1"/>
+          <p:cNvPr id="115" name="PlaceHolder 1"/>
           <p:cNvSpPr>
             <a:spLocks noGrp="1"/>
           </p:cNvSpPr>
@@ -3262,7 +4020,7 @@
         <p:spPr>
           <a:xfrm>
             <a:off x="822960" y="1385640"/>
-            <a:ext cx="7543440" cy="4147560"/>
+            <a:ext cx="7543080" cy="4147200"/>
           </a:xfrm>
           <a:prstGeom prst="rect">
             <a:avLst/>
@@ -3273,18 +4031,16 @@
             <a:noAutofit/>
           </a:bodyPr>
           <a:p>
-            <a:endParaRPr b="0" lang="en-US" sz="1800" spc="-1" strike="noStrike">
-              <a:solidFill>
-                <a:srgbClr val="000000"/>
-              </a:solidFill>
-              <a:latin typeface="Calibri"/>
-            </a:endParaRPr>
-          </a:p>
-        </p:txBody>
-      </p:sp>
-      <p:sp>
-        <p:nvSpPr>
-          <p:cNvPr id="119" name="PlaceHolder 2"/>
+            <a:pPr algn="ctr"/>
+            <a:endParaRPr b="0" lang="de-AT" sz="4400" spc="-1" strike="noStrike">
+              <a:latin typeface="Arial"/>
+            </a:endParaRPr>
+          </a:p>
+        </p:txBody>
+      </p:sp>
+      <p:sp>
+        <p:nvSpPr>
+          <p:cNvPr id="116" name="PlaceHolder 2"/>
           <p:cNvSpPr>
             <a:spLocks noGrp="1"/>
           </p:cNvSpPr>
@@ -3306,18 +4062,15 @@
             <a:normAutofit/>
           </a:bodyPr>
           <a:p>
-            <a:endParaRPr b="0" lang="en-US" sz="2000" spc="-1" strike="noStrike">
-              <a:solidFill>
-                <a:srgbClr val="404040"/>
-              </a:solidFill>
-              <a:latin typeface="Calibri"/>
-            </a:endParaRPr>
-          </a:p>
-        </p:txBody>
-      </p:sp>
-      <p:sp>
-        <p:nvSpPr>
-          <p:cNvPr id="120" name="PlaceHolder 3"/>
+            <a:endParaRPr b="0" lang="de-AT" sz="3200" spc="-1" strike="noStrike">
+              <a:latin typeface="Arial"/>
+            </a:endParaRPr>
+          </a:p>
+        </p:txBody>
+      </p:sp>
+      <p:sp>
+        <p:nvSpPr>
+          <p:cNvPr id="117" name="PlaceHolder 3"/>
           <p:cNvSpPr>
             <a:spLocks noGrp="1"/>
           </p:cNvSpPr>
@@ -3339,18 +4092,15 @@
             <a:normAutofit/>
           </a:bodyPr>
           <a:p>
-            <a:endParaRPr b="0" lang="en-US" sz="2000" spc="-1" strike="noStrike">
-              <a:solidFill>
-                <a:srgbClr val="404040"/>
-              </a:solidFill>
-              <a:latin typeface="Calibri"/>
-            </a:endParaRPr>
-          </a:p>
-        </p:txBody>
-      </p:sp>
-      <p:sp>
-        <p:nvSpPr>
-          <p:cNvPr id="121" name="PlaceHolder 4"/>
+            <a:endParaRPr b="0" lang="de-AT" sz="3200" spc="-1" strike="noStrike">
+              <a:latin typeface="Arial"/>
+            </a:endParaRPr>
+          </a:p>
+        </p:txBody>
+      </p:sp>
+      <p:sp>
+        <p:nvSpPr>
+          <p:cNvPr id="118" name="PlaceHolder 4"/>
           <p:cNvSpPr>
             <a:spLocks noGrp="1"/>
           </p:cNvSpPr>
@@ -3372,18 +4122,15 @@
             <a:normAutofit/>
           </a:bodyPr>
           <a:p>
-            <a:endParaRPr b="0" lang="en-US" sz="2000" spc="-1" strike="noStrike">
-              <a:solidFill>
-                <a:srgbClr val="404040"/>
-              </a:solidFill>
-              <a:latin typeface="Calibri"/>
-            </a:endParaRPr>
-          </a:p>
-        </p:txBody>
-      </p:sp>
-      <p:sp>
-        <p:nvSpPr>
-          <p:cNvPr id="122" name="PlaceHolder 5"/>
+            <a:endParaRPr b="0" lang="de-AT" sz="3200" spc="-1" strike="noStrike">
+              <a:latin typeface="Arial"/>
+            </a:endParaRPr>
+          </a:p>
+        </p:txBody>
+      </p:sp>
+      <p:sp>
+        <p:nvSpPr>
+          <p:cNvPr id="119" name="PlaceHolder 5"/>
           <p:cNvSpPr>
             <a:spLocks noGrp="1"/>
           </p:cNvSpPr>
@@ -3405,11 +4152,8 @@
             <a:normAutofit/>
           </a:bodyPr>
           <a:p>
-            <a:endParaRPr b="0" lang="en-US" sz="2000" spc="-1" strike="noStrike">
-              <a:solidFill>
-                <a:srgbClr val="404040"/>
-              </a:solidFill>
-              <a:latin typeface="Calibri"/>
+            <a:endParaRPr b="0" lang="de-AT" sz="3200" spc="-1" strike="noStrike">
+              <a:latin typeface="Arial"/>
             </a:endParaRPr>
           </a:p>
         </p:txBody>
@@ -3438,7 +4182,7 @@
       </p:grpSpPr>
       <p:sp>
         <p:nvSpPr>
-          <p:cNvPr id="123" name="PlaceHolder 1"/>
+          <p:cNvPr id="120" name="PlaceHolder 1"/>
           <p:cNvSpPr>
             <a:spLocks noGrp="1"/>
           </p:cNvSpPr>
@@ -3449,7 +4193,7 @@
         <p:spPr>
           <a:xfrm>
             <a:off x="822960" y="1385640"/>
-            <a:ext cx="7543440" cy="4147560"/>
+            <a:ext cx="7543080" cy="4147200"/>
           </a:xfrm>
           <a:prstGeom prst="rect">
             <a:avLst/>
@@ -3460,18 +4204,16 @@
             <a:noAutofit/>
           </a:bodyPr>
           <a:p>
-            <a:endParaRPr b="0" lang="en-US" sz="1800" spc="-1" strike="noStrike">
-              <a:solidFill>
-                <a:srgbClr val="000000"/>
-              </a:solidFill>
-              <a:latin typeface="Calibri"/>
-            </a:endParaRPr>
-          </a:p>
-        </p:txBody>
-      </p:sp>
-      <p:sp>
-        <p:nvSpPr>
-          <p:cNvPr id="124" name="PlaceHolder 2"/>
+            <a:pPr algn="ctr"/>
+            <a:endParaRPr b="0" lang="de-AT" sz="4400" spc="-1" strike="noStrike">
+              <a:latin typeface="Arial"/>
+            </a:endParaRPr>
+          </a:p>
+        </p:txBody>
+      </p:sp>
+      <p:sp>
+        <p:nvSpPr>
+          <p:cNvPr id="121" name="PlaceHolder 2"/>
           <p:cNvSpPr>
             <a:spLocks noGrp="1"/>
           </p:cNvSpPr>
@@ -3493,18 +4235,15 @@
             <a:normAutofit/>
           </a:bodyPr>
           <a:p>
-            <a:endParaRPr b="0" lang="en-US" sz="2000" spc="-1" strike="noStrike">
-              <a:solidFill>
-                <a:srgbClr val="404040"/>
-              </a:solidFill>
-              <a:latin typeface="Calibri"/>
-            </a:endParaRPr>
-          </a:p>
-        </p:txBody>
-      </p:sp>
-      <p:sp>
-        <p:nvSpPr>
-          <p:cNvPr id="125" name="PlaceHolder 3"/>
+            <a:endParaRPr b="0" lang="de-AT" sz="3200" spc="-1" strike="noStrike">
+              <a:latin typeface="Arial"/>
+            </a:endParaRPr>
+          </a:p>
+        </p:txBody>
+      </p:sp>
+      <p:sp>
+        <p:nvSpPr>
+          <p:cNvPr id="122" name="PlaceHolder 3"/>
           <p:cNvSpPr>
             <a:spLocks noGrp="1"/>
           </p:cNvSpPr>
@@ -3526,18 +4265,15 @@
             <a:normAutofit/>
           </a:bodyPr>
           <a:p>
-            <a:endParaRPr b="0" lang="en-US" sz="2000" spc="-1" strike="noStrike">
-              <a:solidFill>
-                <a:srgbClr val="404040"/>
-              </a:solidFill>
-              <a:latin typeface="Calibri"/>
-            </a:endParaRPr>
-          </a:p>
-        </p:txBody>
-      </p:sp>
-      <p:sp>
-        <p:nvSpPr>
-          <p:cNvPr id="126" name="PlaceHolder 4"/>
+            <a:endParaRPr b="0" lang="de-AT" sz="3200" spc="-1" strike="noStrike">
+              <a:latin typeface="Arial"/>
+            </a:endParaRPr>
+          </a:p>
+        </p:txBody>
+      </p:sp>
+      <p:sp>
+        <p:nvSpPr>
+          <p:cNvPr id="123" name="PlaceHolder 4"/>
           <p:cNvSpPr>
             <a:spLocks noGrp="1"/>
           </p:cNvSpPr>
@@ -3559,18 +4295,15 @@
             <a:normAutofit/>
           </a:bodyPr>
           <a:p>
-            <a:endParaRPr b="0" lang="en-US" sz="2000" spc="-1" strike="noStrike">
-              <a:solidFill>
-                <a:srgbClr val="404040"/>
-              </a:solidFill>
-              <a:latin typeface="Calibri"/>
-            </a:endParaRPr>
-          </a:p>
-        </p:txBody>
-      </p:sp>
-      <p:sp>
-        <p:nvSpPr>
-          <p:cNvPr id="127" name="PlaceHolder 5"/>
+            <a:endParaRPr b="0" lang="de-AT" sz="3200" spc="-1" strike="noStrike">
+              <a:latin typeface="Arial"/>
+            </a:endParaRPr>
+          </a:p>
+        </p:txBody>
+      </p:sp>
+      <p:sp>
+        <p:nvSpPr>
+          <p:cNvPr id="124" name="PlaceHolder 5"/>
           <p:cNvSpPr>
             <a:spLocks noGrp="1"/>
           </p:cNvSpPr>
@@ -3592,18 +4325,15 @@
             <a:normAutofit/>
           </a:bodyPr>
           <a:p>
-            <a:endParaRPr b="0" lang="en-US" sz="2000" spc="-1" strike="noStrike">
-              <a:solidFill>
-                <a:srgbClr val="404040"/>
-              </a:solidFill>
-              <a:latin typeface="Calibri"/>
-            </a:endParaRPr>
-          </a:p>
-        </p:txBody>
-      </p:sp>
-      <p:sp>
-        <p:nvSpPr>
-          <p:cNvPr id="128" name="PlaceHolder 6"/>
+            <a:endParaRPr b="0" lang="de-AT" sz="3200" spc="-1" strike="noStrike">
+              <a:latin typeface="Arial"/>
+            </a:endParaRPr>
+          </a:p>
+        </p:txBody>
+      </p:sp>
+      <p:sp>
+        <p:nvSpPr>
+          <p:cNvPr id="125" name="PlaceHolder 6"/>
           <p:cNvSpPr>
             <a:spLocks noGrp="1"/>
           </p:cNvSpPr>
@@ -3625,18 +4355,15 @@
             <a:normAutofit/>
           </a:bodyPr>
           <a:p>
-            <a:endParaRPr b="0" lang="en-US" sz="2000" spc="-1" strike="noStrike">
-              <a:solidFill>
-                <a:srgbClr val="404040"/>
-              </a:solidFill>
-              <a:latin typeface="Calibri"/>
-            </a:endParaRPr>
-          </a:p>
-        </p:txBody>
-      </p:sp>
-      <p:sp>
-        <p:nvSpPr>
-          <p:cNvPr id="129" name="PlaceHolder 7"/>
+            <a:endParaRPr b="0" lang="de-AT" sz="3200" spc="-1" strike="noStrike">
+              <a:latin typeface="Arial"/>
+            </a:endParaRPr>
+          </a:p>
+        </p:txBody>
+      </p:sp>
+      <p:sp>
+        <p:nvSpPr>
+          <p:cNvPr id="126" name="PlaceHolder 7"/>
           <p:cNvSpPr>
             <a:spLocks noGrp="1"/>
           </p:cNvSpPr>
@@ -3658,11 +4385,8 @@
             <a:normAutofit/>
           </a:bodyPr>
           <a:p>
-            <a:endParaRPr b="0" lang="en-US" sz="2000" spc="-1" strike="noStrike">
-              <a:solidFill>
-                <a:srgbClr val="404040"/>
-              </a:solidFill>
-              <a:latin typeface="Calibri"/>
+            <a:endParaRPr b="0" lang="de-AT" sz="3200" spc="-1" strike="noStrike">
+              <a:latin typeface="Arial"/>
             </a:endParaRPr>
           </a:p>
         </p:txBody>
@@ -3691,7 +4415,7 @@
       </p:grpSpPr>
       <p:sp>
         <p:nvSpPr>
-          <p:cNvPr id="14" name="PlaceHolder 1"/>
+          <p:cNvPr id="13" name="PlaceHolder 1"/>
           <p:cNvSpPr>
             <a:spLocks noGrp="1"/>
           </p:cNvSpPr>
@@ -3702,7 +4426,7 @@
         <p:spPr>
           <a:xfrm>
             <a:off x="822960" y="1385640"/>
-            <a:ext cx="7543440" cy="4147560"/>
+            <a:ext cx="7543080" cy="4147200"/>
           </a:xfrm>
           <a:prstGeom prst="rect">
             <a:avLst/>
@@ -3713,18 +4437,16 @@
             <a:noAutofit/>
           </a:bodyPr>
           <a:p>
-            <a:endParaRPr b="0" lang="en-US" sz="1800" spc="-1" strike="noStrike">
-              <a:solidFill>
-                <a:srgbClr val="000000"/>
-              </a:solidFill>
-              <a:latin typeface="Calibri"/>
-            </a:endParaRPr>
-          </a:p>
-        </p:txBody>
-      </p:sp>
-      <p:sp>
-        <p:nvSpPr>
-          <p:cNvPr id="15" name="PlaceHolder 2"/>
+            <a:pPr algn="ctr"/>
+            <a:endParaRPr b="0" lang="de-AT" sz="4400" spc="-1" strike="noStrike">
+              <a:latin typeface="Arial"/>
+            </a:endParaRPr>
+          </a:p>
+        </p:txBody>
+      </p:sp>
+      <p:sp>
+        <p:nvSpPr>
+          <p:cNvPr id="14" name="PlaceHolder 2"/>
           <p:cNvSpPr>
             <a:spLocks noGrp="1"/>
           </p:cNvSpPr>
@@ -3746,18 +4468,15 @@
             <a:normAutofit/>
           </a:bodyPr>
           <a:p>
-            <a:endParaRPr b="0" lang="en-US" sz="2000" spc="-1" strike="noStrike">
-              <a:solidFill>
-                <a:srgbClr val="404040"/>
-              </a:solidFill>
-              <a:latin typeface="Calibri"/>
-            </a:endParaRPr>
-          </a:p>
-        </p:txBody>
-      </p:sp>
-      <p:sp>
-        <p:nvSpPr>
-          <p:cNvPr id="16" name="PlaceHolder 3"/>
+            <a:endParaRPr b="0" lang="de-AT" sz="3200" spc="-1" strike="noStrike">
+              <a:latin typeface="Arial"/>
+            </a:endParaRPr>
+          </a:p>
+        </p:txBody>
+      </p:sp>
+      <p:sp>
+        <p:nvSpPr>
+          <p:cNvPr id="15" name="PlaceHolder 3"/>
           <p:cNvSpPr>
             <a:spLocks noGrp="1"/>
           </p:cNvSpPr>
@@ -3779,11 +4498,8 @@
             <a:normAutofit/>
           </a:bodyPr>
           <a:p>
-            <a:endParaRPr b="0" lang="en-US" sz="2000" spc="-1" strike="noStrike">
-              <a:solidFill>
-                <a:srgbClr val="404040"/>
-              </a:solidFill>
-              <a:latin typeface="Calibri"/>
+            <a:endParaRPr b="0" lang="de-AT" sz="3200" spc="-1" strike="noStrike">
+              <a:latin typeface="Arial"/>
             </a:endParaRPr>
           </a:p>
         </p:txBody>
@@ -3812,7 +4528,7 @@
       </p:grpSpPr>
       <p:sp>
         <p:nvSpPr>
-          <p:cNvPr id="17" name="PlaceHolder 1"/>
+          <p:cNvPr id="16" name="PlaceHolder 1"/>
           <p:cNvSpPr>
             <a:spLocks noGrp="1"/>
           </p:cNvSpPr>
@@ -3823,7 +4539,7 @@
         <p:spPr>
           <a:xfrm>
             <a:off x="822960" y="1385640"/>
-            <a:ext cx="7543440" cy="4147560"/>
+            <a:ext cx="7543080" cy="4147200"/>
           </a:xfrm>
           <a:prstGeom prst="rect">
             <a:avLst/>
@@ -3834,11 +4550,9 @@
             <a:noAutofit/>
           </a:bodyPr>
           <a:p>
-            <a:endParaRPr b="0" lang="en-US" sz="1800" spc="-1" strike="noStrike">
-              <a:solidFill>
-                <a:srgbClr val="000000"/>
-              </a:solidFill>
-              <a:latin typeface="Calibri"/>
+            <a:pPr algn="ctr"/>
+            <a:endParaRPr b="0" lang="de-AT" sz="4400" spc="-1" strike="noStrike">
+              <a:latin typeface="Arial"/>
             </a:endParaRPr>
           </a:p>
         </p:txBody>
@@ -3867,7 +4581,7 @@
       </p:grpSpPr>
       <p:sp>
         <p:nvSpPr>
-          <p:cNvPr id="18" name="PlaceHolder 1"/>
+          <p:cNvPr id="17" name="PlaceHolder 1"/>
           <p:cNvSpPr>
             <a:spLocks noGrp="1"/>
           </p:cNvSpPr>
@@ -3877,8 +4591,8 @@
         </p:nvSpPr>
         <p:spPr>
           <a:xfrm>
-            <a:off x="822960" y="4141080"/>
-            <a:ext cx="7543440" cy="13716000"/>
+            <a:off x="822960" y="4140000"/>
+            <a:ext cx="7543080" cy="13716000"/>
           </a:xfrm>
           <a:prstGeom prst="rect">
             <a:avLst/>
@@ -3920,7 +4634,7 @@
       </p:grpSpPr>
       <p:sp>
         <p:nvSpPr>
-          <p:cNvPr id="19" name="PlaceHolder 1"/>
+          <p:cNvPr id="18" name="PlaceHolder 1"/>
           <p:cNvSpPr>
             <a:spLocks noGrp="1"/>
           </p:cNvSpPr>
@@ -3931,7 +4645,7 @@
         <p:spPr>
           <a:xfrm>
             <a:off x="822960" y="1385640"/>
-            <a:ext cx="7543440" cy="4147560"/>
+            <a:ext cx="7543080" cy="4147200"/>
           </a:xfrm>
           <a:prstGeom prst="rect">
             <a:avLst/>
@@ -3942,18 +4656,16 @@
             <a:noAutofit/>
           </a:bodyPr>
           <a:p>
-            <a:endParaRPr b="0" lang="en-US" sz="1800" spc="-1" strike="noStrike">
-              <a:solidFill>
-                <a:srgbClr val="000000"/>
-              </a:solidFill>
-              <a:latin typeface="Calibri"/>
-            </a:endParaRPr>
-          </a:p>
-        </p:txBody>
-      </p:sp>
-      <p:sp>
-        <p:nvSpPr>
-          <p:cNvPr id="20" name="PlaceHolder 2"/>
+            <a:pPr algn="ctr"/>
+            <a:endParaRPr b="0" lang="de-AT" sz="4400" spc="-1" strike="noStrike">
+              <a:latin typeface="Arial"/>
+            </a:endParaRPr>
+          </a:p>
+        </p:txBody>
+      </p:sp>
+      <p:sp>
+        <p:nvSpPr>
+          <p:cNvPr id="19" name="PlaceHolder 2"/>
           <p:cNvSpPr>
             <a:spLocks noGrp="1"/>
           </p:cNvSpPr>
@@ -3975,18 +4687,15 @@
             <a:normAutofit/>
           </a:bodyPr>
           <a:p>
-            <a:endParaRPr b="0" lang="en-US" sz="2000" spc="-1" strike="noStrike">
-              <a:solidFill>
-                <a:srgbClr val="404040"/>
-              </a:solidFill>
-              <a:latin typeface="Calibri"/>
-            </a:endParaRPr>
-          </a:p>
-        </p:txBody>
-      </p:sp>
-      <p:sp>
-        <p:nvSpPr>
-          <p:cNvPr id="21" name="PlaceHolder 3"/>
+            <a:endParaRPr b="0" lang="de-AT" sz="3200" spc="-1" strike="noStrike">
+              <a:latin typeface="Arial"/>
+            </a:endParaRPr>
+          </a:p>
+        </p:txBody>
+      </p:sp>
+      <p:sp>
+        <p:nvSpPr>
+          <p:cNvPr id="20" name="PlaceHolder 3"/>
           <p:cNvSpPr>
             <a:spLocks noGrp="1"/>
           </p:cNvSpPr>
@@ -4008,18 +4717,15 @@
             <a:normAutofit/>
           </a:bodyPr>
           <a:p>
-            <a:endParaRPr b="0" lang="en-US" sz="2000" spc="-1" strike="noStrike">
-              <a:solidFill>
-                <a:srgbClr val="404040"/>
-              </a:solidFill>
-              <a:latin typeface="Calibri"/>
-            </a:endParaRPr>
-          </a:p>
-        </p:txBody>
-      </p:sp>
-      <p:sp>
-        <p:nvSpPr>
-          <p:cNvPr id="22" name="PlaceHolder 4"/>
+            <a:endParaRPr b="0" lang="de-AT" sz="3200" spc="-1" strike="noStrike">
+              <a:latin typeface="Arial"/>
+            </a:endParaRPr>
+          </a:p>
+        </p:txBody>
+      </p:sp>
+      <p:sp>
+        <p:nvSpPr>
+          <p:cNvPr id="21" name="PlaceHolder 4"/>
           <p:cNvSpPr>
             <a:spLocks noGrp="1"/>
           </p:cNvSpPr>
@@ -4041,11 +4747,8 @@
             <a:normAutofit/>
           </a:bodyPr>
           <a:p>
-            <a:endParaRPr b="0" lang="en-US" sz="2000" spc="-1" strike="noStrike">
-              <a:solidFill>
-                <a:srgbClr val="404040"/>
-              </a:solidFill>
-              <a:latin typeface="Calibri"/>
+            <a:endParaRPr b="0" lang="de-AT" sz="3200" spc="-1" strike="noStrike">
+              <a:latin typeface="Arial"/>
             </a:endParaRPr>
           </a:p>
         </p:txBody>
@@ -4074,7 +4777,7 @@
       </p:grpSpPr>
       <p:sp>
         <p:nvSpPr>
-          <p:cNvPr id="23" name="PlaceHolder 1"/>
+          <p:cNvPr id="22" name="PlaceHolder 1"/>
           <p:cNvSpPr>
             <a:spLocks noGrp="1"/>
           </p:cNvSpPr>
@@ -4085,7 +4788,7 @@
         <p:spPr>
           <a:xfrm>
             <a:off x="822960" y="1385640"/>
-            <a:ext cx="7543440" cy="4147560"/>
+            <a:ext cx="7543080" cy="4147200"/>
           </a:xfrm>
           <a:prstGeom prst="rect">
             <a:avLst/>
@@ -4096,18 +4799,16 @@
             <a:noAutofit/>
           </a:bodyPr>
           <a:p>
-            <a:endParaRPr b="0" lang="en-US" sz="1800" spc="-1" strike="noStrike">
-              <a:solidFill>
-                <a:srgbClr val="000000"/>
-              </a:solidFill>
-              <a:latin typeface="Calibri"/>
-            </a:endParaRPr>
-          </a:p>
-        </p:txBody>
-      </p:sp>
-      <p:sp>
-        <p:nvSpPr>
-          <p:cNvPr id="24" name="PlaceHolder 2"/>
+            <a:pPr algn="ctr"/>
+            <a:endParaRPr b="0" lang="de-AT" sz="4400" spc="-1" strike="noStrike">
+              <a:latin typeface="Arial"/>
+            </a:endParaRPr>
+          </a:p>
+        </p:txBody>
+      </p:sp>
+      <p:sp>
+        <p:nvSpPr>
+          <p:cNvPr id="23" name="PlaceHolder 2"/>
           <p:cNvSpPr>
             <a:spLocks noGrp="1"/>
           </p:cNvSpPr>
@@ -4129,18 +4830,15 @@
             <a:normAutofit/>
           </a:bodyPr>
           <a:p>
-            <a:endParaRPr b="0" lang="en-US" sz="2000" spc="-1" strike="noStrike">
-              <a:solidFill>
-                <a:srgbClr val="404040"/>
-              </a:solidFill>
-              <a:latin typeface="Calibri"/>
-            </a:endParaRPr>
-          </a:p>
-        </p:txBody>
-      </p:sp>
-      <p:sp>
-        <p:nvSpPr>
-          <p:cNvPr id="25" name="PlaceHolder 3"/>
+            <a:endParaRPr b="0" lang="de-AT" sz="3200" spc="-1" strike="noStrike">
+              <a:latin typeface="Arial"/>
+            </a:endParaRPr>
+          </a:p>
+        </p:txBody>
+      </p:sp>
+      <p:sp>
+        <p:nvSpPr>
+          <p:cNvPr id="24" name="PlaceHolder 3"/>
           <p:cNvSpPr>
             <a:spLocks noGrp="1"/>
           </p:cNvSpPr>
@@ -4162,18 +4860,15 @@
             <a:normAutofit/>
           </a:bodyPr>
           <a:p>
-            <a:endParaRPr b="0" lang="en-US" sz="2000" spc="-1" strike="noStrike">
-              <a:solidFill>
-                <a:srgbClr val="404040"/>
-              </a:solidFill>
-              <a:latin typeface="Calibri"/>
-            </a:endParaRPr>
-          </a:p>
-        </p:txBody>
-      </p:sp>
-      <p:sp>
-        <p:nvSpPr>
-          <p:cNvPr id="26" name="PlaceHolder 4"/>
+            <a:endParaRPr b="0" lang="de-AT" sz="3200" spc="-1" strike="noStrike">
+              <a:latin typeface="Arial"/>
+            </a:endParaRPr>
+          </a:p>
+        </p:txBody>
+      </p:sp>
+      <p:sp>
+        <p:nvSpPr>
+          <p:cNvPr id="25" name="PlaceHolder 4"/>
           <p:cNvSpPr>
             <a:spLocks noGrp="1"/>
           </p:cNvSpPr>
@@ -4195,11 +4890,8 @@
             <a:normAutofit/>
           </a:bodyPr>
           <a:p>
-            <a:endParaRPr b="0" lang="en-US" sz="2000" spc="-1" strike="noStrike">
-              <a:solidFill>
-                <a:srgbClr val="404040"/>
-              </a:solidFill>
-              <a:latin typeface="Calibri"/>
+            <a:endParaRPr b="0" lang="de-AT" sz="3200" spc="-1" strike="noStrike">
+              <a:latin typeface="Arial"/>
             </a:endParaRPr>
           </a:p>
         </p:txBody>
@@ -4228,7 +4920,7 @@
       </p:grpSpPr>
       <p:sp>
         <p:nvSpPr>
-          <p:cNvPr id="27" name="PlaceHolder 1"/>
+          <p:cNvPr id="26" name="PlaceHolder 1"/>
           <p:cNvSpPr>
             <a:spLocks noGrp="1"/>
           </p:cNvSpPr>
@@ -4239,7 +4931,7 @@
         <p:spPr>
           <a:xfrm>
             <a:off x="822960" y="1385640"/>
-            <a:ext cx="7543440" cy="4147560"/>
+            <a:ext cx="7543080" cy="4147200"/>
           </a:xfrm>
           <a:prstGeom prst="rect">
             <a:avLst/>
@@ -4250,18 +4942,16 @@
             <a:noAutofit/>
           </a:bodyPr>
           <a:p>
-            <a:endParaRPr b="0" lang="en-US" sz="1800" spc="-1" strike="noStrike">
-              <a:solidFill>
-                <a:srgbClr val="000000"/>
-              </a:solidFill>
-              <a:latin typeface="Calibri"/>
-            </a:endParaRPr>
-          </a:p>
-        </p:txBody>
-      </p:sp>
-      <p:sp>
-        <p:nvSpPr>
-          <p:cNvPr id="28" name="PlaceHolder 2"/>
+            <a:pPr algn="ctr"/>
+            <a:endParaRPr b="0" lang="de-AT" sz="4400" spc="-1" strike="noStrike">
+              <a:latin typeface="Arial"/>
+            </a:endParaRPr>
+          </a:p>
+        </p:txBody>
+      </p:sp>
+      <p:sp>
+        <p:nvSpPr>
+          <p:cNvPr id="27" name="PlaceHolder 2"/>
           <p:cNvSpPr>
             <a:spLocks noGrp="1"/>
           </p:cNvSpPr>
@@ -4283,18 +4973,15 @@
             <a:normAutofit/>
           </a:bodyPr>
           <a:p>
-            <a:endParaRPr b="0" lang="en-US" sz="2000" spc="-1" strike="noStrike">
-              <a:solidFill>
-                <a:srgbClr val="404040"/>
-              </a:solidFill>
-              <a:latin typeface="Calibri"/>
-            </a:endParaRPr>
-          </a:p>
-        </p:txBody>
-      </p:sp>
-      <p:sp>
-        <p:nvSpPr>
-          <p:cNvPr id="29" name="PlaceHolder 3"/>
+            <a:endParaRPr b="0" lang="de-AT" sz="3200" spc="-1" strike="noStrike">
+              <a:latin typeface="Arial"/>
+            </a:endParaRPr>
+          </a:p>
+        </p:txBody>
+      </p:sp>
+      <p:sp>
+        <p:nvSpPr>
+          <p:cNvPr id="28" name="PlaceHolder 3"/>
           <p:cNvSpPr>
             <a:spLocks noGrp="1"/>
           </p:cNvSpPr>
@@ -4316,18 +5003,15 @@
             <a:normAutofit/>
           </a:bodyPr>
           <a:p>
-            <a:endParaRPr b="0" lang="en-US" sz="2000" spc="-1" strike="noStrike">
-              <a:solidFill>
-                <a:srgbClr val="404040"/>
-              </a:solidFill>
-              <a:latin typeface="Calibri"/>
-            </a:endParaRPr>
-          </a:p>
-        </p:txBody>
-      </p:sp>
-      <p:sp>
-        <p:nvSpPr>
-          <p:cNvPr id="30" name="PlaceHolder 4"/>
+            <a:endParaRPr b="0" lang="de-AT" sz="3200" spc="-1" strike="noStrike">
+              <a:latin typeface="Arial"/>
+            </a:endParaRPr>
+          </a:p>
+        </p:txBody>
+      </p:sp>
+      <p:sp>
+        <p:nvSpPr>
+          <p:cNvPr id="29" name="PlaceHolder 4"/>
           <p:cNvSpPr>
             <a:spLocks noGrp="1"/>
           </p:cNvSpPr>
@@ -4349,11 +5033,8 @@
             <a:normAutofit/>
           </a:bodyPr>
           <a:p>
-            <a:endParaRPr b="0" lang="en-US" sz="2000" spc="-1" strike="noStrike">
-              <a:solidFill>
-                <a:srgbClr val="404040"/>
-              </a:solidFill>
-              <a:latin typeface="Calibri"/>
+            <a:endParaRPr b="0" lang="de-AT" sz="3200" spc="-1" strike="noStrike">
+              <a:latin typeface="Arial"/>
             </a:endParaRPr>
           </a:p>
         </p:txBody>
@@ -4398,13 +5079,13 @@
         </p:nvPicPr>
         <p:blipFill>
           <a:blip r:embed="rId3"/>
-          <a:srcRect l="-2" t="0" r="-6524" b="0"/>
+          <a:srcRect l="-2" t="0" r="-6522" b="0"/>
           <a:stretch/>
         </p:blipFill>
         <p:spPr>
           <a:xfrm>
             <a:off x="127440" y="6338880"/>
-            <a:ext cx="1219680" cy="433440"/>
+            <a:ext cx="1219320" cy="433080"/>
           </a:xfrm>
           <a:prstGeom prst="rect">
             <a:avLst/>
@@ -4427,7 +5108,7 @@
         <p:spPr>
           <a:xfrm>
             <a:off x="7405560" y="6341400"/>
-            <a:ext cx="1585800" cy="442080"/>
+            <a:ext cx="1585440" cy="441720"/>
           </a:xfrm>
           <a:prstGeom prst="rect">
             <a:avLst/>
@@ -4446,7 +5127,7 @@
         <p:spPr>
           <a:xfrm>
             <a:off x="4392720" y="6415200"/>
-            <a:ext cx="353160" cy="357120"/>
+            <a:ext cx="352800" cy="356760"/>
           </a:xfrm>
           <a:prstGeom prst="rect">
             <a:avLst/>
@@ -4463,7 +5144,7 @@
           <a:fontRef idx="minor"/>
         </p:style>
         <p:txBody>
-          <a:bodyPr anchor="ctr">
+          <a:bodyPr lIns="90000" rIns="90000" tIns="45000" bIns="45000" anchor="ctr">
             <a:noAutofit/>
           </a:bodyPr>
           <a:p>
@@ -4478,6 +5159,7 @@
                   <a:srgbClr val="000000"/>
                 </a:solidFill>
                 <a:latin typeface="Calibri"/>
+                <a:ea typeface="DejaVu Sans"/>
               </a:rPr>
               <a:t>12</a:t>
             </a:r>
@@ -4496,7 +5178,7 @@
         <p:spPr>
           <a:xfrm>
             <a:off x="2520" y="6400800"/>
-            <a:ext cx="9141120" cy="456840"/>
+            <a:ext cx="9140760" cy="456480"/>
           </a:xfrm>
           <a:prstGeom prst="rect">
             <a:avLst/>
@@ -4532,7 +5214,7 @@
         <p:spPr>
           <a:xfrm>
             <a:off x="0" y="6334200"/>
-            <a:ext cx="9141120" cy="63720"/>
+            <a:ext cx="9140760" cy="63360"/>
           </a:xfrm>
           <a:prstGeom prst="rect">
             <a:avLst/>
@@ -4563,54 +5245,7 @@
       </p:sp>
       <p:sp>
         <p:nvSpPr>
-          <p:cNvPr id="5" name="PlaceHolder 4"/>
-          <p:cNvSpPr>
-            <a:spLocks noGrp="1"/>
-          </p:cNvSpPr>
-          <p:nvPr>
-            <p:ph type="title"/>
-          </p:nvPr>
-        </p:nvSpPr>
-        <p:spPr>
-          <a:xfrm>
-            <a:off x="822960" y="1302840"/>
-            <a:ext cx="7543440" cy="3433680"/>
-          </a:xfrm>
-          <a:prstGeom prst="rect">
-            <a:avLst/>
-          </a:prstGeom>
-        </p:spPr>
-        <p:txBody>
-          <a:bodyPr anchor="b">
-            <a:normAutofit/>
-          </a:bodyPr>
-          <a:p>
-            <a:pPr>
-              <a:lnSpc>
-                <a:spcPct val="85000"/>
-              </a:lnSpc>
-            </a:pPr>
-            <a:r>
-              <a:rPr b="0" lang="en-US" sz="8000" spc="-52" strike="noStrike">
-                <a:solidFill>
-                  <a:srgbClr val="262626"/>
-                </a:solidFill>
-                <a:latin typeface="Calibri Light"/>
-              </a:rPr>
-              <a:t>Click to edit Master title style</a:t>
-            </a:r>
-            <a:endParaRPr b="0" lang="en-US" sz="8000" spc="-1" strike="noStrike">
-              <a:solidFill>
-                <a:srgbClr val="000000"/>
-              </a:solidFill>
-              <a:latin typeface="Calibri"/>
-            </a:endParaRPr>
-          </a:p>
-        </p:txBody>
-      </p:sp>
-      <p:sp>
-        <p:nvSpPr>
-          <p:cNvPr id="6" name="Line 5"/>
+          <p:cNvPr id="5" name="Line 4"/>
           <p:cNvSpPr/>
           <p:nvPr/>
         </p:nvSpPr>
@@ -4645,123 +5280,21 @@
           <a:fontRef idx="minor"/>
         </p:style>
       </p:sp>
-      <p:sp>
-        <p:nvSpPr>
-          <p:cNvPr id="7" name="PlaceHolder 6"/>
-          <p:cNvSpPr>
-            <a:spLocks noGrp="1"/>
-          </p:cNvSpPr>
-          <p:nvPr>
-            <p:ph type="sldNum"/>
-          </p:nvPr>
-        </p:nvSpPr>
-        <p:spPr>
-          <a:xfrm>
-            <a:off x="4006440" y="6410880"/>
-            <a:ext cx="583200" cy="364680"/>
-          </a:xfrm>
-          <a:prstGeom prst="rect">
-            <a:avLst/>
-          </a:prstGeom>
-        </p:spPr>
-        <p:txBody>
-          <a:bodyPr anchor="ctr">
-            <a:noAutofit/>
-          </a:bodyPr>
-          <a:p>
-            <a:pPr algn="r">
-              <a:lnSpc>
-                <a:spcPct val="100000"/>
-              </a:lnSpc>
-            </a:pPr>
-            <a:fld id="{88741BAB-4420-416C-88AE-C450DDD2F1A7}" type="slidenum">
-              <a:rPr b="0" lang="en-US" sz="1050" spc="-1" strike="noStrike">
-                <a:solidFill>
-                  <a:srgbClr val="000000"/>
-                </a:solidFill>
-                <a:latin typeface="Calibri"/>
-              </a:rPr>
-              <a:t>&lt;Foliennummer&gt;</a:t>
-            </a:fld>
-            <a:endParaRPr b="0" lang="de-AT" sz="1050" spc="-1" strike="noStrike">
-              <a:latin typeface="Times New Roman"/>
-            </a:endParaRPr>
-          </a:p>
-        </p:txBody>
-      </p:sp>
-      <p:sp>
-        <p:nvSpPr>
-          <p:cNvPr id="8" name="PlaceHolder 7"/>
-          <p:cNvSpPr>
-            <a:spLocks noGrp="1"/>
-          </p:cNvSpPr>
-          <p:nvPr>
-            <p:ph type="body"/>
-          </p:nvPr>
-        </p:nvSpPr>
-        <p:spPr>
-          <a:xfrm>
-            <a:off x="822600" y="5639760"/>
-            <a:ext cx="7586280" cy="639360"/>
-          </a:xfrm>
-          <a:prstGeom prst="rect">
-            <a:avLst/>
-          </a:prstGeom>
-        </p:spPr>
-        <p:txBody>
-          <a:bodyPr lIns="0" rIns="0">
-            <a:noAutofit/>
-          </a:bodyPr>
-          <a:p>
-            <a:pPr marL="91440" indent="-91080">
-              <a:lnSpc>
-                <a:spcPct val="90000"/>
-              </a:lnSpc>
-              <a:spcBef>
-                <a:spcPts val="1199"/>
-              </a:spcBef>
-              <a:spcAft>
-                <a:spcPts val="201"/>
-              </a:spcAft>
-              <a:buClr>
-                <a:srgbClr val="14496f"/>
-              </a:buClr>
-              <a:buFont typeface="Calibri"/>
-              <a:buChar char=" "/>
-            </a:pPr>
-            <a:r>
-              <a:rPr b="0" lang="en-CA" sz="2000" spc="-1" strike="noStrike">
-                <a:solidFill>
-                  <a:srgbClr val="002060"/>
-                </a:solidFill>
-                <a:latin typeface="Calibri Light"/>
-              </a:rPr>
-              <a:t>Edit Subtitles</a:t>
-            </a:r>
-            <a:endParaRPr b="0" lang="en-US" sz="2000" spc="-1" strike="noStrike">
-              <a:solidFill>
-                <a:srgbClr val="404040"/>
-              </a:solidFill>
-              <a:latin typeface="Calibri"/>
-            </a:endParaRPr>
-          </a:p>
-        </p:txBody>
-      </p:sp>
       <p:pic>
         <p:nvPicPr>
-          <p:cNvPr id="9" name="Picture 7" descr=""/>
+          <p:cNvPr id="6" name="Picture 7" descr=""/>
           <p:cNvPicPr/>
           <p:nvPr/>
         </p:nvPicPr>
         <p:blipFill>
           <a:blip r:embed="rId5"/>
-          <a:srcRect l="-2" t="0" r="-6524" b="0"/>
+          <a:srcRect l="-2" t="0" r="-6522" b="0"/>
           <a:stretch/>
         </p:blipFill>
         <p:spPr>
           <a:xfrm>
             <a:off x="119880" y="70200"/>
-            <a:ext cx="1219680" cy="433440"/>
+            <a:ext cx="1219320" cy="433080"/>
           </a:xfrm>
           <a:prstGeom prst="rect">
             <a:avLst/>
@@ -4771,6 +5304,222 @@
           </a:ln>
         </p:spPr>
       </p:pic>
+      <p:sp>
+        <p:nvSpPr>
+          <p:cNvPr id="7" name="PlaceHolder 5"/>
+          <p:cNvSpPr>
+            <a:spLocks noGrp="1"/>
+          </p:cNvSpPr>
+          <p:nvPr>
+            <p:ph type="title"/>
+          </p:nvPr>
+        </p:nvSpPr>
+        <p:spPr>
+          <a:xfrm>
+            <a:off x="457200" y="273600"/>
+            <a:ext cx="8229240" cy="1144800"/>
+          </a:xfrm>
+          <a:prstGeom prst="rect">
+            <a:avLst/>
+          </a:prstGeom>
+        </p:spPr>
+        <p:txBody>
+          <a:bodyPr lIns="0" rIns="0" tIns="0" bIns="0" anchor="ctr">
+            <a:noAutofit/>
+          </a:bodyPr>
+          <a:p>
+            <a:pPr algn="ctr"/>
+            <a:r>
+              <a:rPr b="0" lang="de-AT" sz="4400" spc="-1" strike="noStrike">
+                <a:latin typeface="Arial"/>
+              </a:rPr>
+              <a:t>Format des Titeltextes durch Klicken bearbeiten</a:t>
+            </a:r>
+            <a:endParaRPr b="0" lang="de-AT" sz="4400" spc="-1" strike="noStrike">
+              <a:latin typeface="Arial"/>
+            </a:endParaRPr>
+          </a:p>
+        </p:txBody>
+      </p:sp>
+      <p:sp>
+        <p:nvSpPr>
+          <p:cNvPr id="8" name="PlaceHolder 6"/>
+          <p:cNvSpPr>
+            <a:spLocks noGrp="1"/>
+          </p:cNvSpPr>
+          <p:nvPr>
+            <p:ph type="body"/>
+          </p:nvPr>
+        </p:nvSpPr>
+        <p:spPr>
+          <a:xfrm>
+            <a:off x="457200" y="1604520"/>
+            <a:ext cx="8229240" cy="3977280"/>
+          </a:xfrm>
+          <a:prstGeom prst="rect">
+            <a:avLst/>
+          </a:prstGeom>
+        </p:spPr>
+        <p:txBody>
+          <a:bodyPr lIns="0" rIns="0" tIns="0" bIns="0">
+            <a:normAutofit/>
+          </a:bodyPr>
+          <a:p>
+            <a:pPr marL="432000" indent="-324000">
+              <a:spcBef>
+                <a:spcPts val="1417"/>
+              </a:spcBef>
+              <a:buClr>
+                <a:srgbClr val="000000"/>
+              </a:buClr>
+              <a:buSzPct val="45000"/>
+              <a:buFont typeface="Wingdings" charset="2"/>
+              <a:buChar char=""/>
+            </a:pPr>
+            <a:r>
+              <a:rPr b="0" lang="de-AT" sz="3200" spc="-1" strike="noStrike">
+                <a:latin typeface="Arial"/>
+              </a:rPr>
+              <a:t>Format des Gliederungstextes durch Klicken bearbeiten</a:t>
+            </a:r>
+            <a:endParaRPr b="0" lang="de-AT" sz="3200" spc="-1" strike="noStrike">
+              <a:latin typeface="Arial"/>
+            </a:endParaRPr>
+          </a:p>
+          <a:p>
+            <a:pPr lvl="1" marL="864000" indent="-324000">
+              <a:spcBef>
+                <a:spcPts val="1134"/>
+              </a:spcBef>
+              <a:buClr>
+                <a:srgbClr val="000000"/>
+              </a:buClr>
+              <a:buSzPct val="75000"/>
+              <a:buFont typeface="Symbol" charset="2"/>
+              <a:buChar char=""/>
+            </a:pPr>
+            <a:r>
+              <a:rPr b="0" lang="de-AT" sz="2800" spc="-1" strike="noStrike">
+                <a:latin typeface="Arial"/>
+              </a:rPr>
+              <a:t>Zweite Gliederungsebene</a:t>
+            </a:r>
+            <a:endParaRPr b="0" lang="de-AT" sz="2800" spc="-1" strike="noStrike">
+              <a:latin typeface="Arial"/>
+            </a:endParaRPr>
+          </a:p>
+          <a:p>
+            <a:pPr lvl="2" marL="1296000" indent="-288000">
+              <a:spcBef>
+                <a:spcPts val="850"/>
+              </a:spcBef>
+              <a:buClr>
+                <a:srgbClr val="000000"/>
+              </a:buClr>
+              <a:buSzPct val="45000"/>
+              <a:buFont typeface="Wingdings" charset="2"/>
+              <a:buChar char=""/>
+            </a:pPr>
+            <a:r>
+              <a:rPr b="0" lang="de-AT" sz="2400" spc="-1" strike="noStrike">
+                <a:latin typeface="Arial"/>
+              </a:rPr>
+              <a:t>Dritte Gliederungsebene</a:t>
+            </a:r>
+            <a:endParaRPr b="0" lang="de-AT" sz="2400" spc="-1" strike="noStrike">
+              <a:latin typeface="Arial"/>
+            </a:endParaRPr>
+          </a:p>
+          <a:p>
+            <a:pPr lvl="3" marL="1728000" indent="-216000">
+              <a:spcBef>
+                <a:spcPts val="567"/>
+              </a:spcBef>
+              <a:buClr>
+                <a:srgbClr val="000000"/>
+              </a:buClr>
+              <a:buSzPct val="75000"/>
+              <a:buFont typeface="Symbol" charset="2"/>
+              <a:buChar char=""/>
+            </a:pPr>
+            <a:r>
+              <a:rPr b="0" lang="de-AT" sz="2000" spc="-1" strike="noStrike">
+                <a:latin typeface="Arial"/>
+              </a:rPr>
+              <a:t>Vierte Gliederungsebene</a:t>
+            </a:r>
+            <a:endParaRPr b="0" lang="de-AT" sz="2000" spc="-1" strike="noStrike">
+              <a:latin typeface="Arial"/>
+            </a:endParaRPr>
+          </a:p>
+          <a:p>
+            <a:pPr lvl="4" marL="2160000" indent="-216000">
+              <a:spcBef>
+                <a:spcPts val="283"/>
+              </a:spcBef>
+              <a:buClr>
+                <a:srgbClr val="000000"/>
+              </a:buClr>
+              <a:buSzPct val="45000"/>
+              <a:buFont typeface="Wingdings" charset="2"/>
+              <a:buChar char=""/>
+            </a:pPr>
+            <a:r>
+              <a:rPr b="0" lang="de-AT" sz="2000" spc="-1" strike="noStrike">
+                <a:latin typeface="Arial"/>
+              </a:rPr>
+              <a:t>Fünfte Gliederungsebene</a:t>
+            </a:r>
+            <a:endParaRPr b="0" lang="de-AT" sz="2000" spc="-1" strike="noStrike">
+              <a:latin typeface="Arial"/>
+            </a:endParaRPr>
+          </a:p>
+          <a:p>
+            <a:pPr lvl="5" marL="2592000" indent="-216000">
+              <a:spcBef>
+                <a:spcPts val="283"/>
+              </a:spcBef>
+              <a:buClr>
+                <a:srgbClr val="000000"/>
+              </a:buClr>
+              <a:buSzPct val="45000"/>
+              <a:buFont typeface="Wingdings" charset="2"/>
+              <a:buChar char=""/>
+            </a:pPr>
+            <a:r>
+              <a:rPr b="0" lang="de-AT" sz="2000" spc="-1" strike="noStrike">
+                <a:latin typeface="Arial"/>
+              </a:rPr>
+              <a:t>Sechste Gliederungsebene</a:t>
+            </a:r>
+            <a:endParaRPr b="0" lang="de-AT" sz="2000" spc="-1" strike="noStrike">
+              <a:latin typeface="Arial"/>
+            </a:endParaRPr>
+          </a:p>
+          <a:p>
+            <a:pPr lvl="6" marL="3024000" indent="-216000">
+              <a:spcBef>
+                <a:spcPts val="283"/>
+              </a:spcBef>
+              <a:buClr>
+                <a:srgbClr val="000000"/>
+              </a:buClr>
+              <a:buSzPct val="45000"/>
+              <a:buFont typeface="Wingdings" charset="2"/>
+              <a:buChar char=""/>
+            </a:pPr>
+            <a:r>
+              <a:rPr b="0" lang="de-AT" sz="2000" spc="-1" strike="noStrike">
+                <a:latin typeface="Arial"/>
+              </a:rPr>
+              <a:t>Siebte Gliederungsebene</a:t>
+            </a:r>
+            <a:endParaRPr b="0" lang="de-AT" sz="2000" spc="-1" strike="noStrike">
+              <a:latin typeface="Arial"/>
+            </a:endParaRPr>
+          </a:p>
+        </p:txBody>
+      </p:sp>
     </p:spTree>
   </p:cSld>
   <p:clrMap bg1="lt1" bg2="lt2" tx1="dk1" tx2="dk2" accent1="accent1" accent2="accent2" accent3="accent3" accent4="accent4" accent5="accent5" accent6="accent6" hlink="hlink" folHlink="folHlink"/>
@@ -4817,19 +5566,19 @@
       </p:grpSpPr>
       <p:pic>
         <p:nvPicPr>
-          <p:cNvPr id="46" name="Picture 7" descr=""/>
+          <p:cNvPr id="45" name="Picture 7" descr=""/>
           <p:cNvPicPr/>
           <p:nvPr/>
         </p:nvPicPr>
         <p:blipFill>
           <a:blip r:embed="rId2"/>
-          <a:srcRect l="-2" t="0" r="-6524" b="0"/>
+          <a:srcRect l="-2" t="0" r="-6522" b="0"/>
           <a:stretch/>
         </p:blipFill>
         <p:spPr>
           <a:xfrm>
             <a:off x="127440" y="6338880"/>
-            <a:ext cx="1219680" cy="433440"/>
+            <a:ext cx="1219320" cy="433080"/>
           </a:xfrm>
           <a:prstGeom prst="rect">
             <a:avLst/>
@@ -4841,7 +5590,7 @@
       </p:pic>
       <p:pic>
         <p:nvPicPr>
-          <p:cNvPr id="47" name="Picture 17" descr=""/>
+          <p:cNvPr id="46" name="Picture 17" descr=""/>
           <p:cNvPicPr/>
           <p:nvPr/>
         </p:nvPicPr>
@@ -4852,7 +5601,7 @@
         <p:spPr>
           <a:xfrm>
             <a:off x="7405560" y="6341400"/>
-            <a:ext cx="1585800" cy="442080"/>
+            <a:ext cx="1585440" cy="441720"/>
           </a:xfrm>
           <a:prstGeom prst="rect">
             <a:avLst/>
@@ -4864,14 +5613,14 @@
       </p:pic>
       <p:sp>
         <p:nvSpPr>
-          <p:cNvPr id="48" name="CustomShape 1"/>
+          <p:cNvPr id="47" name="CustomShape 1"/>
           <p:cNvSpPr/>
           <p:nvPr/>
         </p:nvSpPr>
         <p:spPr>
           <a:xfrm>
             <a:off x="4392720" y="6415200"/>
-            <a:ext cx="353160" cy="357120"/>
+            <a:ext cx="352800" cy="356760"/>
           </a:xfrm>
           <a:prstGeom prst="rect">
             <a:avLst/>
@@ -4888,7 +5637,7 @@
           <a:fontRef idx="minor"/>
         </p:style>
         <p:txBody>
-          <a:bodyPr anchor="ctr">
+          <a:bodyPr lIns="90000" rIns="90000" tIns="45000" bIns="45000" anchor="ctr">
             <a:noAutofit/>
           </a:bodyPr>
           <a:p>
@@ -4903,6 +5652,7 @@
                   <a:srgbClr val="000000"/>
                 </a:solidFill>
                 <a:latin typeface="Calibri"/>
+                <a:ea typeface="DejaVu Sans"/>
               </a:rPr>
               <a:t>12</a:t>
             </a:r>
@@ -4914,7 +5664,7 @@
       </p:sp>
       <p:sp>
         <p:nvSpPr>
-          <p:cNvPr id="49" name="PlaceHolder 2"/>
+          <p:cNvPr id="48" name="PlaceHolder 2"/>
           <p:cNvSpPr>
             <a:spLocks noGrp="1"/>
           </p:cNvSpPr>
@@ -4924,280 +5674,212 @@
         </p:nvSpPr>
         <p:spPr>
           <a:xfrm>
-            <a:off x="127440" y="99000"/>
-            <a:ext cx="8836920" cy="954000"/>
-          </a:xfrm>
-          <a:prstGeom prst="rect">
-            <a:avLst/>
-          </a:prstGeom>
-        </p:spPr>
-        <p:txBody>
-          <a:bodyPr anchor="b">
+            <a:off x="457200" y="273600"/>
+            <a:ext cx="8229240" cy="1144800"/>
+          </a:xfrm>
+          <a:prstGeom prst="rect">
+            <a:avLst/>
+          </a:prstGeom>
+        </p:spPr>
+        <p:txBody>
+          <a:bodyPr lIns="0" rIns="0" tIns="0" bIns="0" anchor="ctr">
             <a:noAutofit/>
           </a:bodyPr>
           <a:p>
-            <a:pPr>
-              <a:lnSpc>
-                <a:spcPct val="85000"/>
-              </a:lnSpc>
+            <a:pPr algn="ctr"/>
+            <a:r>
+              <a:rPr b="0" lang="de-AT" sz="4400" spc="-1" strike="noStrike">
+                <a:latin typeface="Arial"/>
+              </a:rPr>
+              <a:t>Format des Titeltextes durch Klicken bearbeiten</a:t>
+            </a:r>
+            <a:endParaRPr b="0" lang="de-AT" sz="4400" spc="-1" strike="noStrike">
+              <a:latin typeface="Arial"/>
+            </a:endParaRPr>
+          </a:p>
+        </p:txBody>
+      </p:sp>
+      <p:sp>
+        <p:nvSpPr>
+          <p:cNvPr id="49" name="PlaceHolder 3"/>
+          <p:cNvSpPr>
+            <a:spLocks noGrp="1"/>
+          </p:cNvSpPr>
+          <p:nvPr>
+            <p:ph type="body"/>
+          </p:nvPr>
+        </p:nvSpPr>
+        <p:spPr>
+          <a:xfrm>
+            <a:off x="457200" y="1604520"/>
+            <a:ext cx="8229240" cy="3977280"/>
+          </a:xfrm>
+          <a:prstGeom prst="rect">
+            <a:avLst/>
+          </a:prstGeom>
+        </p:spPr>
+        <p:txBody>
+          <a:bodyPr lIns="0" rIns="0" tIns="0" bIns="0">
+            <a:normAutofit/>
+          </a:bodyPr>
+          <a:p>
+            <a:pPr marL="432000" indent="-324000">
+              <a:spcBef>
+                <a:spcPts val="1417"/>
+              </a:spcBef>
+              <a:buClr>
+                <a:srgbClr val="000000"/>
+              </a:buClr>
+              <a:buSzPct val="45000"/>
+              <a:buFont typeface="Wingdings" charset="2"/>
+              <a:buChar char=""/>
             </a:pPr>
             <a:r>
-              <a:rPr b="0" lang="en-US" sz="4800" spc="-52" strike="noStrike">
-                <a:solidFill>
-                  <a:srgbClr val="404040"/>
-                </a:solidFill>
-                <a:latin typeface="Calibri Light"/>
+              <a:rPr b="0" lang="de-AT" sz="3200" spc="-1" strike="noStrike">
+                <a:latin typeface="Arial"/>
               </a:rPr>
-              <a:t>Click to edit Master title style</a:t>
+              <a:t>Format des Gliederungstextes durch </a:t>
             </a:r>
-            <a:endParaRPr b="0" lang="en-US" sz="4800" spc="-1" strike="noStrike">
-              <a:solidFill>
+            <a:r>
+              <a:rPr b="0" lang="de-AT" sz="3200" spc="-1" strike="noStrike">
+                <a:latin typeface="Arial"/>
+              </a:rPr>
+              <a:t>Klicken bearbeiten</a:t>
+            </a:r>
+            <a:endParaRPr b="0" lang="de-AT" sz="3200" spc="-1" strike="noStrike">
+              <a:latin typeface="Arial"/>
+            </a:endParaRPr>
+          </a:p>
+          <a:p>
+            <a:pPr lvl="1" marL="864000" indent="-324000">
+              <a:spcBef>
+                <a:spcPts val="1134"/>
+              </a:spcBef>
+              <a:buClr>
                 <a:srgbClr val="000000"/>
-              </a:solidFill>
-              <a:latin typeface="Calibri"/>
-            </a:endParaRPr>
-          </a:p>
-        </p:txBody>
-      </p:sp>
-      <p:sp>
-        <p:nvSpPr>
-          <p:cNvPr id="50" name="PlaceHolder 3"/>
-          <p:cNvSpPr>
-            <a:spLocks noGrp="1"/>
-          </p:cNvSpPr>
-          <p:nvPr>
-            <p:ph type="body"/>
-          </p:nvPr>
-        </p:nvSpPr>
-        <p:spPr>
-          <a:xfrm>
-            <a:off x="127440" y="1145520"/>
-            <a:ext cx="8836920" cy="5129280"/>
-          </a:xfrm>
-          <a:prstGeom prst="rect">
-            <a:avLst/>
-          </a:prstGeom>
-        </p:spPr>
-        <p:txBody>
-          <a:bodyPr lIns="0" rIns="0">
-            <a:noAutofit/>
-          </a:bodyPr>
-          <a:p>
-            <a:pPr marL="91440" indent="-91080">
-              <a:lnSpc>
-                <a:spcPct val="90000"/>
-              </a:lnSpc>
-              <a:spcBef>
-                <a:spcPts val="1199"/>
-              </a:spcBef>
-              <a:spcAft>
-                <a:spcPts val="201"/>
-              </a:spcAft>
-              <a:buClr>
-                <a:srgbClr val="14496f"/>
               </a:buClr>
-              <a:buFont typeface="Calibri"/>
-              <a:buChar char=" "/>
+              <a:buSzPct val="75000"/>
+              <a:buFont typeface="Symbol" charset="2"/>
+              <a:buChar char=""/>
             </a:pPr>
             <a:r>
-              <a:rPr b="0" lang="en-US" sz="2000" spc="-1" strike="noStrike">
-                <a:solidFill>
-                  <a:srgbClr val="404040"/>
-                </a:solidFill>
-                <a:latin typeface="Calibri"/>
+              <a:rPr b="0" lang="de-AT" sz="2800" spc="-1" strike="noStrike">
+                <a:latin typeface="Arial"/>
               </a:rPr>
-              <a:t>Edit Master text styles</a:t>
+              <a:t>Zweite Gliederungsebene</a:t>
             </a:r>
-            <a:endParaRPr b="0" lang="en-US" sz="2000" spc="-1" strike="noStrike">
-              <a:solidFill>
-                <a:srgbClr val="404040"/>
-              </a:solidFill>
-              <a:latin typeface="Calibri"/>
-            </a:endParaRPr>
-          </a:p>
-          <a:p>
-            <a:pPr lvl="1" marL="384120" indent="-182520">
-              <a:lnSpc>
-                <a:spcPct val="90000"/>
-              </a:lnSpc>
+            <a:endParaRPr b="0" lang="de-AT" sz="2800" spc="-1" strike="noStrike">
+              <a:latin typeface="Arial"/>
+            </a:endParaRPr>
+          </a:p>
+          <a:p>
+            <a:pPr lvl="2" marL="1296000" indent="-288000">
               <a:spcBef>
-                <a:spcPts val="201"/>
+                <a:spcPts val="850"/>
               </a:spcBef>
-              <a:spcAft>
-                <a:spcPts val="400"/>
-              </a:spcAft>
               <a:buClr>
-                <a:srgbClr val="14496f"/>
+                <a:srgbClr val="000000"/>
               </a:buClr>
-              <a:buFont typeface="Calibri"/>
-              <a:buChar char="◦"/>
+              <a:buSzPct val="45000"/>
+              <a:buFont typeface="Wingdings" charset="2"/>
+              <a:buChar char=""/>
             </a:pPr>
             <a:r>
-              <a:rPr b="0" lang="en-US" sz="1800" spc="-1" strike="noStrike">
-                <a:solidFill>
-                  <a:srgbClr val="404040"/>
-                </a:solidFill>
-                <a:latin typeface="Calibri"/>
+              <a:rPr b="0" lang="de-AT" sz="2400" spc="-1" strike="noStrike">
+                <a:latin typeface="Arial"/>
               </a:rPr>
-              <a:t>Second level</a:t>
+              <a:t>Dritte Gliederungsebene</a:t>
             </a:r>
-            <a:endParaRPr b="0" lang="en-US" sz="1800" spc="-1" strike="noStrike">
-              <a:solidFill>
-                <a:srgbClr val="404040"/>
-              </a:solidFill>
-              <a:latin typeface="Calibri"/>
-            </a:endParaRPr>
-          </a:p>
-          <a:p>
-            <a:pPr lvl="2" marL="567000" indent="-182520">
-              <a:lnSpc>
-                <a:spcPct val="90000"/>
-              </a:lnSpc>
+            <a:endParaRPr b="0" lang="de-AT" sz="2400" spc="-1" strike="noStrike">
+              <a:latin typeface="Arial"/>
+            </a:endParaRPr>
+          </a:p>
+          <a:p>
+            <a:pPr lvl="3" marL="1728000" indent="-216000">
               <a:spcBef>
-                <a:spcPts val="201"/>
+                <a:spcPts val="567"/>
               </a:spcBef>
-              <a:spcAft>
-                <a:spcPts val="400"/>
-              </a:spcAft>
               <a:buClr>
-                <a:srgbClr val="14496f"/>
+                <a:srgbClr val="000000"/>
               </a:buClr>
-              <a:buFont typeface="Calibri"/>
-              <a:buChar char="◦"/>
+              <a:buSzPct val="75000"/>
+              <a:buFont typeface="Symbol" charset="2"/>
+              <a:buChar char=""/>
             </a:pPr>
             <a:r>
-              <a:rPr b="0" lang="en-US" sz="1400" spc="-1" strike="noStrike">
-                <a:solidFill>
-                  <a:srgbClr val="404040"/>
-                </a:solidFill>
-                <a:latin typeface="Calibri"/>
+              <a:rPr b="0" lang="de-AT" sz="2000" spc="-1" strike="noStrike">
+                <a:latin typeface="Arial"/>
               </a:rPr>
-              <a:t>Third level</a:t>
+              <a:t>Vierte Gliederungsebene</a:t>
             </a:r>
-            <a:endParaRPr b="0" lang="en-US" sz="1400" spc="-1" strike="noStrike">
-              <a:solidFill>
-                <a:srgbClr val="404040"/>
-              </a:solidFill>
-              <a:latin typeface="Calibri"/>
-            </a:endParaRPr>
-          </a:p>
-          <a:p>
-            <a:pPr lvl="3" marL="749880" indent="-182520">
-              <a:lnSpc>
-                <a:spcPct val="90000"/>
-              </a:lnSpc>
+            <a:endParaRPr b="0" lang="de-AT" sz="2000" spc="-1" strike="noStrike">
+              <a:latin typeface="Arial"/>
+            </a:endParaRPr>
+          </a:p>
+          <a:p>
+            <a:pPr lvl="4" marL="2160000" indent="-216000">
               <a:spcBef>
-                <a:spcPts val="201"/>
+                <a:spcPts val="283"/>
               </a:spcBef>
-              <a:spcAft>
-                <a:spcPts val="400"/>
-              </a:spcAft>
               <a:buClr>
-                <a:srgbClr val="14496f"/>
+                <a:srgbClr val="000000"/>
               </a:buClr>
-              <a:buFont typeface="Calibri"/>
-              <a:buChar char="◦"/>
+              <a:buSzPct val="45000"/>
+              <a:buFont typeface="Wingdings" charset="2"/>
+              <a:buChar char=""/>
             </a:pPr>
             <a:r>
-              <a:rPr b="0" lang="en-US" sz="1400" spc="-1" strike="noStrike">
-                <a:solidFill>
-                  <a:srgbClr val="404040"/>
-                </a:solidFill>
-                <a:latin typeface="Calibri"/>
+              <a:rPr b="0" lang="de-AT" sz="2000" spc="-1" strike="noStrike">
+                <a:latin typeface="Arial"/>
               </a:rPr>
-              <a:t>Fourth level</a:t>
+              <a:t>Fünfte Gliederungsebene</a:t>
             </a:r>
-            <a:endParaRPr b="0" lang="en-US" sz="1400" spc="-1" strike="noStrike">
-              <a:solidFill>
-                <a:srgbClr val="404040"/>
-              </a:solidFill>
-              <a:latin typeface="Calibri"/>
-            </a:endParaRPr>
-          </a:p>
-          <a:p>
-            <a:pPr lvl="4" marL="932760" indent="-182520">
-              <a:lnSpc>
-                <a:spcPct val="90000"/>
-              </a:lnSpc>
+            <a:endParaRPr b="0" lang="de-AT" sz="2000" spc="-1" strike="noStrike">
+              <a:latin typeface="Arial"/>
+            </a:endParaRPr>
+          </a:p>
+          <a:p>
+            <a:pPr lvl="5" marL="2592000" indent="-216000">
               <a:spcBef>
-                <a:spcPts val="201"/>
+                <a:spcPts val="283"/>
               </a:spcBef>
-              <a:spcAft>
-                <a:spcPts val="400"/>
-              </a:spcAft>
               <a:buClr>
-                <a:srgbClr val="14496f"/>
+                <a:srgbClr val="000000"/>
               </a:buClr>
-              <a:buFont typeface="Calibri"/>
-              <a:buChar char="◦"/>
+              <a:buSzPct val="45000"/>
+              <a:buFont typeface="Wingdings" charset="2"/>
+              <a:buChar char=""/>
             </a:pPr>
             <a:r>
-              <a:rPr b="0" lang="en-US" sz="1400" spc="-1" strike="noStrike">
-                <a:solidFill>
-                  <a:srgbClr val="404040"/>
-                </a:solidFill>
-                <a:latin typeface="Calibri"/>
+              <a:rPr b="0" lang="de-AT" sz="2000" spc="-1" strike="noStrike">
+                <a:latin typeface="Arial"/>
               </a:rPr>
-              <a:t>Fifth level</a:t>
+              <a:t>Sechste Gliederungsebene</a:t>
             </a:r>
-            <a:endParaRPr b="0" lang="en-US" sz="1400" spc="-1" strike="noStrike">
-              <a:solidFill>
-                <a:srgbClr val="404040"/>
-              </a:solidFill>
-              <a:latin typeface="Calibri"/>
-            </a:endParaRPr>
-          </a:p>
-        </p:txBody>
-      </p:sp>
-      <p:sp>
-        <p:nvSpPr>
-          <p:cNvPr id="51" name="PlaceHolder 4"/>
-          <p:cNvSpPr>
-            <a:spLocks noGrp="1"/>
-          </p:cNvSpPr>
-          <p:nvPr>
-            <p:ph type="sldNum"/>
-          </p:nvPr>
-        </p:nvSpPr>
-        <p:spPr>
-          <a:xfrm>
-            <a:off x="4006440" y="6410880"/>
-            <a:ext cx="583200" cy="364680"/>
-          </a:xfrm>
-          <a:prstGeom prst="rect">
-            <a:avLst/>
-          </a:prstGeom>
-        </p:spPr>
-        <p:txBody>
-          <a:bodyPr anchor="ctr">
-            <a:noAutofit/>
-          </a:bodyPr>
-          <a:p>
-            <a:pPr algn="r">
-              <a:lnSpc>
-                <a:spcPct val="100000"/>
-              </a:lnSpc>
+            <a:endParaRPr b="0" lang="de-AT" sz="2000" spc="-1" strike="noStrike">
+              <a:latin typeface="Arial"/>
+            </a:endParaRPr>
+          </a:p>
+          <a:p>
+            <a:pPr lvl="6" marL="3024000" indent="-216000">
+              <a:spcBef>
+                <a:spcPts val="283"/>
+              </a:spcBef>
+              <a:buClr>
+                <a:srgbClr val="000000"/>
+              </a:buClr>
+              <a:buSzPct val="45000"/>
+              <a:buFont typeface="Wingdings" charset="2"/>
+              <a:buChar char=""/>
             </a:pPr>
-            <a:fld id="{9792C5A9-5322-4A38-B0CB-C81B6ADD3550}" type="slidenum">
-              <a:rPr b="0" lang="en-US" sz="1050" spc="-1" strike="noStrike">
-                <a:solidFill>
-                  <a:srgbClr val="000000"/>
-                </a:solidFill>
-                <a:latin typeface="Calibri"/>
+            <a:r>
+              <a:rPr b="0" lang="de-AT" sz="2000" spc="-1" strike="noStrike">
+                <a:latin typeface="Arial"/>
               </a:rPr>
-              <a:t>&lt;Foliennummer&gt;</a:t>
-            </a:fld>
-            <a:r>
-              <a:rPr b="0" lang="en-US" sz="1050" spc="-1" strike="noStrike">
-                <a:solidFill>
-                  <a:srgbClr val="000000"/>
-                </a:solidFill>
-                <a:latin typeface="Calibri"/>
-              </a:rPr>
-              <a:t>/</a:t>
+              <a:t>Siebte Gliederungsebene</a:t>
             </a:r>
-            <a:endParaRPr b="0" lang="de-AT" sz="1050" spc="-1" strike="noStrike">
-              <a:latin typeface="Times New Roman"/>
+            <a:endParaRPr b="0" lang="de-AT" sz="2000" spc="-1" strike="noStrike">
+              <a:latin typeface="Arial"/>
             </a:endParaRPr>
           </a:p>
         </p:txBody>
@@ -5248,19 +5930,19 @@
       </p:grpSpPr>
       <p:pic>
         <p:nvPicPr>
-          <p:cNvPr id="88" name="Picture 7" descr=""/>
+          <p:cNvPr id="86" name="Picture 7" descr=""/>
           <p:cNvPicPr/>
           <p:nvPr/>
         </p:nvPicPr>
         <p:blipFill>
           <a:blip r:embed="rId2"/>
-          <a:srcRect l="-2" t="0" r="-6524" b="0"/>
+          <a:srcRect l="-2" t="0" r="-6522" b="0"/>
           <a:stretch/>
         </p:blipFill>
         <p:spPr>
           <a:xfrm>
             <a:off x="127440" y="6338880"/>
-            <a:ext cx="1219680" cy="433440"/>
+            <a:ext cx="1219320" cy="433080"/>
           </a:xfrm>
           <a:prstGeom prst="rect">
             <a:avLst/>
@@ -5272,7 +5954,7 @@
       </p:pic>
       <p:pic>
         <p:nvPicPr>
-          <p:cNvPr id="89" name="Picture 17" descr=""/>
+          <p:cNvPr id="87" name="Picture 17" descr=""/>
           <p:cNvPicPr/>
           <p:nvPr/>
         </p:nvPicPr>
@@ -5283,7 +5965,7 @@
         <p:spPr>
           <a:xfrm>
             <a:off x="7405560" y="6341400"/>
-            <a:ext cx="1585800" cy="442080"/>
+            <a:ext cx="1585440" cy="441720"/>
           </a:xfrm>
           <a:prstGeom prst="rect">
             <a:avLst/>
@@ -5295,14 +5977,14 @@
       </p:pic>
       <p:sp>
         <p:nvSpPr>
-          <p:cNvPr id="90" name="CustomShape 1"/>
+          <p:cNvPr id="88" name="CustomShape 1"/>
           <p:cNvSpPr/>
           <p:nvPr/>
         </p:nvSpPr>
         <p:spPr>
           <a:xfrm>
             <a:off x="4392720" y="6415200"/>
-            <a:ext cx="353160" cy="357120"/>
+            <a:ext cx="352800" cy="356760"/>
           </a:xfrm>
           <a:prstGeom prst="rect">
             <a:avLst/>
@@ -5319,7 +6001,7 @@
           <a:fontRef idx="minor"/>
         </p:style>
         <p:txBody>
-          <a:bodyPr anchor="ctr">
+          <a:bodyPr lIns="90000" rIns="90000" tIns="45000" bIns="45000" anchor="ctr">
             <a:noAutofit/>
           </a:bodyPr>
           <a:p>
@@ -5334,6 +6016,7 @@
                   <a:srgbClr val="000000"/>
                 </a:solidFill>
                 <a:latin typeface="Calibri"/>
+                <a:ea typeface="DejaVu Sans"/>
               </a:rPr>
               <a:t>12</a:t>
             </a:r>
@@ -5345,7 +6028,7 @@
       </p:sp>
       <p:sp>
         <p:nvSpPr>
-          <p:cNvPr id="91" name="PlaceHolder 2"/>
+          <p:cNvPr id="89" name="PlaceHolder 2"/>
           <p:cNvSpPr>
             <a:spLocks noGrp="1"/>
           </p:cNvSpPr>
@@ -5356,96 +6039,32 @@
         <p:spPr>
           <a:xfrm>
             <a:off x="822960" y="1385640"/>
-            <a:ext cx="7543440" cy="4147560"/>
-          </a:xfrm>
-          <a:prstGeom prst="rect">
-            <a:avLst/>
-          </a:prstGeom>
-        </p:spPr>
-        <p:txBody>
-          <a:bodyPr anchor="ctr">
+            <a:ext cx="7543080" cy="4147200"/>
+          </a:xfrm>
+          <a:prstGeom prst="rect">
+            <a:avLst/>
+          </a:prstGeom>
+        </p:spPr>
+        <p:txBody>
+          <a:bodyPr lIns="0" rIns="0" tIns="0" bIns="0" anchor="ctr">
             <a:noAutofit/>
           </a:bodyPr>
           <a:p>
-            <a:pPr>
-              <a:lnSpc>
-                <a:spcPct val="85000"/>
-              </a:lnSpc>
-            </a:pPr>
             <a:r>
-              <a:rPr b="0" lang="en-US" sz="4800" spc="-52" strike="noStrike">
-                <a:solidFill>
-                  <a:srgbClr val="404040"/>
-                </a:solidFill>
-                <a:latin typeface="Calibri Light"/>
+              <a:rPr b="0" lang="de-AT" sz="1800" spc="-1" strike="noStrike">
+                <a:latin typeface="Arial"/>
               </a:rPr>
-              <a:t>Click to edit Master title style</a:t>
+              <a:t>Format des Titeltextes durch Klicken bearbeiten</a:t>
             </a:r>
-            <a:endParaRPr b="0" lang="en-US" sz="4800" spc="-1" strike="noStrike">
-              <a:solidFill>
-                <a:srgbClr val="000000"/>
-              </a:solidFill>
-              <a:latin typeface="Calibri"/>
-            </a:endParaRPr>
-          </a:p>
-        </p:txBody>
-      </p:sp>
-      <p:sp>
-        <p:nvSpPr>
-          <p:cNvPr id="92" name="PlaceHolder 3"/>
-          <p:cNvSpPr>
-            <a:spLocks noGrp="1"/>
-          </p:cNvSpPr>
-          <p:nvPr>
-            <p:ph type="sldNum"/>
-          </p:nvPr>
-        </p:nvSpPr>
-        <p:spPr>
-          <a:xfrm>
-            <a:off x="4006440" y="6410880"/>
-            <a:ext cx="583200" cy="364680"/>
-          </a:xfrm>
-          <a:prstGeom prst="rect">
-            <a:avLst/>
-          </a:prstGeom>
-        </p:spPr>
-        <p:txBody>
-          <a:bodyPr anchor="ctr">
-            <a:noAutofit/>
-          </a:bodyPr>
-          <a:p>
-            <a:pPr algn="r">
-              <a:lnSpc>
-                <a:spcPct val="100000"/>
-              </a:lnSpc>
-            </a:pPr>
-            <a:fld id="{D72C29EE-016E-4AC6-B13B-3CFA030E6EFC}" type="slidenum">
-              <a:rPr b="0" lang="en-US" sz="1050" spc="-1" strike="noStrike">
-                <a:solidFill>
-                  <a:srgbClr val="000000"/>
-                </a:solidFill>
-                <a:latin typeface="Calibri"/>
-              </a:rPr>
-              <a:t>&lt;Foliennummer&gt;</a:t>
-            </a:fld>
-            <a:r>
-              <a:rPr b="0" lang="en-US" sz="1050" spc="-1" strike="noStrike">
-                <a:solidFill>
-                  <a:srgbClr val="000000"/>
-                </a:solidFill>
-                <a:latin typeface="Calibri"/>
-              </a:rPr>
-              <a:t>/</a:t>
-            </a:r>
-            <a:endParaRPr b="0" lang="de-AT" sz="1050" spc="-1" strike="noStrike">
-              <a:latin typeface="Times New Roman"/>
-            </a:endParaRPr>
-          </a:p>
-        </p:txBody>
-      </p:sp>
-      <p:sp>
-        <p:nvSpPr>
-          <p:cNvPr id="93" name="PlaceHolder 4"/>
+            <a:endParaRPr b="0" lang="de-AT" sz="1800" spc="-1" strike="noStrike">
+              <a:latin typeface="Arial"/>
+            </a:endParaRPr>
+          </a:p>
+        </p:txBody>
+      </p:sp>
+      <p:sp>
+        <p:nvSpPr>
+          <p:cNvPr id="90" name="PlaceHolder 3"/>
           <p:cNvSpPr>
             <a:spLocks noGrp="1"/>
           </p:cNvSpPr>
@@ -5479,19 +6098,13 @@
               <a:buChar char=""/>
             </a:pPr>
             <a:r>
-              <a:rPr b="0" lang="en-US" sz="2000" spc="-1" strike="noStrike">
-                <a:solidFill>
-                  <a:srgbClr val="404040"/>
-                </a:solidFill>
-                <a:latin typeface="Calibri"/>
+              <a:rPr b="0" lang="de-AT" sz="3200" spc="-1" strike="noStrike">
+                <a:latin typeface="Arial"/>
               </a:rPr>
               <a:t>Format des Gliederungstextes durch Klicken bearbeiten</a:t>
             </a:r>
-            <a:endParaRPr b="0" lang="en-US" sz="2000" spc="-1" strike="noStrike">
-              <a:solidFill>
-                <a:srgbClr val="404040"/>
-              </a:solidFill>
-              <a:latin typeface="Calibri"/>
+            <a:endParaRPr b="0" lang="de-AT" sz="3200" spc="-1" strike="noStrike">
+              <a:latin typeface="Arial"/>
             </a:endParaRPr>
           </a:p>
           <a:p>
@@ -5507,19 +6120,13 @@
               <a:buChar char=""/>
             </a:pPr>
             <a:r>
-              <a:rPr b="0" lang="en-US" sz="1400" spc="-1" strike="noStrike">
-                <a:solidFill>
-                  <a:srgbClr val="404040"/>
-                </a:solidFill>
-                <a:latin typeface="Calibri"/>
+              <a:rPr b="0" lang="de-AT" sz="2800" spc="-1" strike="noStrike">
+                <a:latin typeface="Arial"/>
               </a:rPr>
               <a:t>Zweite Gliederungsebene</a:t>
             </a:r>
-            <a:endParaRPr b="0" lang="en-US" sz="1400" spc="-1" strike="noStrike">
-              <a:solidFill>
-                <a:srgbClr val="404040"/>
-              </a:solidFill>
-              <a:latin typeface="Calibri"/>
+            <a:endParaRPr b="0" lang="de-AT" sz="2800" spc="-1" strike="noStrike">
+              <a:latin typeface="Arial"/>
             </a:endParaRPr>
           </a:p>
           <a:p>
@@ -5535,19 +6142,13 @@
               <a:buChar char=""/>
             </a:pPr>
             <a:r>
-              <a:rPr b="0" lang="en-US" sz="1400" spc="-1" strike="noStrike">
-                <a:solidFill>
-                  <a:srgbClr val="404040"/>
-                </a:solidFill>
-                <a:latin typeface="Calibri"/>
+              <a:rPr b="0" lang="de-AT" sz="2400" spc="-1" strike="noStrike">
+                <a:latin typeface="Arial"/>
               </a:rPr>
               <a:t>Dritte Gliederungsebene</a:t>
             </a:r>
-            <a:endParaRPr b="0" lang="en-US" sz="1400" spc="-1" strike="noStrike">
-              <a:solidFill>
-                <a:srgbClr val="404040"/>
-              </a:solidFill>
-              <a:latin typeface="Calibri"/>
+            <a:endParaRPr b="0" lang="de-AT" sz="2400" spc="-1" strike="noStrike">
+              <a:latin typeface="Arial"/>
             </a:endParaRPr>
           </a:p>
           <a:p>
@@ -5563,19 +6164,13 @@
               <a:buChar char=""/>
             </a:pPr>
             <a:r>
-              <a:rPr b="0" lang="en-US" sz="1400" spc="-1" strike="noStrike">
-                <a:solidFill>
-                  <a:srgbClr val="404040"/>
-                </a:solidFill>
-                <a:latin typeface="Calibri"/>
+              <a:rPr b="0" lang="de-AT" sz="2000" spc="-1" strike="noStrike">
+                <a:latin typeface="Arial"/>
               </a:rPr>
               <a:t>Vierte Gliederungsebene</a:t>
             </a:r>
-            <a:endParaRPr b="0" lang="en-US" sz="1400" spc="-1" strike="noStrike">
-              <a:solidFill>
-                <a:srgbClr val="404040"/>
-              </a:solidFill>
-              <a:latin typeface="Calibri"/>
+            <a:endParaRPr b="0" lang="de-AT" sz="2000" spc="-1" strike="noStrike">
+              <a:latin typeface="Arial"/>
             </a:endParaRPr>
           </a:p>
           <a:p>
@@ -5591,19 +6186,13 @@
               <a:buChar char=""/>
             </a:pPr>
             <a:r>
-              <a:rPr b="0" lang="en-US" sz="2000" spc="-1" strike="noStrike">
-                <a:solidFill>
-                  <a:srgbClr val="404040"/>
-                </a:solidFill>
-                <a:latin typeface="Calibri"/>
+              <a:rPr b="0" lang="de-AT" sz="2000" spc="-1" strike="noStrike">
+                <a:latin typeface="Arial"/>
               </a:rPr>
               <a:t>Fünfte Gliederungsebene</a:t>
             </a:r>
-            <a:endParaRPr b="0" lang="en-US" sz="2000" spc="-1" strike="noStrike">
-              <a:solidFill>
-                <a:srgbClr val="404040"/>
-              </a:solidFill>
-              <a:latin typeface="Calibri"/>
+            <a:endParaRPr b="0" lang="de-AT" sz="2000" spc="-1" strike="noStrike">
+              <a:latin typeface="Arial"/>
             </a:endParaRPr>
           </a:p>
           <a:p>
@@ -5619,19 +6208,13 @@
               <a:buChar char=""/>
             </a:pPr>
             <a:r>
-              <a:rPr b="0" lang="en-US" sz="2000" spc="-1" strike="noStrike">
-                <a:solidFill>
-                  <a:srgbClr val="404040"/>
-                </a:solidFill>
-                <a:latin typeface="Calibri"/>
+              <a:rPr b="0" lang="de-AT" sz="2000" spc="-1" strike="noStrike">
+                <a:latin typeface="Arial"/>
               </a:rPr>
               <a:t>Sechste Gliederungsebene</a:t>
             </a:r>
-            <a:endParaRPr b="0" lang="en-US" sz="2000" spc="-1" strike="noStrike">
-              <a:solidFill>
-                <a:srgbClr val="404040"/>
-              </a:solidFill>
-              <a:latin typeface="Calibri"/>
+            <a:endParaRPr b="0" lang="de-AT" sz="2000" spc="-1" strike="noStrike">
+              <a:latin typeface="Arial"/>
             </a:endParaRPr>
           </a:p>
           <a:p>
@@ -5647,19 +6230,13 @@
               <a:buChar char=""/>
             </a:pPr>
             <a:r>
-              <a:rPr b="0" lang="en-US" sz="2000" spc="-1" strike="noStrike">
-                <a:solidFill>
-                  <a:srgbClr val="404040"/>
-                </a:solidFill>
-                <a:latin typeface="Calibri"/>
+              <a:rPr b="0" lang="de-AT" sz="2000" spc="-1" strike="noStrike">
+                <a:latin typeface="Arial"/>
               </a:rPr>
               <a:t>Siebte Gliederungsebene</a:t>
             </a:r>
-            <a:endParaRPr b="0" lang="en-US" sz="2000" spc="-1" strike="noStrike">
-              <a:solidFill>
-                <a:srgbClr val="404040"/>
-              </a:solidFill>
-              <a:latin typeface="Calibri"/>
+            <a:endParaRPr b="0" lang="de-AT" sz="2000" spc="-1" strike="noStrike">
+              <a:latin typeface="Arial"/>
             </a:endParaRPr>
           </a:p>
         </p:txBody>
@@ -5703,14 +6280,14 @@
       </p:grpSpPr>
       <p:sp>
         <p:nvSpPr>
-          <p:cNvPr id="130" name="TextShape 1"/>
-          <p:cNvSpPr txBox="1"/>
+          <p:cNvPr id="133" name="CustomShape 1"/>
+          <p:cNvSpPr/>
           <p:nvPr/>
         </p:nvSpPr>
         <p:spPr>
           <a:xfrm>
             <a:off x="822960" y="1302840"/>
-            <a:ext cx="8320680" cy="3433680"/>
+            <a:ext cx="8320320" cy="3433320"/>
           </a:xfrm>
           <a:prstGeom prst="rect">
             <a:avLst/>
@@ -5720,8 +6297,14 @@
             <a:noFill/>
           </a:ln>
         </p:spPr>
-        <p:txBody>
-          <a:bodyPr anchor="b">
+        <p:style>
+          <a:lnRef idx="0"/>
+          <a:fillRef idx="0"/>
+          <a:effectRef idx="0"/>
+          <a:fontRef idx="minor"/>
+        </p:style>
+        <p:txBody>
+          <a:bodyPr lIns="90000" rIns="90000" tIns="45000" bIns="45000" anchor="b">
             <a:normAutofit/>
           </a:bodyPr>
           <a:p>
@@ -5750,24 +6333,21 @@
               <a:t>P4 Accuracy of Approximate Circuits</a:t>
             </a:r>
             <a:endParaRPr b="0" lang="zxx" sz="4800" spc="-1" strike="noStrike">
-              <a:solidFill>
-                <a:srgbClr val="000000"/>
-              </a:solidFill>
-              <a:latin typeface="Calibri"/>
-            </a:endParaRPr>
-          </a:p>
-        </p:txBody>
-      </p:sp>
-      <p:sp>
-        <p:nvSpPr>
-          <p:cNvPr id="131" name="TextShape 2"/>
-          <p:cNvSpPr txBox="1"/>
+              <a:latin typeface="Arial"/>
+            </a:endParaRPr>
+          </a:p>
+        </p:txBody>
+      </p:sp>
+      <p:sp>
+        <p:nvSpPr>
+          <p:cNvPr id="134" name="CustomShape 2"/>
+          <p:cNvSpPr/>
           <p:nvPr/>
         </p:nvSpPr>
         <p:spPr>
           <a:xfrm>
             <a:off x="822960" y="4892400"/>
-            <a:ext cx="7543440" cy="691920"/>
+            <a:ext cx="7543080" cy="691560"/>
           </a:xfrm>
           <a:prstGeom prst="rect">
             <a:avLst/>
@@ -5777,8 +6357,14 @@
             <a:noFill/>
           </a:ln>
         </p:spPr>
-        <p:txBody>
-          <a:bodyPr>
+        <p:style>
+          <a:lnRef idx="0"/>
+          <a:fillRef idx="0"/>
+          <a:effectRef idx="0"/>
+          <a:fontRef idx="minor"/>
+        </p:style>
+        <p:txBody>
+          <a:bodyPr lIns="90000" rIns="90000" tIns="45000" bIns="45000">
             <a:normAutofit fontScale="38000"/>
           </a:bodyPr>
           <a:p>
@@ -5797,7 +6383,7 @@
               </a:tabLst>
             </a:pPr>
             <a:r>
-              <a:rPr b="0" lang="zxx" sz="2800" spc="199" strike="noStrike" cap="small">
+              <a:rPr b="0" lang="zxx" sz="2800" spc="197" strike="noStrike" cap="small">
                 <a:solidFill>
                   <a:srgbClr val="344068"/>
                 </a:solidFill>
@@ -5843,14 +6429,14 @@
       </p:grpSpPr>
       <p:sp>
         <p:nvSpPr>
-          <p:cNvPr id="132" name="TextShape 1"/>
-          <p:cNvSpPr txBox="1"/>
+          <p:cNvPr id="135" name="CustomShape 1"/>
+          <p:cNvSpPr/>
           <p:nvPr/>
         </p:nvSpPr>
         <p:spPr>
           <a:xfrm>
             <a:off x="127440" y="99000"/>
-            <a:ext cx="8836920" cy="954000"/>
+            <a:ext cx="8836560" cy="953640"/>
           </a:xfrm>
           <a:prstGeom prst="rect">
             <a:avLst/>
@@ -5860,8 +6446,14 @@
             <a:noFill/>
           </a:ln>
         </p:spPr>
-        <p:txBody>
-          <a:bodyPr anchor="b">
+        <p:style>
+          <a:lnRef idx="0"/>
+          <a:fillRef idx="0"/>
+          <a:effectRef idx="0"/>
+          <a:fontRef idx="minor"/>
+        </p:style>
+        <p:txBody>
+          <a:bodyPr lIns="90000" rIns="90000" tIns="45000" bIns="45000" anchor="b">
             <a:noAutofit/>
           </a:bodyPr>
           <a:p>
@@ -5880,24 +6472,21 @@
               <a:t>Introduction</a:t>
             </a:r>
             <a:endParaRPr b="0" lang="zxx" sz="4800" spc="-1" strike="noStrike">
-              <a:solidFill>
-                <a:srgbClr val="000000"/>
-              </a:solidFill>
-              <a:latin typeface="Calibri"/>
-            </a:endParaRPr>
-          </a:p>
-        </p:txBody>
-      </p:sp>
-      <p:sp>
-        <p:nvSpPr>
-          <p:cNvPr id="133" name="TextShape 2"/>
-          <p:cNvSpPr txBox="1"/>
+              <a:latin typeface="Arial"/>
+            </a:endParaRPr>
+          </a:p>
+        </p:txBody>
+      </p:sp>
+      <p:sp>
+        <p:nvSpPr>
+          <p:cNvPr id="136" name="CustomShape 2"/>
+          <p:cNvSpPr/>
           <p:nvPr/>
         </p:nvSpPr>
         <p:spPr>
           <a:xfrm>
             <a:off x="127440" y="1145520"/>
-            <a:ext cx="8836920" cy="5129280"/>
+            <a:ext cx="8836560" cy="5128920"/>
           </a:xfrm>
           <a:prstGeom prst="rect">
             <a:avLst/>
@@ -5907,12 +6496,21 @@
             <a:noFill/>
           </a:ln>
         </p:spPr>
-        <p:txBody>
-          <a:bodyPr lIns="0" rIns="0">
+        <p:style>
+          <a:lnRef idx="0"/>
+          <a:fillRef idx="0"/>
+          <a:effectRef idx="0"/>
+          <a:fontRef idx="minor"/>
+        </p:style>
+        <p:txBody>
+          <a:bodyPr lIns="0" rIns="0" tIns="45000" bIns="45000">
             <a:noAutofit/>
           </a:bodyPr>
           <a:p>
-            <a:pPr marL="432000" indent="-324000">
+            <a:pPr marL="432000" indent="-323640">
+              <a:lnSpc>
+                <a:spcPct val="100000"/>
+              </a:lnSpc>
               <a:spcBef>
                 <a:spcPts val="1417"/>
               </a:spcBef>
@@ -5933,14 +6531,14 @@
               <a:t>Advantages of approximate computing</a:t>
             </a:r>
             <a:endParaRPr b="0" lang="zxx" sz="2000" spc="-1" strike="noStrike">
-              <a:solidFill>
-                <a:srgbClr val="404040"/>
-              </a:solidFill>
-              <a:latin typeface="Calibri"/>
-            </a:endParaRPr>
-          </a:p>
-          <a:p>
-            <a:pPr marL="432000" indent="-324000">
+              <a:latin typeface="Arial"/>
+            </a:endParaRPr>
+          </a:p>
+          <a:p>
+            <a:pPr marL="432000" indent="-323640">
+              <a:lnSpc>
+                <a:spcPct val="100000"/>
+              </a:lnSpc>
               <a:spcBef>
                 <a:spcPts val="1417"/>
               </a:spcBef>
@@ -5961,14 +6559,14 @@
               <a:t>Energy-efficient</a:t>
             </a:r>
             <a:endParaRPr b="0" lang="zxx" sz="2000" spc="-1" strike="noStrike">
-              <a:solidFill>
-                <a:srgbClr val="404040"/>
-              </a:solidFill>
-              <a:latin typeface="Calibri"/>
-            </a:endParaRPr>
-          </a:p>
-          <a:p>
-            <a:pPr marL="432000" indent="-324000">
+              <a:latin typeface="Arial"/>
+            </a:endParaRPr>
+          </a:p>
+          <a:p>
+            <a:pPr marL="432000" indent="-323640">
+              <a:lnSpc>
+                <a:spcPct val="100000"/>
+              </a:lnSpc>
               <a:spcBef>
                 <a:spcPts val="1417"/>
               </a:spcBef>
@@ -5989,14 +6587,14 @@
               <a:t>Less area</a:t>
             </a:r>
             <a:endParaRPr b="0" lang="zxx" sz="2000" spc="-1" strike="noStrike">
-              <a:solidFill>
-                <a:srgbClr val="404040"/>
-              </a:solidFill>
-              <a:latin typeface="Calibri"/>
-            </a:endParaRPr>
-          </a:p>
-          <a:p>
-            <a:pPr marL="432000" indent="-324000">
+              <a:latin typeface="Arial"/>
+            </a:endParaRPr>
+          </a:p>
+          <a:p>
+            <a:pPr marL="432000" indent="-323640">
+              <a:lnSpc>
+                <a:spcPct val="100000"/>
+              </a:lnSpc>
               <a:spcBef>
                 <a:spcPts val="1417"/>
               </a:spcBef>
@@ -6014,46 +6612,37 @@
                 </a:solidFill>
                 <a:latin typeface="Calibri"/>
               </a:rPr>
-              <a:t>Less time</a:t>
+              <a:t>Less computing time</a:t>
             </a:r>
             <a:endParaRPr b="0" lang="zxx" sz="2000" spc="-1" strike="noStrike">
-              <a:solidFill>
-                <a:srgbClr val="404040"/>
-              </a:solidFill>
-              <a:latin typeface="Calibri"/>
-            </a:endParaRPr>
-          </a:p>
-          <a:p>
-            <a:pPr marL="432000" indent="-324000">
+              <a:latin typeface="Arial"/>
+            </a:endParaRPr>
+          </a:p>
+          <a:p>
+            <a:pPr>
+              <a:lnSpc>
+                <a:spcPct val="100000"/>
+              </a:lnSpc>
               <a:spcBef>
                 <a:spcPts val="1417"/>
               </a:spcBef>
-              <a:buClr>
-                <a:srgbClr val="000000"/>
-              </a:buClr>
-              <a:buSzPct val="45000"/>
-              <a:buFont typeface="Wingdings" charset="2"/>
-              <a:buChar char=""/>
             </a:pPr>
             <a:endParaRPr b="0" lang="zxx" sz="2000" spc="-1" strike="noStrike">
-              <a:solidFill>
-                <a:srgbClr val="404040"/>
-              </a:solidFill>
-              <a:latin typeface="Calibri"/>
-            </a:endParaRPr>
-          </a:p>
-        </p:txBody>
-      </p:sp>
-      <p:sp>
-        <p:nvSpPr>
-          <p:cNvPr id="134" name="TextShape 3"/>
-          <p:cNvSpPr txBox="1"/>
+              <a:latin typeface="Arial"/>
+            </a:endParaRPr>
+          </a:p>
+        </p:txBody>
+      </p:sp>
+      <p:sp>
+        <p:nvSpPr>
+          <p:cNvPr id="137" name="CustomShape 3"/>
+          <p:cNvSpPr/>
           <p:nvPr/>
         </p:nvSpPr>
         <p:spPr>
           <a:xfrm>
             <a:off x="4006440" y="6410880"/>
-            <a:ext cx="583200" cy="364680"/>
+            <a:ext cx="582840" cy="364320"/>
           </a:xfrm>
           <a:prstGeom prst="rect">
             <a:avLst/>
@@ -6063,8 +6652,14 @@
             <a:noFill/>
           </a:ln>
         </p:spPr>
-        <p:txBody>
-          <a:bodyPr anchor="ctr">
+        <p:style>
+          <a:lnRef idx="0"/>
+          <a:fillRef idx="0"/>
+          <a:effectRef idx="0"/>
+          <a:fontRef idx="minor"/>
+        </p:style>
+        <p:txBody>
+          <a:bodyPr lIns="90000" rIns="90000" tIns="45000" bIns="45000" anchor="ctr">
             <a:noAutofit/>
           </a:bodyPr>
           <a:p>
@@ -6073,7 +6668,7 @@
                 <a:spcPct val="100000"/>
               </a:lnSpc>
             </a:pPr>
-            <a:fld id="{050C12F7-41FA-4746-870D-6BD3E1A937EB}" type="slidenum">
+            <a:fld id="{28AEFCD9-C362-4AC6-A5F6-7326765B4F73}" type="slidenum">
               <a:rPr b="0" lang="zxx" sz="1050" spc="-1" strike="noStrike">
                 <a:solidFill>
                   <a:srgbClr val="000000"/>
@@ -6092,7 +6687,7 @@
               <a:t>/</a:t>
             </a:r>
             <a:endParaRPr b="0" lang="zxx" sz="1050" spc="-1" strike="noStrike">
-              <a:latin typeface="Times New Roman"/>
+              <a:latin typeface="Arial"/>
             </a:endParaRPr>
           </a:p>
         </p:txBody>
@@ -6129,14 +6724,14 @@
       </p:grpSpPr>
       <p:sp>
         <p:nvSpPr>
-          <p:cNvPr id="135" name="TextShape 1"/>
-          <p:cNvSpPr txBox="1"/>
+          <p:cNvPr id="138" name="CustomShape 1"/>
+          <p:cNvSpPr/>
           <p:nvPr/>
         </p:nvSpPr>
         <p:spPr>
           <a:xfrm>
             <a:off x="127440" y="99000"/>
-            <a:ext cx="8836920" cy="954000"/>
+            <a:ext cx="8836560" cy="953640"/>
           </a:xfrm>
           <a:prstGeom prst="rect">
             <a:avLst/>
@@ -6146,8 +6741,14 @@
             <a:noFill/>
           </a:ln>
         </p:spPr>
-        <p:txBody>
-          <a:bodyPr anchor="b">
+        <p:style>
+          <a:lnRef idx="0"/>
+          <a:fillRef idx="0"/>
+          <a:effectRef idx="0"/>
+          <a:fontRef idx="minor"/>
+        </p:style>
+        <p:txBody>
+          <a:bodyPr lIns="90000" rIns="90000" tIns="45000" bIns="45000" anchor="b">
             <a:noAutofit/>
           </a:bodyPr>
           <a:p>
@@ -6166,24 +6767,21 @@
               <a:t>Designed architecture</a:t>
             </a:r>
             <a:endParaRPr b="0" lang="zxx" sz="4800" spc="-1" strike="noStrike">
-              <a:solidFill>
-                <a:srgbClr val="000000"/>
-              </a:solidFill>
-              <a:latin typeface="Calibri"/>
-            </a:endParaRPr>
-          </a:p>
-        </p:txBody>
-      </p:sp>
-      <p:sp>
-        <p:nvSpPr>
-          <p:cNvPr id="136" name="TextShape 2"/>
-          <p:cNvSpPr txBox="1"/>
+              <a:latin typeface="Arial"/>
+            </a:endParaRPr>
+          </a:p>
+        </p:txBody>
+      </p:sp>
+      <p:sp>
+        <p:nvSpPr>
+          <p:cNvPr id="139" name="CustomShape 2"/>
+          <p:cNvSpPr/>
           <p:nvPr/>
         </p:nvSpPr>
         <p:spPr>
           <a:xfrm>
             <a:off x="127440" y="1145520"/>
-            <a:ext cx="8836920" cy="5129280"/>
+            <a:ext cx="8836560" cy="5128920"/>
           </a:xfrm>
           <a:prstGeom prst="rect">
             <a:avLst/>
@@ -6193,12 +6791,18 @@
             <a:noFill/>
           </a:ln>
         </p:spPr>
-        <p:txBody>
-          <a:bodyPr lIns="0" rIns="0">
+        <p:style>
+          <a:lnRef idx="0"/>
+          <a:fillRef idx="0"/>
+          <a:effectRef idx="0"/>
+          <a:fontRef idx="minor"/>
+        </p:style>
+        <p:txBody>
+          <a:bodyPr lIns="0" rIns="0" tIns="45000" bIns="45000">
             <a:noAutofit/>
           </a:bodyPr>
           <a:p>
-            <a:pPr marL="91440" indent="-91080">
+            <a:pPr marL="91440" indent="-90720">
               <a:lnSpc>
                 <a:spcPct val="90000"/>
               </a:lnSpc>
@@ -6224,14 +6828,11 @@
               <a:t>Presenting our design</a:t>
             </a:r>
             <a:endParaRPr b="0" lang="zxx" sz="2000" spc="-1" strike="noStrike">
-              <a:solidFill>
-                <a:srgbClr val="404040"/>
-              </a:solidFill>
-              <a:latin typeface="Calibri"/>
-            </a:endParaRPr>
-          </a:p>
-          <a:p>
-            <a:pPr marL="91440" indent="-91080">
+              <a:latin typeface="Arial"/>
+            </a:endParaRPr>
+          </a:p>
+          <a:p>
+            <a:pPr marL="91440" indent="-90720">
               <a:lnSpc>
                 <a:spcPct val="90000"/>
               </a:lnSpc>
@@ -6257,14 +6858,11 @@
               <a:t>*implementing two versions of Full-Adder (one exact and one approximate)</a:t>
             </a:r>
             <a:endParaRPr b="0" lang="zxx" sz="2000" spc="-1" strike="noStrike">
-              <a:solidFill>
-                <a:srgbClr val="404040"/>
-              </a:solidFill>
-              <a:latin typeface="Calibri"/>
-            </a:endParaRPr>
-          </a:p>
-          <a:p>
-            <a:pPr marL="91440" indent="-91080">
+              <a:latin typeface="Arial"/>
+            </a:endParaRPr>
+          </a:p>
+          <a:p>
+            <a:pPr marL="91440" indent="-90720">
               <a:lnSpc>
                 <a:spcPct val="90000"/>
               </a:lnSpc>
@@ -6290,14 +6888,11 @@
               <a:t>*CIRCUIT DIAGRAMME hinzufügen und Unterschiede erklären mit Hilfe von Tabelle</a:t>
             </a:r>
             <a:endParaRPr b="0" lang="zxx" sz="2000" spc="-1" strike="noStrike">
-              <a:solidFill>
-                <a:srgbClr val="404040"/>
-              </a:solidFill>
-              <a:latin typeface="Calibri"/>
-            </a:endParaRPr>
-          </a:p>
-          <a:p>
-            <a:pPr marL="91440" indent="-91080">
+              <a:latin typeface="Arial"/>
+            </a:endParaRPr>
+          </a:p>
+          <a:p>
+            <a:pPr>
               <a:lnSpc>
                 <a:spcPct val="90000"/>
               </a:lnSpc>
@@ -6307,21 +6902,13 @@
               <a:spcAft>
                 <a:spcPts val="201"/>
               </a:spcAft>
-              <a:buClr>
-                <a:srgbClr val="14496f"/>
-              </a:buClr>
-              <a:buFont typeface="Calibri"/>
-              <a:buChar char=" "/>
             </a:pPr>
             <a:endParaRPr b="0" lang="zxx" sz="2000" spc="-1" strike="noStrike">
-              <a:solidFill>
-                <a:srgbClr val="404040"/>
-              </a:solidFill>
-              <a:latin typeface="Calibri"/>
-            </a:endParaRPr>
-          </a:p>
-          <a:p>
-            <a:pPr marL="91440" indent="-91080">
+              <a:latin typeface="Arial"/>
+            </a:endParaRPr>
+          </a:p>
+          <a:p>
+            <a:pPr marL="91440" indent="-90720">
               <a:lnSpc>
                 <a:spcPct val="90000"/>
               </a:lnSpc>
@@ -6347,14 +6934,11 @@
               <a:t> </a:t>
             </a:r>
             <a:endParaRPr b="0" lang="zxx" sz="2000" spc="-1" strike="noStrike">
-              <a:solidFill>
-                <a:srgbClr val="404040"/>
-              </a:solidFill>
-              <a:latin typeface="Calibri"/>
-            </a:endParaRPr>
-          </a:p>
-          <a:p>
-            <a:pPr marL="91440" indent="-91080">
+              <a:latin typeface="Arial"/>
+            </a:endParaRPr>
+          </a:p>
+          <a:p>
+            <a:pPr marL="91440" indent="-90720">
               <a:lnSpc>
                 <a:spcPct val="90000"/>
               </a:lnSpc>
@@ -6380,24 +6964,21 @@
               <a:t> </a:t>
             </a:r>
             <a:endParaRPr b="0" lang="zxx" sz="2000" spc="-1" strike="noStrike">
-              <a:solidFill>
-                <a:srgbClr val="404040"/>
-              </a:solidFill>
-              <a:latin typeface="Calibri"/>
-            </a:endParaRPr>
-          </a:p>
-        </p:txBody>
-      </p:sp>
-      <p:sp>
-        <p:nvSpPr>
-          <p:cNvPr id="137" name="TextShape 3"/>
-          <p:cNvSpPr txBox="1"/>
+              <a:latin typeface="Arial"/>
+            </a:endParaRPr>
+          </a:p>
+        </p:txBody>
+      </p:sp>
+      <p:sp>
+        <p:nvSpPr>
+          <p:cNvPr id="140" name="CustomShape 3"/>
+          <p:cNvSpPr/>
           <p:nvPr/>
         </p:nvSpPr>
         <p:spPr>
           <a:xfrm>
             <a:off x="4006440" y="6410880"/>
-            <a:ext cx="583200" cy="364680"/>
+            <a:ext cx="582840" cy="364320"/>
           </a:xfrm>
           <a:prstGeom prst="rect">
             <a:avLst/>
@@ -6407,8 +6988,14 @@
             <a:noFill/>
           </a:ln>
         </p:spPr>
-        <p:txBody>
-          <a:bodyPr anchor="ctr">
+        <p:style>
+          <a:lnRef idx="0"/>
+          <a:fillRef idx="0"/>
+          <a:effectRef idx="0"/>
+          <a:fontRef idx="minor"/>
+        </p:style>
+        <p:txBody>
+          <a:bodyPr lIns="90000" rIns="90000" tIns="45000" bIns="45000" anchor="ctr">
             <a:noAutofit/>
           </a:bodyPr>
           <a:p>
@@ -6417,7 +7004,7 @@
                 <a:spcPct val="100000"/>
               </a:lnSpc>
             </a:pPr>
-            <a:fld id="{FC2E7450-57C3-45DF-8B06-DBC85DC22424}" type="slidenum">
+            <a:fld id="{BB3C10D2-631B-403A-982E-2D04DEE7FE8B}" type="slidenum">
               <a:rPr b="0" lang="zxx" sz="1050" spc="-1" strike="noStrike">
                 <a:solidFill>
                   <a:srgbClr val="000000"/>
@@ -6436,7 +7023,7 @@
               <a:t>/</a:t>
             </a:r>
             <a:endParaRPr b="0" lang="zxx" sz="1050" spc="-1" strike="noStrike">
-              <a:latin typeface="Times New Roman"/>
+              <a:latin typeface="Arial"/>
             </a:endParaRPr>
           </a:p>
         </p:txBody>
@@ -6471,187 +7058,52 @@
           <a:chExt cx="0" cy="0"/>
         </a:xfrm>
       </p:grpSpPr>
-      <p:sp>
-        <p:nvSpPr>
-          <p:cNvPr id="138" name="TextShape 1"/>
-          <p:cNvSpPr txBox="1"/>
+      <p:pic>
+        <p:nvPicPr>
+          <p:cNvPr id="141" name="" descr=""/>
+          <p:cNvPicPr/>
           <p:nvPr/>
-        </p:nvSpPr>
-        <p:spPr>
-          <a:xfrm>
-            <a:off x="127440" y="99000"/>
-            <a:ext cx="8836920" cy="954000"/>
-          </a:xfrm>
-          <a:prstGeom prst="rect">
-            <a:avLst/>
-          </a:prstGeom>
-          <a:noFill/>
+        </p:nvPicPr>
+        <p:blipFill>
+          <a:blip r:embed="rId1"/>
+          <a:stretch/>
+        </p:blipFill>
+        <p:spPr>
+          <a:xfrm>
+            <a:off x="-71640" y="-379080"/>
+            <a:ext cx="9143640" cy="3979080"/>
+          </a:xfrm>
+          <a:prstGeom prst="rect">
+            <a:avLst/>
+          </a:prstGeom>
           <a:ln>
             <a:noFill/>
           </a:ln>
         </p:spPr>
-        <p:txBody>
-          <a:bodyPr anchor="b">
-            <a:normAutofit fontScale="60000"/>
-          </a:bodyPr>
-          <a:p>
-            <a:pPr>
-              <a:lnSpc>
-                <a:spcPct val="85000"/>
-              </a:lnSpc>
-            </a:pPr>
-            <a:r>
-              <a:rPr b="0" lang="zxx" sz="4800" spc="-52" strike="noStrike">
-                <a:solidFill>
-                  <a:srgbClr val="404040"/>
-                </a:solidFill>
-                <a:latin typeface="Calibri Light"/>
-              </a:rPr>
-              <a:t>Progress – Faced Problems - Solutions</a:t>
-            </a:r>
-            <a:endParaRPr b="0" lang="zxx" sz="4800" spc="-1" strike="noStrike">
-              <a:solidFill>
-                <a:srgbClr val="000000"/>
-              </a:solidFill>
-              <a:latin typeface="Calibri"/>
-            </a:endParaRPr>
-          </a:p>
-        </p:txBody>
-      </p:sp>
-      <p:sp>
-        <p:nvSpPr>
-          <p:cNvPr id="139" name="TextShape 2"/>
-          <p:cNvSpPr txBox="1"/>
+      </p:pic>
+      <p:pic>
+        <p:nvPicPr>
+          <p:cNvPr id="142" name="" descr=""/>
+          <p:cNvPicPr/>
           <p:nvPr/>
-        </p:nvSpPr>
-        <p:spPr>
-          <a:xfrm>
-            <a:off x="127440" y="1145520"/>
-            <a:ext cx="8836920" cy="5129280"/>
-          </a:xfrm>
-          <a:prstGeom prst="rect">
-            <a:avLst/>
-          </a:prstGeom>
-          <a:noFill/>
+        </p:nvPicPr>
+        <p:blipFill>
+          <a:blip r:embed="rId2"/>
+          <a:stretch/>
+        </p:blipFill>
+        <p:spPr>
+          <a:xfrm>
+            <a:off x="72360" y="3384000"/>
+            <a:ext cx="9143640" cy="3219840"/>
+          </a:xfrm>
+          <a:prstGeom prst="rect">
+            <a:avLst/>
+          </a:prstGeom>
           <a:ln>
             <a:noFill/>
           </a:ln>
         </p:spPr>
-        <p:txBody>
-          <a:bodyPr lIns="0" rIns="0">
-            <a:noAutofit/>
-          </a:bodyPr>
-          <a:p>
-            <a:pPr marL="432000" indent="-324000">
-              <a:spcBef>
-                <a:spcPts val="1417"/>
-              </a:spcBef>
-              <a:buClr>
-                <a:srgbClr val="000000"/>
-              </a:buClr>
-              <a:buSzPct val="45000"/>
-              <a:buFont typeface="Wingdings" charset="2"/>
-              <a:buChar char=""/>
-            </a:pPr>
-            <a:r>
-              <a:rPr b="0" lang="zxx" sz="2000" spc="-1" strike="noStrike">
-                <a:solidFill>
-                  <a:srgbClr val="404040"/>
-                </a:solidFill>
-                <a:latin typeface="Calibri"/>
-              </a:rPr>
-              <a:t>VHDL Code</a:t>
-            </a:r>
-            <a:endParaRPr b="0" lang="zxx" sz="2000" spc="-1" strike="noStrike">
-              <a:solidFill>
-                <a:srgbClr val="404040"/>
-              </a:solidFill>
-              <a:latin typeface="Calibri"/>
-            </a:endParaRPr>
-          </a:p>
-          <a:p>
-            <a:pPr marL="432000" indent="-324000">
-              <a:spcBef>
-                <a:spcPts val="1417"/>
-              </a:spcBef>
-              <a:buClr>
-                <a:srgbClr val="000000"/>
-              </a:buClr>
-              <a:buSzPct val="45000"/>
-              <a:buFont typeface="Wingdings" charset="2"/>
-              <a:buChar char=""/>
-            </a:pPr>
-            <a:r>
-              <a:rPr b="0" lang="zxx" sz="2000" spc="-1" strike="noStrike">
-                <a:solidFill>
-                  <a:srgbClr val="404040"/>
-                </a:solidFill>
-                <a:latin typeface="Calibri"/>
-              </a:rPr>
-              <a:t>Python Code</a:t>
-            </a:r>
-            <a:endParaRPr b="0" lang="zxx" sz="2000" spc="-1" strike="noStrike">
-              <a:solidFill>
-                <a:srgbClr val="404040"/>
-              </a:solidFill>
-              <a:latin typeface="Calibri"/>
-            </a:endParaRPr>
-          </a:p>
-        </p:txBody>
-      </p:sp>
-      <p:sp>
-        <p:nvSpPr>
-          <p:cNvPr id="140" name="TextShape 3"/>
-          <p:cNvSpPr txBox="1"/>
-          <p:nvPr/>
-        </p:nvSpPr>
-        <p:spPr>
-          <a:xfrm>
-            <a:off x="4006440" y="6410880"/>
-            <a:ext cx="583200" cy="364680"/>
-          </a:xfrm>
-          <a:prstGeom prst="rect">
-            <a:avLst/>
-          </a:prstGeom>
-          <a:noFill/>
-          <a:ln>
-            <a:noFill/>
-          </a:ln>
-        </p:spPr>
-        <p:txBody>
-          <a:bodyPr anchor="ctr">
-            <a:noAutofit/>
-          </a:bodyPr>
-          <a:p>
-            <a:pPr algn="r">
-              <a:lnSpc>
-                <a:spcPct val="100000"/>
-              </a:lnSpc>
-            </a:pPr>
-            <a:fld id="{D0D4F213-4DDB-4DD7-9B30-328877A11613}" type="slidenum">
-              <a:rPr b="0" lang="zxx" sz="1050" spc="-1" strike="noStrike">
-                <a:solidFill>
-                  <a:srgbClr val="000000"/>
-                </a:solidFill>
-                <a:latin typeface="Calibri"/>
-              </a:rPr>
-              <a:t>4</a:t>
-            </a:fld>
-            <a:r>
-              <a:rPr b="0" lang="zxx" sz="1050" spc="-1" strike="noStrike">
-                <a:solidFill>
-                  <a:srgbClr val="000000"/>
-                </a:solidFill>
-                <a:latin typeface="Calibri"/>
-              </a:rPr>
-              <a:t>/</a:t>
-            </a:r>
-            <a:endParaRPr b="0" lang="zxx" sz="1050" spc="-1" strike="noStrike">
-              <a:latin typeface="Times New Roman"/>
-            </a:endParaRPr>
-          </a:p>
-        </p:txBody>
-      </p:sp>
+      </p:pic>
     </p:spTree>
   </p:cSld>
   <mc:AlternateContent>
@@ -6682,139 +7134,29 @@
           <a:chExt cx="0" cy="0"/>
         </a:xfrm>
       </p:grpSpPr>
-      <p:sp>
-        <p:nvSpPr>
-          <p:cNvPr id="141" name="TextShape 1"/>
-          <p:cNvSpPr txBox="1"/>
+      <p:pic>
+        <p:nvPicPr>
+          <p:cNvPr id="143" name="" descr=""/>
+          <p:cNvPicPr/>
           <p:nvPr/>
-        </p:nvSpPr>
-        <p:spPr>
-          <a:xfrm>
-            <a:off x="127440" y="99000"/>
-            <a:ext cx="8836920" cy="954000"/>
-          </a:xfrm>
-          <a:prstGeom prst="rect">
-            <a:avLst/>
-          </a:prstGeom>
-          <a:noFill/>
+        </p:nvPicPr>
+        <p:blipFill>
+          <a:blip r:embed="rId1"/>
+          <a:stretch/>
+        </p:blipFill>
+        <p:spPr>
+          <a:xfrm>
+            <a:off x="609840" y="300240"/>
+            <a:ext cx="7924320" cy="6257520"/>
+          </a:xfrm>
+          <a:prstGeom prst="rect">
+            <a:avLst/>
+          </a:prstGeom>
           <a:ln>
             <a:noFill/>
           </a:ln>
         </p:spPr>
-        <p:txBody>
-          <a:bodyPr anchor="b">
-            <a:noAutofit/>
-          </a:bodyPr>
-          <a:p>
-            <a:pPr>
-              <a:lnSpc>
-                <a:spcPct val="85000"/>
-              </a:lnSpc>
-            </a:pPr>
-            <a:r>
-              <a:rPr b="0" lang="zxx" sz="4800" spc="-52" strike="noStrike">
-                <a:solidFill>
-                  <a:srgbClr val="404040"/>
-                </a:solidFill>
-                <a:latin typeface="Calibri Light"/>
-              </a:rPr>
-              <a:t>Future Plans</a:t>
-            </a:r>
-            <a:endParaRPr b="0" lang="zxx" sz="4800" spc="-1" strike="noStrike">
-              <a:solidFill>
-                <a:srgbClr val="000000"/>
-              </a:solidFill>
-              <a:latin typeface="Calibri"/>
-            </a:endParaRPr>
-          </a:p>
-        </p:txBody>
-      </p:sp>
-      <p:sp>
-        <p:nvSpPr>
-          <p:cNvPr id="142" name="TextShape 2"/>
-          <p:cNvSpPr txBox="1"/>
-          <p:nvPr/>
-        </p:nvSpPr>
-        <p:spPr>
-          <a:xfrm>
-            <a:off x="127440" y="1145520"/>
-            <a:ext cx="8836920" cy="5129280"/>
-          </a:xfrm>
-          <a:prstGeom prst="rect">
-            <a:avLst/>
-          </a:prstGeom>
-          <a:noFill/>
-          <a:ln>
-            <a:noFill/>
-          </a:ln>
-        </p:spPr>
-        <p:txBody>
-          <a:bodyPr lIns="0" rIns="0">
-            <a:noAutofit/>
-          </a:bodyPr>
-          <a:p>
-            <a:endParaRPr b="0" lang="en-US" sz="2000" spc="-1" strike="noStrike">
-              <a:solidFill>
-                <a:srgbClr val="404040"/>
-              </a:solidFill>
-              <a:latin typeface="Calibri"/>
-            </a:endParaRPr>
-          </a:p>
-        </p:txBody>
-      </p:sp>
-      <p:sp>
-        <p:nvSpPr>
-          <p:cNvPr id="143" name="TextShape 3"/>
-          <p:cNvSpPr txBox="1"/>
-          <p:nvPr/>
-        </p:nvSpPr>
-        <p:spPr>
-          <a:xfrm>
-            <a:off x="4006440" y="6410880"/>
-            <a:ext cx="583200" cy="364680"/>
-          </a:xfrm>
-          <a:prstGeom prst="rect">
-            <a:avLst/>
-          </a:prstGeom>
-          <a:noFill/>
-          <a:ln>
-            <a:noFill/>
-          </a:ln>
-        </p:spPr>
-        <p:txBody>
-          <a:bodyPr anchor="ctr">
-            <a:noAutofit/>
-          </a:bodyPr>
-          <a:p>
-            <a:pPr algn="r">
-              <a:lnSpc>
-                <a:spcPct val="100000"/>
-              </a:lnSpc>
-            </a:pPr>
-            <a:fld id="{D2AFBB35-22F1-4E8D-AF55-69CCE44CB81F}" type="slidenum">
-              <a:rPr b="0" lang="zxx" sz="1050" spc="-1" strike="noStrike">
-                <a:solidFill>
-                  <a:srgbClr val="000000"/>
-                </a:solidFill>
-                <a:latin typeface="Calibri"/>
-              </a:rPr>
-              <a:t>&lt;Foliennummer&gt;</a:t>
-            </a:fld>
-            <a:r>
-              <a:rPr b="0" lang="zxx" sz="1050" spc="-1" strike="noStrike">
-                <a:solidFill>
-                  <a:srgbClr val="000000"/>
-                </a:solidFill>
-                <a:latin typeface="Calibri"/>
-              </a:rPr>
-              <a:t>/</a:t>
-            </a:r>
-            <a:endParaRPr b="0" lang="zxx" sz="1050" spc="-1" strike="noStrike">
-              <a:latin typeface="Times New Roman"/>
-            </a:endParaRPr>
-          </a:p>
-        </p:txBody>
-      </p:sp>
+      </p:pic>
     </p:spTree>
   </p:cSld>
   <mc:AlternateContent>
@@ -6847,14 +7189,14 @@
       </p:grpSpPr>
       <p:sp>
         <p:nvSpPr>
-          <p:cNvPr id="144" name="TextShape 1"/>
-          <p:cNvSpPr txBox="1"/>
+          <p:cNvPr id="144" name="CustomShape 1"/>
+          <p:cNvSpPr/>
           <p:nvPr/>
         </p:nvSpPr>
         <p:spPr>
           <a:xfrm>
-            <a:off x="822960" y="1385640"/>
-            <a:ext cx="7543440" cy="4147560"/>
+            <a:off x="127440" y="99000"/>
+            <a:ext cx="8836560" cy="953640"/>
           </a:xfrm>
           <a:prstGeom prst="rect">
             <a:avLst/>
@@ -6864,8 +7206,716 @@
             <a:noFill/>
           </a:ln>
         </p:spPr>
-        <p:txBody>
-          <a:bodyPr anchor="ctr">
+        <p:style>
+          <a:lnRef idx="0"/>
+          <a:fillRef idx="0"/>
+          <a:effectRef idx="0"/>
+          <a:fontRef idx="minor"/>
+        </p:style>
+        <p:txBody>
+          <a:bodyPr lIns="90000" rIns="90000" tIns="45000" bIns="45000" anchor="b">
+            <a:normAutofit fontScale="60000"/>
+          </a:bodyPr>
+          <a:p>
+            <a:pPr>
+              <a:lnSpc>
+                <a:spcPct val="85000"/>
+              </a:lnSpc>
+            </a:pPr>
+            <a:r>
+              <a:rPr b="0" lang="zxx" sz="4800" spc="-52" strike="noStrike">
+                <a:solidFill>
+                  <a:srgbClr val="404040"/>
+                </a:solidFill>
+                <a:latin typeface="Calibri Light"/>
+              </a:rPr>
+              <a:t>Progress – Faced Problems - Solutions</a:t>
+            </a:r>
+            <a:endParaRPr b="0" lang="zxx" sz="4800" spc="-1" strike="noStrike">
+              <a:latin typeface="Arial"/>
+            </a:endParaRPr>
+          </a:p>
+        </p:txBody>
+      </p:sp>
+      <p:sp>
+        <p:nvSpPr>
+          <p:cNvPr id="145" name="CustomShape 2"/>
+          <p:cNvSpPr/>
+          <p:nvPr/>
+        </p:nvSpPr>
+        <p:spPr>
+          <a:xfrm>
+            <a:off x="127440" y="1145520"/>
+            <a:ext cx="8836560" cy="5128920"/>
+          </a:xfrm>
+          <a:prstGeom prst="rect">
+            <a:avLst/>
+          </a:prstGeom>
+          <a:noFill/>
+          <a:ln>
+            <a:noFill/>
+          </a:ln>
+        </p:spPr>
+        <p:style>
+          <a:lnRef idx="0"/>
+          <a:fillRef idx="0"/>
+          <a:effectRef idx="0"/>
+          <a:fontRef idx="minor"/>
+        </p:style>
+        <p:txBody>
+          <a:bodyPr lIns="0" rIns="0" tIns="45000" bIns="45000">
+            <a:noAutofit/>
+          </a:bodyPr>
+          <a:p>
+            <a:pPr marL="432000" indent="-323640">
+              <a:lnSpc>
+                <a:spcPct val="100000"/>
+              </a:lnSpc>
+              <a:spcBef>
+                <a:spcPts val="1417"/>
+              </a:spcBef>
+              <a:buClr>
+                <a:srgbClr val="000000"/>
+              </a:buClr>
+              <a:buSzPct val="45000"/>
+              <a:buFont typeface="Wingdings" charset="2"/>
+              <a:buChar char=""/>
+            </a:pPr>
+            <a:r>
+              <a:rPr b="0" lang="zxx" sz="2000" spc="-1" strike="noStrike">
+                <a:solidFill>
+                  <a:srgbClr val="404040"/>
+                </a:solidFill>
+                <a:latin typeface="Calibri"/>
+              </a:rPr>
+              <a:t>VHDL Code</a:t>
+            </a:r>
+            <a:endParaRPr b="0" lang="zxx" sz="2000" spc="-1" strike="noStrike">
+              <a:latin typeface="Arial"/>
+            </a:endParaRPr>
+          </a:p>
+          <a:p>
+            <a:pPr marL="432000" indent="-323640">
+              <a:lnSpc>
+                <a:spcPct val="100000"/>
+              </a:lnSpc>
+              <a:spcBef>
+                <a:spcPts val="1417"/>
+              </a:spcBef>
+              <a:buClr>
+                <a:srgbClr val="000000"/>
+              </a:buClr>
+              <a:buSzPct val="45000"/>
+              <a:buFont typeface="Wingdings" charset="2"/>
+              <a:buChar char=""/>
+            </a:pPr>
+            <a:r>
+              <a:rPr b="0" lang="zxx" sz="2000" spc="-1" strike="noStrike">
+                <a:solidFill>
+                  <a:srgbClr val="404040"/>
+                </a:solidFill>
+                <a:latin typeface="Calibri"/>
+              </a:rPr>
+              <a:t>Python Code</a:t>
+            </a:r>
+            <a:endParaRPr b="0" lang="zxx" sz="2000" spc="-1" strike="noStrike">
+              <a:latin typeface="Arial"/>
+            </a:endParaRPr>
+          </a:p>
+        </p:txBody>
+      </p:sp>
+      <p:sp>
+        <p:nvSpPr>
+          <p:cNvPr id="146" name="CustomShape 3"/>
+          <p:cNvSpPr/>
+          <p:nvPr/>
+        </p:nvSpPr>
+        <p:spPr>
+          <a:xfrm>
+            <a:off x="4006440" y="6410880"/>
+            <a:ext cx="582840" cy="364320"/>
+          </a:xfrm>
+          <a:prstGeom prst="rect">
+            <a:avLst/>
+          </a:prstGeom>
+          <a:noFill/>
+          <a:ln>
+            <a:noFill/>
+          </a:ln>
+        </p:spPr>
+        <p:style>
+          <a:lnRef idx="0"/>
+          <a:fillRef idx="0"/>
+          <a:effectRef idx="0"/>
+          <a:fontRef idx="minor"/>
+        </p:style>
+        <p:txBody>
+          <a:bodyPr lIns="90000" rIns="90000" tIns="45000" bIns="45000" anchor="ctr">
+            <a:noAutofit/>
+          </a:bodyPr>
+          <a:p>
+            <a:pPr algn="r">
+              <a:lnSpc>
+                <a:spcPct val="100000"/>
+              </a:lnSpc>
+            </a:pPr>
+            <a:fld id="{FBA1FB1B-8EC8-4701-B7A3-764889EBDE91}" type="slidenum">
+              <a:rPr b="0" lang="zxx" sz="1050" spc="-1" strike="noStrike">
+                <a:solidFill>
+                  <a:srgbClr val="000000"/>
+                </a:solidFill>
+                <a:latin typeface="Calibri"/>
+              </a:rPr>
+              <a:t>6</a:t>
+            </a:fld>
+            <a:r>
+              <a:rPr b="0" lang="zxx" sz="1050" spc="-1" strike="noStrike">
+                <a:solidFill>
+                  <a:srgbClr val="000000"/>
+                </a:solidFill>
+                <a:latin typeface="Calibri"/>
+              </a:rPr>
+              <a:t>/</a:t>
+            </a:r>
+            <a:endParaRPr b="0" lang="zxx" sz="1050" spc="-1" strike="noStrike">
+              <a:latin typeface="Arial"/>
+            </a:endParaRPr>
+          </a:p>
+        </p:txBody>
+      </p:sp>
+    </p:spTree>
+  </p:cSld>
+  <mc:AlternateContent>
+    <mc:Choice Requires="p14">
+      <p:transition spd="slow" p14:dur="2000"/>
+    </mc:Choice>
+    <mc:Fallback>
+      <p:transition spd="slow"/>
+    </mc:Fallback>
+  </mc:AlternateContent>
+</p:sld>
+</file>
+
+<file path=ppt/slides/slide7.xml><?xml version="1.0" encoding="utf-8"?>
+<p:sld xmlns:a="http://schemas.openxmlformats.org/drawingml/2006/main" xmlns:p="http://schemas.openxmlformats.org/presentationml/2006/main" xmlns:r="http://schemas.openxmlformats.org/officeDocument/2006/relationships" xmlns:p14="http://schemas.microsoft.com/office/powerpoint/2010/main" xmlns:p15="http://schemas.microsoft.com/office/powerpoint/2012/main" xmlns:mc="http://schemas.openxmlformats.org/markup-compatibility/2006">
+  <p:cSld>
+    <p:spTree>
+      <p:nvGrpSpPr>
+        <p:cNvPr id="1" name=""/>
+        <p:cNvGrpSpPr/>
+        <p:nvPr/>
+      </p:nvGrpSpPr>
+      <p:grpSpPr>
+        <a:xfrm>
+          <a:off x="0" y="0"/>
+          <a:ext cx="0" cy="0"/>
+          <a:chOff x="0" y="0"/>
+          <a:chExt cx="0" cy="0"/>
+        </a:xfrm>
+      </p:grpSpPr>
+      <p:sp>
+        <p:nvSpPr>
+          <p:cNvPr id="147" name="CustomShape 1"/>
+          <p:cNvSpPr/>
+          <p:nvPr/>
+        </p:nvSpPr>
+        <p:spPr>
+          <a:xfrm>
+            <a:off x="127440" y="99000"/>
+            <a:ext cx="8836560" cy="953640"/>
+          </a:xfrm>
+          <a:prstGeom prst="rect">
+            <a:avLst/>
+          </a:prstGeom>
+          <a:noFill/>
+          <a:ln>
+            <a:noFill/>
+          </a:ln>
+        </p:spPr>
+        <p:style>
+          <a:lnRef idx="0"/>
+          <a:fillRef idx="0"/>
+          <a:effectRef idx="0"/>
+          <a:fontRef idx="minor"/>
+        </p:style>
+        <p:txBody>
+          <a:bodyPr lIns="90000" rIns="90000" tIns="45000" bIns="45000" anchor="b">
+            <a:normAutofit fontScale="60000"/>
+          </a:bodyPr>
+          <a:p>
+            <a:pPr>
+              <a:lnSpc>
+                <a:spcPct val="85000"/>
+              </a:lnSpc>
+            </a:pPr>
+            <a:r>
+              <a:rPr b="0" lang="zxx" sz="4800" spc="-52" strike="noStrike">
+                <a:solidFill>
+                  <a:srgbClr val="404040"/>
+                </a:solidFill>
+                <a:latin typeface="Calibri Light"/>
+              </a:rPr>
+              <a:t>Progress – Faced Problems - Solutions</a:t>
+            </a:r>
+            <a:endParaRPr b="0" lang="zxx" sz="4800" spc="-1" strike="noStrike">
+              <a:latin typeface="Arial"/>
+            </a:endParaRPr>
+          </a:p>
+        </p:txBody>
+      </p:sp>
+      <p:sp>
+        <p:nvSpPr>
+          <p:cNvPr id="148" name="CustomShape 2"/>
+          <p:cNvSpPr/>
+          <p:nvPr/>
+        </p:nvSpPr>
+        <p:spPr>
+          <a:xfrm>
+            <a:off x="127440" y="1145520"/>
+            <a:ext cx="8836560" cy="5128920"/>
+          </a:xfrm>
+          <a:prstGeom prst="rect">
+            <a:avLst/>
+          </a:prstGeom>
+          <a:noFill/>
+          <a:ln>
+            <a:noFill/>
+          </a:ln>
+        </p:spPr>
+        <p:style>
+          <a:lnRef idx="0"/>
+          <a:fillRef idx="0"/>
+          <a:effectRef idx="0"/>
+          <a:fontRef idx="minor"/>
+        </p:style>
+        <p:txBody>
+          <a:bodyPr lIns="0" rIns="0" tIns="45000" bIns="45000">
+            <a:noAutofit/>
+          </a:bodyPr>
+          <a:p>
+            <a:pPr marL="432000" indent="-323640">
+              <a:lnSpc>
+                <a:spcPct val="100000"/>
+              </a:lnSpc>
+              <a:spcBef>
+                <a:spcPts val="1417"/>
+              </a:spcBef>
+              <a:buClr>
+                <a:srgbClr val="000000"/>
+              </a:buClr>
+              <a:buSzPct val="45000"/>
+              <a:buFont typeface="Wingdings" charset="2"/>
+              <a:buChar char=""/>
+            </a:pPr>
+            <a:r>
+              <a:rPr b="0" lang="zxx" sz="2000" spc="-1" strike="noStrike">
+                <a:solidFill>
+                  <a:srgbClr val="404040"/>
+                </a:solidFill>
+                <a:latin typeface="Calibri"/>
+              </a:rPr>
+              <a:t>Binary Decision tree BILD</a:t>
+            </a:r>
+            <a:endParaRPr b="0" lang="zxx" sz="2000" spc="-1" strike="noStrike">
+              <a:latin typeface="Arial"/>
+            </a:endParaRPr>
+          </a:p>
+        </p:txBody>
+      </p:sp>
+      <p:sp>
+        <p:nvSpPr>
+          <p:cNvPr id="149" name="CustomShape 3"/>
+          <p:cNvSpPr/>
+          <p:nvPr/>
+        </p:nvSpPr>
+        <p:spPr>
+          <a:xfrm>
+            <a:off x="4006440" y="6410880"/>
+            <a:ext cx="582840" cy="364320"/>
+          </a:xfrm>
+          <a:prstGeom prst="rect">
+            <a:avLst/>
+          </a:prstGeom>
+          <a:noFill/>
+          <a:ln>
+            <a:noFill/>
+          </a:ln>
+        </p:spPr>
+        <p:style>
+          <a:lnRef idx="0"/>
+          <a:fillRef idx="0"/>
+          <a:effectRef idx="0"/>
+          <a:fontRef idx="minor"/>
+        </p:style>
+        <p:txBody>
+          <a:bodyPr lIns="90000" rIns="90000" tIns="45000" bIns="45000" anchor="ctr">
+            <a:noAutofit/>
+          </a:bodyPr>
+          <a:p>
+            <a:pPr algn="r">
+              <a:lnSpc>
+                <a:spcPct val="100000"/>
+              </a:lnSpc>
+            </a:pPr>
+            <a:fld id="{CC6F7E20-B439-47FF-A0C2-BDDAA2557689}" type="slidenum">
+              <a:rPr b="0" lang="zxx" sz="1050" spc="-1" strike="noStrike">
+                <a:solidFill>
+                  <a:srgbClr val="000000"/>
+                </a:solidFill>
+                <a:latin typeface="Calibri"/>
+              </a:rPr>
+              <a:t>7</a:t>
+            </a:fld>
+            <a:r>
+              <a:rPr b="0" lang="zxx" sz="1050" spc="-1" strike="noStrike">
+                <a:solidFill>
+                  <a:srgbClr val="000000"/>
+                </a:solidFill>
+                <a:latin typeface="Calibri"/>
+              </a:rPr>
+              <a:t>/</a:t>
+            </a:r>
+            <a:endParaRPr b="0" lang="zxx" sz="1050" spc="-1" strike="noStrike">
+              <a:latin typeface="Arial"/>
+            </a:endParaRPr>
+          </a:p>
+        </p:txBody>
+      </p:sp>
+    </p:spTree>
+  </p:cSld>
+  <mc:AlternateContent>
+    <mc:Choice Requires="p14">
+      <p:transition spd="slow" p14:dur="2000"/>
+    </mc:Choice>
+    <mc:Fallback>
+      <p:transition spd="slow"/>
+    </mc:Fallback>
+  </mc:AlternateContent>
+</p:sld>
+</file>
+
+<file path=ppt/slides/slide8.xml><?xml version="1.0" encoding="utf-8"?>
+<p:sld xmlns:a="http://schemas.openxmlformats.org/drawingml/2006/main" xmlns:p="http://schemas.openxmlformats.org/presentationml/2006/main" xmlns:r="http://schemas.openxmlformats.org/officeDocument/2006/relationships" xmlns:p14="http://schemas.microsoft.com/office/powerpoint/2010/main" xmlns:p15="http://schemas.microsoft.com/office/powerpoint/2012/main" xmlns:mc="http://schemas.openxmlformats.org/markup-compatibility/2006">
+  <p:cSld>
+    <p:spTree>
+      <p:nvGrpSpPr>
+        <p:cNvPr id="1" name=""/>
+        <p:cNvGrpSpPr/>
+        <p:nvPr/>
+      </p:nvGrpSpPr>
+      <p:grpSpPr>
+        <a:xfrm>
+          <a:off x="0" y="0"/>
+          <a:ext cx="0" cy="0"/>
+          <a:chOff x="0" y="0"/>
+          <a:chExt cx="0" cy="0"/>
+        </a:xfrm>
+      </p:grpSpPr>
+      <p:sp>
+        <p:nvSpPr>
+          <p:cNvPr id="150" name="CustomShape 1"/>
+          <p:cNvSpPr/>
+          <p:nvPr/>
+        </p:nvSpPr>
+        <p:spPr>
+          <a:xfrm>
+            <a:off x="127440" y="99000"/>
+            <a:ext cx="8836560" cy="953640"/>
+          </a:xfrm>
+          <a:prstGeom prst="rect">
+            <a:avLst/>
+          </a:prstGeom>
+          <a:noFill/>
+          <a:ln>
+            <a:noFill/>
+          </a:ln>
+        </p:spPr>
+        <p:style>
+          <a:lnRef idx="0"/>
+          <a:fillRef idx="0"/>
+          <a:effectRef idx="0"/>
+          <a:fontRef idx="minor"/>
+        </p:style>
+        <p:txBody>
+          <a:bodyPr lIns="90000" rIns="90000" tIns="45000" bIns="45000" anchor="b">
+            <a:noAutofit/>
+          </a:bodyPr>
+          <a:p>
+            <a:pPr>
+              <a:lnSpc>
+                <a:spcPct val="85000"/>
+              </a:lnSpc>
+            </a:pPr>
+            <a:r>
+              <a:rPr b="0" lang="zxx" sz="4800" spc="-52" strike="noStrike">
+                <a:solidFill>
+                  <a:srgbClr val="404040"/>
+                </a:solidFill>
+                <a:latin typeface="Calibri Light"/>
+              </a:rPr>
+              <a:t>Future Plans</a:t>
+            </a:r>
+            <a:endParaRPr b="0" lang="zxx" sz="4800" spc="-1" strike="noStrike">
+              <a:latin typeface="Arial"/>
+            </a:endParaRPr>
+          </a:p>
+        </p:txBody>
+      </p:sp>
+      <p:sp>
+        <p:nvSpPr>
+          <p:cNvPr id="151" name="CustomShape 2"/>
+          <p:cNvSpPr/>
+          <p:nvPr/>
+        </p:nvSpPr>
+        <p:spPr>
+          <a:xfrm>
+            <a:off x="127440" y="1145520"/>
+            <a:ext cx="8836560" cy="5128920"/>
+          </a:xfrm>
+          <a:prstGeom prst="rect">
+            <a:avLst/>
+          </a:prstGeom>
+          <a:noFill/>
+          <a:ln>
+            <a:noFill/>
+          </a:ln>
+        </p:spPr>
+        <p:style>
+          <a:lnRef idx="0"/>
+          <a:fillRef idx="0"/>
+          <a:effectRef idx="0"/>
+          <a:fontRef idx="minor"/>
+        </p:style>
+      </p:sp>
+      <p:sp>
+        <p:nvSpPr>
+          <p:cNvPr id="152" name="CustomShape 3"/>
+          <p:cNvSpPr/>
+          <p:nvPr/>
+        </p:nvSpPr>
+        <p:spPr>
+          <a:xfrm>
+            <a:off x="4006440" y="6410880"/>
+            <a:ext cx="582840" cy="364320"/>
+          </a:xfrm>
+          <a:prstGeom prst="rect">
+            <a:avLst/>
+          </a:prstGeom>
+          <a:noFill/>
+          <a:ln>
+            <a:noFill/>
+          </a:ln>
+        </p:spPr>
+        <p:style>
+          <a:lnRef idx="0"/>
+          <a:fillRef idx="0"/>
+          <a:effectRef idx="0"/>
+          <a:fontRef idx="minor"/>
+        </p:style>
+        <p:txBody>
+          <a:bodyPr lIns="90000" rIns="90000" tIns="45000" bIns="45000" anchor="ctr">
+            <a:noAutofit/>
+          </a:bodyPr>
+          <a:p>
+            <a:pPr algn="r">
+              <a:lnSpc>
+                <a:spcPct val="100000"/>
+              </a:lnSpc>
+            </a:pPr>
+            <a:fld id="{446CEB61-42EC-4431-8092-F0C13B74719D}" type="slidenum">
+              <a:rPr b="0" lang="zxx" sz="1050" spc="-1" strike="noStrike">
+                <a:solidFill>
+                  <a:srgbClr val="000000"/>
+                </a:solidFill>
+                <a:latin typeface="Calibri"/>
+              </a:rPr>
+              <a:t>7</a:t>
+            </a:fld>
+            <a:r>
+              <a:rPr b="0" lang="zxx" sz="1050" spc="-1" strike="noStrike">
+                <a:solidFill>
+                  <a:srgbClr val="000000"/>
+                </a:solidFill>
+                <a:latin typeface="Calibri"/>
+              </a:rPr>
+              <a:t>/</a:t>
+            </a:r>
+            <a:endParaRPr b="0" lang="zxx" sz="1050" spc="-1" strike="noStrike">
+              <a:latin typeface="Arial"/>
+            </a:endParaRPr>
+          </a:p>
+        </p:txBody>
+      </p:sp>
+      <p:sp>
+        <p:nvSpPr>
+          <p:cNvPr id="153" name="TextShape 4"/>
+          <p:cNvSpPr txBox="1"/>
+          <p:nvPr/>
+        </p:nvSpPr>
+        <p:spPr>
+          <a:xfrm>
+            <a:off x="457200" y="1604520"/>
+            <a:ext cx="8229240" cy="3977280"/>
+          </a:xfrm>
+          <a:prstGeom prst="rect">
+            <a:avLst/>
+          </a:prstGeom>
+          <a:noFill/>
+          <a:ln>
+            <a:noFill/>
+          </a:ln>
+        </p:spPr>
+        <p:txBody>
+          <a:bodyPr lIns="0" rIns="0" tIns="0" bIns="0">
+            <a:normAutofit/>
+          </a:bodyPr>
+          <a:p>
+            <a:pPr marL="432000" indent="-324000">
+              <a:spcBef>
+                <a:spcPts val="1417"/>
+              </a:spcBef>
+              <a:buClr>
+                <a:srgbClr val="000000"/>
+              </a:buClr>
+              <a:buSzPct val="45000"/>
+              <a:buFont typeface="Wingdings" charset="2"/>
+              <a:buChar char=""/>
+            </a:pPr>
+            <a:r>
+              <a:rPr b="0" lang="de-AT" sz="3200" spc="-1" strike="noStrike">
+                <a:latin typeface="Arial"/>
+              </a:rPr>
+              <a:t>Time, Area and Power Analysis with VHDL TOOL</a:t>
+            </a:r>
+            <a:endParaRPr b="0" lang="de-AT" sz="3200" spc="-1" strike="noStrike">
+              <a:latin typeface="Arial"/>
+            </a:endParaRPr>
+          </a:p>
+          <a:p>
+            <a:pPr marL="432000" indent="-324000">
+              <a:spcBef>
+                <a:spcPts val="1417"/>
+              </a:spcBef>
+              <a:buClr>
+                <a:srgbClr val="000000"/>
+              </a:buClr>
+              <a:buSzPct val="45000"/>
+              <a:buFont typeface="Wingdings" charset="2"/>
+              <a:buChar char=""/>
+            </a:pPr>
+            <a:r>
+              <a:rPr b="0" lang="de-AT" sz="3200" spc="-1" strike="noStrike">
+                <a:latin typeface="Arial"/>
+              </a:rPr>
+              <a:t>Implementation in Open Source Processor</a:t>
+            </a:r>
+            <a:endParaRPr b="0" lang="de-AT" sz="3200" spc="-1" strike="noStrike">
+              <a:latin typeface="Arial"/>
+            </a:endParaRPr>
+          </a:p>
+          <a:p>
+            <a:pPr marL="432000" indent="-324000">
+              <a:spcBef>
+                <a:spcPts val="1417"/>
+              </a:spcBef>
+              <a:buClr>
+                <a:srgbClr val="000000"/>
+              </a:buClr>
+              <a:buSzPct val="45000"/>
+              <a:buFont typeface="Wingdings" charset="2"/>
+              <a:buChar char=""/>
+            </a:pPr>
+            <a:r>
+              <a:rPr b="0" lang="de-AT" sz="3200" spc="-1" strike="noStrike">
+                <a:latin typeface="Arial"/>
+              </a:rPr>
+              <a:t>Worst Case Error Analysis with BDT</a:t>
+            </a:r>
+            <a:endParaRPr b="0" lang="de-AT" sz="3200" spc="-1" strike="noStrike">
+              <a:latin typeface="Arial"/>
+            </a:endParaRPr>
+          </a:p>
+          <a:p>
+            <a:pPr marL="432000" indent="-324000">
+              <a:spcBef>
+                <a:spcPts val="1417"/>
+              </a:spcBef>
+              <a:buClr>
+                <a:srgbClr val="000000"/>
+              </a:buClr>
+              <a:buSzPct val="45000"/>
+              <a:buFont typeface="Wingdings" charset="2"/>
+              <a:buChar char=""/>
+            </a:pPr>
+            <a:r>
+              <a:rPr b="0" lang="de-AT" sz="3200" spc="-1" strike="noStrike">
+                <a:latin typeface="Arial"/>
+              </a:rPr>
+              <a:t>Implementing on Zedboard (Hardware)</a:t>
+            </a:r>
+            <a:endParaRPr b="0" lang="de-AT" sz="3200" spc="-1" strike="noStrike">
+              <a:latin typeface="Arial"/>
+            </a:endParaRPr>
+          </a:p>
+        </p:txBody>
+      </p:sp>
+    </p:spTree>
+  </p:cSld>
+  <mc:AlternateContent>
+    <mc:Choice Requires="p14">
+      <p:transition spd="slow" p14:dur="2000"/>
+    </mc:Choice>
+    <mc:Fallback>
+      <p:transition spd="slow"/>
+    </mc:Fallback>
+  </mc:AlternateContent>
+</p:sld>
+</file>
+
+<file path=ppt/slides/slide9.xml><?xml version="1.0" encoding="utf-8"?>
+<p:sld xmlns:a="http://schemas.openxmlformats.org/drawingml/2006/main" xmlns:p="http://schemas.openxmlformats.org/presentationml/2006/main" xmlns:r="http://schemas.openxmlformats.org/officeDocument/2006/relationships" xmlns:p14="http://schemas.microsoft.com/office/powerpoint/2010/main" xmlns:p15="http://schemas.microsoft.com/office/powerpoint/2012/main" xmlns:mc="http://schemas.openxmlformats.org/markup-compatibility/2006">
+  <p:cSld>
+    <p:spTree>
+      <p:nvGrpSpPr>
+        <p:cNvPr id="1" name=""/>
+        <p:cNvGrpSpPr/>
+        <p:nvPr/>
+      </p:nvGrpSpPr>
+      <p:grpSpPr>
+        <a:xfrm>
+          <a:off x="0" y="0"/>
+          <a:ext cx="0" cy="0"/>
+          <a:chOff x="0" y="0"/>
+          <a:chExt cx="0" cy="0"/>
+        </a:xfrm>
+      </p:grpSpPr>
+      <p:sp>
+        <p:nvSpPr>
+          <p:cNvPr id="154" name="CustomShape 1"/>
+          <p:cNvSpPr/>
+          <p:nvPr/>
+        </p:nvSpPr>
+        <p:spPr>
+          <a:xfrm>
+            <a:off x="822960" y="1385640"/>
+            <a:ext cx="7543080" cy="4147200"/>
+          </a:xfrm>
+          <a:prstGeom prst="rect">
+            <a:avLst/>
+          </a:prstGeom>
+          <a:noFill/>
+          <a:ln>
+            <a:noFill/>
+          </a:ln>
+        </p:spPr>
+        <p:style>
+          <a:lnRef idx="0"/>
+          <a:fillRef idx="0"/>
+          <a:effectRef idx="0"/>
+          <a:fontRef idx="minor"/>
+        </p:style>
+        <p:txBody>
+          <a:bodyPr lIns="90000" rIns="90000" tIns="45000" bIns="45000" anchor="ctr">
             <a:noAutofit/>
           </a:bodyPr>
           <a:p>
@@ -6884,24 +7934,21 @@
               <a:t>Thank you!</a:t>
             </a:r>
             <a:endParaRPr b="0" lang="zxx" sz="4800" spc="-1" strike="noStrike">
-              <a:solidFill>
-                <a:srgbClr val="000000"/>
-              </a:solidFill>
-              <a:latin typeface="Calibri"/>
-            </a:endParaRPr>
-          </a:p>
-        </p:txBody>
-      </p:sp>
-      <p:sp>
-        <p:nvSpPr>
-          <p:cNvPr id="145" name="TextShape 2"/>
-          <p:cNvSpPr txBox="1"/>
+              <a:latin typeface="Arial"/>
+            </a:endParaRPr>
+          </a:p>
+        </p:txBody>
+      </p:sp>
+      <p:sp>
+        <p:nvSpPr>
+          <p:cNvPr id="155" name="CustomShape 2"/>
+          <p:cNvSpPr/>
           <p:nvPr/>
         </p:nvSpPr>
         <p:spPr>
           <a:xfrm>
             <a:off x="4006440" y="6410880"/>
-            <a:ext cx="583200" cy="364680"/>
+            <a:ext cx="582840" cy="364320"/>
           </a:xfrm>
           <a:prstGeom prst="rect">
             <a:avLst/>
@@ -6911,8 +7958,14 @@
             <a:noFill/>
           </a:ln>
         </p:spPr>
-        <p:txBody>
-          <a:bodyPr anchor="ctr">
+        <p:style>
+          <a:lnRef idx="0"/>
+          <a:fillRef idx="0"/>
+          <a:effectRef idx="0"/>
+          <a:fontRef idx="minor"/>
+        </p:style>
+        <p:txBody>
+          <a:bodyPr lIns="90000" rIns="90000" tIns="45000" bIns="45000" anchor="ctr">
             <a:noAutofit/>
           </a:bodyPr>
           <a:p>
@@ -6921,14 +7974,14 @@
                 <a:spcPct val="100000"/>
               </a:lnSpc>
             </a:pPr>
-            <a:fld id="{575B05B0-A08E-49BF-889F-05A789C1975F}" type="slidenum">
+            <a:fld id="{69FF41EE-F4E2-4BD6-9D5C-02DFBA608E94}" type="slidenum">
               <a:rPr b="0" lang="zxx" sz="1050" spc="-1" strike="noStrike">
                 <a:solidFill>
                   <a:srgbClr val="000000"/>
                 </a:solidFill>
                 <a:latin typeface="Calibri"/>
               </a:rPr>
-              <a:t>&lt;Foliennummer&gt;</a:t>
+              <a:t>8</a:t>
             </a:fld>
             <a:r>
               <a:rPr b="0" lang="zxx" sz="1050" spc="-1" strike="noStrike">
@@ -6940,7 +7993,7 @@
               <a:t>/</a:t>
             </a:r>
             <a:endParaRPr b="0" lang="zxx" sz="1050" spc="-1" strike="noStrike">
-              <a:latin typeface="Times New Roman"/>
+              <a:latin typeface="Arial"/>
             </a:endParaRPr>
           </a:p>
         </p:txBody>
@@ -7634,4 +8687,230 @@
     </a:fmtScheme>
   </a:themeElements>
 </a:theme>
+</file>
+
+<file path=ppt/theme/theme4.xml><?xml version="1.0" encoding="utf-8"?>
+<a:theme xmlns:a="http://schemas.openxmlformats.org/drawingml/2006/main" name="Office Theme">
+  <a:themeElements>
+    <a:clrScheme name="Office">
+      <a:dk1>
+        <a:sysClr val="windowText" lastClr="000000"/>
+      </a:dk1>
+      <a:lt1>
+        <a:sysClr val="window" lastClr="FFFFFF"/>
+      </a:lt1>
+      <a:dk2>
+        <a:srgbClr val="344068"/>
+      </a:dk2>
+      <a:lt2>
+        <a:srgbClr val="d9e0e6"/>
+      </a:lt2>
+      <a:accent1>
+        <a:srgbClr val="14496f"/>
+      </a:accent1>
+      <a:accent2>
+        <a:srgbClr val="0e6180"/>
+      </a:accent2>
+      <a:accent3>
+        <a:srgbClr val="1d9399"/>
+      </a:accent3>
+      <a:accent4>
+        <a:srgbClr val="42ba97"/>
+      </a:accent4>
+      <a:accent5>
+        <a:srgbClr val="3e8853"/>
+      </a:accent5>
+      <a:accent6>
+        <a:srgbClr val="37560d"/>
+      </a:accent6>
+      <a:hlink>
+        <a:srgbClr val="00b050"/>
+      </a:hlink>
+      <a:folHlink>
+        <a:srgbClr val="855001"/>
+      </a:folHlink>
+    </a:clrScheme>
+    <a:fontScheme name="Office">
+      <a:majorFont>
+        <a:latin typeface="Arial"/>
+        <a:ea typeface="DejaVu Sans"/>
+        <a:cs typeface="DejaVu Sans"/>
+      </a:majorFont>
+      <a:minorFont>
+        <a:latin typeface="Arial"/>
+        <a:ea typeface="DejaVu Sans"/>
+        <a:cs typeface="DejaVu Sans"/>
+      </a:minorFont>
+    </a:fontScheme>
+    <a:fmtScheme name="Office">
+      <a:fillStyleLst>
+        <a:solidFill>
+          <a:schemeClr val="phClr"/>
+        </a:solidFill>
+        <a:gradFill rotWithShape="1">
+          <a:gsLst>
+            <a:gs pos="0">
+              <a:schemeClr val="phClr">
+                <a:tint val="50000"/>
+                <a:satMod val="300000"/>
+              </a:schemeClr>
+            </a:gs>
+            <a:gs pos="35000">
+              <a:schemeClr val="phClr">
+                <a:tint val="37000"/>
+                <a:satMod val="300000"/>
+              </a:schemeClr>
+            </a:gs>
+            <a:gs pos="100000">
+              <a:schemeClr val="phClr">
+                <a:tint val="15000"/>
+                <a:satMod val="350000"/>
+              </a:schemeClr>
+            </a:gs>
+          </a:gsLst>
+          <a:lin ang="16200000" scaled="1"/>
+        </a:gradFill>
+        <a:gradFill rotWithShape="1">
+          <a:gsLst>
+            <a:gs pos="0">
+              <a:schemeClr val="phClr">
+                <a:shade val="51000"/>
+                <a:satMod val="130000"/>
+              </a:schemeClr>
+            </a:gs>
+            <a:gs pos="80000">
+              <a:schemeClr val="phClr">
+                <a:shade val="93000"/>
+                <a:satMod val="130000"/>
+              </a:schemeClr>
+            </a:gs>
+            <a:gs pos="100000">
+              <a:schemeClr val="phClr">
+                <a:shade val="94000"/>
+                <a:satMod val="135000"/>
+              </a:schemeClr>
+            </a:gs>
+          </a:gsLst>
+          <a:lin ang="16200000" scaled="0"/>
+        </a:gradFill>
+      </a:fillStyleLst>
+      <a:lnStyleLst>
+        <a:ln w="9525" cap="flat" cmpd="sng" algn="ctr">
+          <a:solidFill>
+            <a:schemeClr val="phClr">
+              <a:shade val="95000"/>
+              <a:satMod val="105000"/>
+            </a:schemeClr>
+          </a:solidFill>
+          <a:prstDash val="solid"/>
+          <a:miter/>
+        </a:ln>
+        <a:ln w="25400" cap="flat" cmpd="sng" algn="ctr">
+          <a:solidFill>
+            <a:schemeClr val="phClr"/>
+          </a:solidFill>
+          <a:prstDash val="solid"/>
+          <a:miter/>
+        </a:ln>
+        <a:ln w="38100" cap="flat" cmpd="sng" algn="ctr">
+          <a:solidFill>
+            <a:schemeClr val="phClr"/>
+          </a:solidFill>
+          <a:prstDash val="solid"/>
+          <a:miter/>
+        </a:ln>
+      </a:lnStyleLst>
+      <a:effectStyleLst>
+        <a:effectStyle>
+          <a:effectLst>
+            <a:outerShdw blurRad="40000" dist="20000" dir="5400000" rotWithShape="0">
+              <a:srgbClr val="000000">
+                <a:alpha val="38000"/>
+              </a:srgbClr>
+            </a:outerShdw>
+          </a:effectLst>
+        </a:effectStyle>
+        <a:effectStyle>
+          <a:effectLst>
+            <a:outerShdw blurRad="40000" dist="23000" dir="5400000" rotWithShape="0">
+              <a:srgbClr val="000000">
+                <a:alpha val="35000"/>
+              </a:srgbClr>
+            </a:outerShdw>
+          </a:effectLst>
+        </a:effectStyle>
+        <a:effectStyle>
+          <a:effectLst>
+            <a:outerShdw blurRad="40000" dist="23000" dir="5400000" rotWithShape="0">
+              <a:srgbClr val="000000">
+                <a:alpha val="35000"/>
+              </a:srgbClr>
+            </a:outerShdw>
+          </a:effectLst>
+          <a:scene3d>
+            <a:camera prst="orthographicFront">
+              <a:rot lat="0" lon="0" rev="0"/>
+            </a:camera>
+            <a:lightRig rig="threePt" dir="t">
+              <a:rot lat="0" lon="0" rev="1200000"/>
+            </a:lightRig>
+          </a:scene3d>
+          <a:sp3d>
+            <a:bevelT w="63500" h="25400"/>
+          </a:sp3d>
+        </a:effectStyle>
+      </a:effectStyleLst>
+      <a:bgFillStyleLst>
+        <a:solidFill>
+          <a:schemeClr val="phClr"/>
+        </a:solidFill>
+        <a:gradFill rotWithShape="1">
+          <a:gsLst>
+            <a:gs pos="0">
+              <a:schemeClr val="phClr">
+                <a:tint val="40000"/>
+                <a:satMod val="350000"/>
+              </a:schemeClr>
+            </a:gs>
+            <a:gs pos="40000">
+              <a:schemeClr val="phClr">
+                <a:tint val="45000"/>
+                <a:shade val="99000"/>
+                <a:satMod val="350000"/>
+              </a:schemeClr>
+            </a:gs>
+            <a:gs pos="100000">
+              <a:schemeClr val="phClr">
+                <a:shade val="20000"/>
+                <a:satMod val="255000"/>
+              </a:schemeClr>
+            </a:gs>
+          </a:gsLst>
+          <a:path path="circle">
+            <a:fillToRect l="50000" t="-80000" r="50000" b="180000"/>
+          </a:path>
+        </a:gradFill>
+        <a:gradFill rotWithShape="1">
+          <a:gsLst>
+            <a:gs pos="0">
+              <a:schemeClr val="phClr">
+                <a:tint val="80000"/>
+                <a:satMod val="300000"/>
+              </a:schemeClr>
+            </a:gs>
+            <a:gs pos="100000">
+              <a:schemeClr val="phClr">
+                <a:shade val="30000"/>
+                <a:satMod val="200000"/>
+              </a:schemeClr>
+            </a:gs>
+          </a:gsLst>
+          <a:path path="circle">
+            <a:fillToRect l="50000" t="50000" r="50000" b="50000"/>
+          </a:path>
+        </a:gradFill>
+      </a:bgFillStyleLst>
+    </a:fmtScheme>
+  </a:themeElements>
+</a:theme>
 </file>
--- a/Presentation Slides/Midterm 23-11-2021.pptx
+++ b/Presentation Slides/Midterm 23-11-2021.pptx
@@ -1,32 +1,457 @@
 
 <file path=ppt/presentation.xml><?xml version="1.0" encoding="utf-8"?>
-<p:presentation xmlns:a="http://schemas.openxmlformats.org/drawingml/2006/main" xmlns:p="http://schemas.openxmlformats.org/presentationml/2006/main" xmlns:r="http://schemas.openxmlformats.org/officeDocument/2006/relationships" xmlns:p14="http://schemas.microsoft.com/office/powerpoint/2010/main" xmlns:p15="http://schemas.microsoft.com/office/powerpoint/2012/main" xmlns:mc="http://schemas.openxmlformats.org/markup-compatibility/2006">
+<p:presentation xmlns:a="http://schemas.openxmlformats.org/drawingml/2006/main" xmlns:r="http://schemas.openxmlformats.org/officeDocument/2006/relationships" xmlns:p="http://schemas.openxmlformats.org/presentationml/2006/main">
   <p:sldMasterIdLst>
-    <p:sldMasterId id="2147483648" r:id="rId2"/>
-    <p:sldMasterId id="2147483661" r:id="rId3"/>
-    <p:sldMasterId id="2147483674" r:id="rId4"/>
+    <p:sldMasterId id="2147483648" r:id="rId1"/>
+    <p:sldMasterId id="2147483661" r:id="rId2"/>
+    <p:sldMasterId id="2147483674" r:id="rId3"/>
   </p:sldMasterIdLst>
   <p:notesMasterIdLst>
-    <p:notesMasterId r:id="rId5"/>
+    <p:notesMasterId r:id="rId13"/>
   </p:notesMasterIdLst>
   <p:sldIdLst>
-    <p:sldId id="256" r:id="rId6"/>
-    <p:sldId id="257" r:id="rId7"/>
-    <p:sldId id="258" r:id="rId8"/>
-    <p:sldId id="259" r:id="rId9"/>
-    <p:sldId id="260" r:id="rId10"/>
-    <p:sldId id="261" r:id="rId11"/>
-    <p:sldId id="262" r:id="rId12"/>
-    <p:sldId id="263" r:id="rId13"/>
-    <p:sldId id="264" r:id="rId14"/>
+    <p:sldId id="256" r:id="rId4"/>
+    <p:sldId id="257" r:id="rId5"/>
+    <p:sldId id="258" r:id="rId6"/>
+    <p:sldId id="265" r:id="rId7"/>
+    <p:sldId id="266" r:id="rId8"/>
+    <p:sldId id="261" r:id="rId9"/>
+    <p:sldId id="262" r:id="rId10"/>
+    <p:sldId id="267" r:id="rId11"/>
+    <p:sldId id="264" r:id="rId12"/>
   </p:sldIdLst>
-  <p:sldSz cx="9144000" cy="6858000"/>
-  <p:notesSz cx="7559675" cy="10691812"/>
+  <p:sldSz cx="9144000" cy="6858000" type="screen4x3"/>
+  <p:notesSz cx="7559675" cy="10691813"/>
+  <p:defaultTextStyle>
+    <a:defPPr>
+      <a:defRPr lang="de-DE"/>
+    </a:defPPr>
+    <a:lvl1pPr marL="0" algn="l" defTabSz="914400" rtl="0" eaLnBrk="1" latinLnBrk="0" hangingPunct="1">
+      <a:defRPr sz="1800" kern="1200">
+        <a:solidFill>
+          <a:schemeClr val="tx1"/>
+        </a:solidFill>
+        <a:latin typeface="+mn-lt"/>
+        <a:ea typeface="+mn-ea"/>
+        <a:cs typeface="+mn-cs"/>
+      </a:defRPr>
+    </a:lvl1pPr>
+    <a:lvl2pPr marL="457200" algn="l" defTabSz="914400" rtl="0" eaLnBrk="1" latinLnBrk="0" hangingPunct="1">
+      <a:defRPr sz="1800" kern="1200">
+        <a:solidFill>
+          <a:schemeClr val="tx1"/>
+        </a:solidFill>
+        <a:latin typeface="+mn-lt"/>
+        <a:ea typeface="+mn-ea"/>
+        <a:cs typeface="+mn-cs"/>
+      </a:defRPr>
+    </a:lvl2pPr>
+    <a:lvl3pPr marL="914400" algn="l" defTabSz="914400" rtl="0" eaLnBrk="1" latinLnBrk="0" hangingPunct="1">
+      <a:defRPr sz="1800" kern="1200">
+        <a:solidFill>
+          <a:schemeClr val="tx1"/>
+        </a:solidFill>
+        <a:latin typeface="+mn-lt"/>
+        <a:ea typeface="+mn-ea"/>
+        <a:cs typeface="+mn-cs"/>
+      </a:defRPr>
+    </a:lvl3pPr>
+    <a:lvl4pPr marL="1371600" algn="l" defTabSz="914400" rtl="0" eaLnBrk="1" latinLnBrk="0" hangingPunct="1">
+      <a:defRPr sz="1800" kern="1200">
+        <a:solidFill>
+          <a:schemeClr val="tx1"/>
+        </a:solidFill>
+        <a:latin typeface="+mn-lt"/>
+        <a:ea typeface="+mn-ea"/>
+        <a:cs typeface="+mn-cs"/>
+      </a:defRPr>
+    </a:lvl4pPr>
+    <a:lvl5pPr marL="1828800" algn="l" defTabSz="914400" rtl="0" eaLnBrk="1" latinLnBrk="0" hangingPunct="1">
+      <a:defRPr sz="1800" kern="1200">
+        <a:solidFill>
+          <a:schemeClr val="tx1"/>
+        </a:solidFill>
+        <a:latin typeface="+mn-lt"/>
+        <a:ea typeface="+mn-ea"/>
+        <a:cs typeface="+mn-cs"/>
+      </a:defRPr>
+    </a:lvl5pPr>
+    <a:lvl6pPr marL="2286000" algn="l" defTabSz="914400" rtl="0" eaLnBrk="1" latinLnBrk="0" hangingPunct="1">
+      <a:defRPr sz="1800" kern="1200">
+        <a:solidFill>
+          <a:schemeClr val="tx1"/>
+        </a:solidFill>
+        <a:latin typeface="+mn-lt"/>
+        <a:ea typeface="+mn-ea"/>
+        <a:cs typeface="+mn-cs"/>
+      </a:defRPr>
+    </a:lvl6pPr>
+    <a:lvl7pPr marL="2743200" algn="l" defTabSz="914400" rtl="0" eaLnBrk="1" latinLnBrk="0" hangingPunct="1">
+      <a:defRPr sz="1800" kern="1200">
+        <a:solidFill>
+          <a:schemeClr val="tx1"/>
+        </a:solidFill>
+        <a:latin typeface="+mn-lt"/>
+        <a:ea typeface="+mn-ea"/>
+        <a:cs typeface="+mn-cs"/>
+      </a:defRPr>
+    </a:lvl7pPr>
+    <a:lvl8pPr marL="3200400" algn="l" defTabSz="914400" rtl="0" eaLnBrk="1" latinLnBrk="0" hangingPunct="1">
+      <a:defRPr sz="1800" kern="1200">
+        <a:solidFill>
+          <a:schemeClr val="tx1"/>
+        </a:solidFill>
+        <a:latin typeface="+mn-lt"/>
+        <a:ea typeface="+mn-ea"/>
+        <a:cs typeface="+mn-cs"/>
+      </a:defRPr>
+    </a:lvl8pPr>
+    <a:lvl9pPr marL="3657600" algn="l" defTabSz="914400" rtl="0" eaLnBrk="1" latinLnBrk="0" hangingPunct="1">
+      <a:defRPr sz="1800" kern="1200">
+        <a:solidFill>
+          <a:schemeClr val="tx1"/>
+        </a:solidFill>
+        <a:latin typeface="+mn-lt"/>
+        <a:ea typeface="+mn-ea"/>
+        <a:cs typeface="+mn-cs"/>
+      </a:defRPr>
+    </a:lvl9pPr>
+  </p:defaultTextStyle>
 </p:presentation>
 </file>
 
 <file path=ppt/notesMasters/notesMaster1.xml><?xml version="1.0" encoding="utf-8"?>
-<p:notesMaster xmlns:a="http://schemas.openxmlformats.org/drawingml/2006/main" xmlns:p="http://schemas.openxmlformats.org/presentationml/2006/main" xmlns:r="http://schemas.openxmlformats.org/officeDocument/2006/relationships" xmlns:p14="http://schemas.microsoft.com/office/powerpoint/2010/main" xmlns:p15="http://schemas.microsoft.com/office/powerpoint/2012/main" xmlns:mc="http://schemas.openxmlformats.org/markup-compatibility/2006">
+<p:notesMaster xmlns:a="http://schemas.openxmlformats.org/drawingml/2006/main" xmlns:r="http://schemas.openxmlformats.org/officeDocument/2006/relationships" xmlns:p="http://schemas.openxmlformats.org/presentationml/2006/main">
+  <p:cSld>
+    <p:bg>
+      <p:bgRef idx="1001">
+        <a:schemeClr val="bg1"/>
+      </p:bgRef>
+    </p:bg>
+    <p:spTree>
+      <p:nvGrpSpPr>
+        <p:cNvPr id="1" name=""/>
+        <p:cNvGrpSpPr/>
+        <p:nvPr/>
+      </p:nvGrpSpPr>
+      <p:grpSpPr>
+        <a:xfrm>
+          <a:off x="0" y="0"/>
+          <a:ext cx="0" cy="0"/>
+          <a:chOff x="0" y="0"/>
+          <a:chExt cx="0" cy="0"/>
+        </a:xfrm>
+      </p:grpSpPr>
+      <p:sp>
+        <p:nvSpPr>
+          <p:cNvPr id="127" name="PlaceHolder 1"/>
+          <p:cNvSpPr>
+            <a:spLocks noGrp="1" noRot="1" noChangeAspect="1"/>
+          </p:cNvSpPr>
+          <p:nvPr>
+            <p:ph type="sldImg"/>
+          </p:nvPr>
+        </p:nvSpPr>
+        <p:spPr>
+          <a:xfrm>
+            <a:off x="216000" y="812520"/>
+            <a:ext cx="7127280" cy="4008960"/>
+          </a:xfrm>
+          <a:prstGeom prst="rect">
+            <a:avLst/>
+          </a:prstGeom>
+        </p:spPr>
+        <p:txBody>
+          <a:bodyPr lIns="0" tIns="0" rIns="0" bIns="0" anchor="ctr">
+            <a:noAutofit/>
+          </a:bodyPr>
+          <a:lstStyle/>
+          <a:p>
+            <a:pPr algn="ctr"/>
+            <a:r>
+              <a:rPr lang="de-AT" sz="4400" b="0" strike="noStrike" spc="-1">
+                <a:latin typeface="Arial"/>
+              </a:rPr>
+              <a:t>Folie mittels Klicken verschieben</a:t>
+            </a:r>
+          </a:p>
+        </p:txBody>
+      </p:sp>
+      <p:sp>
+        <p:nvSpPr>
+          <p:cNvPr id="128" name="PlaceHolder 2"/>
+          <p:cNvSpPr>
+            <a:spLocks noGrp="1"/>
+          </p:cNvSpPr>
+          <p:nvPr>
+            <p:ph type="body"/>
+          </p:nvPr>
+        </p:nvSpPr>
+        <p:spPr>
+          <a:xfrm>
+            <a:off x="756000" y="5078520"/>
+            <a:ext cx="6047640" cy="4811040"/>
+          </a:xfrm>
+          <a:prstGeom prst="rect">
+            <a:avLst/>
+          </a:prstGeom>
+        </p:spPr>
+        <p:txBody>
+          <a:bodyPr lIns="0" tIns="0" rIns="0" bIns="0">
+            <a:noAutofit/>
+          </a:bodyPr>
+          <a:lstStyle/>
+          <a:p>
+            <a:r>
+              <a:rPr lang="de-AT" sz="2000" b="0" strike="noStrike" spc="-1">
+                <a:latin typeface="Arial"/>
+              </a:rPr>
+              <a:t>Format der Notizen mittels Klicken bearbeiten</a:t>
+            </a:r>
+          </a:p>
+        </p:txBody>
+      </p:sp>
+      <p:sp>
+        <p:nvSpPr>
+          <p:cNvPr id="129" name="PlaceHolder 3"/>
+          <p:cNvSpPr>
+            <a:spLocks noGrp="1"/>
+          </p:cNvSpPr>
+          <p:nvPr>
+            <p:ph type="hdr"/>
+          </p:nvPr>
+        </p:nvSpPr>
+        <p:spPr>
+          <a:xfrm>
+            <a:off x="0" y="0"/>
+            <a:ext cx="3280680" cy="534240"/>
+          </a:xfrm>
+          <a:prstGeom prst="rect">
+            <a:avLst/>
+          </a:prstGeom>
+        </p:spPr>
+        <p:txBody>
+          <a:bodyPr lIns="0" tIns="0" rIns="0" bIns="0">
+            <a:noAutofit/>
+          </a:bodyPr>
+          <a:lstStyle/>
+          <a:p>
+            <a:r>
+              <a:rPr lang="de-AT" sz="1400" b="0" strike="noStrike" spc="-1">
+                <a:latin typeface="Times New Roman"/>
+              </a:rPr>
+              <a:t>&lt;Kopfzeile&gt;</a:t>
+            </a:r>
+          </a:p>
+        </p:txBody>
+      </p:sp>
+      <p:sp>
+        <p:nvSpPr>
+          <p:cNvPr id="130" name="PlaceHolder 4"/>
+          <p:cNvSpPr>
+            <a:spLocks noGrp="1"/>
+          </p:cNvSpPr>
+          <p:nvPr>
+            <p:ph type="dt"/>
+          </p:nvPr>
+        </p:nvSpPr>
+        <p:spPr>
+          <a:xfrm>
+            <a:off x="4278960" y="0"/>
+            <a:ext cx="3280680" cy="534240"/>
+          </a:xfrm>
+          <a:prstGeom prst="rect">
+            <a:avLst/>
+          </a:prstGeom>
+        </p:spPr>
+        <p:txBody>
+          <a:bodyPr lIns="0" tIns="0" rIns="0" bIns="0">
+            <a:noAutofit/>
+          </a:bodyPr>
+          <a:lstStyle/>
+          <a:p>
+            <a:pPr algn="r"/>
+            <a:r>
+              <a:rPr lang="de-AT" sz="1400" b="0" strike="noStrike" spc="-1">
+                <a:latin typeface="Times New Roman"/>
+              </a:rPr>
+              <a:t>&lt;Datum/Uhrzeit&gt;</a:t>
+            </a:r>
+          </a:p>
+        </p:txBody>
+      </p:sp>
+      <p:sp>
+        <p:nvSpPr>
+          <p:cNvPr id="131" name="PlaceHolder 5"/>
+          <p:cNvSpPr>
+            <a:spLocks noGrp="1"/>
+          </p:cNvSpPr>
+          <p:nvPr>
+            <p:ph type="ftr"/>
+          </p:nvPr>
+        </p:nvSpPr>
+        <p:spPr>
+          <a:xfrm>
+            <a:off x="0" y="10157400"/>
+            <a:ext cx="3280680" cy="534240"/>
+          </a:xfrm>
+          <a:prstGeom prst="rect">
+            <a:avLst/>
+          </a:prstGeom>
+        </p:spPr>
+        <p:txBody>
+          <a:bodyPr lIns="0" tIns="0" rIns="0" bIns="0" anchor="b">
+            <a:noAutofit/>
+          </a:bodyPr>
+          <a:lstStyle/>
+          <a:p>
+            <a:r>
+              <a:rPr lang="de-AT" sz="1400" b="0" strike="noStrike" spc="-1">
+                <a:latin typeface="Times New Roman"/>
+              </a:rPr>
+              <a:t>&lt;Fußzeile&gt;</a:t>
+            </a:r>
+          </a:p>
+        </p:txBody>
+      </p:sp>
+      <p:sp>
+        <p:nvSpPr>
+          <p:cNvPr id="132" name="PlaceHolder 6"/>
+          <p:cNvSpPr>
+            <a:spLocks noGrp="1"/>
+          </p:cNvSpPr>
+          <p:nvPr>
+            <p:ph type="sldNum"/>
+          </p:nvPr>
+        </p:nvSpPr>
+        <p:spPr>
+          <a:xfrm>
+            <a:off x="4278960" y="10157400"/>
+            <a:ext cx="3280680" cy="534240"/>
+          </a:xfrm>
+          <a:prstGeom prst="rect">
+            <a:avLst/>
+          </a:prstGeom>
+        </p:spPr>
+        <p:txBody>
+          <a:bodyPr lIns="0" tIns="0" rIns="0" bIns="0" anchor="b">
+            <a:noAutofit/>
+          </a:bodyPr>
+          <a:lstStyle/>
+          <a:p>
+            <a:pPr algn="r"/>
+            <a:fld id="{5890C2FE-44CF-48ED-A885-D4240E0E51B3}" type="slidenum">
+              <a:rPr lang="de-AT" sz="1400" b="0" strike="noStrike" spc="-1">
+                <a:latin typeface="Times New Roman"/>
+              </a:rPr>
+              <a:t>‹Nr.›</a:t>
+            </a:fld>
+            <a:endParaRPr lang="de-AT" sz="1400" b="0" strike="noStrike" spc="-1">
+              <a:latin typeface="Times New Roman"/>
+            </a:endParaRPr>
+          </a:p>
+        </p:txBody>
+      </p:sp>
+    </p:spTree>
+  </p:cSld>
+  <p:clrMap bg1="lt1" tx1="dk1" bg2="lt2" tx2="dk2" accent1="accent1" accent2="accent2" accent3="accent3" accent4="accent4" accent5="accent5" accent6="accent6" hlink="hlink" folHlink="folHlink"/>
+  <p:notesStyle>
+    <a:lvl1pPr marL="0" algn="l" defTabSz="914400" rtl="0" eaLnBrk="1" latinLnBrk="0" hangingPunct="1">
+      <a:defRPr sz="1200" kern="1200">
+        <a:solidFill>
+          <a:schemeClr val="tx1"/>
+        </a:solidFill>
+        <a:latin typeface="+mn-lt"/>
+        <a:ea typeface="+mn-ea"/>
+        <a:cs typeface="+mn-cs"/>
+      </a:defRPr>
+    </a:lvl1pPr>
+    <a:lvl2pPr marL="457200" algn="l" defTabSz="914400" rtl="0" eaLnBrk="1" latinLnBrk="0" hangingPunct="1">
+      <a:defRPr sz="1200" kern="1200">
+        <a:solidFill>
+          <a:schemeClr val="tx1"/>
+        </a:solidFill>
+        <a:latin typeface="+mn-lt"/>
+        <a:ea typeface="+mn-ea"/>
+        <a:cs typeface="+mn-cs"/>
+      </a:defRPr>
+    </a:lvl2pPr>
+    <a:lvl3pPr marL="914400" algn="l" defTabSz="914400" rtl="0" eaLnBrk="1" latinLnBrk="0" hangingPunct="1">
+      <a:defRPr sz="1200" kern="1200">
+        <a:solidFill>
+          <a:schemeClr val="tx1"/>
+        </a:solidFill>
+        <a:latin typeface="+mn-lt"/>
+        <a:ea typeface="+mn-ea"/>
+        <a:cs typeface="+mn-cs"/>
+      </a:defRPr>
+    </a:lvl3pPr>
+    <a:lvl4pPr marL="1371600" algn="l" defTabSz="914400" rtl="0" eaLnBrk="1" latinLnBrk="0" hangingPunct="1">
+      <a:defRPr sz="1200" kern="1200">
+        <a:solidFill>
+          <a:schemeClr val="tx1"/>
+        </a:solidFill>
+        <a:latin typeface="+mn-lt"/>
+        <a:ea typeface="+mn-ea"/>
+        <a:cs typeface="+mn-cs"/>
+      </a:defRPr>
+    </a:lvl4pPr>
+    <a:lvl5pPr marL="1828800" algn="l" defTabSz="914400" rtl="0" eaLnBrk="1" latinLnBrk="0" hangingPunct="1">
+      <a:defRPr sz="1200" kern="1200">
+        <a:solidFill>
+          <a:schemeClr val="tx1"/>
+        </a:solidFill>
+        <a:latin typeface="+mn-lt"/>
+        <a:ea typeface="+mn-ea"/>
+        <a:cs typeface="+mn-cs"/>
+      </a:defRPr>
+    </a:lvl5pPr>
+    <a:lvl6pPr marL="2286000" algn="l" defTabSz="914400" rtl="0" eaLnBrk="1" latinLnBrk="0" hangingPunct="1">
+      <a:defRPr sz="1200" kern="1200">
+        <a:solidFill>
+          <a:schemeClr val="tx1"/>
+        </a:solidFill>
+        <a:latin typeface="+mn-lt"/>
+        <a:ea typeface="+mn-ea"/>
+        <a:cs typeface="+mn-cs"/>
+      </a:defRPr>
+    </a:lvl6pPr>
+    <a:lvl7pPr marL="2743200" algn="l" defTabSz="914400" rtl="0" eaLnBrk="1" latinLnBrk="0" hangingPunct="1">
+      <a:defRPr sz="1200" kern="1200">
+        <a:solidFill>
+          <a:schemeClr val="tx1"/>
+        </a:solidFill>
+        <a:latin typeface="+mn-lt"/>
+        <a:ea typeface="+mn-ea"/>
+        <a:cs typeface="+mn-cs"/>
+      </a:defRPr>
+    </a:lvl7pPr>
+    <a:lvl8pPr marL="3200400" algn="l" defTabSz="914400" rtl="0" eaLnBrk="1" latinLnBrk="0" hangingPunct="1">
+      <a:defRPr sz="1200" kern="1200">
+        <a:solidFill>
+          <a:schemeClr val="tx1"/>
+        </a:solidFill>
+        <a:latin typeface="+mn-lt"/>
+        <a:ea typeface="+mn-ea"/>
+        <a:cs typeface="+mn-cs"/>
+      </a:defRPr>
+    </a:lvl8pPr>
+    <a:lvl9pPr marL="3657600" algn="l" defTabSz="914400" rtl="0" eaLnBrk="1" latinLnBrk="0" hangingPunct="1">
+      <a:defRPr sz="1200" kern="1200">
+        <a:solidFill>
+          <a:schemeClr val="tx1"/>
+        </a:solidFill>
+        <a:latin typeface="+mn-lt"/>
+        <a:ea typeface="+mn-ea"/>
+        <a:cs typeface="+mn-cs"/>
+      </a:defRPr>
+    </a:lvl9pPr>
+  </p:notesStyle>
+</p:notesMaster>
+</file>
+
+<file path=ppt/notesSlides/notesSlide1.xml><?xml version="1.0" encoding="utf-8"?>
+<p:notes xmlns:a="http://schemas.openxmlformats.org/drawingml/2006/main" xmlns:r="http://schemas.openxmlformats.org/officeDocument/2006/relationships" xmlns:p="http://schemas.openxmlformats.org/presentationml/2006/main">
   <p:cSld>
     <p:spTree>
       <p:nvGrpSpPr>
@@ -44,9 +469,9 @@
       </p:grpSpPr>
       <p:sp>
         <p:nvSpPr>
-          <p:cNvPr id="127" name="PlaceHolder 1"/>
-          <p:cNvSpPr>
-            <a:spLocks noGrp="1"/>
+          <p:cNvPr id="156" name="PlaceHolder 1"/>
+          <p:cNvSpPr>
+            <a:spLocks noGrp="1" noRot="1" noChangeAspect="1"/>
           </p:cNvSpPr>
           <p:nvPr>
             <p:ph type="sldImg"/>
@@ -54,34 +479,17 @@
         </p:nvSpPr>
         <p:spPr>
           <a:xfrm>
-            <a:off x="216000" y="812520"/>
-            <a:ext cx="7127280" cy="4008960"/>
-          </a:xfrm>
-          <a:prstGeom prst="rect">
-            <a:avLst/>
-          </a:prstGeom>
-        </p:spPr>
-        <p:txBody>
-          <a:bodyPr lIns="0" rIns="0" tIns="0" bIns="0" anchor="ctr">
-            <a:noAutofit/>
-          </a:bodyPr>
-          <a:p>
-            <a:pPr algn="ctr"/>
-            <a:r>
-              <a:rPr b="0" lang="de-AT" sz="4400" spc="-1" strike="noStrike">
-                <a:latin typeface="Arial"/>
-              </a:rPr>
-              <a:t>Folie mittels Klicken verschieben</a:t>
-            </a:r>
-            <a:endParaRPr b="0" lang="de-AT" sz="4400" spc="-1" strike="noStrike">
-              <a:latin typeface="Arial"/>
-            </a:endParaRPr>
-          </a:p>
-        </p:txBody>
-      </p:sp>
-      <p:sp>
-        <p:nvSpPr>
-          <p:cNvPr id="128" name="PlaceHolder 2"/>
+            <a:off x="1108075" y="812800"/>
+            <a:ext cx="5343525" cy="4008438"/>
+          </a:xfrm>
+          <a:prstGeom prst="rect">
+            <a:avLst/>
+          </a:prstGeom>
+        </p:spPr>
+      </p:sp>
+      <p:sp>
+        <p:nvSpPr>
+          <p:cNvPr id="157" name="PlaceHolder 2"/>
           <p:cNvSpPr>
             <a:spLocks noGrp="1"/>
           </p:cNvSpPr>
@@ -99,176 +507,30 @@
           </a:prstGeom>
         </p:spPr>
         <p:txBody>
-          <a:bodyPr lIns="0" rIns="0" tIns="0" bIns="0">
+          <a:bodyPr lIns="0" tIns="0" rIns="0" bIns="0">
             <a:noAutofit/>
           </a:bodyPr>
-          <a:p>
-            <a:r>
-              <a:rPr b="0" lang="de-AT" sz="2000" spc="-1" strike="noStrike">
+          <a:lstStyle/>
+          <a:p>
+            <a:r>
+              <a:rPr lang="zxx" sz="2000" b="0" strike="noStrike" spc="-1">
                 <a:latin typeface="Arial"/>
               </a:rPr>
-              <a:t>Format der Notizen mittels Klicken bearbeiten</a:t>
-            </a:r>
-            <a:endParaRPr b="0" lang="de-AT" sz="2000" spc="-1" strike="noStrike">
-              <a:latin typeface="Arial"/>
-            </a:endParaRPr>
-          </a:p>
-        </p:txBody>
-      </p:sp>
-      <p:sp>
-        <p:nvSpPr>
-          <p:cNvPr id="129" name="PlaceHolder 3"/>
-          <p:cNvSpPr>
-            <a:spLocks noGrp="1"/>
-          </p:cNvSpPr>
-          <p:nvPr>
-            <p:ph type="hdr"/>
-          </p:nvPr>
-        </p:nvSpPr>
-        <p:spPr>
-          <a:xfrm>
-            <a:off x="0" y="0"/>
-            <a:ext cx="3280680" cy="534240"/>
-          </a:xfrm>
-          <a:prstGeom prst="rect">
-            <a:avLst/>
-          </a:prstGeom>
-        </p:spPr>
-        <p:txBody>
-          <a:bodyPr lIns="0" rIns="0" tIns="0" bIns="0">
-            <a:noAutofit/>
-          </a:bodyPr>
-          <a:p>
-            <a:r>
-              <a:rPr b="0" lang="de-AT" sz="1400" spc="-1" strike="noStrike">
-                <a:latin typeface="Times New Roman"/>
-              </a:rPr>
-              <a:t>&lt;Kopfzeile&gt;</a:t>
-            </a:r>
-            <a:endParaRPr b="0" lang="de-AT" sz="1400" spc="-1" strike="noStrike">
-              <a:latin typeface="Times New Roman"/>
-            </a:endParaRPr>
-          </a:p>
-        </p:txBody>
-      </p:sp>
-      <p:sp>
-        <p:nvSpPr>
-          <p:cNvPr id="130" name="PlaceHolder 4"/>
-          <p:cNvSpPr>
-            <a:spLocks noGrp="1"/>
-          </p:cNvSpPr>
-          <p:nvPr>
-            <p:ph type="dt"/>
-          </p:nvPr>
-        </p:nvSpPr>
-        <p:spPr>
-          <a:xfrm>
-            <a:off x="4278960" y="0"/>
-            <a:ext cx="3280680" cy="534240"/>
-          </a:xfrm>
-          <a:prstGeom prst="rect">
-            <a:avLst/>
-          </a:prstGeom>
-        </p:spPr>
-        <p:txBody>
-          <a:bodyPr lIns="0" rIns="0" tIns="0" bIns="0">
-            <a:noAutofit/>
-          </a:bodyPr>
-          <a:p>
-            <a:pPr algn="r"/>
-            <a:r>
-              <a:rPr b="0" lang="de-AT" sz="1400" spc="-1" strike="noStrike">
-                <a:latin typeface="Times New Roman"/>
-              </a:rPr>
-              <a:t>&lt;Datum/Uhrzeit&gt;</a:t>
-            </a:r>
-            <a:endParaRPr b="0" lang="de-AT" sz="1400" spc="-1" strike="noStrike">
-              <a:latin typeface="Times New Roman"/>
-            </a:endParaRPr>
-          </a:p>
-        </p:txBody>
-      </p:sp>
-      <p:sp>
-        <p:nvSpPr>
-          <p:cNvPr id="131" name="PlaceHolder 5"/>
-          <p:cNvSpPr>
-            <a:spLocks noGrp="1"/>
-          </p:cNvSpPr>
-          <p:nvPr>
-            <p:ph type="ftr"/>
-          </p:nvPr>
-        </p:nvSpPr>
-        <p:spPr>
-          <a:xfrm>
-            <a:off x="0" y="10157400"/>
-            <a:ext cx="3280680" cy="534240"/>
-          </a:xfrm>
-          <a:prstGeom prst="rect">
-            <a:avLst/>
-          </a:prstGeom>
-        </p:spPr>
-        <p:txBody>
-          <a:bodyPr lIns="0" rIns="0" tIns="0" bIns="0" anchor="b">
-            <a:noAutofit/>
-          </a:bodyPr>
-          <a:p>
-            <a:r>
-              <a:rPr b="0" lang="de-AT" sz="1400" spc="-1" strike="noStrike">
-                <a:latin typeface="Times New Roman"/>
-              </a:rPr>
-              <a:t>&lt;Fußzeile&gt;</a:t>
-            </a:r>
-            <a:endParaRPr b="0" lang="de-AT" sz="1400" spc="-1" strike="noStrike">
-              <a:latin typeface="Times New Roman"/>
-            </a:endParaRPr>
-          </a:p>
-        </p:txBody>
-      </p:sp>
-      <p:sp>
-        <p:nvSpPr>
-          <p:cNvPr id="132" name="PlaceHolder 6"/>
-          <p:cNvSpPr>
-            <a:spLocks noGrp="1"/>
-          </p:cNvSpPr>
-          <p:nvPr>
-            <p:ph type="sldNum"/>
-          </p:nvPr>
-        </p:nvSpPr>
-        <p:spPr>
-          <a:xfrm>
-            <a:off x="4278960" y="10157400"/>
-            <a:ext cx="3280680" cy="534240"/>
-          </a:xfrm>
-          <a:prstGeom prst="rect">
-            <a:avLst/>
-          </a:prstGeom>
-        </p:spPr>
-        <p:txBody>
-          <a:bodyPr lIns="0" rIns="0" tIns="0" bIns="0" anchor="b">
-            <a:noAutofit/>
-          </a:bodyPr>
-          <a:p>
-            <a:pPr algn="r"/>
-            <a:fld id="{5890C2FE-44CF-48ED-A885-D4240E0E51B3}" type="slidenum">
-              <a:rPr b="0" lang="de-AT" sz="1400" spc="-1" strike="noStrike">
-                <a:latin typeface="Times New Roman"/>
-              </a:rPr>
-              <a:t>&lt;Foliennummer&gt;</a:t>
-            </a:fld>
-            <a:endParaRPr b="0" lang="de-AT" sz="1400" spc="-1" strike="noStrike">
-              <a:latin typeface="Times New Roman"/>
-            </a:endParaRPr>
+              <a:t>Good morning everybody and welcome to our presentation. We are going to present the topic P4 Accuracy of Approximate Circuits</a:t>
+            </a:r>
           </a:p>
         </p:txBody>
       </p:sp>
     </p:spTree>
   </p:cSld>
-  <p:clrMap bg1="lt1" bg2="lt2" tx1="dk1" tx2="dk2" accent1="accent1" accent2="accent2" accent3="accent3" accent4="accent4" accent5="accent5" accent6="accent6" hlink="hlink" folHlink="folHlink"/>
-</p:notesMaster>
+  <p:clrMapOvr>
+    <a:masterClrMapping/>
+  </p:clrMapOvr>
+</p:notes>
 </file>
 
-<file path=ppt/notesSlides/notesSlide1.xml><?xml version="1.0" encoding="utf-8"?>
-<p:notes xmlns:a="http://schemas.openxmlformats.org/drawingml/2006/main" xmlns:p="http://schemas.openxmlformats.org/presentationml/2006/main" xmlns:r="http://schemas.openxmlformats.org/officeDocument/2006/relationships" xmlns:p14="http://schemas.microsoft.com/office/powerpoint/2010/main" xmlns:p15="http://schemas.microsoft.com/office/powerpoint/2012/main" xmlns:mc="http://schemas.openxmlformats.org/markup-compatibility/2006">
+<file path=ppt/notesSlides/notesSlide2.xml><?xml version="1.0" encoding="utf-8"?>
+<p:notes xmlns:a="http://schemas.openxmlformats.org/drawingml/2006/main" xmlns:r="http://schemas.openxmlformats.org/officeDocument/2006/relationships" xmlns:p="http://schemas.openxmlformats.org/presentationml/2006/main">
   <p:cSld>
     <p:spTree>
       <p:nvGrpSpPr>
@@ -286,9 +548,9 @@
       </p:grpSpPr>
       <p:sp>
         <p:nvSpPr>
-          <p:cNvPr id="156" name="PlaceHolder 1"/>
-          <p:cNvSpPr>
-            <a:spLocks noGrp="1"/>
+          <p:cNvPr id="158" name="PlaceHolder 1"/>
+          <p:cNvSpPr>
+            <a:spLocks noGrp="1" noRot="1" noChangeAspect="1"/>
           </p:cNvSpPr>
           <p:nvPr>
             <p:ph type="sldImg"/>
@@ -306,7 +568,7 @@
       </p:sp>
       <p:sp>
         <p:nvSpPr>
-          <p:cNvPr id="157" name="PlaceHolder 2"/>
+          <p:cNvPr id="159" name="PlaceHolder 2"/>
           <p:cNvSpPr>
             <a:spLocks noGrp="1"/>
           </p:cNvSpPr>
@@ -324,17 +586,54 @@
           </a:prstGeom>
         </p:spPr>
         <p:txBody>
-          <a:bodyPr lIns="0" rIns="0" tIns="0" bIns="0">
+          <a:bodyPr lIns="0" tIns="0" rIns="0" bIns="0">
             <a:noAutofit/>
           </a:bodyPr>
-          <a:p>
-            <a:r>
-              <a:rPr b="0" lang="zxx" sz="2000" spc="-1" strike="noStrike">
+          <a:lstStyle/>
+          <a:p>
+            <a:r>
+              <a:rPr lang="zxx" sz="2000" b="0" strike="noStrike" spc="-1">
                 <a:latin typeface="Arial"/>
               </a:rPr>
-              <a:t>Good morning everybody and welcome to our presentation. We are going to present the topic P4 Accuracy of Approximate Circuits</a:t>
-            </a:r>
-            <a:endParaRPr b="0" lang="zxx" sz="2000" spc="-1" strike="noStrike">
+              <a:t>We would like to start with a small introduction about approximate computing and its advantages compared to conventional circuits.</a:t>
+            </a:r>
+          </a:p>
+          <a:p>
+            <a:r>
+              <a:rPr lang="zxx" sz="2000" b="0" strike="noStrike" spc="-1">
+                <a:latin typeface="Arial"/>
+              </a:rPr>
+              <a:t>According to multiple papers, it has shown to be one of the most promising energy-efficient paradigms and has therefore reached a lot of research attention.</a:t>
+            </a:r>
+          </a:p>
+          <a:p>
+            <a:r>
+              <a:rPr lang="zxx" sz="2000" b="0" strike="noStrike" spc="-1">
+                <a:latin typeface="Arial"/>
+              </a:rPr>
+              <a:t>Another advantage of the approximate circuits is that the hardware uses less space due to the reduced number of logic gates. </a:t>
+            </a:r>
+          </a:p>
+          <a:p>
+            <a:r>
+              <a:rPr lang="zxx" sz="2000" b="0" strike="noStrike" spc="-1">
+                <a:latin typeface="Arial"/>
+              </a:rPr>
+              <a:t>For the same reason it has a reduced delay time and produces faster results.  </a:t>
+            </a:r>
+          </a:p>
+          <a:p>
+            <a:endParaRPr lang="zxx" sz="2000" b="0" strike="noStrike" spc="-1">
+              <a:latin typeface="Arial"/>
+            </a:endParaRPr>
+          </a:p>
+          <a:p>
+            <a:endParaRPr lang="zxx" sz="2000" b="0" strike="noStrike" spc="-1">
+              <a:latin typeface="Arial"/>
+            </a:endParaRPr>
+          </a:p>
+          <a:p>
+            <a:endParaRPr lang="zxx" sz="2000" b="0" strike="noStrike" spc="-1">
               <a:latin typeface="Arial"/>
             </a:endParaRPr>
           </a:p>
@@ -342,11 +641,14 @@
       </p:sp>
     </p:spTree>
   </p:cSld>
+  <p:clrMapOvr>
+    <a:masterClrMapping/>
+  </p:clrMapOvr>
 </p:notes>
 </file>
 
-<file path=ppt/notesSlides/notesSlide2.xml><?xml version="1.0" encoding="utf-8"?>
-<p:notes xmlns:a="http://schemas.openxmlformats.org/drawingml/2006/main" xmlns:p="http://schemas.openxmlformats.org/presentationml/2006/main" xmlns:r="http://schemas.openxmlformats.org/officeDocument/2006/relationships" xmlns:p14="http://schemas.microsoft.com/office/powerpoint/2010/main" xmlns:p15="http://schemas.microsoft.com/office/powerpoint/2012/main" xmlns:mc="http://schemas.openxmlformats.org/markup-compatibility/2006">
+<file path=ppt/notesSlides/notesSlide3.xml><?xml version="1.0" encoding="utf-8"?>
+<p:notes xmlns:a="http://schemas.openxmlformats.org/drawingml/2006/main" xmlns:r="http://schemas.openxmlformats.org/officeDocument/2006/relationships" xmlns:p="http://schemas.openxmlformats.org/presentationml/2006/main">
   <p:cSld>
     <p:spTree>
       <p:nvGrpSpPr>
@@ -364,9 +666,9 @@
       </p:grpSpPr>
       <p:sp>
         <p:nvSpPr>
-          <p:cNvPr id="158" name="PlaceHolder 1"/>
-          <p:cNvSpPr>
-            <a:spLocks noGrp="1"/>
+          <p:cNvPr id="160" name="PlaceHolder 1"/>
+          <p:cNvSpPr>
+            <a:spLocks noGrp="1" noRot="1" noChangeAspect="1"/>
           </p:cNvSpPr>
           <p:nvPr>
             <p:ph type="sldImg"/>
@@ -374,17 +676,17 @@
         </p:nvSpPr>
         <p:spPr>
           <a:xfrm>
-            <a:off x="216000" y="812520"/>
-            <a:ext cx="7127280" cy="4008960"/>
-          </a:xfrm>
-          <a:prstGeom prst="rect">
-            <a:avLst/>
-          </a:prstGeom>
-        </p:spPr>
-      </p:sp>
-      <p:sp>
-        <p:nvSpPr>
-          <p:cNvPr id="159" name="PlaceHolder 2"/>
+            <a:off x="1106488" y="812800"/>
+            <a:ext cx="5345112" cy="4008438"/>
+          </a:xfrm>
+          <a:prstGeom prst="rect">
+            <a:avLst/>
+          </a:prstGeom>
+        </p:spPr>
+      </p:sp>
+      <p:sp>
+        <p:nvSpPr>
+          <p:cNvPr id="161" name="PlaceHolder 2"/>
           <p:cNvSpPr>
             <a:spLocks noGrp="1"/>
           </p:cNvSpPr>
@@ -402,65 +704,87 @@
           </a:prstGeom>
         </p:spPr>
         <p:txBody>
-          <a:bodyPr lIns="0" rIns="0" tIns="0" bIns="0">
+          <a:bodyPr lIns="0" tIns="0" rIns="0" bIns="0">
             <a:noAutofit/>
           </a:bodyPr>
-          <a:p>
-            <a:r>
-              <a:rPr b="0" lang="zxx" sz="2000" spc="-1" strike="noStrike">
+          <a:lstStyle/>
+          <a:p>
+            <a:r>
+              <a:rPr lang="zxx" sz="2000" b="0" strike="noStrike" spc="-1" dirty="0">
                 <a:latin typeface="Arial"/>
               </a:rPr>
-              <a:t>We would like to start with a small introduction about approximate computing and its advantages compared to conventional circuits.</a:t>
-            </a:r>
-            <a:endParaRPr b="0" lang="zxx" sz="2000" spc="-1" strike="noStrike">
-              <a:latin typeface="Arial"/>
-            </a:endParaRPr>
-          </a:p>
-          <a:p>
-            <a:r>
-              <a:rPr b="0" lang="zxx" sz="2000" spc="-1" strike="noStrike">
+              <a:t>Now adding to all the advantages, the question arises How do approximate circuits achieve all of those above mentioned advantages in our design?</a:t>
+            </a:r>
+          </a:p>
+          <a:p>
+            <a:r>
+              <a:rPr lang="zxx" sz="2000" b="0" strike="noStrike" spc="-1" dirty="0">
                 <a:latin typeface="Arial"/>
               </a:rPr>
-              <a:t>According to multiple papers, it has shown to be one of the most promising energy-efficient paradigms and has therefore reached a lot of research attention.</a:t>
-            </a:r>
-            <a:endParaRPr b="0" lang="zxx" sz="2000" spc="-1" strike="noStrike">
-              <a:latin typeface="Arial"/>
-            </a:endParaRPr>
-          </a:p>
-          <a:p>
-            <a:r>
-              <a:rPr b="0" lang="zxx" sz="2000" spc="-1" strike="noStrike">
+              <a:t>As already mentioned, the amount of logic gates is reduced.</a:t>
+            </a:r>
+            <a:br>
+              <a:rPr dirty="0"/>
+            </a:br>
+            <a:r>
+              <a:rPr lang="zxx" sz="2000" b="0" strike="noStrike" spc="-1" dirty="0">
                 <a:latin typeface="Arial"/>
               </a:rPr>
-              <a:t>Another advantage of the approximate circuits is that the hardware uses less space due to the reduced number of logic gates. </a:t>
-            </a:r>
-            <a:endParaRPr b="0" lang="zxx" sz="2000" spc="-1" strike="noStrike">
-              <a:latin typeface="Arial"/>
-            </a:endParaRPr>
-          </a:p>
-          <a:p>
-            <a:r>
-              <a:rPr b="0" lang="zxx" sz="2000" spc="-1" strike="noStrike">
+              <a:t>For demonstration purpose</a:t>
+            </a:r>
+            <a:r>
+              <a:rPr lang="de-DE" sz="2000" b="0" strike="noStrike" spc="-1" dirty="0">
                 <a:latin typeface="Arial"/>
               </a:rPr>
-              <a:t>For the same reason it has a reduced delay time and produces faster results.  </a:t>
-            </a:r>
-            <a:endParaRPr b="0" lang="zxx" sz="2000" spc="-1" strike="noStrike">
-              <a:latin typeface="Arial"/>
-            </a:endParaRPr>
-          </a:p>
-          <a:p>
-            <a:endParaRPr b="0" lang="zxx" sz="2000" spc="-1" strike="noStrike">
-              <a:latin typeface="Arial"/>
-            </a:endParaRPr>
-          </a:p>
-          <a:p>
-            <a:endParaRPr b="0" lang="zxx" sz="2000" spc="-1" strike="noStrike">
-              <a:latin typeface="Arial"/>
-            </a:endParaRPr>
-          </a:p>
-          <a:p>
-            <a:endParaRPr b="0" lang="zxx" sz="2000" spc="-1" strike="noStrike">
+              <a:t>s</a:t>
+            </a:r>
+            <a:r>
+              <a:rPr lang="zxx" sz="2000" b="0" strike="noStrike" spc="-1" dirty="0">
+                <a:latin typeface="Arial"/>
+              </a:rPr>
+              <a:t>, we are going to show you two different Full Adder design</a:t>
+            </a:r>
+            <a:r>
+              <a:rPr lang="de-DE" sz="2000" b="0" strike="noStrike" spc="-1" dirty="0">
+                <a:latin typeface="Arial"/>
+              </a:rPr>
+              <a:t>s</a:t>
+            </a:r>
+            <a:r>
+              <a:rPr lang="zxx" sz="2000" b="0" strike="noStrike" spc="-1" dirty="0">
+                <a:latin typeface="Arial"/>
+              </a:rPr>
+              <a:t>. One exact and one approximate. </a:t>
+            </a:r>
+            <a:br>
+              <a:rPr dirty="0"/>
+            </a:br>
+            <a:endParaRPr lang="zxx" sz="2000" b="0" strike="noStrike" spc="-1" dirty="0">
+              <a:latin typeface="Arial"/>
+            </a:endParaRPr>
+          </a:p>
+          <a:p>
+            <a:endParaRPr lang="zxx" sz="2000" b="0" strike="noStrike" spc="-1" dirty="0">
+              <a:latin typeface="Arial"/>
+            </a:endParaRPr>
+          </a:p>
+          <a:p>
+            <a:endParaRPr lang="zxx" sz="2000" b="0" strike="noStrike" spc="-1" dirty="0">
+              <a:latin typeface="Arial"/>
+            </a:endParaRPr>
+          </a:p>
+          <a:p>
+            <a:endParaRPr lang="zxx" sz="2000" b="0" strike="noStrike" spc="-1" dirty="0">
+              <a:latin typeface="Arial"/>
+            </a:endParaRPr>
+          </a:p>
+          <a:p>
+            <a:endParaRPr lang="zxx" sz="2000" b="0" strike="noStrike" spc="-1" dirty="0">
+              <a:latin typeface="Arial"/>
+            </a:endParaRPr>
+          </a:p>
+          <a:p>
+            <a:endParaRPr lang="zxx" sz="2000" b="0" strike="noStrike" spc="-1" dirty="0">
               <a:latin typeface="Arial"/>
             </a:endParaRPr>
           </a:p>
@@ -468,11 +792,14 @@
       </p:sp>
     </p:spTree>
   </p:cSld>
+  <p:clrMapOvr>
+    <a:masterClrMapping/>
+  </p:clrMapOvr>
 </p:notes>
 </file>
 
-<file path=ppt/notesSlides/notesSlide3.xml><?xml version="1.0" encoding="utf-8"?>
-<p:notes xmlns:a="http://schemas.openxmlformats.org/drawingml/2006/main" xmlns:p="http://schemas.openxmlformats.org/presentationml/2006/main" xmlns:r="http://schemas.openxmlformats.org/officeDocument/2006/relationships" xmlns:p14="http://schemas.microsoft.com/office/powerpoint/2010/main" xmlns:p15="http://schemas.microsoft.com/office/powerpoint/2012/main" xmlns:mc="http://schemas.openxmlformats.org/markup-compatibility/2006">
+<file path=ppt/notesSlides/notesSlide4.xml><?xml version="1.0" encoding="utf-8"?>
+<p:notes xmlns:a="http://schemas.openxmlformats.org/drawingml/2006/main" xmlns:r="http://schemas.openxmlformats.org/officeDocument/2006/relationships" xmlns:p="http://schemas.openxmlformats.org/presentationml/2006/main">
   <p:cSld>
     <p:spTree>
       <p:nvGrpSpPr>
@@ -492,7 +819,7 @@
         <p:nvSpPr>
           <p:cNvPr id="160" name="PlaceHolder 1"/>
           <p:cNvSpPr>
-            <a:spLocks noGrp="1"/>
+            <a:spLocks noGrp="1" noRot="1" noChangeAspect="1"/>
           </p:cNvSpPr>
           <p:nvPr>
             <p:ph type="sldImg"/>
@@ -500,8 +827,8 @@
         </p:nvSpPr>
         <p:spPr>
           <a:xfrm>
-            <a:off x="1107000" y="812520"/>
-            <a:ext cx="5345280" cy="4008960"/>
+            <a:off x="1106488" y="812800"/>
+            <a:ext cx="5345112" cy="4008438"/>
           </a:xfrm>
           <a:prstGeom prst="rect">
             <a:avLst/>
@@ -528,73 +855,51 @@
           </a:prstGeom>
         </p:spPr>
         <p:txBody>
-          <a:bodyPr lIns="0" rIns="0" tIns="0" bIns="0">
+          <a:bodyPr lIns="0" tIns="0" rIns="0" bIns="0">
             <a:noAutofit/>
           </a:bodyPr>
-          <a:p>
-            <a:r>
-              <a:rPr b="0" lang="zxx" sz="2000" spc="-1" strike="noStrike">
+          <a:lstStyle/>
+          <a:p>
+            <a:r>
+              <a:rPr lang="zxx" sz="2000" b="0" strike="noStrike" spc="-1" dirty="0">
                 <a:latin typeface="Arial"/>
               </a:rPr>
-              <a:t>Now adding to all the advantages, the question arises How do approximate circuits achieve all of those above mentioned advantages in our design?</a:t>
-            </a:r>
-            <a:endParaRPr b="0" lang="zxx" sz="2000" spc="-1" strike="noStrike">
-              <a:latin typeface="Arial"/>
-            </a:endParaRPr>
-          </a:p>
-          <a:p>
-            <a:r>
-              <a:rPr b="0" lang="zxx" sz="2000" spc="-1" strike="noStrike">
+              <a:t>The first design is an exact adder and the second one is an approximate design taken from a paper.</a:t>
+            </a:r>
+          </a:p>
+          <a:p>
+            <a:r>
+              <a:rPr lang="zxx" sz="2000" b="0" strike="noStrike" spc="-1" dirty="0">
                 <a:latin typeface="Arial"/>
               </a:rPr>
-              <a:t>As already mentioned, the amount of logic gates is reduced.</a:t>
-            </a:r>
-            <a:br/>
-            <a:r>
-              <a:rPr b="0" lang="zxx" sz="2000" spc="-1" strike="noStrike">
+              <a:t>As you can clearly see, the second one is „missing“ some logic gates. </a:t>
+            </a:r>
+          </a:p>
+          <a:p>
+            <a:r>
+              <a:rPr lang="zxx" sz="2000" b="0" strike="noStrike" spc="-1" dirty="0">
                 <a:latin typeface="Arial"/>
               </a:rPr>
-              <a:t>For demonstration purposed, we are going to show you two different Full Adder design. One exact and one approximate. </a:t>
-            </a:r>
-            <a:br/>
-            <a:endParaRPr b="0" lang="zxx" sz="2000" spc="-1" strike="noStrike">
-              <a:latin typeface="Arial"/>
-            </a:endParaRPr>
-          </a:p>
-          <a:p>
-            <a:endParaRPr b="0" lang="zxx" sz="2000" spc="-1" strike="noStrike">
-              <a:latin typeface="Arial"/>
-            </a:endParaRPr>
-          </a:p>
-          <a:p>
-            <a:endParaRPr b="0" lang="zxx" sz="2000" spc="-1" strike="noStrike">
-              <a:latin typeface="Arial"/>
-            </a:endParaRPr>
-          </a:p>
-          <a:p>
-            <a:endParaRPr b="0" lang="zxx" sz="2000" spc="-1" strike="noStrike">
-              <a:latin typeface="Arial"/>
-            </a:endParaRPr>
-          </a:p>
-          <a:p>
-            <a:endParaRPr b="0" lang="zxx" sz="2000" spc="-1" strike="noStrike">
-              <a:latin typeface="Arial"/>
-            </a:endParaRPr>
-          </a:p>
-          <a:p>
-            <a:endParaRPr b="0" lang="zxx" sz="2000" spc="-1" strike="noStrike">
-              <a:latin typeface="Arial"/>
-            </a:endParaRPr>
+              <a:t>To see what effect it has, we will take a look at the truth tables. </a:t>
+            </a:r>
           </a:p>
         </p:txBody>
       </p:sp>
     </p:spTree>
+    <p:extLst>
+      <p:ext uri="{BB962C8B-B14F-4D97-AF65-F5344CB8AC3E}">
+        <p14:creationId xmlns:p14="http://schemas.microsoft.com/office/powerpoint/2010/main" val="2288526408"/>
+      </p:ext>
+    </p:extLst>
   </p:cSld>
+  <p:clrMapOvr>
+    <a:masterClrMapping/>
+  </p:clrMapOvr>
 </p:notes>
 </file>
 
-<file path=ppt/notesSlides/notesSlide4.xml><?xml version="1.0" encoding="utf-8"?>
-<p:notes xmlns:a="http://schemas.openxmlformats.org/drawingml/2006/main" xmlns:p="http://schemas.openxmlformats.org/presentationml/2006/main" xmlns:r="http://schemas.openxmlformats.org/officeDocument/2006/relationships" xmlns:p14="http://schemas.microsoft.com/office/powerpoint/2010/main" xmlns:p15="http://schemas.microsoft.com/office/powerpoint/2012/main" xmlns:mc="http://schemas.openxmlformats.org/markup-compatibility/2006">
+<file path=ppt/notesSlides/notesSlide5.xml><?xml version="1.0" encoding="utf-8"?>
+<p:notes xmlns:a="http://schemas.openxmlformats.org/drawingml/2006/main" xmlns:r="http://schemas.openxmlformats.org/officeDocument/2006/relationships" xmlns:p="http://schemas.openxmlformats.org/presentationml/2006/main">
   <p:cSld>
     <p:spTree>
       <p:nvGrpSpPr>
@@ -612,9 +917,9 @@
       </p:grpSpPr>
       <p:sp>
         <p:nvSpPr>
-          <p:cNvPr id="162" name="PlaceHolder 1"/>
-          <p:cNvSpPr>
-            <a:spLocks noGrp="1"/>
+          <p:cNvPr id="160" name="PlaceHolder 1"/>
+          <p:cNvSpPr>
+            <a:spLocks noGrp="1" noRot="1" noChangeAspect="1"/>
           </p:cNvSpPr>
           <p:nvPr>
             <p:ph type="sldImg"/>
@@ -622,17 +927,17 @@
         </p:nvSpPr>
         <p:spPr>
           <a:xfrm>
-            <a:off x="1107000" y="812520"/>
-            <a:ext cx="5345280" cy="4008960"/>
-          </a:xfrm>
-          <a:prstGeom prst="rect">
-            <a:avLst/>
-          </a:prstGeom>
-        </p:spPr>
-      </p:sp>
-      <p:sp>
-        <p:nvSpPr>
-          <p:cNvPr id="163" name="PlaceHolder 2"/>
+            <a:off x="1106488" y="812800"/>
+            <a:ext cx="5345112" cy="4008438"/>
+          </a:xfrm>
+          <a:prstGeom prst="rect">
+            <a:avLst/>
+          </a:prstGeom>
+        </p:spPr>
+      </p:sp>
+      <p:sp>
+        <p:nvSpPr>
+          <p:cNvPr id="161" name="PlaceHolder 2"/>
           <p:cNvSpPr>
             <a:spLocks noGrp="1"/>
           </p:cNvSpPr>
@@ -650,51 +955,81 @@
           </a:prstGeom>
         </p:spPr>
         <p:txBody>
-          <a:bodyPr lIns="0" rIns="0" tIns="0" bIns="0">
+          <a:bodyPr lIns="0" tIns="0" rIns="0" bIns="0">
             <a:noAutofit/>
           </a:bodyPr>
-          <a:p>
-            <a:r>
-              <a:rPr b="0" lang="zxx" sz="2000" spc="-1" strike="noStrike">
+          <a:lstStyle/>
+          <a:p>
+            <a:r>
+              <a:rPr lang="en-US" sz="2000" b="0" strike="noStrike" spc="-1" dirty="0">
                 <a:latin typeface="Arial"/>
               </a:rPr>
-              <a:t>The first design is an exact adder and the second one is an approximate design taken from a paper.</a:t>
-            </a:r>
-            <a:endParaRPr b="0" lang="zxx" sz="2000" spc="-1" strike="noStrike">
-              <a:latin typeface="Arial"/>
-            </a:endParaRPr>
-          </a:p>
-          <a:p>
-            <a:r>
-              <a:rPr b="0" lang="zxx" sz="2000" spc="-1" strike="noStrike">
+              <a:t>As we can see the sum is always calculated correctly.</a:t>
+            </a:r>
+            <a:br>
+              <a:rPr lang="en-US" sz="2000" dirty="0"/>
+            </a:br>
+            <a:r>
+              <a:rPr lang="en-US" sz="2000" b="0" strike="noStrike" spc="-1" dirty="0">
                 <a:latin typeface="Arial"/>
               </a:rPr>
-              <a:t>As you can clearly see, the second one is „missing“ some logic gates. </a:t>
-            </a:r>
-            <a:endParaRPr b="0" lang="zxx" sz="2000" spc="-1" strike="noStrike">
-              <a:latin typeface="Arial"/>
-            </a:endParaRPr>
-          </a:p>
-          <a:p>
-            <a:r>
-              <a:rPr b="0" lang="zxx" sz="2000" spc="-1" strike="noStrike">
+              <a:t>However, deviations occur, when calculating the carry out. </a:t>
+            </a:r>
+            <a:br>
+              <a:rPr lang="en-US" sz="2000" dirty="0"/>
+            </a:br>
+            <a:r>
+              <a:rPr lang="en-US" sz="2000" b="0" strike="noStrike" spc="-1" dirty="0">
                 <a:latin typeface="Arial"/>
               </a:rPr>
-              <a:t>To see what effect it has, we will take a look at the truth tables. </a:t>
-            </a:r>
-            <a:endParaRPr b="0" lang="zxx" sz="2000" spc="-1" strike="noStrike">
+              <a:t>In this chart the tick marks show a correct result, and the crosses indicate a wrong bit. </a:t>
+            </a:r>
+            <a:br>
+              <a:rPr lang="en-US" sz="2000" dirty="0"/>
+            </a:br>
+            <a:r>
+              <a:rPr lang="en-US" sz="2000" b="0" strike="noStrike" spc="-1" dirty="0">
+                <a:latin typeface="Arial"/>
+              </a:rPr>
+              <a:t>Therefore in 6 out of 8 cases, we are calculating the correct carry out. </a:t>
+            </a:r>
+          </a:p>
+          <a:p>
+            <a:endParaRPr lang="en-US" sz="2000" b="0" strike="noStrike" spc="-1" dirty="0">
+              <a:latin typeface="Arial"/>
+            </a:endParaRPr>
+          </a:p>
+          <a:p>
+            <a:r>
+              <a:rPr lang="en-US" sz="2000" b="0" strike="noStrike" spc="-1" dirty="0">
+                <a:latin typeface="Arial"/>
+              </a:rPr>
+              <a:t>This design will be implemented on an open-source processor. </a:t>
+            </a:r>
+            <a:br>
+              <a:rPr lang="en-US" sz="2000" dirty="0"/>
+            </a:br>
+            <a:endParaRPr lang="en-US" sz="2000" b="0" strike="noStrike" spc="-1" dirty="0">
               <a:latin typeface="Arial"/>
             </a:endParaRPr>
           </a:p>
         </p:txBody>
       </p:sp>
     </p:spTree>
+    <p:extLst>
+      <p:ext uri="{BB962C8B-B14F-4D97-AF65-F5344CB8AC3E}">
+        <p14:creationId xmlns:p14="http://schemas.microsoft.com/office/powerpoint/2010/main" val="4099195606"/>
+      </p:ext>
+    </p:extLst>
   </p:cSld>
+  <p:clrMapOvr>
+    <a:masterClrMapping/>
+  </p:clrMapOvr>
 </p:notes>
 </file>
 
-<file path=ppt/notesSlides/notesSlide5.xml><?xml version="1.0" encoding="utf-8"?>
-<p:notes xmlns:a="http://schemas.openxmlformats.org/drawingml/2006/main" xmlns:p="http://schemas.openxmlformats.org/presentationml/2006/main" xmlns:r="http://schemas.openxmlformats.org/officeDocument/2006/relationships" xmlns:p14="http://schemas.microsoft.com/office/powerpoint/2010/main" xmlns:p15="http://schemas.microsoft.com/office/powerpoint/2012/main" xmlns:mc="http://schemas.openxmlformats.org/markup-compatibility/2006">
+<file path=ppt/notesSlides/notesSlide6.xml><?xml version="1.0" encoding="utf-8"?>
+<p:notes xmlns:a="http://schemas.openxmlformats.org/drawingml/2006/main" xmlns:r="http://schemas.openxmlformats.org/officeDocument/2006/relationships" xmlns:p="http://schemas.openxmlformats.org/presentationml/2006/main">
   <p:cSld>
     <p:spTree>
       <p:nvGrpSpPr>
@@ -712,9 +1047,9 @@
       </p:grpSpPr>
       <p:sp>
         <p:nvSpPr>
-          <p:cNvPr id="164" name="PlaceHolder 1"/>
-          <p:cNvSpPr>
-            <a:spLocks noGrp="1"/>
+          <p:cNvPr id="166" name="PlaceHolder 1"/>
+          <p:cNvSpPr>
+            <a:spLocks noGrp="1" noRot="1" noChangeAspect="1"/>
           </p:cNvSpPr>
           <p:nvPr>
             <p:ph type="sldImg"/>
@@ -722,17 +1057,17 @@
         </p:nvSpPr>
         <p:spPr>
           <a:xfrm>
-            <a:off x="1107000" y="812520"/>
-            <a:ext cx="5345280" cy="4008960"/>
-          </a:xfrm>
-          <a:prstGeom prst="rect">
-            <a:avLst/>
-          </a:prstGeom>
-        </p:spPr>
-      </p:sp>
-      <p:sp>
-        <p:nvSpPr>
-          <p:cNvPr id="165" name="PlaceHolder 2"/>
+            <a:off x="1106488" y="812800"/>
+            <a:ext cx="5345112" cy="4008438"/>
+          </a:xfrm>
+          <a:prstGeom prst="rect">
+            <a:avLst/>
+          </a:prstGeom>
+        </p:spPr>
+      </p:sp>
+      <p:sp>
+        <p:nvSpPr>
+          <p:cNvPr id="167" name="PlaceHolder 2"/>
           <p:cNvSpPr>
             <a:spLocks noGrp="1"/>
           </p:cNvSpPr>
@@ -750,67 +1085,38 @@
           </a:prstGeom>
         </p:spPr>
         <p:txBody>
-          <a:bodyPr lIns="0" rIns="0" tIns="0" bIns="0">
+          <a:bodyPr lIns="0" tIns="0" rIns="0" bIns="0">
             <a:noAutofit/>
           </a:bodyPr>
-          <a:p>
-            <a:r>
-              <a:rPr b="0" lang="de-AT" sz="2000" spc="-1" strike="noStrike">
+          <a:lstStyle/>
+          <a:p>
+            <a:r>
+              <a:rPr lang="zxx" sz="2000" b="0" strike="noStrike" spc="-1">
                 <a:latin typeface="Arial"/>
               </a:rPr>
-              <a:t>As we can see the sum is always calculated correctly.</a:t>
-            </a:r>
-            <a:br/>
-            <a:r>
-              <a:rPr b="0" lang="de-AT" sz="2000" spc="-1" strike="noStrike">
+              <a:t>We already wrote the VHDL code for the Full Adders and wrote a Python code that creates a Binary decision tree. </a:t>
+            </a:r>
+          </a:p>
+          <a:p>
+            <a:r>
+              <a:rPr lang="zxx" sz="2000" b="0" strike="noStrike" spc="-1">
                 <a:latin typeface="Arial"/>
               </a:rPr>
-              <a:t>However deviations occur, when calculating the carry out. </a:t>
-            </a:r>
-            <a:br/>
-            <a:r>
-              <a:rPr b="0" lang="de-AT" sz="2000" spc="-1" strike="noStrike">
-                <a:latin typeface="Arial"/>
-              </a:rPr>
-              <a:t>In this chart the tik marks show a correct result and the crosses indicate a wrong bit. </a:t>
-            </a:r>
-            <a:br/>
-            <a:r>
-              <a:rPr b="0" lang="de-AT" sz="2000" spc="-1" strike="noStrike">
-                <a:latin typeface="Arial"/>
-              </a:rPr>
-              <a:t>Therefore in 6 out of 8 cases, we are calculating the correct carry out. </a:t>
-            </a:r>
-            <a:endParaRPr b="0" lang="de-AT" sz="2000" spc="-1" strike="noStrike">
-              <a:latin typeface="Arial"/>
-            </a:endParaRPr>
-          </a:p>
-          <a:p>
-            <a:endParaRPr b="0" lang="de-AT" sz="2000" spc="-1" strike="noStrike">
-              <a:latin typeface="Arial"/>
-            </a:endParaRPr>
-          </a:p>
-          <a:p>
-            <a:r>
-              <a:rPr b="0" lang="de-AT" sz="2000" spc="-1" strike="noStrike">
-                <a:latin typeface="Arial"/>
-              </a:rPr>
-              <a:t>This design will be implemented on an open source processor. </a:t>
-            </a:r>
-            <a:br/>
-            <a:endParaRPr b="0" lang="de-AT" sz="2000" spc="-1" strike="noStrike">
-              <a:latin typeface="Arial"/>
-            </a:endParaRPr>
+              <a:t>The binary decision tree will be later used to estimate the worst case error. </a:t>
+            </a:r>
           </a:p>
         </p:txBody>
       </p:sp>
     </p:spTree>
   </p:cSld>
+  <p:clrMapOvr>
+    <a:masterClrMapping/>
+  </p:clrMapOvr>
 </p:notes>
 </file>
 
-<file path=ppt/notesSlides/notesSlide6.xml><?xml version="1.0" encoding="utf-8"?>
-<p:notes xmlns:a="http://schemas.openxmlformats.org/drawingml/2006/main" xmlns:p="http://schemas.openxmlformats.org/presentationml/2006/main" xmlns:r="http://schemas.openxmlformats.org/officeDocument/2006/relationships" xmlns:p14="http://schemas.microsoft.com/office/powerpoint/2010/main" xmlns:p15="http://schemas.microsoft.com/office/powerpoint/2012/main" xmlns:mc="http://schemas.openxmlformats.org/markup-compatibility/2006">
+<file path=ppt/notesSlides/notesSlide7.xml><?xml version="1.0" encoding="utf-8"?>
+<p:notes xmlns:a="http://schemas.openxmlformats.org/drawingml/2006/main" xmlns:r="http://schemas.openxmlformats.org/officeDocument/2006/relationships" xmlns:p="http://schemas.openxmlformats.org/presentationml/2006/main">
   <p:cSld>
     <p:spTree>
       <p:nvGrpSpPr>
@@ -828,9 +1134,9 @@
       </p:grpSpPr>
       <p:sp>
         <p:nvSpPr>
-          <p:cNvPr id="166" name="PlaceHolder 1"/>
-          <p:cNvSpPr>
-            <a:spLocks noGrp="1"/>
+          <p:cNvPr id="168" name="PlaceHolder 1"/>
+          <p:cNvSpPr>
+            <a:spLocks noGrp="1" noRot="1" noChangeAspect="1"/>
           </p:cNvSpPr>
           <p:nvPr>
             <p:ph type="sldImg"/>
@@ -838,17 +1144,17 @@
         </p:nvSpPr>
         <p:spPr>
           <a:xfrm>
-            <a:off x="1107000" y="812520"/>
-            <a:ext cx="5345280" cy="4008960"/>
-          </a:xfrm>
-          <a:prstGeom prst="rect">
-            <a:avLst/>
-          </a:prstGeom>
-        </p:spPr>
-      </p:sp>
-      <p:sp>
-        <p:nvSpPr>
-          <p:cNvPr id="167" name="PlaceHolder 2"/>
+            <a:off x="1106488" y="812800"/>
+            <a:ext cx="5345112" cy="4008438"/>
+          </a:xfrm>
+          <a:prstGeom prst="rect">
+            <a:avLst/>
+          </a:prstGeom>
+        </p:spPr>
+      </p:sp>
+      <p:sp>
+        <p:nvSpPr>
+          <p:cNvPr id="169" name="PlaceHolder 2"/>
           <p:cNvSpPr>
             <a:spLocks noGrp="1"/>
           </p:cNvSpPr>
@@ -866,40 +1172,30 @@
           </a:prstGeom>
         </p:spPr>
         <p:txBody>
-          <a:bodyPr lIns="0" rIns="0" tIns="0" bIns="0">
+          <a:bodyPr lIns="0" tIns="0" rIns="0" bIns="0">
             <a:noAutofit/>
           </a:bodyPr>
-          <a:p>
-            <a:r>
-              <a:rPr b="0" lang="zxx" sz="2000" spc="-1" strike="noStrike">
+          <a:lstStyle/>
+          <a:p>
+            <a:r>
+              <a:rPr lang="zxx" sz="2000" b="0" strike="noStrike" spc="-1">
                 <a:latin typeface="Arial"/>
               </a:rPr>
-              <a:t>We already wrote the VHDL code for the Full Adders and wrote a Python code that creates a Binary decision tree. </a:t>
-            </a:r>
-            <a:endParaRPr b="0" lang="zxx" sz="2000" spc="-1" strike="noStrike">
-              <a:latin typeface="Arial"/>
-            </a:endParaRPr>
-          </a:p>
-          <a:p>
-            <a:r>
-              <a:rPr b="0" lang="zxx" sz="2000" spc="-1" strike="noStrike">
-                <a:latin typeface="Arial"/>
-              </a:rPr>
-              <a:t>The binary decision tree will be later used to estimate the worst case error. </a:t>
-            </a:r>
-            <a:endParaRPr b="0" lang="zxx" sz="2000" spc="-1" strike="noStrike">
-              <a:latin typeface="Arial"/>
-            </a:endParaRPr>
+              <a:t>Erklärung des BDT </a:t>
+            </a:r>
           </a:p>
         </p:txBody>
       </p:sp>
     </p:spTree>
   </p:cSld>
+  <p:clrMapOvr>
+    <a:masterClrMapping/>
+  </p:clrMapOvr>
 </p:notes>
 </file>
 
-<file path=ppt/notesSlides/notesSlide7.xml><?xml version="1.0" encoding="utf-8"?>
-<p:notes xmlns:a="http://schemas.openxmlformats.org/drawingml/2006/main" xmlns:p="http://schemas.openxmlformats.org/presentationml/2006/main" xmlns:r="http://schemas.openxmlformats.org/officeDocument/2006/relationships" xmlns:p14="http://schemas.microsoft.com/office/powerpoint/2010/main" xmlns:p15="http://schemas.microsoft.com/office/powerpoint/2012/main" xmlns:mc="http://schemas.openxmlformats.org/markup-compatibility/2006">
+<file path=ppt/notesSlides/notesSlide8.xml><?xml version="1.0" encoding="utf-8"?>
+<p:notes xmlns:a="http://schemas.openxmlformats.org/drawingml/2006/main" xmlns:r="http://schemas.openxmlformats.org/officeDocument/2006/relationships" xmlns:p="http://schemas.openxmlformats.org/presentationml/2006/main">
   <p:cSld>
     <p:spTree>
       <p:nvGrpSpPr>
@@ -919,7 +1215,7 @@
         <p:nvSpPr>
           <p:cNvPr id="168" name="PlaceHolder 1"/>
           <p:cNvSpPr>
-            <a:spLocks noGrp="1"/>
+            <a:spLocks noGrp="1" noRot="1" noChangeAspect="1"/>
           </p:cNvSpPr>
           <p:nvPr>
             <p:ph type="sldImg"/>
@@ -927,8 +1223,8 @@
         </p:nvSpPr>
         <p:spPr>
           <a:xfrm>
-            <a:off x="1107000" y="812520"/>
-            <a:ext cx="5345280" cy="4008960"/>
+            <a:off x="1106488" y="812800"/>
+            <a:ext cx="5345112" cy="4008438"/>
           </a:xfrm>
           <a:prstGeom prst="rect">
             <a:avLst/>
@@ -955,29 +1251,32 @@
           </a:prstGeom>
         </p:spPr>
         <p:txBody>
-          <a:bodyPr lIns="0" rIns="0" tIns="0" bIns="0">
+          <a:bodyPr lIns="0" tIns="0" rIns="0" bIns="0">
             <a:noAutofit/>
           </a:bodyPr>
-          <a:p>
-            <a:r>
-              <a:rPr b="0" lang="zxx" sz="2000" spc="-1" strike="noStrike">
-                <a:latin typeface="Arial"/>
-              </a:rPr>
-              <a:t>Erklärung des BDT </a:t>
-            </a:r>
-            <a:endParaRPr b="0" lang="zxx" sz="2000" spc="-1" strike="noStrike">
+          <a:lstStyle/>
+          <a:p>
+            <a:endParaRPr lang="zxx" sz="2000" b="0" strike="noStrike" spc="-1" dirty="0">
               <a:latin typeface="Arial"/>
             </a:endParaRPr>
           </a:p>
         </p:txBody>
       </p:sp>
     </p:spTree>
+    <p:extLst>
+      <p:ext uri="{BB962C8B-B14F-4D97-AF65-F5344CB8AC3E}">
+        <p14:creationId xmlns:p14="http://schemas.microsoft.com/office/powerpoint/2010/main" val="2936404242"/>
+      </p:ext>
+    </p:extLst>
   </p:cSld>
+  <p:clrMapOvr>
+    <a:masterClrMapping/>
+  </p:clrMapOvr>
 </p:notes>
 </file>
 
 <file path=ppt/slideLayouts/slideLayout1.xml><?xml version="1.0" encoding="utf-8"?>
-<p:sldLayout xmlns:a="http://schemas.openxmlformats.org/drawingml/2006/main" xmlns:p="http://schemas.openxmlformats.org/presentationml/2006/main" xmlns:r="http://schemas.openxmlformats.org/officeDocument/2006/relationships" xmlns:p14="http://schemas.microsoft.com/office/powerpoint/2010/main" xmlns:p15="http://schemas.microsoft.com/office/powerpoint/2012/main" xmlns:mc="http://schemas.openxmlformats.org/markup-compatibility/2006" type="blank" preserve="1">
+<p:sldLayout xmlns:a="http://schemas.openxmlformats.org/drawingml/2006/main" xmlns:r="http://schemas.openxmlformats.org/officeDocument/2006/relationships" xmlns:p="http://schemas.openxmlformats.org/presentationml/2006/main" type="blank" preserve="1">
   <p:cSld name="Blank Slide">
     <p:spTree>
       <p:nvGrpSpPr>
@@ -995,11 +1294,14 @@
       </p:grpSpPr>
     </p:spTree>
   </p:cSld>
+  <p:clrMapOvr>
+    <a:masterClrMapping/>
+  </p:clrMapOvr>
 </p:sldLayout>
 </file>
 
 <file path=ppt/slideLayouts/slideLayout10.xml><?xml version="1.0" encoding="utf-8"?>
-<p:sldLayout xmlns:a="http://schemas.openxmlformats.org/drawingml/2006/main" xmlns:p="http://schemas.openxmlformats.org/presentationml/2006/main" xmlns:r="http://schemas.openxmlformats.org/officeDocument/2006/relationships" xmlns:p14="http://schemas.microsoft.com/office/powerpoint/2010/main" xmlns:p15="http://schemas.microsoft.com/office/powerpoint/2012/main" xmlns:mc="http://schemas.openxmlformats.org/markup-compatibility/2006" type="objOverTx" preserve="1">
+<p:sldLayout xmlns:a="http://schemas.openxmlformats.org/drawingml/2006/main" xmlns:r="http://schemas.openxmlformats.org/officeDocument/2006/relationships" xmlns:p="http://schemas.openxmlformats.org/presentationml/2006/main" type="objOverTx" preserve="1">
   <p:cSld name="Title, Content over Content">
     <p:spTree>
       <p:nvGrpSpPr>
@@ -1035,12 +1337,13 @@
           </a:prstGeom>
         </p:spPr>
         <p:txBody>
-          <a:bodyPr lIns="0" rIns="0" tIns="0" bIns="0" anchor="ctr">
+          <a:bodyPr lIns="0" tIns="0" rIns="0" bIns="0" anchor="ctr">
             <a:noAutofit/>
           </a:bodyPr>
+          <a:lstStyle/>
           <a:p>
             <a:pPr algn="ctr"/>
-            <a:endParaRPr b="0" lang="de-AT" sz="4400" spc="-1" strike="noStrike">
+            <a:endParaRPr lang="de-AT" sz="4400" b="0" strike="noStrike" spc="-1">
               <a:latin typeface="Arial"/>
             </a:endParaRPr>
           </a:p>
@@ -1066,11 +1369,12 @@
           </a:prstGeom>
         </p:spPr>
         <p:txBody>
-          <a:bodyPr lIns="0" rIns="0" tIns="0" bIns="0">
+          <a:bodyPr lIns="0" tIns="0" rIns="0" bIns="0">
             <a:normAutofit/>
           </a:bodyPr>
-          <a:p>
-            <a:endParaRPr b="0" lang="de-AT" sz="3200" spc="-1" strike="noStrike">
+          <a:lstStyle/>
+          <a:p>
+            <a:endParaRPr lang="de-AT" sz="3200" b="0" strike="noStrike" spc="-1">
               <a:latin typeface="Arial"/>
             </a:endParaRPr>
           </a:p>
@@ -1096,11 +1400,12 @@
           </a:prstGeom>
         </p:spPr>
         <p:txBody>
-          <a:bodyPr lIns="0" rIns="0" tIns="0" bIns="0">
+          <a:bodyPr lIns="0" tIns="0" rIns="0" bIns="0">
             <a:normAutofit/>
           </a:bodyPr>
-          <a:p>
-            <a:endParaRPr b="0" lang="de-AT" sz="3200" spc="-1" strike="noStrike">
+          <a:lstStyle/>
+          <a:p>
+            <a:endParaRPr lang="de-AT" sz="3200" b="0" strike="noStrike" spc="-1">
               <a:latin typeface="Arial"/>
             </a:endParaRPr>
           </a:p>
@@ -1108,11 +1413,14 @@
       </p:sp>
     </p:spTree>
   </p:cSld>
+  <p:clrMapOvr>
+    <a:masterClrMapping/>
+  </p:clrMapOvr>
 </p:sldLayout>
 </file>
 
 <file path=ppt/slideLayouts/slideLayout11.xml><?xml version="1.0" encoding="utf-8"?>
-<p:sldLayout xmlns:a="http://schemas.openxmlformats.org/drawingml/2006/main" xmlns:p="http://schemas.openxmlformats.org/presentationml/2006/main" xmlns:r="http://schemas.openxmlformats.org/officeDocument/2006/relationships" xmlns:p14="http://schemas.microsoft.com/office/powerpoint/2010/main" xmlns:p15="http://schemas.microsoft.com/office/powerpoint/2012/main" xmlns:mc="http://schemas.openxmlformats.org/markup-compatibility/2006" type="fourObj" preserve="1">
+<p:sldLayout xmlns:a="http://schemas.openxmlformats.org/drawingml/2006/main" xmlns:r="http://schemas.openxmlformats.org/officeDocument/2006/relationships" xmlns:p="http://schemas.openxmlformats.org/presentationml/2006/main" type="fourObj" preserve="1">
   <p:cSld name="Title, 4 Content">
     <p:spTree>
       <p:nvGrpSpPr>
@@ -1148,12 +1456,13 @@
           </a:prstGeom>
         </p:spPr>
         <p:txBody>
-          <a:bodyPr lIns="0" rIns="0" tIns="0" bIns="0" anchor="ctr">
+          <a:bodyPr lIns="0" tIns="0" rIns="0" bIns="0" anchor="ctr">
             <a:noAutofit/>
           </a:bodyPr>
+          <a:lstStyle/>
           <a:p>
             <a:pPr algn="ctr"/>
-            <a:endParaRPr b="0" lang="de-AT" sz="4400" spc="-1" strike="noStrike">
+            <a:endParaRPr lang="de-AT" sz="4400" b="0" strike="noStrike" spc="-1">
               <a:latin typeface="Arial"/>
             </a:endParaRPr>
           </a:p>
@@ -1179,11 +1488,12 @@
           </a:prstGeom>
         </p:spPr>
         <p:txBody>
-          <a:bodyPr lIns="0" rIns="0" tIns="0" bIns="0">
+          <a:bodyPr lIns="0" tIns="0" rIns="0" bIns="0">
             <a:normAutofit/>
           </a:bodyPr>
-          <a:p>
-            <a:endParaRPr b="0" lang="de-AT" sz="3200" spc="-1" strike="noStrike">
+          <a:lstStyle/>
+          <a:p>
+            <a:endParaRPr lang="de-AT" sz="3200" b="0" strike="noStrike" spc="-1">
               <a:latin typeface="Arial"/>
             </a:endParaRPr>
           </a:p>
@@ -1209,11 +1519,12 @@
           </a:prstGeom>
         </p:spPr>
         <p:txBody>
-          <a:bodyPr lIns="0" rIns="0" tIns="0" bIns="0">
+          <a:bodyPr lIns="0" tIns="0" rIns="0" bIns="0">
             <a:normAutofit/>
           </a:bodyPr>
-          <a:p>
-            <a:endParaRPr b="0" lang="de-AT" sz="3200" spc="-1" strike="noStrike">
+          <a:lstStyle/>
+          <a:p>
+            <a:endParaRPr lang="de-AT" sz="3200" b="0" strike="noStrike" spc="-1">
               <a:latin typeface="Arial"/>
             </a:endParaRPr>
           </a:p>
@@ -1239,11 +1550,12 @@
           </a:prstGeom>
         </p:spPr>
         <p:txBody>
-          <a:bodyPr lIns="0" rIns="0" tIns="0" bIns="0">
+          <a:bodyPr lIns="0" tIns="0" rIns="0" bIns="0">
             <a:normAutofit/>
           </a:bodyPr>
-          <a:p>
-            <a:endParaRPr b="0" lang="de-AT" sz="3200" spc="-1" strike="noStrike">
+          <a:lstStyle/>
+          <a:p>
+            <a:endParaRPr lang="de-AT" sz="3200" b="0" strike="noStrike" spc="-1">
               <a:latin typeface="Arial"/>
             </a:endParaRPr>
           </a:p>
@@ -1269,11 +1581,12 @@
           </a:prstGeom>
         </p:spPr>
         <p:txBody>
-          <a:bodyPr lIns="0" rIns="0" tIns="0" bIns="0">
+          <a:bodyPr lIns="0" tIns="0" rIns="0" bIns="0">
             <a:normAutofit/>
           </a:bodyPr>
-          <a:p>
-            <a:endParaRPr b="0" lang="de-AT" sz="3200" spc="-1" strike="noStrike">
+          <a:lstStyle/>
+          <a:p>
+            <a:endParaRPr lang="de-AT" sz="3200" b="0" strike="noStrike" spc="-1">
               <a:latin typeface="Arial"/>
             </a:endParaRPr>
           </a:p>
@@ -1281,11 +1594,14 @@
       </p:sp>
     </p:spTree>
   </p:cSld>
+  <p:clrMapOvr>
+    <a:masterClrMapping/>
+  </p:clrMapOvr>
 </p:sldLayout>
 </file>
 
 <file path=ppt/slideLayouts/slideLayout12.xml><?xml version="1.0" encoding="utf-8"?>
-<p:sldLayout xmlns:a="http://schemas.openxmlformats.org/drawingml/2006/main" xmlns:p="http://schemas.openxmlformats.org/presentationml/2006/main" xmlns:r="http://schemas.openxmlformats.org/officeDocument/2006/relationships" xmlns:p14="http://schemas.microsoft.com/office/powerpoint/2010/main" xmlns:p15="http://schemas.microsoft.com/office/powerpoint/2012/main" xmlns:mc="http://schemas.openxmlformats.org/markup-compatibility/2006" type="blank" preserve="1">
+<p:sldLayout xmlns:a="http://schemas.openxmlformats.org/drawingml/2006/main" xmlns:r="http://schemas.openxmlformats.org/officeDocument/2006/relationships" xmlns:p="http://schemas.openxmlformats.org/presentationml/2006/main" type="blank" preserve="1">
   <p:cSld name="Title, 6 Content">
     <p:spTree>
       <p:nvGrpSpPr>
@@ -1321,12 +1637,13 @@
           </a:prstGeom>
         </p:spPr>
         <p:txBody>
-          <a:bodyPr lIns="0" rIns="0" tIns="0" bIns="0" anchor="ctr">
+          <a:bodyPr lIns="0" tIns="0" rIns="0" bIns="0" anchor="ctr">
             <a:noAutofit/>
           </a:bodyPr>
+          <a:lstStyle/>
           <a:p>
             <a:pPr algn="ctr"/>
-            <a:endParaRPr b="0" lang="de-AT" sz="4400" spc="-1" strike="noStrike">
+            <a:endParaRPr lang="de-AT" sz="4400" b="0" strike="noStrike" spc="-1">
               <a:latin typeface="Arial"/>
             </a:endParaRPr>
           </a:p>
@@ -1352,11 +1669,12 @@
           </a:prstGeom>
         </p:spPr>
         <p:txBody>
-          <a:bodyPr lIns="0" rIns="0" tIns="0" bIns="0">
+          <a:bodyPr lIns="0" tIns="0" rIns="0" bIns="0">
             <a:normAutofit/>
           </a:bodyPr>
-          <a:p>
-            <a:endParaRPr b="0" lang="de-AT" sz="3200" spc="-1" strike="noStrike">
+          <a:lstStyle/>
+          <a:p>
+            <a:endParaRPr lang="de-AT" sz="3200" b="0" strike="noStrike" spc="-1">
               <a:latin typeface="Arial"/>
             </a:endParaRPr>
           </a:p>
@@ -1382,11 +1700,12 @@
           </a:prstGeom>
         </p:spPr>
         <p:txBody>
-          <a:bodyPr lIns="0" rIns="0" tIns="0" bIns="0">
+          <a:bodyPr lIns="0" tIns="0" rIns="0" bIns="0">
             <a:normAutofit/>
           </a:bodyPr>
-          <a:p>
-            <a:endParaRPr b="0" lang="de-AT" sz="3200" spc="-1" strike="noStrike">
+          <a:lstStyle/>
+          <a:p>
+            <a:endParaRPr lang="de-AT" sz="3200" b="0" strike="noStrike" spc="-1">
               <a:latin typeface="Arial"/>
             </a:endParaRPr>
           </a:p>
@@ -1412,11 +1731,12 @@
           </a:prstGeom>
         </p:spPr>
         <p:txBody>
-          <a:bodyPr lIns="0" rIns="0" tIns="0" bIns="0">
+          <a:bodyPr lIns="0" tIns="0" rIns="0" bIns="0">
             <a:normAutofit/>
           </a:bodyPr>
-          <a:p>
-            <a:endParaRPr b="0" lang="de-AT" sz="3200" spc="-1" strike="noStrike">
+          <a:lstStyle/>
+          <a:p>
+            <a:endParaRPr lang="de-AT" sz="3200" b="0" strike="noStrike" spc="-1">
               <a:latin typeface="Arial"/>
             </a:endParaRPr>
           </a:p>
@@ -1442,11 +1762,12 @@
           </a:prstGeom>
         </p:spPr>
         <p:txBody>
-          <a:bodyPr lIns="0" rIns="0" tIns="0" bIns="0">
+          <a:bodyPr lIns="0" tIns="0" rIns="0" bIns="0">
             <a:normAutofit/>
           </a:bodyPr>
-          <a:p>
-            <a:endParaRPr b="0" lang="de-AT" sz="3200" spc="-1" strike="noStrike">
+          <a:lstStyle/>
+          <a:p>
+            <a:endParaRPr lang="de-AT" sz="3200" b="0" strike="noStrike" spc="-1">
               <a:latin typeface="Arial"/>
             </a:endParaRPr>
           </a:p>
@@ -1472,11 +1793,12 @@
           </a:prstGeom>
         </p:spPr>
         <p:txBody>
-          <a:bodyPr lIns="0" rIns="0" tIns="0" bIns="0">
+          <a:bodyPr lIns="0" tIns="0" rIns="0" bIns="0">
             <a:normAutofit/>
           </a:bodyPr>
-          <a:p>
-            <a:endParaRPr b="0" lang="de-AT" sz="3200" spc="-1" strike="noStrike">
+          <a:lstStyle/>
+          <a:p>
+            <a:endParaRPr lang="de-AT" sz="3200" b="0" strike="noStrike" spc="-1">
               <a:latin typeface="Arial"/>
             </a:endParaRPr>
           </a:p>
@@ -1502,11 +1824,12 @@
           </a:prstGeom>
         </p:spPr>
         <p:txBody>
-          <a:bodyPr lIns="0" rIns="0" tIns="0" bIns="0">
+          <a:bodyPr lIns="0" tIns="0" rIns="0" bIns="0">
             <a:normAutofit/>
           </a:bodyPr>
-          <a:p>
-            <a:endParaRPr b="0" lang="de-AT" sz="3200" spc="-1" strike="noStrike">
+          <a:lstStyle/>
+          <a:p>
+            <a:endParaRPr lang="de-AT" sz="3200" b="0" strike="noStrike" spc="-1">
               <a:latin typeface="Arial"/>
             </a:endParaRPr>
           </a:p>
@@ -1514,11 +1837,14 @@
       </p:sp>
     </p:spTree>
   </p:cSld>
+  <p:clrMapOvr>
+    <a:masterClrMapping/>
+  </p:clrMapOvr>
 </p:sldLayout>
 </file>
 
 <file path=ppt/slideLayouts/slideLayout13.xml><?xml version="1.0" encoding="utf-8"?>
-<p:sldLayout xmlns:a="http://schemas.openxmlformats.org/drawingml/2006/main" xmlns:p="http://schemas.openxmlformats.org/presentationml/2006/main" xmlns:r="http://schemas.openxmlformats.org/officeDocument/2006/relationships" xmlns:p14="http://schemas.microsoft.com/office/powerpoint/2010/main" xmlns:p15="http://schemas.microsoft.com/office/powerpoint/2012/main" xmlns:mc="http://schemas.openxmlformats.org/markup-compatibility/2006" type="blank" preserve="1">
+<p:sldLayout xmlns:a="http://schemas.openxmlformats.org/drawingml/2006/main" xmlns:r="http://schemas.openxmlformats.org/officeDocument/2006/relationships" xmlns:p="http://schemas.openxmlformats.org/presentationml/2006/main" type="blank" preserve="1">
   <p:cSld name="Blank Slide">
     <p:spTree>
       <p:nvGrpSpPr>
@@ -1536,11 +1862,14 @@
       </p:grpSpPr>
     </p:spTree>
   </p:cSld>
+  <p:clrMapOvr>
+    <a:masterClrMapping/>
+  </p:clrMapOvr>
 </p:sldLayout>
 </file>
 
 <file path=ppt/slideLayouts/slideLayout14.xml><?xml version="1.0" encoding="utf-8"?>
-<p:sldLayout xmlns:a="http://schemas.openxmlformats.org/drawingml/2006/main" xmlns:p="http://schemas.openxmlformats.org/presentationml/2006/main" xmlns:r="http://schemas.openxmlformats.org/officeDocument/2006/relationships" xmlns:p14="http://schemas.microsoft.com/office/powerpoint/2010/main" xmlns:p15="http://schemas.microsoft.com/office/powerpoint/2012/main" xmlns:mc="http://schemas.openxmlformats.org/markup-compatibility/2006" type="tx" preserve="1">
+<p:sldLayout xmlns:a="http://schemas.openxmlformats.org/drawingml/2006/main" xmlns:r="http://schemas.openxmlformats.org/officeDocument/2006/relationships" xmlns:p="http://schemas.openxmlformats.org/presentationml/2006/main" type="tx" preserve="1">
   <p:cSld name="Title Slide">
     <p:spTree>
       <p:nvGrpSpPr>
@@ -1576,12 +1905,13 @@
           </a:prstGeom>
         </p:spPr>
         <p:txBody>
-          <a:bodyPr lIns="0" rIns="0" tIns="0" bIns="0" anchor="ctr">
+          <a:bodyPr lIns="0" tIns="0" rIns="0" bIns="0" anchor="ctr">
             <a:noAutofit/>
           </a:bodyPr>
+          <a:lstStyle/>
           <a:p>
             <a:pPr algn="ctr"/>
-            <a:endParaRPr b="0" lang="de-AT" sz="4400" spc="-1" strike="noStrike">
+            <a:endParaRPr lang="de-AT" sz="4400" b="0" strike="noStrike" spc="-1">
               <a:latin typeface="Arial"/>
             </a:endParaRPr>
           </a:p>
@@ -1607,12 +1937,13 @@
           </a:prstGeom>
         </p:spPr>
         <p:txBody>
-          <a:bodyPr lIns="0" rIns="0" tIns="0" bIns="0" anchor="ctr">
+          <a:bodyPr lIns="0" tIns="0" rIns="0" bIns="0" anchor="ctr">
             <a:noAutofit/>
           </a:bodyPr>
+          <a:lstStyle/>
           <a:p>
             <a:pPr algn="ctr"/>
-            <a:endParaRPr b="0" lang="de-AT" sz="3200" spc="-1" strike="noStrike">
+            <a:endParaRPr lang="de-AT" sz="3200" b="0" strike="noStrike" spc="-1">
               <a:latin typeface="Arial"/>
             </a:endParaRPr>
           </a:p>
@@ -1620,11 +1951,14 @@
       </p:sp>
     </p:spTree>
   </p:cSld>
+  <p:clrMapOvr>
+    <a:masterClrMapping/>
+  </p:clrMapOvr>
 </p:sldLayout>
 </file>
 
 <file path=ppt/slideLayouts/slideLayout15.xml><?xml version="1.0" encoding="utf-8"?>
-<p:sldLayout xmlns:a="http://schemas.openxmlformats.org/drawingml/2006/main" xmlns:p="http://schemas.openxmlformats.org/presentationml/2006/main" xmlns:r="http://schemas.openxmlformats.org/officeDocument/2006/relationships" xmlns:p14="http://schemas.microsoft.com/office/powerpoint/2010/main" xmlns:p15="http://schemas.microsoft.com/office/powerpoint/2012/main" xmlns:mc="http://schemas.openxmlformats.org/markup-compatibility/2006" type="obj" preserve="1">
+<p:sldLayout xmlns:a="http://schemas.openxmlformats.org/drawingml/2006/main" xmlns:r="http://schemas.openxmlformats.org/officeDocument/2006/relationships" xmlns:p="http://schemas.openxmlformats.org/presentationml/2006/main" type="obj" preserve="1">
   <p:cSld name="Title, Content">
     <p:spTree>
       <p:nvGrpSpPr>
@@ -1660,12 +1994,13 @@
           </a:prstGeom>
         </p:spPr>
         <p:txBody>
-          <a:bodyPr lIns="0" rIns="0" tIns="0" bIns="0" anchor="ctr">
+          <a:bodyPr lIns="0" tIns="0" rIns="0" bIns="0" anchor="ctr">
             <a:noAutofit/>
           </a:bodyPr>
+          <a:lstStyle/>
           <a:p>
             <a:pPr algn="ctr"/>
-            <a:endParaRPr b="0" lang="de-AT" sz="4400" spc="-1" strike="noStrike">
+            <a:endParaRPr lang="de-AT" sz="4400" b="0" strike="noStrike" spc="-1">
               <a:latin typeface="Arial"/>
             </a:endParaRPr>
           </a:p>
@@ -1691,11 +2026,12 @@
           </a:prstGeom>
         </p:spPr>
         <p:txBody>
-          <a:bodyPr lIns="0" rIns="0" tIns="0" bIns="0">
+          <a:bodyPr lIns="0" tIns="0" rIns="0" bIns="0">
             <a:normAutofit/>
           </a:bodyPr>
-          <a:p>
-            <a:endParaRPr b="0" lang="de-AT" sz="3200" spc="-1" strike="noStrike">
+          <a:lstStyle/>
+          <a:p>
+            <a:endParaRPr lang="de-AT" sz="3200" b="0" strike="noStrike" spc="-1">
               <a:latin typeface="Arial"/>
             </a:endParaRPr>
           </a:p>
@@ -1703,11 +2039,14 @@
       </p:sp>
     </p:spTree>
   </p:cSld>
+  <p:clrMapOvr>
+    <a:masterClrMapping/>
+  </p:clrMapOvr>
 </p:sldLayout>
 </file>
 
 <file path=ppt/slideLayouts/slideLayout16.xml><?xml version="1.0" encoding="utf-8"?>
-<p:sldLayout xmlns:a="http://schemas.openxmlformats.org/drawingml/2006/main" xmlns:p="http://schemas.openxmlformats.org/presentationml/2006/main" xmlns:r="http://schemas.openxmlformats.org/officeDocument/2006/relationships" xmlns:p14="http://schemas.microsoft.com/office/powerpoint/2010/main" xmlns:p15="http://schemas.microsoft.com/office/powerpoint/2012/main" xmlns:mc="http://schemas.openxmlformats.org/markup-compatibility/2006" type="twoObj" preserve="1">
+<p:sldLayout xmlns:a="http://schemas.openxmlformats.org/drawingml/2006/main" xmlns:r="http://schemas.openxmlformats.org/officeDocument/2006/relationships" xmlns:p="http://schemas.openxmlformats.org/presentationml/2006/main" type="twoObj" preserve="1">
   <p:cSld name="Title, 2 Content">
     <p:spTree>
       <p:nvGrpSpPr>
@@ -1743,12 +2082,13 @@
           </a:prstGeom>
         </p:spPr>
         <p:txBody>
-          <a:bodyPr lIns="0" rIns="0" tIns="0" bIns="0" anchor="ctr">
+          <a:bodyPr lIns="0" tIns="0" rIns="0" bIns="0" anchor="ctr">
             <a:noAutofit/>
           </a:bodyPr>
+          <a:lstStyle/>
           <a:p>
             <a:pPr algn="ctr"/>
-            <a:endParaRPr b="0" lang="de-AT" sz="4400" spc="-1" strike="noStrike">
+            <a:endParaRPr lang="de-AT" sz="4400" b="0" strike="noStrike" spc="-1">
               <a:latin typeface="Arial"/>
             </a:endParaRPr>
           </a:p>
@@ -1774,11 +2114,12 @@
           </a:prstGeom>
         </p:spPr>
         <p:txBody>
-          <a:bodyPr lIns="0" rIns="0" tIns="0" bIns="0">
+          <a:bodyPr lIns="0" tIns="0" rIns="0" bIns="0">
             <a:normAutofit/>
           </a:bodyPr>
-          <a:p>
-            <a:endParaRPr b="0" lang="de-AT" sz="3200" spc="-1" strike="noStrike">
+          <a:lstStyle/>
+          <a:p>
+            <a:endParaRPr lang="de-AT" sz="3200" b="0" strike="noStrike" spc="-1">
               <a:latin typeface="Arial"/>
             </a:endParaRPr>
           </a:p>
@@ -1804,11 +2145,12 @@
           </a:prstGeom>
         </p:spPr>
         <p:txBody>
-          <a:bodyPr lIns="0" rIns="0" tIns="0" bIns="0">
+          <a:bodyPr lIns="0" tIns="0" rIns="0" bIns="0">
             <a:normAutofit/>
           </a:bodyPr>
-          <a:p>
-            <a:endParaRPr b="0" lang="de-AT" sz="3200" spc="-1" strike="noStrike">
+          <a:lstStyle/>
+          <a:p>
+            <a:endParaRPr lang="de-AT" sz="3200" b="0" strike="noStrike" spc="-1">
               <a:latin typeface="Arial"/>
             </a:endParaRPr>
           </a:p>
@@ -1816,11 +2158,14 @@
       </p:sp>
     </p:spTree>
   </p:cSld>
+  <p:clrMapOvr>
+    <a:masterClrMapping/>
+  </p:clrMapOvr>
 </p:sldLayout>
 </file>
 
 <file path=ppt/slideLayouts/slideLayout17.xml><?xml version="1.0" encoding="utf-8"?>
-<p:sldLayout xmlns:a="http://schemas.openxmlformats.org/drawingml/2006/main" xmlns:p="http://schemas.openxmlformats.org/presentationml/2006/main" xmlns:r="http://schemas.openxmlformats.org/officeDocument/2006/relationships" xmlns:p14="http://schemas.microsoft.com/office/powerpoint/2010/main" xmlns:p15="http://schemas.microsoft.com/office/powerpoint/2012/main" xmlns:mc="http://schemas.openxmlformats.org/markup-compatibility/2006" type="titleOnly" preserve="1">
+<p:sldLayout xmlns:a="http://schemas.openxmlformats.org/drawingml/2006/main" xmlns:r="http://schemas.openxmlformats.org/officeDocument/2006/relationships" xmlns:p="http://schemas.openxmlformats.org/presentationml/2006/main" type="titleOnly" preserve="1">
   <p:cSld name="Title Only">
     <p:spTree>
       <p:nvGrpSpPr>
@@ -1856,12 +2201,13 @@
           </a:prstGeom>
         </p:spPr>
         <p:txBody>
-          <a:bodyPr lIns="0" rIns="0" tIns="0" bIns="0" anchor="ctr">
+          <a:bodyPr lIns="0" tIns="0" rIns="0" bIns="0" anchor="ctr">
             <a:noAutofit/>
           </a:bodyPr>
+          <a:lstStyle/>
           <a:p>
             <a:pPr algn="ctr"/>
-            <a:endParaRPr b="0" lang="de-AT" sz="4400" spc="-1" strike="noStrike">
+            <a:endParaRPr lang="de-AT" sz="4400" b="0" strike="noStrike" spc="-1">
               <a:latin typeface="Arial"/>
             </a:endParaRPr>
           </a:p>
@@ -1869,11 +2215,14 @@
       </p:sp>
     </p:spTree>
   </p:cSld>
+  <p:clrMapOvr>
+    <a:masterClrMapping/>
+  </p:clrMapOvr>
 </p:sldLayout>
 </file>
 
 <file path=ppt/slideLayouts/slideLayout18.xml><?xml version="1.0" encoding="utf-8"?>
-<p:sldLayout xmlns:a="http://schemas.openxmlformats.org/drawingml/2006/main" xmlns:p="http://schemas.openxmlformats.org/presentationml/2006/main" xmlns:r="http://schemas.openxmlformats.org/officeDocument/2006/relationships" xmlns:p14="http://schemas.microsoft.com/office/powerpoint/2010/main" xmlns:p15="http://schemas.microsoft.com/office/powerpoint/2012/main" xmlns:mc="http://schemas.openxmlformats.org/markup-compatibility/2006" type="objOnly" preserve="1">
+<p:sldLayout xmlns:a="http://schemas.openxmlformats.org/drawingml/2006/main" xmlns:r="http://schemas.openxmlformats.org/officeDocument/2006/relationships" xmlns:p="http://schemas.openxmlformats.org/presentationml/2006/main" type="objOnly" preserve="1">
   <p:cSld name="Centered Text">
     <p:spTree>
       <p:nvGrpSpPr>
@@ -1909,12 +2258,13 @@
           </a:prstGeom>
         </p:spPr>
         <p:txBody>
-          <a:bodyPr lIns="0" rIns="0" tIns="0" bIns="0" anchor="ctr">
+          <a:bodyPr lIns="0" tIns="0" rIns="0" bIns="0" anchor="ctr">
             <a:noAutofit/>
           </a:bodyPr>
+          <a:lstStyle/>
           <a:p>
             <a:pPr algn="ctr"/>
-            <a:endParaRPr b="0" lang="de-AT" sz="3200" spc="-1" strike="noStrike">
+            <a:endParaRPr lang="de-AT" sz="3200" b="0" strike="noStrike" spc="-1">
               <a:latin typeface="Arial"/>
             </a:endParaRPr>
           </a:p>
@@ -1922,11 +2272,14 @@
       </p:sp>
     </p:spTree>
   </p:cSld>
+  <p:clrMapOvr>
+    <a:masterClrMapping/>
+  </p:clrMapOvr>
 </p:sldLayout>
 </file>
 
 <file path=ppt/slideLayouts/slideLayout19.xml><?xml version="1.0" encoding="utf-8"?>
-<p:sldLayout xmlns:a="http://schemas.openxmlformats.org/drawingml/2006/main" xmlns:p="http://schemas.openxmlformats.org/presentationml/2006/main" xmlns:r="http://schemas.openxmlformats.org/officeDocument/2006/relationships" xmlns:p14="http://schemas.microsoft.com/office/powerpoint/2010/main" xmlns:p15="http://schemas.microsoft.com/office/powerpoint/2012/main" xmlns:mc="http://schemas.openxmlformats.org/markup-compatibility/2006" type="twoObjAndObj" preserve="1">
+<p:sldLayout xmlns:a="http://schemas.openxmlformats.org/drawingml/2006/main" xmlns:r="http://schemas.openxmlformats.org/officeDocument/2006/relationships" xmlns:p="http://schemas.openxmlformats.org/presentationml/2006/main" type="twoObjAndObj" preserve="1">
   <p:cSld name="Title, 2 Content and Content">
     <p:spTree>
       <p:nvGrpSpPr>
@@ -1962,12 +2315,13 @@
           </a:prstGeom>
         </p:spPr>
         <p:txBody>
-          <a:bodyPr lIns="0" rIns="0" tIns="0" bIns="0" anchor="ctr">
+          <a:bodyPr lIns="0" tIns="0" rIns="0" bIns="0" anchor="ctr">
             <a:noAutofit/>
           </a:bodyPr>
+          <a:lstStyle/>
           <a:p>
             <a:pPr algn="ctr"/>
-            <a:endParaRPr b="0" lang="de-AT" sz="4400" spc="-1" strike="noStrike">
+            <a:endParaRPr lang="de-AT" sz="4400" b="0" strike="noStrike" spc="-1">
               <a:latin typeface="Arial"/>
             </a:endParaRPr>
           </a:p>
@@ -1993,11 +2347,12 @@
           </a:prstGeom>
         </p:spPr>
         <p:txBody>
-          <a:bodyPr lIns="0" rIns="0" tIns="0" bIns="0">
+          <a:bodyPr lIns="0" tIns="0" rIns="0" bIns="0">
             <a:normAutofit/>
           </a:bodyPr>
-          <a:p>
-            <a:endParaRPr b="0" lang="de-AT" sz="3200" spc="-1" strike="noStrike">
+          <a:lstStyle/>
+          <a:p>
+            <a:endParaRPr lang="de-AT" sz="3200" b="0" strike="noStrike" spc="-1">
               <a:latin typeface="Arial"/>
             </a:endParaRPr>
           </a:p>
@@ -2023,11 +2378,12 @@
           </a:prstGeom>
         </p:spPr>
         <p:txBody>
-          <a:bodyPr lIns="0" rIns="0" tIns="0" bIns="0">
+          <a:bodyPr lIns="0" tIns="0" rIns="0" bIns="0">
             <a:normAutofit/>
           </a:bodyPr>
-          <a:p>
-            <a:endParaRPr b="0" lang="de-AT" sz="3200" spc="-1" strike="noStrike">
+          <a:lstStyle/>
+          <a:p>
+            <a:endParaRPr lang="de-AT" sz="3200" b="0" strike="noStrike" spc="-1">
               <a:latin typeface="Arial"/>
             </a:endParaRPr>
           </a:p>
@@ -2053,11 +2409,12 @@
           </a:prstGeom>
         </p:spPr>
         <p:txBody>
-          <a:bodyPr lIns="0" rIns="0" tIns="0" bIns="0">
+          <a:bodyPr lIns="0" tIns="0" rIns="0" bIns="0">
             <a:normAutofit/>
           </a:bodyPr>
-          <a:p>
-            <a:endParaRPr b="0" lang="de-AT" sz="3200" spc="-1" strike="noStrike">
+          <a:lstStyle/>
+          <a:p>
+            <a:endParaRPr lang="de-AT" sz="3200" b="0" strike="noStrike" spc="-1">
               <a:latin typeface="Arial"/>
             </a:endParaRPr>
           </a:p>
@@ -2065,11 +2422,14 @@
       </p:sp>
     </p:spTree>
   </p:cSld>
+  <p:clrMapOvr>
+    <a:masterClrMapping/>
+  </p:clrMapOvr>
 </p:sldLayout>
 </file>
 
 <file path=ppt/slideLayouts/slideLayout2.xml><?xml version="1.0" encoding="utf-8"?>
-<p:sldLayout xmlns:a="http://schemas.openxmlformats.org/drawingml/2006/main" xmlns:p="http://schemas.openxmlformats.org/presentationml/2006/main" xmlns:r="http://schemas.openxmlformats.org/officeDocument/2006/relationships" xmlns:p14="http://schemas.microsoft.com/office/powerpoint/2010/main" xmlns:p15="http://schemas.microsoft.com/office/powerpoint/2012/main" xmlns:mc="http://schemas.openxmlformats.org/markup-compatibility/2006" type="tx" preserve="1">
+<p:sldLayout xmlns:a="http://schemas.openxmlformats.org/drawingml/2006/main" xmlns:r="http://schemas.openxmlformats.org/officeDocument/2006/relationships" xmlns:p="http://schemas.openxmlformats.org/presentationml/2006/main" type="tx" preserve="1">
   <p:cSld name="Title Slide">
     <p:spTree>
       <p:nvGrpSpPr>
@@ -2105,12 +2465,13 @@
           </a:prstGeom>
         </p:spPr>
         <p:txBody>
-          <a:bodyPr lIns="0" rIns="0" tIns="0" bIns="0" anchor="ctr">
+          <a:bodyPr lIns="0" tIns="0" rIns="0" bIns="0" anchor="ctr">
             <a:noAutofit/>
           </a:bodyPr>
+          <a:lstStyle/>
           <a:p>
             <a:pPr algn="ctr"/>
-            <a:endParaRPr b="0" lang="de-AT" sz="4400" spc="-1" strike="noStrike">
+            <a:endParaRPr lang="de-AT" sz="4400" b="0" strike="noStrike" spc="-1">
               <a:latin typeface="Arial"/>
             </a:endParaRPr>
           </a:p>
@@ -2136,12 +2497,13 @@
           </a:prstGeom>
         </p:spPr>
         <p:txBody>
-          <a:bodyPr lIns="0" rIns="0" tIns="0" bIns="0" anchor="ctr">
+          <a:bodyPr lIns="0" tIns="0" rIns="0" bIns="0" anchor="ctr">
             <a:noAutofit/>
           </a:bodyPr>
+          <a:lstStyle/>
           <a:p>
             <a:pPr algn="ctr"/>
-            <a:endParaRPr b="0" lang="de-AT" sz="3200" spc="-1" strike="noStrike">
+            <a:endParaRPr lang="de-AT" sz="3200" b="0" strike="noStrike" spc="-1">
               <a:latin typeface="Arial"/>
             </a:endParaRPr>
           </a:p>
@@ -2149,11 +2511,14 @@
       </p:sp>
     </p:spTree>
   </p:cSld>
+  <p:clrMapOvr>
+    <a:masterClrMapping/>
+  </p:clrMapOvr>
 </p:sldLayout>
 </file>
 
 <file path=ppt/slideLayouts/slideLayout20.xml><?xml version="1.0" encoding="utf-8"?>
-<p:sldLayout xmlns:a="http://schemas.openxmlformats.org/drawingml/2006/main" xmlns:p="http://schemas.openxmlformats.org/presentationml/2006/main" xmlns:r="http://schemas.openxmlformats.org/officeDocument/2006/relationships" xmlns:p14="http://schemas.microsoft.com/office/powerpoint/2010/main" xmlns:p15="http://schemas.microsoft.com/office/powerpoint/2012/main" xmlns:mc="http://schemas.openxmlformats.org/markup-compatibility/2006" type="objAndTwoObj" preserve="1">
+<p:sldLayout xmlns:a="http://schemas.openxmlformats.org/drawingml/2006/main" xmlns:r="http://schemas.openxmlformats.org/officeDocument/2006/relationships" xmlns:p="http://schemas.openxmlformats.org/presentationml/2006/main" type="objAndTwoObj" preserve="1">
   <p:cSld name="Title Content and 2 Content">
     <p:spTree>
       <p:nvGrpSpPr>
@@ -2189,12 +2554,13 @@
           </a:prstGeom>
         </p:spPr>
         <p:txBody>
-          <a:bodyPr lIns="0" rIns="0" tIns="0" bIns="0" anchor="ctr">
+          <a:bodyPr lIns="0" tIns="0" rIns="0" bIns="0" anchor="ctr">
             <a:noAutofit/>
           </a:bodyPr>
+          <a:lstStyle/>
           <a:p>
             <a:pPr algn="ctr"/>
-            <a:endParaRPr b="0" lang="de-AT" sz="4400" spc="-1" strike="noStrike">
+            <a:endParaRPr lang="de-AT" sz="4400" b="0" strike="noStrike" spc="-1">
               <a:latin typeface="Arial"/>
             </a:endParaRPr>
           </a:p>
@@ -2220,11 +2586,12 @@
           </a:prstGeom>
         </p:spPr>
         <p:txBody>
-          <a:bodyPr lIns="0" rIns="0" tIns="0" bIns="0">
+          <a:bodyPr lIns="0" tIns="0" rIns="0" bIns="0">
             <a:normAutofit/>
           </a:bodyPr>
-          <a:p>
-            <a:endParaRPr b="0" lang="de-AT" sz="3200" spc="-1" strike="noStrike">
+          <a:lstStyle/>
+          <a:p>
+            <a:endParaRPr lang="de-AT" sz="3200" b="0" strike="noStrike" spc="-1">
               <a:latin typeface="Arial"/>
             </a:endParaRPr>
           </a:p>
@@ -2250,11 +2617,12 @@
           </a:prstGeom>
         </p:spPr>
         <p:txBody>
-          <a:bodyPr lIns="0" rIns="0" tIns="0" bIns="0">
+          <a:bodyPr lIns="0" tIns="0" rIns="0" bIns="0">
             <a:normAutofit/>
           </a:bodyPr>
-          <a:p>
-            <a:endParaRPr b="0" lang="de-AT" sz="3200" spc="-1" strike="noStrike">
+          <a:lstStyle/>
+          <a:p>
+            <a:endParaRPr lang="de-AT" sz="3200" b="0" strike="noStrike" spc="-1">
               <a:latin typeface="Arial"/>
             </a:endParaRPr>
           </a:p>
@@ -2280,11 +2648,12 @@
           </a:prstGeom>
         </p:spPr>
         <p:txBody>
-          <a:bodyPr lIns="0" rIns="0" tIns="0" bIns="0">
+          <a:bodyPr lIns="0" tIns="0" rIns="0" bIns="0">
             <a:normAutofit/>
           </a:bodyPr>
-          <a:p>
-            <a:endParaRPr b="0" lang="de-AT" sz="3200" spc="-1" strike="noStrike">
+          <a:lstStyle/>
+          <a:p>
+            <a:endParaRPr lang="de-AT" sz="3200" b="0" strike="noStrike" spc="-1">
               <a:latin typeface="Arial"/>
             </a:endParaRPr>
           </a:p>
@@ -2292,11 +2661,14 @@
       </p:sp>
     </p:spTree>
   </p:cSld>
+  <p:clrMapOvr>
+    <a:masterClrMapping/>
+  </p:clrMapOvr>
 </p:sldLayout>
 </file>
 
 <file path=ppt/slideLayouts/slideLayout21.xml><?xml version="1.0" encoding="utf-8"?>
-<p:sldLayout xmlns:a="http://schemas.openxmlformats.org/drawingml/2006/main" xmlns:p="http://schemas.openxmlformats.org/presentationml/2006/main" xmlns:r="http://schemas.openxmlformats.org/officeDocument/2006/relationships" xmlns:p14="http://schemas.microsoft.com/office/powerpoint/2010/main" xmlns:p15="http://schemas.microsoft.com/office/powerpoint/2012/main" xmlns:mc="http://schemas.openxmlformats.org/markup-compatibility/2006" type="twoObjOverTx" preserve="1">
+<p:sldLayout xmlns:a="http://schemas.openxmlformats.org/drawingml/2006/main" xmlns:r="http://schemas.openxmlformats.org/officeDocument/2006/relationships" xmlns:p="http://schemas.openxmlformats.org/presentationml/2006/main" type="twoObjOverTx" preserve="1">
   <p:cSld name="Title, 2 Content over Content">
     <p:spTree>
       <p:nvGrpSpPr>
@@ -2332,12 +2704,13 @@
           </a:prstGeom>
         </p:spPr>
         <p:txBody>
-          <a:bodyPr lIns="0" rIns="0" tIns="0" bIns="0" anchor="ctr">
+          <a:bodyPr lIns="0" tIns="0" rIns="0" bIns="0" anchor="ctr">
             <a:noAutofit/>
           </a:bodyPr>
+          <a:lstStyle/>
           <a:p>
             <a:pPr algn="ctr"/>
-            <a:endParaRPr b="0" lang="de-AT" sz="4400" spc="-1" strike="noStrike">
+            <a:endParaRPr lang="de-AT" sz="4400" b="0" strike="noStrike" spc="-1">
               <a:latin typeface="Arial"/>
             </a:endParaRPr>
           </a:p>
@@ -2363,11 +2736,12 @@
           </a:prstGeom>
         </p:spPr>
         <p:txBody>
-          <a:bodyPr lIns="0" rIns="0" tIns="0" bIns="0">
+          <a:bodyPr lIns="0" tIns="0" rIns="0" bIns="0">
             <a:normAutofit/>
           </a:bodyPr>
-          <a:p>
-            <a:endParaRPr b="0" lang="de-AT" sz="3200" spc="-1" strike="noStrike">
+          <a:lstStyle/>
+          <a:p>
+            <a:endParaRPr lang="de-AT" sz="3200" b="0" strike="noStrike" spc="-1">
               <a:latin typeface="Arial"/>
             </a:endParaRPr>
           </a:p>
@@ -2393,11 +2767,12 @@
           </a:prstGeom>
         </p:spPr>
         <p:txBody>
-          <a:bodyPr lIns="0" rIns="0" tIns="0" bIns="0">
+          <a:bodyPr lIns="0" tIns="0" rIns="0" bIns="0">
             <a:normAutofit/>
           </a:bodyPr>
-          <a:p>
-            <a:endParaRPr b="0" lang="de-AT" sz="3200" spc="-1" strike="noStrike">
+          <a:lstStyle/>
+          <a:p>
+            <a:endParaRPr lang="de-AT" sz="3200" b="0" strike="noStrike" spc="-1">
               <a:latin typeface="Arial"/>
             </a:endParaRPr>
           </a:p>
@@ -2423,11 +2798,12 @@
           </a:prstGeom>
         </p:spPr>
         <p:txBody>
-          <a:bodyPr lIns="0" rIns="0" tIns="0" bIns="0">
+          <a:bodyPr lIns="0" tIns="0" rIns="0" bIns="0">
             <a:normAutofit/>
           </a:bodyPr>
-          <a:p>
-            <a:endParaRPr b="0" lang="de-AT" sz="3200" spc="-1" strike="noStrike">
+          <a:lstStyle/>
+          <a:p>
+            <a:endParaRPr lang="de-AT" sz="3200" b="0" strike="noStrike" spc="-1">
               <a:latin typeface="Arial"/>
             </a:endParaRPr>
           </a:p>
@@ -2435,11 +2811,14 @@
       </p:sp>
     </p:spTree>
   </p:cSld>
+  <p:clrMapOvr>
+    <a:masterClrMapping/>
+  </p:clrMapOvr>
 </p:sldLayout>
 </file>
 
 <file path=ppt/slideLayouts/slideLayout22.xml><?xml version="1.0" encoding="utf-8"?>
-<p:sldLayout xmlns:a="http://schemas.openxmlformats.org/drawingml/2006/main" xmlns:p="http://schemas.openxmlformats.org/presentationml/2006/main" xmlns:r="http://schemas.openxmlformats.org/officeDocument/2006/relationships" xmlns:p14="http://schemas.microsoft.com/office/powerpoint/2010/main" xmlns:p15="http://schemas.microsoft.com/office/powerpoint/2012/main" xmlns:mc="http://schemas.openxmlformats.org/markup-compatibility/2006" type="objOverTx" preserve="1">
+<p:sldLayout xmlns:a="http://schemas.openxmlformats.org/drawingml/2006/main" xmlns:r="http://schemas.openxmlformats.org/officeDocument/2006/relationships" xmlns:p="http://schemas.openxmlformats.org/presentationml/2006/main" type="objOverTx" preserve="1">
   <p:cSld name="Title, Content over Content">
     <p:spTree>
       <p:nvGrpSpPr>
@@ -2475,12 +2854,13 @@
           </a:prstGeom>
         </p:spPr>
         <p:txBody>
-          <a:bodyPr lIns="0" rIns="0" tIns="0" bIns="0" anchor="ctr">
+          <a:bodyPr lIns="0" tIns="0" rIns="0" bIns="0" anchor="ctr">
             <a:noAutofit/>
           </a:bodyPr>
+          <a:lstStyle/>
           <a:p>
             <a:pPr algn="ctr"/>
-            <a:endParaRPr b="0" lang="de-AT" sz="4400" spc="-1" strike="noStrike">
+            <a:endParaRPr lang="de-AT" sz="4400" b="0" strike="noStrike" spc="-1">
               <a:latin typeface="Arial"/>
             </a:endParaRPr>
           </a:p>
@@ -2506,11 +2886,12 @@
           </a:prstGeom>
         </p:spPr>
         <p:txBody>
-          <a:bodyPr lIns="0" rIns="0" tIns="0" bIns="0">
+          <a:bodyPr lIns="0" tIns="0" rIns="0" bIns="0">
             <a:normAutofit/>
           </a:bodyPr>
-          <a:p>
-            <a:endParaRPr b="0" lang="de-AT" sz="3200" spc="-1" strike="noStrike">
+          <a:lstStyle/>
+          <a:p>
+            <a:endParaRPr lang="de-AT" sz="3200" b="0" strike="noStrike" spc="-1">
               <a:latin typeface="Arial"/>
             </a:endParaRPr>
           </a:p>
@@ -2536,11 +2917,12 @@
           </a:prstGeom>
         </p:spPr>
         <p:txBody>
-          <a:bodyPr lIns="0" rIns="0" tIns="0" bIns="0">
+          <a:bodyPr lIns="0" tIns="0" rIns="0" bIns="0">
             <a:normAutofit/>
           </a:bodyPr>
-          <a:p>
-            <a:endParaRPr b="0" lang="de-AT" sz="3200" spc="-1" strike="noStrike">
+          <a:lstStyle/>
+          <a:p>
+            <a:endParaRPr lang="de-AT" sz="3200" b="0" strike="noStrike" spc="-1">
               <a:latin typeface="Arial"/>
             </a:endParaRPr>
           </a:p>
@@ -2548,11 +2930,14 @@
       </p:sp>
     </p:spTree>
   </p:cSld>
+  <p:clrMapOvr>
+    <a:masterClrMapping/>
+  </p:clrMapOvr>
 </p:sldLayout>
 </file>
 
 <file path=ppt/slideLayouts/slideLayout23.xml><?xml version="1.0" encoding="utf-8"?>
-<p:sldLayout xmlns:a="http://schemas.openxmlformats.org/drawingml/2006/main" xmlns:p="http://schemas.openxmlformats.org/presentationml/2006/main" xmlns:r="http://schemas.openxmlformats.org/officeDocument/2006/relationships" xmlns:p14="http://schemas.microsoft.com/office/powerpoint/2010/main" xmlns:p15="http://schemas.microsoft.com/office/powerpoint/2012/main" xmlns:mc="http://schemas.openxmlformats.org/markup-compatibility/2006" type="fourObj" preserve="1">
+<p:sldLayout xmlns:a="http://schemas.openxmlformats.org/drawingml/2006/main" xmlns:r="http://schemas.openxmlformats.org/officeDocument/2006/relationships" xmlns:p="http://schemas.openxmlformats.org/presentationml/2006/main" type="fourObj" preserve="1">
   <p:cSld name="Title, 4 Content">
     <p:spTree>
       <p:nvGrpSpPr>
@@ -2588,12 +2973,13 @@
           </a:prstGeom>
         </p:spPr>
         <p:txBody>
-          <a:bodyPr lIns="0" rIns="0" tIns="0" bIns="0" anchor="ctr">
+          <a:bodyPr lIns="0" tIns="0" rIns="0" bIns="0" anchor="ctr">
             <a:noAutofit/>
           </a:bodyPr>
+          <a:lstStyle/>
           <a:p>
             <a:pPr algn="ctr"/>
-            <a:endParaRPr b="0" lang="de-AT" sz="4400" spc="-1" strike="noStrike">
+            <a:endParaRPr lang="de-AT" sz="4400" b="0" strike="noStrike" spc="-1">
               <a:latin typeface="Arial"/>
             </a:endParaRPr>
           </a:p>
@@ -2619,11 +3005,12 @@
           </a:prstGeom>
         </p:spPr>
         <p:txBody>
-          <a:bodyPr lIns="0" rIns="0" tIns="0" bIns="0">
+          <a:bodyPr lIns="0" tIns="0" rIns="0" bIns="0">
             <a:normAutofit/>
           </a:bodyPr>
-          <a:p>
-            <a:endParaRPr b="0" lang="de-AT" sz="3200" spc="-1" strike="noStrike">
+          <a:lstStyle/>
+          <a:p>
+            <a:endParaRPr lang="de-AT" sz="3200" b="0" strike="noStrike" spc="-1">
               <a:latin typeface="Arial"/>
             </a:endParaRPr>
           </a:p>
@@ -2649,11 +3036,12 @@
           </a:prstGeom>
         </p:spPr>
         <p:txBody>
-          <a:bodyPr lIns="0" rIns="0" tIns="0" bIns="0">
+          <a:bodyPr lIns="0" tIns="0" rIns="0" bIns="0">
             <a:normAutofit/>
           </a:bodyPr>
-          <a:p>
-            <a:endParaRPr b="0" lang="de-AT" sz="3200" spc="-1" strike="noStrike">
+          <a:lstStyle/>
+          <a:p>
+            <a:endParaRPr lang="de-AT" sz="3200" b="0" strike="noStrike" spc="-1">
               <a:latin typeface="Arial"/>
             </a:endParaRPr>
           </a:p>
@@ -2679,11 +3067,12 @@
           </a:prstGeom>
         </p:spPr>
         <p:txBody>
-          <a:bodyPr lIns="0" rIns="0" tIns="0" bIns="0">
+          <a:bodyPr lIns="0" tIns="0" rIns="0" bIns="0">
             <a:normAutofit/>
           </a:bodyPr>
-          <a:p>
-            <a:endParaRPr b="0" lang="de-AT" sz="3200" spc="-1" strike="noStrike">
+          <a:lstStyle/>
+          <a:p>
+            <a:endParaRPr lang="de-AT" sz="3200" b="0" strike="noStrike" spc="-1">
               <a:latin typeface="Arial"/>
             </a:endParaRPr>
           </a:p>
@@ -2709,11 +3098,12 @@
           </a:prstGeom>
         </p:spPr>
         <p:txBody>
-          <a:bodyPr lIns="0" rIns="0" tIns="0" bIns="0">
+          <a:bodyPr lIns="0" tIns="0" rIns="0" bIns="0">
             <a:normAutofit/>
           </a:bodyPr>
-          <a:p>
-            <a:endParaRPr b="0" lang="de-AT" sz="3200" spc="-1" strike="noStrike">
+          <a:lstStyle/>
+          <a:p>
+            <a:endParaRPr lang="de-AT" sz="3200" b="0" strike="noStrike" spc="-1">
               <a:latin typeface="Arial"/>
             </a:endParaRPr>
           </a:p>
@@ -2721,11 +3111,14 @@
       </p:sp>
     </p:spTree>
   </p:cSld>
+  <p:clrMapOvr>
+    <a:masterClrMapping/>
+  </p:clrMapOvr>
 </p:sldLayout>
 </file>
 
 <file path=ppt/slideLayouts/slideLayout24.xml><?xml version="1.0" encoding="utf-8"?>
-<p:sldLayout xmlns:a="http://schemas.openxmlformats.org/drawingml/2006/main" xmlns:p="http://schemas.openxmlformats.org/presentationml/2006/main" xmlns:r="http://schemas.openxmlformats.org/officeDocument/2006/relationships" xmlns:p14="http://schemas.microsoft.com/office/powerpoint/2010/main" xmlns:p15="http://schemas.microsoft.com/office/powerpoint/2012/main" xmlns:mc="http://schemas.openxmlformats.org/markup-compatibility/2006" type="blank" preserve="1">
+<p:sldLayout xmlns:a="http://schemas.openxmlformats.org/drawingml/2006/main" xmlns:r="http://schemas.openxmlformats.org/officeDocument/2006/relationships" xmlns:p="http://schemas.openxmlformats.org/presentationml/2006/main" type="blank" preserve="1">
   <p:cSld name="Title, 6 Content">
     <p:spTree>
       <p:nvGrpSpPr>
@@ -2761,12 +3154,13 @@
           </a:prstGeom>
         </p:spPr>
         <p:txBody>
-          <a:bodyPr lIns="0" rIns="0" tIns="0" bIns="0" anchor="ctr">
+          <a:bodyPr lIns="0" tIns="0" rIns="0" bIns="0" anchor="ctr">
             <a:noAutofit/>
           </a:bodyPr>
+          <a:lstStyle/>
           <a:p>
             <a:pPr algn="ctr"/>
-            <a:endParaRPr b="0" lang="de-AT" sz="4400" spc="-1" strike="noStrike">
+            <a:endParaRPr lang="de-AT" sz="4400" b="0" strike="noStrike" spc="-1">
               <a:latin typeface="Arial"/>
             </a:endParaRPr>
           </a:p>
@@ -2792,11 +3186,12 @@
           </a:prstGeom>
         </p:spPr>
         <p:txBody>
-          <a:bodyPr lIns="0" rIns="0" tIns="0" bIns="0">
+          <a:bodyPr lIns="0" tIns="0" rIns="0" bIns="0">
             <a:normAutofit/>
           </a:bodyPr>
-          <a:p>
-            <a:endParaRPr b="0" lang="de-AT" sz="3200" spc="-1" strike="noStrike">
+          <a:lstStyle/>
+          <a:p>
+            <a:endParaRPr lang="de-AT" sz="3200" b="0" strike="noStrike" spc="-1">
               <a:latin typeface="Arial"/>
             </a:endParaRPr>
           </a:p>
@@ -2822,11 +3217,12 @@
           </a:prstGeom>
         </p:spPr>
         <p:txBody>
-          <a:bodyPr lIns="0" rIns="0" tIns="0" bIns="0">
+          <a:bodyPr lIns="0" tIns="0" rIns="0" bIns="0">
             <a:normAutofit/>
           </a:bodyPr>
-          <a:p>
-            <a:endParaRPr b="0" lang="de-AT" sz="3200" spc="-1" strike="noStrike">
+          <a:lstStyle/>
+          <a:p>
+            <a:endParaRPr lang="de-AT" sz="3200" b="0" strike="noStrike" spc="-1">
               <a:latin typeface="Arial"/>
             </a:endParaRPr>
           </a:p>
@@ -2852,11 +3248,12 @@
           </a:prstGeom>
         </p:spPr>
         <p:txBody>
-          <a:bodyPr lIns="0" rIns="0" tIns="0" bIns="0">
+          <a:bodyPr lIns="0" tIns="0" rIns="0" bIns="0">
             <a:normAutofit/>
           </a:bodyPr>
-          <a:p>
-            <a:endParaRPr b="0" lang="de-AT" sz="3200" spc="-1" strike="noStrike">
+          <a:lstStyle/>
+          <a:p>
+            <a:endParaRPr lang="de-AT" sz="3200" b="0" strike="noStrike" spc="-1">
               <a:latin typeface="Arial"/>
             </a:endParaRPr>
           </a:p>
@@ -2882,11 +3279,12 @@
           </a:prstGeom>
         </p:spPr>
         <p:txBody>
-          <a:bodyPr lIns="0" rIns="0" tIns="0" bIns="0">
+          <a:bodyPr lIns="0" tIns="0" rIns="0" bIns="0">
             <a:normAutofit/>
           </a:bodyPr>
-          <a:p>
-            <a:endParaRPr b="0" lang="de-AT" sz="3200" spc="-1" strike="noStrike">
+          <a:lstStyle/>
+          <a:p>
+            <a:endParaRPr lang="de-AT" sz="3200" b="0" strike="noStrike" spc="-1">
               <a:latin typeface="Arial"/>
             </a:endParaRPr>
           </a:p>
@@ -2912,11 +3310,12 @@
           </a:prstGeom>
         </p:spPr>
         <p:txBody>
-          <a:bodyPr lIns="0" rIns="0" tIns="0" bIns="0">
+          <a:bodyPr lIns="0" tIns="0" rIns="0" bIns="0">
             <a:normAutofit/>
           </a:bodyPr>
-          <a:p>
-            <a:endParaRPr b="0" lang="de-AT" sz="3200" spc="-1" strike="noStrike">
+          <a:lstStyle/>
+          <a:p>
+            <a:endParaRPr lang="de-AT" sz="3200" b="0" strike="noStrike" spc="-1">
               <a:latin typeface="Arial"/>
             </a:endParaRPr>
           </a:p>
@@ -2942,11 +3341,12 @@
           </a:prstGeom>
         </p:spPr>
         <p:txBody>
-          <a:bodyPr lIns="0" rIns="0" tIns="0" bIns="0">
+          <a:bodyPr lIns="0" tIns="0" rIns="0" bIns="0">
             <a:normAutofit/>
           </a:bodyPr>
-          <a:p>
-            <a:endParaRPr b="0" lang="de-AT" sz="3200" spc="-1" strike="noStrike">
+          <a:lstStyle/>
+          <a:p>
+            <a:endParaRPr lang="de-AT" sz="3200" b="0" strike="noStrike" spc="-1">
               <a:latin typeface="Arial"/>
             </a:endParaRPr>
           </a:p>
@@ -2954,11 +3354,14 @@
       </p:sp>
     </p:spTree>
   </p:cSld>
+  <p:clrMapOvr>
+    <a:masterClrMapping/>
+  </p:clrMapOvr>
 </p:sldLayout>
 </file>
 
 <file path=ppt/slideLayouts/slideLayout25.xml><?xml version="1.0" encoding="utf-8"?>
-<p:sldLayout xmlns:a="http://schemas.openxmlformats.org/drawingml/2006/main" xmlns:p="http://schemas.openxmlformats.org/presentationml/2006/main" xmlns:r="http://schemas.openxmlformats.org/officeDocument/2006/relationships" xmlns:p14="http://schemas.microsoft.com/office/powerpoint/2010/main" xmlns:p15="http://schemas.microsoft.com/office/powerpoint/2012/main" xmlns:mc="http://schemas.openxmlformats.org/markup-compatibility/2006" type="blank" preserve="1">
+<p:sldLayout xmlns:a="http://schemas.openxmlformats.org/drawingml/2006/main" xmlns:r="http://schemas.openxmlformats.org/officeDocument/2006/relationships" xmlns:p="http://schemas.openxmlformats.org/presentationml/2006/main" type="blank" preserve="1">
   <p:cSld name="Blank Slide">
     <p:spTree>
       <p:nvGrpSpPr>
@@ -2976,11 +3379,14 @@
       </p:grpSpPr>
     </p:spTree>
   </p:cSld>
+  <p:clrMapOvr>
+    <a:masterClrMapping/>
+  </p:clrMapOvr>
 </p:sldLayout>
 </file>
 
 <file path=ppt/slideLayouts/slideLayout26.xml><?xml version="1.0" encoding="utf-8"?>
-<p:sldLayout xmlns:a="http://schemas.openxmlformats.org/drawingml/2006/main" xmlns:p="http://schemas.openxmlformats.org/presentationml/2006/main" xmlns:r="http://schemas.openxmlformats.org/officeDocument/2006/relationships" xmlns:p14="http://schemas.microsoft.com/office/powerpoint/2010/main" xmlns:p15="http://schemas.microsoft.com/office/powerpoint/2012/main" xmlns:mc="http://schemas.openxmlformats.org/markup-compatibility/2006" type="tx" preserve="1">
+<p:sldLayout xmlns:a="http://schemas.openxmlformats.org/drawingml/2006/main" xmlns:r="http://schemas.openxmlformats.org/officeDocument/2006/relationships" xmlns:p="http://schemas.openxmlformats.org/presentationml/2006/main" type="tx" preserve="1">
   <p:cSld name="Title Slide">
     <p:spTree>
       <p:nvGrpSpPr>
@@ -3016,12 +3422,13 @@
           </a:prstGeom>
         </p:spPr>
         <p:txBody>
-          <a:bodyPr lIns="0" rIns="0" tIns="0" bIns="0" anchor="ctr">
+          <a:bodyPr lIns="0" tIns="0" rIns="0" bIns="0" anchor="ctr">
             <a:noAutofit/>
           </a:bodyPr>
+          <a:lstStyle/>
           <a:p>
             <a:pPr algn="ctr"/>
-            <a:endParaRPr b="0" lang="de-AT" sz="4400" spc="-1" strike="noStrike">
+            <a:endParaRPr lang="de-AT" sz="4400" b="0" strike="noStrike" spc="-1">
               <a:latin typeface="Arial"/>
             </a:endParaRPr>
           </a:p>
@@ -3047,12 +3454,13 @@
           </a:prstGeom>
         </p:spPr>
         <p:txBody>
-          <a:bodyPr lIns="0" rIns="0" tIns="0" bIns="0" anchor="ctr">
+          <a:bodyPr lIns="0" tIns="0" rIns="0" bIns="0" anchor="ctr">
             <a:noAutofit/>
           </a:bodyPr>
+          <a:lstStyle/>
           <a:p>
             <a:pPr algn="ctr"/>
-            <a:endParaRPr b="0" lang="de-AT" sz="3200" spc="-1" strike="noStrike">
+            <a:endParaRPr lang="de-AT" sz="3200" b="0" strike="noStrike" spc="-1">
               <a:latin typeface="Arial"/>
             </a:endParaRPr>
           </a:p>
@@ -3060,11 +3468,14 @@
       </p:sp>
     </p:spTree>
   </p:cSld>
+  <p:clrMapOvr>
+    <a:masterClrMapping/>
+  </p:clrMapOvr>
 </p:sldLayout>
 </file>
 
 <file path=ppt/slideLayouts/slideLayout27.xml><?xml version="1.0" encoding="utf-8"?>
-<p:sldLayout xmlns:a="http://schemas.openxmlformats.org/drawingml/2006/main" xmlns:p="http://schemas.openxmlformats.org/presentationml/2006/main" xmlns:r="http://schemas.openxmlformats.org/officeDocument/2006/relationships" xmlns:p14="http://schemas.microsoft.com/office/powerpoint/2010/main" xmlns:p15="http://schemas.microsoft.com/office/powerpoint/2012/main" xmlns:mc="http://schemas.openxmlformats.org/markup-compatibility/2006" type="obj" preserve="1">
+<p:sldLayout xmlns:a="http://schemas.openxmlformats.org/drawingml/2006/main" xmlns:r="http://schemas.openxmlformats.org/officeDocument/2006/relationships" xmlns:p="http://schemas.openxmlformats.org/presentationml/2006/main" type="obj" preserve="1">
   <p:cSld name="Title, Content">
     <p:spTree>
       <p:nvGrpSpPr>
@@ -3100,12 +3511,13 @@
           </a:prstGeom>
         </p:spPr>
         <p:txBody>
-          <a:bodyPr lIns="0" rIns="0" tIns="0" bIns="0" anchor="ctr">
+          <a:bodyPr lIns="0" tIns="0" rIns="0" bIns="0" anchor="ctr">
             <a:noAutofit/>
           </a:bodyPr>
+          <a:lstStyle/>
           <a:p>
             <a:pPr algn="ctr"/>
-            <a:endParaRPr b="0" lang="de-AT" sz="4400" spc="-1" strike="noStrike">
+            <a:endParaRPr lang="de-AT" sz="4400" b="0" strike="noStrike" spc="-1">
               <a:latin typeface="Arial"/>
             </a:endParaRPr>
           </a:p>
@@ -3131,11 +3543,12 @@
           </a:prstGeom>
         </p:spPr>
         <p:txBody>
-          <a:bodyPr lIns="0" rIns="0" tIns="0" bIns="0">
+          <a:bodyPr lIns="0" tIns="0" rIns="0" bIns="0">
             <a:normAutofit/>
           </a:bodyPr>
-          <a:p>
-            <a:endParaRPr b="0" lang="de-AT" sz="3200" spc="-1" strike="noStrike">
+          <a:lstStyle/>
+          <a:p>
+            <a:endParaRPr lang="de-AT" sz="3200" b="0" strike="noStrike" spc="-1">
               <a:latin typeface="Arial"/>
             </a:endParaRPr>
           </a:p>
@@ -3143,11 +3556,14 @@
       </p:sp>
     </p:spTree>
   </p:cSld>
+  <p:clrMapOvr>
+    <a:masterClrMapping/>
+  </p:clrMapOvr>
 </p:sldLayout>
 </file>
 
 <file path=ppt/slideLayouts/slideLayout28.xml><?xml version="1.0" encoding="utf-8"?>
-<p:sldLayout xmlns:a="http://schemas.openxmlformats.org/drawingml/2006/main" xmlns:p="http://schemas.openxmlformats.org/presentationml/2006/main" xmlns:r="http://schemas.openxmlformats.org/officeDocument/2006/relationships" xmlns:p14="http://schemas.microsoft.com/office/powerpoint/2010/main" xmlns:p15="http://schemas.microsoft.com/office/powerpoint/2012/main" xmlns:mc="http://schemas.openxmlformats.org/markup-compatibility/2006" type="twoObj" preserve="1">
+<p:sldLayout xmlns:a="http://schemas.openxmlformats.org/drawingml/2006/main" xmlns:r="http://schemas.openxmlformats.org/officeDocument/2006/relationships" xmlns:p="http://schemas.openxmlformats.org/presentationml/2006/main" type="twoObj" preserve="1">
   <p:cSld name="Title, 2 Content">
     <p:spTree>
       <p:nvGrpSpPr>
@@ -3183,12 +3599,13 @@
           </a:prstGeom>
         </p:spPr>
         <p:txBody>
-          <a:bodyPr lIns="0" rIns="0" tIns="0" bIns="0" anchor="ctr">
+          <a:bodyPr lIns="0" tIns="0" rIns="0" bIns="0" anchor="ctr">
             <a:noAutofit/>
           </a:bodyPr>
+          <a:lstStyle/>
           <a:p>
             <a:pPr algn="ctr"/>
-            <a:endParaRPr b="0" lang="de-AT" sz="4400" spc="-1" strike="noStrike">
+            <a:endParaRPr lang="de-AT" sz="4400" b="0" strike="noStrike" spc="-1">
               <a:latin typeface="Arial"/>
             </a:endParaRPr>
           </a:p>
@@ -3214,11 +3631,12 @@
           </a:prstGeom>
         </p:spPr>
         <p:txBody>
-          <a:bodyPr lIns="0" rIns="0" tIns="0" bIns="0">
+          <a:bodyPr lIns="0" tIns="0" rIns="0" bIns="0">
             <a:normAutofit/>
           </a:bodyPr>
-          <a:p>
-            <a:endParaRPr b="0" lang="de-AT" sz="3200" spc="-1" strike="noStrike">
+          <a:lstStyle/>
+          <a:p>
+            <a:endParaRPr lang="de-AT" sz="3200" b="0" strike="noStrike" spc="-1">
               <a:latin typeface="Arial"/>
             </a:endParaRPr>
           </a:p>
@@ -3244,11 +3662,12 @@
           </a:prstGeom>
         </p:spPr>
         <p:txBody>
-          <a:bodyPr lIns="0" rIns="0" tIns="0" bIns="0">
+          <a:bodyPr lIns="0" tIns="0" rIns="0" bIns="0">
             <a:normAutofit/>
           </a:bodyPr>
-          <a:p>
-            <a:endParaRPr b="0" lang="de-AT" sz="3200" spc="-1" strike="noStrike">
+          <a:lstStyle/>
+          <a:p>
+            <a:endParaRPr lang="de-AT" sz="3200" b="0" strike="noStrike" spc="-1">
               <a:latin typeface="Arial"/>
             </a:endParaRPr>
           </a:p>
@@ -3256,11 +3675,14 @@
       </p:sp>
     </p:spTree>
   </p:cSld>
+  <p:clrMapOvr>
+    <a:masterClrMapping/>
+  </p:clrMapOvr>
 </p:sldLayout>
 </file>
 
 <file path=ppt/slideLayouts/slideLayout29.xml><?xml version="1.0" encoding="utf-8"?>
-<p:sldLayout xmlns:a="http://schemas.openxmlformats.org/drawingml/2006/main" xmlns:p="http://schemas.openxmlformats.org/presentationml/2006/main" xmlns:r="http://schemas.openxmlformats.org/officeDocument/2006/relationships" xmlns:p14="http://schemas.microsoft.com/office/powerpoint/2010/main" xmlns:p15="http://schemas.microsoft.com/office/powerpoint/2012/main" xmlns:mc="http://schemas.openxmlformats.org/markup-compatibility/2006" type="titleOnly" preserve="1">
+<p:sldLayout xmlns:a="http://schemas.openxmlformats.org/drawingml/2006/main" xmlns:r="http://schemas.openxmlformats.org/officeDocument/2006/relationships" xmlns:p="http://schemas.openxmlformats.org/presentationml/2006/main" type="titleOnly" preserve="1">
   <p:cSld name="Title Only">
     <p:spTree>
       <p:nvGrpSpPr>
@@ -3296,12 +3718,13 @@
           </a:prstGeom>
         </p:spPr>
         <p:txBody>
-          <a:bodyPr lIns="0" rIns="0" tIns="0" bIns="0" anchor="ctr">
+          <a:bodyPr lIns="0" tIns="0" rIns="0" bIns="0" anchor="ctr">
             <a:noAutofit/>
           </a:bodyPr>
+          <a:lstStyle/>
           <a:p>
             <a:pPr algn="ctr"/>
-            <a:endParaRPr b="0" lang="de-AT" sz="4400" spc="-1" strike="noStrike">
+            <a:endParaRPr lang="de-AT" sz="4400" b="0" strike="noStrike" spc="-1">
               <a:latin typeface="Arial"/>
             </a:endParaRPr>
           </a:p>
@@ -3309,11 +3732,14 @@
       </p:sp>
     </p:spTree>
   </p:cSld>
+  <p:clrMapOvr>
+    <a:masterClrMapping/>
+  </p:clrMapOvr>
 </p:sldLayout>
 </file>
 
 <file path=ppt/slideLayouts/slideLayout3.xml><?xml version="1.0" encoding="utf-8"?>
-<p:sldLayout xmlns:a="http://schemas.openxmlformats.org/drawingml/2006/main" xmlns:p="http://schemas.openxmlformats.org/presentationml/2006/main" xmlns:r="http://schemas.openxmlformats.org/officeDocument/2006/relationships" xmlns:p14="http://schemas.microsoft.com/office/powerpoint/2010/main" xmlns:p15="http://schemas.microsoft.com/office/powerpoint/2012/main" xmlns:mc="http://schemas.openxmlformats.org/markup-compatibility/2006" type="obj" preserve="1">
+<p:sldLayout xmlns:a="http://schemas.openxmlformats.org/drawingml/2006/main" xmlns:r="http://schemas.openxmlformats.org/officeDocument/2006/relationships" xmlns:p="http://schemas.openxmlformats.org/presentationml/2006/main" type="obj" preserve="1">
   <p:cSld name="Title, Content">
     <p:spTree>
       <p:nvGrpSpPr>
@@ -3349,12 +3775,13 @@
           </a:prstGeom>
         </p:spPr>
         <p:txBody>
-          <a:bodyPr lIns="0" rIns="0" tIns="0" bIns="0" anchor="ctr">
+          <a:bodyPr lIns="0" tIns="0" rIns="0" bIns="0" anchor="ctr">
             <a:noAutofit/>
           </a:bodyPr>
+          <a:lstStyle/>
           <a:p>
             <a:pPr algn="ctr"/>
-            <a:endParaRPr b="0" lang="de-AT" sz="4400" spc="-1" strike="noStrike">
+            <a:endParaRPr lang="de-AT" sz="4400" b="0" strike="noStrike" spc="-1">
               <a:latin typeface="Arial"/>
             </a:endParaRPr>
           </a:p>
@@ -3380,11 +3807,12 @@
           </a:prstGeom>
         </p:spPr>
         <p:txBody>
-          <a:bodyPr lIns="0" rIns="0" tIns="0" bIns="0">
+          <a:bodyPr lIns="0" tIns="0" rIns="0" bIns="0">
             <a:normAutofit/>
           </a:bodyPr>
-          <a:p>
-            <a:endParaRPr b="0" lang="de-AT" sz="3200" spc="-1" strike="noStrike">
+          <a:lstStyle/>
+          <a:p>
+            <a:endParaRPr lang="de-AT" sz="3200" b="0" strike="noStrike" spc="-1">
               <a:latin typeface="Arial"/>
             </a:endParaRPr>
           </a:p>
@@ -3392,11 +3820,14 @@
       </p:sp>
     </p:spTree>
   </p:cSld>
+  <p:clrMapOvr>
+    <a:masterClrMapping/>
+  </p:clrMapOvr>
 </p:sldLayout>
 </file>
 
 <file path=ppt/slideLayouts/slideLayout30.xml><?xml version="1.0" encoding="utf-8"?>
-<p:sldLayout xmlns:a="http://schemas.openxmlformats.org/drawingml/2006/main" xmlns:p="http://schemas.openxmlformats.org/presentationml/2006/main" xmlns:r="http://schemas.openxmlformats.org/officeDocument/2006/relationships" xmlns:p14="http://schemas.microsoft.com/office/powerpoint/2010/main" xmlns:p15="http://schemas.microsoft.com/office/powerpoint/2012/main" xmlns:mc="http://schemas.openxmlformats.org/markup-compatibility/2006" type="objOnly" preserve="1">
+<p:sldLayout xmlns:a="http://schemas.openxmlformats.org/drawingml/2006/main" xmlns:r="http://schemas.openxmlformats.org/officeDocument/2006/relationships" xmlns:p="http://schemas.openxmlformats.org/presentationml/2006/main" type="objOnly" preserve="1">
   <p:cSld name="Centered Text">
     <p:spTree>
       <p:nvGrpSpPr>
@@ -3432,12 +3863,13 @@
           </a:prstGeom>
         </p:spPr>
         <p:txBody>
-          <a:bodyPr lIns="0" rIns="0" tIns="0" bIns="0" anchor="ctr">
+          <a:bodyPr lIns="0" tIns="0" rIns="0" bIns="0" anchor="ctr">
             <a:noAutofit/>
           </a:bodyPr>
+          <a:lstStyle/>
           <a:p>
             <a:pPr algn="ctr"/>
-            <a:endParaRPr b="0" lang="de-AT" sz="3200" spc="-1" strike="noStrike">
+            <a:endParaRPr lang="de-AT" sz="3200" b="0" strike="noStrike" spc="-1">
               <a:latin typeface="Arial"/>
             </a:endParaRPr>
           </a:p>
@@ -3445,11 +3877,14 @@
       </p:sp>
     </p:spTree>
   </p:cSld>
+  <p:clrMapOvr>
+    <a:masterClrMapping/>
+  </p:clrMapOvr>
 </p:sldLayout>
 </file>
 
 <file path=ppt/slideLayouts/slideLayout31.xml><?xml version="1.0" encoding="utf-8"?>
-<p:sldLayout xmlns:a="http://schemas.openxmlformats.org/drawingml/2006/main" xmlns:p="http://schemas.openxmlformats.org/presentationml/2006/main" xmlns:r="http://schemas.openxmlformats.org/officeDocument/2006/relationships" xmlns:p14="http://schemas.microsoft.com/office/powerpoint/2010/main" xmlns:p15="http://schemas.microsoft.com/office/powerpoint/2012/main" xmlns:mc="http://schemas.openxmlformats.org/markup-compatibility/2006" type="twoObjAndObj" preserve="1">
+<p:sldLayout xmlns:a="http://schemas.openxmlformats.org/drawingml/2006/main" xmlns:r="http://schemas.openxmlformats.org/officeDocument/2006/relationships" xmlns:p="http://schemas.openxmlformats.org/presentationml/2006/main" type="twoObjAndObj" preserve="1">
   <p:cSld name="Title, 2 Content and Content">
     <p:spTree>
       <p:nvGrpSpPr>
@@ -3485,12 +3920,13 @@
           </a:prstGeom>
         </p:spPr>
         <p:txBody>
-          <a:bodyPr lIns="0" rIns="0" tIns="0" bIns="0" anchor="ctr">
+          <a:bodyPr lIns="0" tIns="0" rIns="0" bIns="0" anchor="ctr">
             <a:noAutofit/>
           </a:bodyPr>
+          <a:lstStyle/>
           <a:p>
             <a:pPr algn="ctr"/>
-            <a:endParaRPr b="0" lang="de-AT" sz="4400" spc="-1" strike="noStrike">
+            <a:endParaRPr lang="de-AT" sz="4400" b="0" strike="noStrike" spc="-1">
               <a:latin typeface="Arial"/>
             </a:endParaRPr>
           </a:p>
@@ -3516,11 +3952,12 @@
           </a:prstGeom>
         </p:spPr>
         <p:txBody>
-          <a:bodyPr lIns="0" rIns="0" tIns="0" bIns="0">
+          <a:bodyPr lIns="0" tIns="0" rIns="0" bIns="0">
             <a:normAutofit/>
           </a:bodyPr>
-          <a:p>
-            <a:endParaRPr b="0" lang="de-AT" sz="3200" spc="-1" strike="noStrike">
+          <a:lstStyle/>
+          <a:p>
+            <a:endParaRPr lang="de-AT" sz="3200" b="0" strike="noStrike" spc="-1">
               <a:latin typeface="Arial"/>
             </a:endParaRPr>
           </a:p>
@@ -3546,11 +3983,12 @@
           </a:prstGeom>
         </p:spPr>
         <p:txBody>
-          <a:bodyPr lIns="0" rIns="0" tIns="0" bIns="0">
+          <a:bodyPr lIns="0" tIns="0" rIns="0" bIns="0">
             <a:normAutofit/>
           </a:bodyPr>
-          <a:p>
-            <a:endParaRPr b="0" lang="de-AT" sz="3200" spc="-1" strike="noStrike">
+          <a:lstStyle/>
+          <a:p>
+            <a:endParaRPr lang="de-AT" sz="3200" b="0" strike="noStrike" spc="-1">
               <a:latin typeface="Arial"/>
             </a:endParaRPr>
           </a:p>
@@ -3576,11 +4014,12 @@
           </a:prstGeom>
         </p:spPr>
         <p:txBody>
-          <a:bodyPr lIns="0" rIns="0" tIns="0" bIns="0">
+          <a:bodyPr lIns="0" tIns="0" rIns="0" bIns="0">
             <a:normAutofit/>
           </a:bodyPr>
-          <a:p>
-            <a:endParaRPr b="0" lang="de-AT" sz="3200" spc="-1" strike="noStrike">
+          <a:lstStyle/>
+          <a:p>
+            <a:endParaRPr lang="de-AT" sz="3200" b="0" strike="noStrike" spc="-1">
               <a:latin typeface="Arial"/>
             </a:endParaRPr>
           </a:p>
@@ -3588,11 +4027,14 @@
       </p:sp>
     </p:spTree>
   </p:cSld>
+  <p:clrMapOvr>
+    <a:masterClrMapping/>
+  </p:clrMapOvr>
 </p:sldLayout>
 </file>
 
 <file path=ppt/slideLayouts/slideLayout32.xml><?xml version="1.0" encoding="utf-8"?>
-<p:sldLayout xmlns:a="http://schemas.openxmlformats.org/drawingml/2006/main" xmlns:p="http://schemas.openxmlformats.org/presentationml/2006/main" xmlns:r="http://schemas.openxmlformats.org/officeDocument/2006/relationships" xmlns:p14="http://schemas.microsoft.com/office/powerpoint/2010/main" xmlns:p15="http://schemas.microsoft.com/office/powerpoint/2012/main" xmlns:mc="http://schemas.openxmlformats.org/markup-compatibility/2006" type="objAndTwoObj" preserve="1">
+<p:sldLayout xmlns:a="http://schemas.openxmlformats.org/drawingml/2006/main" xmlns:r="http://schemas.openxmlformats.org/officeDocument/2006/relationships" xmlns:p="http://schemas.openxmlformats.org/presentationml/2006/main" type="objAndTwoObj" preserve="1">
   <p:cSld name="Title Content and 2 Content">
     <p:spTree>
       <p:nvGrpSpPr>
@@ -3628,12 +4070,13 @@
           </a:prstGeom>
         </p:spPr>
         <p:txBody>
-          <a:bodyPr lIns="0" rIns="0" tIns="0" bIns="0" anchor="ctr">
+          <a:bodyPr lIns="0" tIns="0" rIns="0" bIns="0" anchor="ctr">
             <a:noAutofit/>
           </a:bodyPr>
+          <a:lstStyle/>
           <a:p>
             <a:pPr algn="ctr"/>
-            <a:endParaRPr b="0" lang="de-AT" sz="4400" spc="-1" strike="noStrike">
+            <a:endParaRPr lang="de-AT" sz="4400" b="0" strike="noStrike" spc="-1">
               <a:latin typeface="Arial"/>
             </a:endParaRPr>
           </a:p>
@@ -3659,11 +4102,12 @@
           </a:prstGeom>
         </p:spPr>
         <p:txBody>
-          <a:bodyPr lIns="0" rIns="0" tIns="0" bIns="0">
+          <a:bodyPr lIns="0" tIns="0" rIns="0" bIns="0">
             <a:normAutofit/>
           </a:bodyPr>
-          <a:p>
-            <a:endParaRPr b="0" lang="de-AT" sz="3200" spc="-1" strike="noStrike">
+          <a:lstStyle/>
+          <a:p>
+            <a:endParaRPr lang="de-AT" sz="3200" b="0" strike="noStrike" spc="-1">
               <a:latin typeface="Arial"/>
             </a:endParaRPr>
           </a:p>
@@ -3689,11 +4133,12 @@
           </a:prstGeom>
         </p:spPr>
         <p:txBody>
-          <a:bodyPr lIns="0" rIns="0" tIns="0" bIns="0">
+          <a:bodyPr lIns="0" tIns="0" rIns="0" bIns="0">
             <a:normAutofit/>
           </a:bodyPr>
-          <a:p>
-            <a:endParaRPr b="0" lang="de-AT" sz="3200" spc="-1" strike="noStrike">
+          <a:lstStyle/>
+          <a:p>
+            <a:endParaRPr lang="de-AT" sz="3200" b="0" strike="noStrike" spc="-1">
               <a:latin typeface="Arial"/>
             </a:endParaRPr>
           </a:p>
@@ -3719,11 +4164,12 @@
           </a:prstGeom>
         </p:spPr>
         <p:txBody>
-          <a:bodyPr lIns="0" rIns="0" tIns="0" bIns="0">
+          <a:bodyPr lIns="0" tIns="0" rIns="0" bIns="0">
             <a:normAutofit/>
           </a:bodyPr>
-          <a:p>
-            <a:endParaRPr b="0" lang="de-AT" sz="3200" spc="-1" strike="noStrike">
+          <a:lstStyle/>
+          <a:p>
+            <a:endParaRPr lang="de-AT" sz="3200" b="0" strike="noStrike" spc="-1">
               <a:latin typeface="Arial"/>
             </a:endParaRPr>
           </a:p>
@@ -3731,11 +4177,14 @@
       </p:sp>
     </p:spTree>
   </p:cSld>
+  <p:clrMapOvr>
+    <a:masterClrMapping/>
+  </p:clrMapOvr>
 </p:sldLayout>
 </file>
 
 <file path=ppt/slideLayouts/slideLayout33.xml><?xml version="1.0" encoding="utf-8"?>
-<p:sldLayout xmlns:a="http://schemas.openxmlformats.org/drawingml/2006/main" xmlns:p="http://schemas.openxmlformats.org/presentationml/2006/main" xmlns:r="http://schemas.openxmlformats.org/officeDocument/2006/relationships" xmlns:p14="http://schemas.microsoft.com/office/powerpoint/2010/main" xmlns:p15="http://schemas.microsoft.com/office/powerpoint/2012/main" xmlns:mc="http://schemas.openxmlformats.org/markup-compatibility/2006" type="twoObjOverTx" preserve="1">
+<p:sldLayout xmlns:a="http://schemas.openxmlformats.org/drawingml/2006/main" xmlns:r="http://schemas.openxmlformats.org/officeDocument/2006/relationships" xmlns:p="http://schemas.openxmlformats.org/presentationml/2006/main" type="twoObjOverTx" preserve="1">
   <p:cSld name="Title, 2 Content over Content">
     <p:spTree>
       <p:nvGrpSpPr>
@@ -3771,12 +4220,13 @@
           </a:prstGeom>
         </p:spPr>
         <p:txBody>
-          <a:bodyPr lIns="0" rIns="0" tIns="0" bIns="0" anchor="ctr">
+          <a:bodyPr lIns="0" tIns="0" rIns="0" bIns="0" anchor="ctr">
             <a:noAutofit/>
           </a:bodyPr>
+          <a:lstStyle/>
           <a:p>
             <a:pPr algn="ctr"/>
-            <a:endParaRPr b="0" lang="de-AT" sz="4400" spc="-1" strike="noStrike">
+            <a:endParaRPr lang="de-AT" sz="4400" b="0" strike="noStrike" spc="-1">
               <a:latin typeface="Arial"/>
             </a:endParaRPr>
           </a:p>
@@ -3802,11 +4252,12 @@
           </a:prstGeom>
         </p:spPr>
         <p:txBody>
-          <a:bodyPr lIns="0" rIns="0" tIns="0" bIns="0">
+          <a:bodyPr lIns="0" tIns="0" rIns="0" bIns="0">
             <a:normAutofit/>
           </a:bodyPr>
-          <a:p>
-            <a:endParaRPr b="0" lang="de-AT" sz="3200" spc="-1" strike="noStrike">
+          <a:lstStyle/>
+          <a:p>
+            <a:endParaRPr lang="de-AT" sz="3200" b="0" strike="noStrike" spc="-1">
               <a:latin typeface="Arial"/>
             </a:endParaRPr>
           </a:p>
@@ -3832,11 +4283,12 @@
           </a:prstGeom>
         </p:spPr>
         <p:txBody>
-          <a:bodyPr lIns="0" rIns="0" tIns="0" bIns="0">
+          <a:bodyPr lIns="0" tIns="0" rIns="0" bIns="0">
             <a:normAutofit/>
           </a:bodyPr>
-          <a:p>
-            <a:endParaRPr b="0" lang="de-AT" sz="3200" spc="-1" strike="noStrike">
+          <a:lstStyle/>
+          <a:p>
+            <a:endParaRPr lang="de-AT" sz="3200" b="0" strike="noStrike" spc="-1">
               <a:latin typeface="Arial"/>
             </a:endParaRPr>
           </a:p>
@@ -3862,11 +4314,12 @@
           </a:prstGeom>
         </p:spPr>
         <p:txBody>
-          <a:bodyPr lIns="0" rIns="0" tIns="0" bIns="0">
+          <a:bodyPr lIns="0" tIns="0" rIns="0" bIns="0">
             <a:normAutofit/>
           </a:bodyPr>
-          <a:p>
-            <a:endParaRPr b="0" lang="de-AT" sz="3200" spc="-1" strike="noStrike">
+          <a:lstStyle/>
+          <a:p>
+            <a:endParaRPr lang="de-AT" sz="3200" b="0" strike="noStrike" spc="-1">
               <a:latin typeface="Arial"/>
             </a:endParaRPr>
           </a:p>
@@ -3874,11 +4327,14 @@
       </p:sp>
     </p:spTree>
   </p:cSld>
+  <p:clrMapOvr>
+    <a:masterClrMapping/>
+  </p:clrMapOvr>
 </p:sldLayout>
 </file>
 
 <file path=ppt/slideLayouts/slideLayout34.xml><?xml version="1.0" encoding="utf-8"?>
-<p:sldLayout xmlns:a="http://schemas.openxmlformats.org/drawingml/2006/main" xmlns:p="http://schemas.openxmlformats.org/presentationml/2006/main" xmlns:r="http://schemas.openxmlformats.org/officeDocument/2006/relationships" xmlns:p14="http://schemas.microsoft.com/office/powerpoint/2010/main" xmlns:p15="http://schemas.microsoft.com/office/powerpoint/2012/main" xmlns:mc="http://schemas.openxmlformats.org/markup-compatibility/2006" type="objOverTx" preserve="1">
+<p:sldLayout xmlns:a="http://schemas.openxmlformats.org/drawingml/2006/main" xmlns:r="http://schemas.openxmlformats.org/officeDocument/2006/relationships" xmlns:p="http://schemas.openxmlformats.org/presentationml/2006/main" type="objOverTx" preserve="1">
   <p:cSld name="Title, Content over Content">
     <p:spTree>
       <p:nvGrpSpPr>
@@ -3914,12 +4370,13 @@
           </a:prstGeom>
         </p:spPr>
         <p:txBody>
-          <a:bodyPr lIns="0" rIns="0" tIns="0" bIns="0" anchor="ctr">
+          <a:bodyPr lIns="0" tIns="0" rIns="0" bIns="0" anchor="ctr">
             <a:noAutofit/>
           </a:bodyPr>
+          <a:lstStyle/>
           <a:p>
             <a:pPr algn="ctr"/>
-            <a:endParaRPr b="0" lang="de-AT" sz="4400" spc="-1" strike="noStrike">
+            <a:endParaRPr lang="de-AT" sz="4400" b="0" strike="noStrike" spc="-1">
               <a:latin typeface="Arial"/>
             </a:endParaRPr>
           </a:p>
@@ -3945,11 +4402,12 @@
           </a:prstGeom>
         </p:spPr>
         <p:txBody>
-          <a:bodyPr lIns="0" rIns="0" tIns="0" bIns="0">
+          <a:bodyPr lIns="0" tIns="0" rIns="0" bIns="0">
             <a:normAutofit/>
           </a:bodyPr>
-          <a:p>
-            <a:endParaRPr b="0" lang="de-AT" sz="3200" spc="-1" strike="noStrike">
+          <a:lstStyle/>
+          <a:p>
+            <a:endParaRPr lang="de-AT" sz="3200" b="0" strike="noStrike" spc="-1">
               <a:latin typeface="Arial"/>
             </a:endParaRPr>
           </a:p>
@@ -3975,11 +4433,12 @@
           </a:prstGeom>
         </p:spPr>
         <p:txBody>
-          <a:bodyPr lIns="0" rIns="0" tIns="0" bIns="0">
+          <a:bodyPr lIns="0" tIns="0" rIns="0" bIns="0">
             <a:normAutofit/>
           </a:bodyPr>
-          <a:p>
-            <a:endParaRPr b="0" lang="de-AT" sz="3200" spc="-1" strike="noStrike">
+          <a:lstStyle/>
+          <a:p>
+            <a:endParaRPr lang="de-AT" sz="3200" b="0" strike="noStrike" spc="-1">
               <a:latin typeface="Arial"/>
             </a:endParaRPr>
           </a:p>
@@ -3987,11 +4446,14 @@
       </p:sp>
     </p:spTree>
   </p:cSld>
+  <p:clrMapOvr>
+    <a:masterClrMapping/>
+  </p:clrMapOvr>
 </p:sldLayout>
 </file>
 
 <file path=ppt/slideLayouts/slideLayout35.xml><?xml version="1.0" encoding="utf-8"?>
-<p:sldLayout xmlns:a="http://schemas.openxmlformats.org/drawingml/2006/main" xmlns:p="http://schemas.openxmlformats.org/presentationml/2006/main" xmlns:r="http://schemas.openxmlformats.org/officeDocument/2006/relationships" xmlns:p14="http://schemas.microsoft.com/office/powerpoint/2010/main" xmlns:p15="http://schemas.microsoft.com/office/powerpoint/2012/main" xmlns:mc="http://schemas.openxmlformats.org/markup-compatibility/2006" type="fourObj" preserve="1">
+<p:sldLayout xmlns:a="http://schemas.openxmlformats.org/drawingml/2006/main" xmlns:r="http://schemas.openxmlformats.org/officeDocument/2006/relationships" xmlns:p="http://schemas.openxmlformats.org/presentationml/2006/main" type="fourObj" preserve="1">
   <p:cSld name="Title, 4 Content">
     <p:spTree>
       <p:nvGrpSpPr>
@@ -4027,12 +4489,13 @@
           </a:prstGeom>
         </p:spPr>
         <p:txBody>
-          <a:bodyPr lIns="0" rIns="0" tIns="0" bIns="0" anchor="ctr">
+          <a:bodyPr lIns="0" tIns="0" rIns="0" bIns="0" anchor="ctr">
             <a:noAutofit/>
           </a:bodyPr>
+          <a:lstStyle/>
           <a:p>
             <a:pPr algn="ctr"/>
-            <a:endParaRPr b="0" lang="de-AT" sz="4400" spc="-1" strike="noStrike">
+            <a:endParaRPr lang="de-AT" sz="4400" b="0" strike="noStrike" spc="-1">
               <a:latin typeface="Arial"/>
             </a:endParaRPr>
           </a:p>
@@ -4058,11 +4521,12 @@
           </a:prstGeom>
         </p:spPr>
         <p:txBody>
-          <a:bodyPr lIns="0" rIns="0" tIns="0" bIns="0">
+          <a:bodyPr lIns="0" tIns="0" rIns="0" bIns="0">
             <a:normAutofit/>
           </a:bodyPr>
-          <a:p>
-            <a:endParaRPr b="0" lang="de-AT" sz="3200" spc="-1" strike="noStrike">
+          <a:lstStyle/>
+          <a:p>
+            <a:endParaRPr lang="de-AT" sz="3200" b="0" strike="noStrike" spc="-1">
               <a:latin typeface="Arial"/>
             </a:endParaRPr>
           </a:p>
@@ -4088,11 +4552,12 @@
           </a:prstGeom>
         </p:spPr>
         <p:txBody>
-          <a:bodyPr lIns="0" rIns="0" tIns="0" bIns="0">
+          <a:bodyPr lIns="0" tIns="0" rIns="0" bIns="0">
             <a:normAutofit/>
           </a:bodyPr>
-          <a:p>
-            <a:endParaRPr b="0" lang="de-AT" sz="3200" spc="-1" strike="noStrike">
+          <a:lstStyle/>
+          <a:p>
+            <a:endParaRPr lang="de-AT" sz="3200" b="0" strike="noStrike" spc="-1">
               <a:latin typeface="Arial"/>
             </a:endParaRPr>
           </a:p>
@@ -4118,11 +4583,12 @@
           </a:prstGeom>
         </p:spPr>
         <p:txBody>
-          <a:bodyPr lIns="0" rIns="0" tIns="0" bIns="0">
+          <a:bodyPr lIns="0" tIns="0" rIns="0" bIns="0">
             <a:normAutofit/>
           </a:bodyPr>
-          <a:p>
-            <a:endParaRPr b="0" lang="de-AT" sz="3200" spc="-1" strike="noStrike">
+          <a:lstStyle/>
+          <a:p>
+            <a:endParaRPr lang="de-AT" sz="3200" b="0" strike="noStrike" spc="-1">
               <a:latin typeface="Arial"/>
             </a:endParaRPr>
           </a:p>
@@ -4148,11 +4614,12 @@
           </a:prstGeom>
         </p:spPr>
         <p:txBody>
-          <a:bodyPr lIns="0" rIns="0" tIns="0" bIns="0">
+          <a:bodyPr lIns="0" tIns="0" rIns="0" bIns="0">
             <a:normAutofit/>
           </a:bodyPr>
-          <a:p>
-            <a:endParaRPr b="0" lang="de-AT" sz="3200" spc="-1" strike="noStrike">
+          <a:lstStyle/>
+          <a:p>
+            <a:endParaRPr lang="de-AT" sz="3200" b="0" strike="noStrike" spc="-1">
               <a:latin typeface="Arial"/>
             </a:endParaRPr>
           </a:p>
@@ -4160,11 +4627,14 @@
       </p:sp>
     </p:spTree>
   </p:cSld>
+  <p:clrMapOvr>
+    <a:masterClrMapping/>
+  </p:clrMapOvr>
 </p:sldLayout>
 </file>
 
 <file path=ppt/slideLayouts/slideLayout36.xml><?xml version="1.0" encoding="utf-8"?>
-<p:sldLayout xmlns:a="http://schemas.openxmlformats.org/drawingml/2006/main" xmlns:p="http://schemas.openxmlformats.org/presentationml/2006/main" xmlns:r="http://schemas.openxmlformats.org/officeDocument/2006/relationships" xmlns:p14="http://schemas.microsoft.com/office/powerpoint/2010/main" xmlns:p15="http://schemas.microsoft.com/office/powerpoint/2012/main" xmlns:mc="http://schemas.openxmlformats.org/markup-compatibility/2006" type="blank" preserve="1">
+<p:sldLayout xmlns:a="http://schemas.openxmlformats.org/drawingml/2006/main" xmlns:r="http://schemas.openxmlformats.org/officeDocument/2006/relationships" xmlns:p="http://schemas.openxmlformats.org/presentationml/2006/main" type="blank" preserve="1">
   <p:cSld name="Title, 6 Content">
     <p:spTree>
       <p:nvGrpSpPr>
@@ -4200,12 +4670,13 @@
           </a:prstGeom>
         </p:spPr>
         <p:txBody>
-          <a:bodyPr lIns="0" rIns="0" tIns="0" bIns="0" anchor="ctr">
+          <a:bodyPr lIns="0" tIns="0" rIns="0" bIns="0" anchor="ctr">
             <a:noAutofit/>
           </a:bodyPr>
+          <a:lstStyle/>
           <a:p>
             <a:pPr algn="ctr"/>
-            <a:endParaRPr b="0" lang="de-AT" sz="4400" spc="-1" strike="noStrike">
+            <a:endParaRPr lang="de-AT" sz="4400" b="0" strike="noStrike" spc="-1">
               <a:latin typeface="Arial"/>
             </a:endParaRPr>
           </a:p>
@@ -4231,11 +4702,12 @@
           </a:prstGeom>
         </p:spPr>
         <p:txBody>
-          <a:bodyPr lIns="0" rIns="0" tIns="0" bIns="0">
+          <a:bodyPr lIns="0" tIns="0" rIns="0" bIns="0">
             <a:normAutofit/>
           </a:bodyPr>
-          <a:p>
-            <a:endParaRPr b="0" lang="de-AT" sz="3200" spc="-1" strike="noStrike">
+          <a:lstStyle/>
+          <a:p>
+            <a:endParaRPr lang="de-AT" sz="3200" b="0" strike="noStrike" spc="-1">
               <a:latin typeface="Arial"/>
             </a:endParaRPr>
           </a:p>
@@ -4261,11 +4733,12 @@
           </a:prstGeom>
         </p:spPr>
         <p:txBody>
-          <a:bodyPr lIns="0" rIns="0" tIns="0" bIns="0">
+          <a:bodyPr lIns="0" tIns="0" rIns="0" bIns="0">
             <a:normAutofit/>
           </a:bodyPr>
-          <a:p>
-            <a:endParaRPr b="0" lang="de-AT" sz="3200" spc="-1" strike="noStrike">
+          <a:lstStyle/>
+          <a:p>
+            <a:endParaRPr lang="de-AT" sz="3200" b="0" strike="noStrike" spc="-1">
               <a:latin typeface="Arial"/>
             </a:endParaRPr>
           </a:p>
@@ -4291,11 +4764,12 @@
           </a:prstGeom>
         </p:spPr>
         <p:txBody>
-          <a:bodyPr lIns="0" rIns="0" tIns="0" bIns="0">
+          <a:bodyPr lIns="0" tIns="0" rIns="0" bIns="0">
             <a:normAutofit/>
           </a:bodyPr>
-          <a:p>
-            <a:endParaRPr b="0" lang="de-AT" sz="3200" spc="-1" strike="noStrike">
+          <a:lstStyle/>
+          <a:p>
+            <a:endParaRPr lang="de-AT" sz="3200" b="0" strike="noStrike" spc="-1">
               <a:latin typeface="Arial"/>
             </a:endParaRPr>
           </a:p>
@@ -4321,11 +4795,12 @@
           </a:prstGeom>
         </p:spPr>
         <p:txBody>
-          <a:bodyPr lIns="0" rIns="0" tIns="0" bIns="0">
+          <a:bodyPr lIns="0" tIns="0" rIns="0" bIns="0">
             <a:normAutofit/>
           </a:bodyPr>
-          <a:p>
-            <a:endParaRPr b="0" lang="de-AT" sz="3200" spc="-1" strike="noStrike">
+          <a:lstStyle/>
+          <a:p>
+            <a:endParaRPr lang="de-AT" sz="3200" b="0" strike="noStrike" spc="-1">
               <a:latin typeface="Arial"/>
             </a:endParaRPr>
           </a:p>
@@ -4351,11 +4826,12 @@
           </a:prstGeom>
         </p:spPr>
         <p:txBody>
-          <a:bodyPr lIns="0" rIns="0" tIns="0" bIns="0">
+          <a:bodyPr lIns="0" tIns="0" rIns="0" bIns="0">
             <a:normAutofit/>
           </a:bodyPr>
-          <a:p>
-            <a:endParaRPr b="0" lang="de-AT" sz="3200" spc="-1" strike="noStrike">
+          <a:lstStyle/>
+          <a:p>
+            <a:endParaRPr lang="de-AT" sz="3200" b="0" strike="noStrike" spc="-1">
               <a:latin typeface="Arial"/>
             </a:endParaRPr>
           </a:p>
@@ -4381,11 +4857,12 @@
           </a:prstGeom>
         </p:spPr>
         <p:txBody>
-          <a:bodyPr lIns="0" rIns="0" tIns="0" bIns="0">
+          <a:bodyPr lIns="0" tIns="0" rIns="0" bIns="0">
             <a:normAutofit/>
           </a:bodyPr>
-          <a:p>
-            <a:endParaRPr b="0" lang="de-AT" sz="3200" spc="-1" strike="noStrike">
+          <a:lstStyle/>
+          <a:p>
+            <a:endParaRPr lang="de-AT" sz="3200" b="0" strike="noStrike" spc="-1">
               <a:latin typeface="Arial"/>
             </a:endParaRPr>
           </a:p>
@@ -4393,11 +4870,14 @@
       </p:sp>
     </p:spTree>
   </p:cSld>
+  <p:clrMapOvr>
+    <a:masterClrMapping/>
+  </p:clrMapOvr>
 </p:sldLayout>
 </file>
 
 <file path=ppt/slideLayouts/slideLayout4.xml><?xml version="1.0" encoding="utf-8"?>
-<p:sldLayout xmlns:a="http://schemas.openxmlformats.org/drawingml/2006/main" xmlns:p="http://schemas.openxmlformats.org/presentationml/2006/main" xmlns:r="http://schemas.openxmlformats.org/officeDocument/2006/relationships" xmlns:p14="http://schemas.microsoft.com/office/powerpoint/2010/main" xmlns:p15="http://schemas.microsoft.com/office/powerpoint/2012/main" xmlns:mc="http://schemas.openxmlformats.org/markup-compatibility/2006" type="twoObj" preserve="1">
+<p:sldLayout xmlns:a="http://schemas.openxmlformats.org/drawingml/2006/main" xmlns:r="http://schemas.openxmlformats.org/officeDocument/2006/relationships" xmlns:p="http://schemas.openxmlformats.org/presentationml/2006/main" type="twoObj" preserve="1">
   <p:cSld name="Title, 2 Content">
     <p:spTree>
       <p:nvGrpSpPr>
@@ -4433,12 +4913,13 @@
           </a:prstGeom>
         </p:spPr>
         <p:txBody>
-          <a:bodyPr lIns="0" rIns="0" tIns="0" bIns="0" anchor="ctr">
+          <a:bodyPr lIns="0" tIns="0" rIns="0" bIns="0" anchor="ctr">
             <a:noAutofit/>
           </a:bodyPr>
+          <a:lstStyle/>
           <a:p>
             <a:pPr algn="ctr"/>
-            <a:endParaRPr b="0" lang="de-AT" sz="4400" spc="-1" strike="noStrike">
+            <a:endParaRPr lang="de-AT" sz="4400" b="0" strike="noStrike" spc="-1">
               <a:latin typeface="Arial"/>
             </a:endParaRPr>
           </a:p>
@@ -4464,11 +4945,12 @@
           </a:prstGeom>
         </p:spPr>
         <p:txBody>
-          <a:bodyPr lIns="0" rIns="0" tIns="0" bIns="0">
+          <a:bodyPr lIns="0" tIns="0" rIns="0" bIns="0">
             <a:normAutofit/>
           </a:bodyPr>
-          <a:p>
-            <a:endParaRPr b="0" lang="de-AT" sz="3200" spc="-1" strike="noStrike">
+          <a:lstStyle/>
+          <a:p>
+            <a:endParaRPr lang="de-AT" sz="3200" b="0" strike="noStrike" spc="-1">
               <a:latin typeface="Arial"/>
             </a:endParaRPr>
           </a:p>
@@ -4494,11 +4976,12 @@
           </a:prstGeom>
         </p:spPr>
         <p:txBody>
-          <a:bodyPr lIns="0" rIns="0" tIns="0" bIns="0">
+          <a:bodyPr lIns="0" tIns="0" rIns="0" bIns="0">
             <a:normAutofit/>
           </a:bodyPr>
-          <a:p>
-            <a:endParaRPr b="0" lang="de-AT" sz="3200" spc="-1" strike="noStrike">
+          <a:lstStyle/>
+          <a:p>
+            <a:endParaRPr lang="de-AT" sz="3200" b="0" strike="noStrike" spc="-1">
               <a:latin typeface="Arial"/>
             </a:endParaRPr>
           </a:p>
@@ -4506,11 +4989,14 @@
       </p:sp>
     </p:spTree>
   </p:cSld>
+  <p:clrMapOvr>
+    <a:masterClrMapping/>
+  </p:clrMapOvr>
 </p:sldLayout>
 </file>
 
 <file path=ppt/slideLayouts/slideLayout5.xml><?xml version="1.0" encoding="utf-8"?>
-<p:sldLayout xmlns:a="http://schemas.openxmlformats.org/drawingml/2006/main" xmlns:p="http://schemas.openxmlformats.org/presentationml/2006/main" xmlns:r="http://schemas.openxmlformats.org/officeDocument/2006/relationships" xmlns:p14="http://schemas.microsoft.com/office/powerpoint/2010/main" xmlns:p15="http://schemas.microsoft.com/office/powerpoint/2012/main" xmlns:mc="http://schemas.openxmlformats.org/markup-compatibility/2006" type="titleOnly" preserve="1">
+<p:sldLayout xmlns:a="http://schemas.openxmlformats.org/drawingml/2006/main" xmlns:r="http://schemas.openxmlformats.org/officeDocument/2006/relationships" xmlns:p="http://schemas.openxmlformats.org/presentationml/2006/main" type="titleOnly" preserve="1">
   <p:cSld name="Title Only">
     <p:spTree>
       <p:nvGrpSpPr>
@@ -4546,12 +5032,13 @@
           </a:prstGeom>
         </p:spPr>
         <p:txBody>
-          <a:bodyPr lIns="0" rIns="0" tIns="0" bIns="0" anchor="ctr">
+          <a:bodyPr lIns="0" tIns="0" rIns="0" bIns="0" anchor="ctr">
             <a:noAutofit/>
           </a:bodyPr>
+          <a:lstStyle/>
           <a:p>
             <a:pPr algn="ctr"/>
-            <a:endParaRPr b="0" lang="de-AT" sz="4400" spc="-1" strike="noStrike">
+            <a:endParaRPr lang="de-AT" sz="4400" b="0" strike="noStrike" spc="-1">
               <a:latin typeface="Arial"/>
             </a:endParaRPr>
           </a:p>
@@ -4559,11 +5046,14 @@
       </p:sp>
     </p:spTree>
   </p:cSld>
+  <p:clrMapOvr>
+    <a:masterClrMapping/>
+  </p:clrMapOvr>
 </p:sldLayout>
 </file>
 
 <file path=ppt/slideLayouts/slideLayout6.xml><?xml version="1.0" encoding="utf-8"?>
-<p:sldLayout xmlns:a="http://schemas.openxmlformats.org/drawingml/2006/main" xmlns:p="http://schemas.openxmlformats.org/presentationml/2006/main" xmlns:r="http://schemas.openxmlformats.org/officeDocument/2006/relationships" xmlns:p14="http://schemas.microsoft.com/office/powerpoint/2010/main" xmlns:p15="http://schemas.microsoft.com/office/powerpoint/2012/main" xmlns:mc="http://schemas.openxmlformats.org/markup-compatibility/2006" type="objOnly" preserve="1">
+<p:sldLayout xmlns:a="http://schemas.openxmlformats.org/drawingml/2006/main" xmlns:r="http://schemas.openxmlformats.org/officeDocument/2006/relationships" xmlns:p="http://schemas.openxmlformats.org/presentationml/2006/main" type="objOnly" preserve="1">
   <p:cSld name="Centered Text">
     <p:spTree>
       <p:nvGrpSpPr>
@@ -4599,12 +5089,13 @@
           </a:prstGeom>
         </p:spPr>
         <p:txBody>
-          <a:bodyPr lIns="0" rIns="0" tIns="0" bIns="0" anchor="ctr">
+          <a:bodyPr lIns="0" tIns="0" rIns="0" bIns="0" anchor="ctr">
             <a:noAutofit/>
           </a:bodyPr>
+          <a:lstStyle/>
           <a:p>
             <a:pPr algn="ctr"/>
-            <a:endParaRPr b="0" lang="de-AT" sz="3200" spc="-1" strike="noStrike">
+            <a:endParaRPr lang="de-AT" sz="3200" b="0" strike="noStrike" spc="-1">
               <a:latin typeface="Arial"/>
             </a:endParaRPr>
           </a:p>
@@ -4612,11 +5103,14 @@
       </p:sp>
     </p:spTree>
   </p:cSld>
+  <p:clrMapOvr>
+    <a:masterClrMapping/>
+  </p:clrMapOvr>
 </p:sldLayout>
 </file>
 
 <file path=ppt/slideLayouts/slideLayout7.xml><?xml version="1.0" encoding="utf-8"?>
-<p:sldLayout xmlns:a="http://schemas.openxmlformats.org/drawingml/2006/main" xmlns:p="http://schemas.openxmlformats.org/presentationml/2006/main" xmlns:r="http://schemas.openxmlformats.org/officeDocument/2006/relationships" xmlns:p14="http://schemas.microsoft.com/office/powerpoint/2010/main" xmlns:p15="http://schemas.microsoft.com/office/powerpoint/2012/main" xmlns:mc="http://schemas.openxmlformats.org/markup-compatibility/2006" type="twoObjAndObj" preserve="1">
+<p:sldLayout xmlns:a="http://schemas.openxmlformats.org/drawingml/2006/main" xmlns:r="http://schemas.openxmlformats.org/officeDocument/2006/relationships" xmlns:p="http://schemas.openxmlformats.org/presentationml/2006/main" type="twoObjAndObj" preserve="1">
   <p:cSld name="Title, 2 Content and Content">
     <p:spTree>
       <p:nvGrpSpPr>
@@ -4652,12 +5146,13 @@
           </a:prstGeom>
         </p:spPr>
         <p:txBody>
-          <a:bodyPr lIns="0" rIns="0" tIns="0" bIns="0" anchor="ctr">
+          <a:bodyPr lIns="0" tIns="0" rIns="0" bIns="0" anchor="ctr">
             <a:noAutofit/>
           </a:bodyPr>
+          <a:lstStyle/>
           <a:p>
             <a:pPr algn="ctr"/>
-            <a:endParaRPr b="0" lang="de-AT" sz="4400" spc="-1" strike="noStrike">
+            <a:endParaRPr lang="de-AT" sz="4400" b="0" strike="noStrike" spc="-1">
               <a:latin typeface="Arial"/>
             </a:endParaRPr>
           </a:p>
@@ -4683,11 +5178,12 @@
           </a:prstGeom>
         </p:spPr>
         <p:txBody>
-          <a:bodyPr lIns="0" rIns="0" tIns="0" bIns="0">
+          <a:bodyPr lIns="0" tIns="0" rIns="0" bIns="0">
             <a:normAutofit/>
           </a:bodyPr>
-          <a:p>
-            <a:endParaRPr b="0" lang="de-AT" sz="3200" spc="-1" strike="noStrike">
+          <a:lstStyle/>
+          <a:p>
+            <a:endParaRPr lang="de-AT" sz="3200" b="0" strike="noStrike" spc="-1">
               <a:latin typeface="Arial"/>
             </a:endParaRPr>
           </a:p>
@@ -4713,11 +5209,12 @@
           </a:prstGeom>
         </p:spPr>
         <p:txBody>
-          <a:bodyPr lIns="0" rIns="0" tIns="0" bIns="0">
+          <a:bodyPr lIns="0" tIns="0" rIns="0" bIns="0">
             <a:normAutofit/>
           </a:bodyPr>
-          <a:p>
-            <a:endParaRPr b="0" lang="de-AT" sz="3200" spc="-1" strike="noStrike">
+          <a:lstStyle/>
+          <a:p>
+            <a:endParaRPr lang="de-AT" sz="3200" b="0" strike="noStrike" spc="-1">
               <a:latin typeface="Arial"/>
             </a:endParaRPr>
           </a:p>
@@ -4743,11 +5240,12 @@
           </a:prstGeom>
         </p:spPr>
         <p:txBody>
-          <a:bodyPr lIns="0" rIns="0" tIns="0" bIns="0">
+          <a:bodyPr lIns="0" tIns="0" rIns="0" bIns="0">
             <a:normAutofit/>
           </a:bodyPr>
-          <a:p>
-            <a:endParaRPr b="0" lang="de-AT" sz="3200" spc="-1" strike="noStrike">
+          <a:lstStyle/>
+          <a:p>
+            <a:endParaRPr lang="de-AT" sz="3200" b="0" strike="noStrike" spc="-1">
               <a:latin typeface="Arial"/>
             </a:endParaRPr>
           </a:p>
@@ -4755,11 +5253,14 @@
       </p:sp>
     </p:spTree>
   </p:cSld>
+  <p:clrMapOvr>
+    <a:masterClrMapping/>
+  </p:clrMapOvr>
 </p:sldLayout>
 </file>
 
 <file path=ppt/slideLayouts/slideLayout8.xml><?xml version="1.0" encoding="utf-8"?>
-<p:sldLayout xmlns:a="http://schemas.openxmlformats.org/drawingml/2006/main" xmlns:p="http://schemas.openxmlformats.org/presentationml/2006/main" xmlns:r="http://schemas.openxmlformats.org/officeDocument/2006/relationships" xmlns:p14="http://schemas.microsoft.com/office/powerpoint/2010/main" xmlns:p15="http://schemas.microsoft.com/office/powerpoint/2012/main" xmlns:mc="http://schemas.openxmlformats.org/markup-compatibility/2006" type="objAndTwoObj" preserve="1">
+<p:sldLayout xmlns:a="http://schemas.openxmlformats.org/drawingml/2006/main" xmlns:r="http://schemas.openxmlformats.org/officeDocument/2006/relationships" xmlns:p="http://schemas.openxmlformats.org/presentationml/2006/main" type="objAndTwoObj" preserve="1">
   <p:cSld name="Title Content and 2 Content">
     <p:spTree>
       <p:nvGrpSpPr>
@@ -4795,12 +5296,13 @@
           </a:prstGeom>
         </p:spPr>
         <p:txBody>
-          <a:bodyPr lIns="0" rIns="0" tIns="0" bIns="0" anchor="ctr">
+          <a:bodyPr lIns="0" tIns="0" rIns="0" bIns="0" anchor="ctr">
             <a:noAutofit/>
           </a:bodyPr>
+          <a:lstStyle/>
           <a:p>
             <a:pPr algn="ctr"/>
-            <a:endParaRPr b="0" lang="de-AT" sz="4400" spc="-1" strike="noStrike">
+            <a:endParaRPr lang="de-AT" sz="4400" b="0" strike="noStrike" spc="-1">
               <a:latin typeface="Arial"/>
             </a:endParaRPr>
           </a:p>
@@ -4826,11 +5328,12 @@
           </a:prstGeom>
         </p:spPr>
         <p:txBody>
-          <a:bodyPr lIns="0" rIns="0" tIns="0" bIns="0">
+          <a:bodyPr lIns="0" tIns="0" rIns="0" bIns="0">
             <a:normAutofit/>
           </a:bodyPr>
-          <a:p>
-            <a:endParaRPr b="0" lang="de-AT" sz="3200" spc="-1" strike="noStrike">
+          <a:lstStyle/>
+          <a:p>
+            <a:endParaRPr lang="de-AT" sz="3200" b="0" strike="noStrike" spc="-1">
               <a:latin typeface="Arial"/>
             </a:endParaRPr>
           </a:p>
@@ -4856,11 +5359,12 @@
           </a:prstGeom>
         </p:spPr>
         <p:txBody>
-          <a:bodyPr lIns="0" rIns="0" tIns="0" bIns="0">
+          <a:bodyPr lIns="0" tIns="0" rIns="0" bIns="0">
             <a:normAutofit/>
           </a:bodyPr>
-          <a:p>
-            <a:endParaRPr b="0" lang="de-AT" sz="3200" spc="-1" strike="noStrike">
+          <a:lstStyle/>
+          <a:p>
+            <a:endParaRPr lang="de-AT" sz="3200" b="0" strike="noStrike" spc="-1">
               <a:latin typeface="Arial"/>
             </a:endParaRPr>
           </a:p>
@@ -4886,11 +5390,12 @@
           </a:prstGeom>
         </p:spPr>
         <p:txBody>
-          <a:bodyPr lIns="0" rIns="0" tIns="0" bIns="0">
+          <a:bodyPr lIns="0" tIns="0" rIns="0" bIns="0">
             <a:normAutofit/>
           </a:bodyPr>
-          <a:p>
-            <a:endParaRPr b="0" lang="de-AT" sz="3200" spc="-1" strike="noStrike">
+          <a:lstStyle/>
+          <a:p>
+            <a:endParaRPr lang="de-AT" sz="3200" b="0" strike="noStrike" spc="-1">
               <a:latin typeface="Arial"/>
             </a:endParaRPr>
           </a:p>
@@ -4898,11 +5403,14 @@
       </p:sp>
     </p:spTree>
   </p:cSld>
+  <p:clrMapOvr>
+    <a:masterClrMapping/>
+  </p:clrMapOvr>
 </p:sldLayout>
 </file>
 
 <file path=ppt/slideLayouts/slideLayout9.xml><?xml version="1.0" encoding="utf-8"?>
-<p:sldLayout xmlns:a="http://schemas.openxmlformats.org/drawingml/2006/main" xmlns:p="http://schemas.openxmlformats.org/presentationml/2006/main" xmlns:r="http://schemas.openxmlformats.org/officeDocument/2006/relationships" xmlns:p14="http://schemas.microsoft.com/office/powerpoint/2010/main" xmlns:p15="http://schemas.microsoft.com/office/powerpoint/2012/main" xmlns:mc="http://schemas.openxmlformats.org/markup-compatibility/2006" type="twoObjOverTx" preserve="1">
+<p:sldLayout xmlns:a="http://schemas.openxmlformats.org/drawingml/2006/main" xmlns:r="http://schemas.openxmlformats.org/officeDocument/2006/relationships" xmlns:p="http://schemas.openxmlformats.org/presentationml/2006/main" type="twoObjOverTx" preserve="1">
   <p:cSld name="Title, 2 Content over Content">
     <p:spTree>
       <p:nvGrpSpPr>
@@ -4938,12 +5446,13 @@
           </a:prstGeom>
         </p:spPr>
         <p:txBody>
-          <a:bodyPr lIns="0" rIns="0" tIns="0" bIns="0" anchor="ctr">
+          <a:bodyPr lIns="0" tIns="0" rIns="0" bIns="0" anchor="ctr">
             <a:noAutofit/>
           </a:bodyPr>
+          <a:lstStyle/>
           <a:p>
             <a:pPr algn="ctr"/>
-            <a:endParaRPr b="0" lang="de-AT" sz="4400" spc="-1" strike="noStrike">
+            <a:endParaRPr lang="de-AT" sz="4400" b="0" strike="noStrike" spc="-1">
               <a:latin typeface="Arial"/>
             </a:endParaRPr>
           </a:p>
@@ -4969,11 +5478,12 @@
           </a:prstGeom>
         </p:spPr>
         <p:txBody>
-          <a:bodyPr lIns="0" rIns="0" tIns="0" bIns="0">
+          <a:bodyPr lIns="0" tIns="0" rIns="0" bIns="0">
             <a:normAutofit/>
           </a:bodyPr>
-          <a:p>
-            <a:endParaRPr b="0" lang="de-AT" sz="3200" spc="-1" strike="noStrike">
+          <a:lstStyle/>
+          <a:p>
+            <a:endParaRPr lang="de-AT" sz="3200" b="0" strike="noStrike" spc="-1">
               <a:latin typeface="Arial"/>
             </a:endParaRPr>
           </a:p>
@@ -4999,11 +5509,12 @@
           </a:prstGeom>
         </p:spPr>
         <p:txBody>
-          <a:bodyPr lIns="0" rIns="0" tIns="0" bIns="0">
+          <a:bodyPr lIns="0" tIns="0" rIns="0" bIns="0">
             <a:normAutofit/>
           </a:bodyPr>
-          <a:p>
-            <a:endParaRPr b="0" lang="de-AT" sz="3200" spc="-1" strike="noStrike">
+          <a:lstStyle/>
+          <a:p>
+            <a:endParaRPr lang="de-AT" sz="3200" b="0" strike="noStrike" spc="-1">
               <a:latin typeface="Arial"/>
             </a:endParaRPr>
           </a:p>
@@ -5029,11 +5540,12 @@
           </a:prstGeom>
         </p:spPr>
         <p:txBody>
-          <a:bodyPr lIns="0" rIns="0" tIns="0" bIns="0">
+          <a:bodyPr lIns="0" tIns="0" rIns="0" bIns="0">
             <a:normAutofit/>
           </a:bodyPr>
-          <a:p>
-            <a:endParaRPr b="0" lang="de-AT" sz="3200" spc="-1" strike="noStrike">
+          <a:lstStyle/>
+          <a:p>
+            <a:endParaRPr lang="de-AT" sz="3200" b="0" strike="noStrike" spc="-1">
               <a:latin typeface="Arial"/>
             </a:endParaRPr>
           </a:p>
@@ -5041,20 +5553,24 @@
       </p:sp>
     </p:spTree>
   </p:cSld>
+  <p:clrMapOvr>
+    <a:masterClrMapping/>
+  </p:clrMapOvr>
 </p:sldLayout>
 </file>
 
 <file path=ppt/slideMasters/slideMaster1.xml><?xml version="1.0" encoding="utf-8"?>
-<p:sldMaster xmlns:a="http://schemas.openxmlformats.org/drawingml/2006/main" xmlns:p="http://schemas.openxmlformats.org/presentationml/2006/main" xmlns:r="http://schemas.openxmlformats.org/officeDocument/2006/relationships" xmlns:p14="http://schemas.microsoft.com/office/powerpoint/2010/main" xmlns:p15="http://schemas.microsoft.com/office/powerpoint/2012/main" xmlns:mc="http://schemas.openxmlformats.org/markup-compatibility/2006">
+<p:sldMaster xmlns:a="http://schemas.openxmlformats.org/drawingml/2006/main" xmlns:r="http://schemas.openxmlformats.org/officeDocument/2006/relationships" xmlns:p="http://schemas.openxmlformats.org/presentationml/2006/main">
   <p:cSld>
     <p:bg>
       <p:bgPr>
         <a:blipFill rotWithShape="0">
-          <a:blip r:embed="rId2"/>
+          <a:blip r:embed="rId14"/>
           <a:stretch>
             <a:fillRect/>
           </a:stretch>
         </a:blipFill>
+        <a:effectLst/>
       </p:bgPr>
     </p:bg>
     <p:spTree>
@@ -5073,13 +5589,13 @@
       </p:grpSpPr>
       <p:pic>
         <p:nvPicPr>
-          <p:cNvPr id="0" name="Picture 7" descr=""/>
+          <p:cNvPr id="9" name="Picture 7"/>
           <p:cNvPicPr/>
           <p:nvPr/>
         </p:nvPicPr>
         <p:blipFill>
-          <a:blip r:embed="rId3"/>
-          <a:srcRect l="-2" t="0" r="-6522" b="0"/>
+          <a:blip r:embed="rId15"/>
+          <a:srcRect l="-2" r="-6522"/>
           <a:stretch/>
         </p:blipFill>
         <p:spPr>
@@ -5097,12 +5613,12 @@
       </p:pic>
       <p:pic>
         <p:nvPicPr>
-          <p:cNvPr id="1" name="Picture 17" descr=""/>
+          <p:cNvPr id="10" name="Picture 17"/>
           <p:cNvPicPr/>
           <p:nvPr/>
         </p:nvPicPr>
         <p:blipFill>
-          <a:blip r:embed="rId4"/>
+          <a:blip r:embed="rId16"/>
           <a:stretch/>
         </p:blipFill>
         <p:spPr>
@@ -5138,15 +5654,22 @@
           </a:ln>
         </p:spPr>
         <p:style>
-          <a:lnRef idx="0"/>
-          <a:fillRef idx="0"/>
-          <a:effectRef idx="0"/>
+          <a:lnRef idx="0">
+            <a:scrgbClr r="0" g="0" b="0"/>
+          </a:lnRef>
+          <a:fillRef idx="0">
+            <a:scrgbClr r="0" g="0" b="0"/>
+          </a:fillRef>
+          <a:effectRef idx="0">
+            <a:scrgbClr r="0" g="0" b="0"/>
+          </a:effectRef>
           <a:fontRef idx="minor"/>
         </p:style>
         <p:txBody>
-          <a:bodyPr lIns="90000" rIns="90000" tIns="45000" bIns="45000" anchor="ctr">
+          <a:bodyPr lIns="90000" tIns="45000" rIns="90000" bIns="45000" anchor="ctr">
             <a:noAutofit/>
           </a:bodyPr>
+          <a:lstStyle/>
           <a:p>
             <a:pPr algn="r">
               <a:lnSpc>
@@ -5154,7 +5677,7 @@
               </a:lnSpc>
             </a:pPr>
             <a:r>
-              <a:rPr b="0" lang="en-CA" sz="1050" spc="-1" strike="noStrike">
+              <a:rPr lang="en-CA" sz="1050" b="0" strike="noStrike" spc="-1">
                 <a:solidFill>
                   <a:srgbClr val="000000"/>
                 </a:solidFill>
@@ -5163,7 +5686,7 @@
               </a:rPr>
               <a:t>12</a:t>
             </a:r>
-            <a:endParaRPr b="0" lang="de-AT" sz="1050" spc="-1" strike="noStrike">
+            <a:endParaRPr lang="de-AT" sz="1050" b="0" strike="noStrike" spc="-1">
               <a:latin typeface="Arial"/>
             </a:endParaRPr>
           </a:p>
@@ -5184,7 +5707,7 @@
             <a:avLst/>
           </a:prstGeom>
           <a:solidFill>
-            <a:srgbClr val="0b4960"/>
+            <a:srgbClr val="0B4960"/>
           </a:solidFill>
           <a:ln>
             <a:noFill/>
@@ -5282,13 +5805,13 @@
       </p:sp>
       <p:pic>
         <p:nvPicPr>
-          <p:cNvPr id="6" name="Picture 7" descr=""/>
+          <p:cNvPr id="6" name="Picture 7"/>
           <p:cNvPicPr/>
           <p:nvPr/>
         </p:nvPicPr>
         <p:blipFill>
-          <a:blip r:embed="rId5"/>
-          <a:srcRect l="-2" t="0" r="-6522" b="0"/>
+          <a:blip r:embed="rId15"/>
+          <a:srcRect l="-2" r="-6522"/>
           <a:stretch/>
         </p:blipFill>
         <p:spPr>
@@ -5324,20 +5847,18 @@
           </a:prstGeom>
         </p:spPr>
         <p:txBody>
-          <a:bodyPr lIns="0" rIns="0" tIns="0" bIns="0" anchor="ctr">
+          <a:bodyPr lIns="0" tIns="0" rIns="0" bIns="0" anchor="ctr">
             <a:noAutofit/>
           </a:bodyPr>
+          <a:lstStyle/>
           <a:p>
             <a:pPr algn="ctr"/>
             <a:r>
-              <a:rPr b="0" lang="de-AT" sz="4400" spc="-1" strike="noStrike">
+              <a:rPr lang="de-AT" sz="4400" b="0" strike="noStrike" spc="-1">
                 <a:latin typeface="Arial"/>
               </a:rPr>
               <a:t>Format des Titeltextes durch Klicken bearbeiten</a:t>
             </a:r>
-            <a:endParaRPr b="0" lang="de-AT" sz="4400" spc="-1" strike="noStrike">
-              <a:latin typeface="Arial"/>
-            </a:endParaRPr>
           </a:p>
         </p:txBody>
       </p:sp>
@@ -5361,9 +5882,10 @@
           </a:prstGeom>
         </p:spPr>
         <p:txBody>
-          <a:bodyPr lIns="0" rIns="0" tIns="0" bIns="0">
+          <a:bodyPr lIns="0" tIns="0" rIns="0" bIns="0">
             <a:normAutofit/>
           </a:bodyPr>
+          <a:lstStyle/>
           <a:p>
             <a:pPr marL="432000" indent="-324000">
               <a:spcBef>
@@ -5377,17 +5899,14 @@
               <a:buChar char=""/>
             </a:pPr>
             <a:r>
-              <a:rPr b="0" lang="de-AT" sz="3200" spc="-1" strike="noStrike">
+              <a:rPr lang="de-AT" sz="3200" b="0" strike="noStrike" spc="-1">
                 <a:latin typeface="Arial"/>
               </a:rPr>
               <a:t>Format des Gliederungstextes durch Klicken bearbeiten</a:t>
             </a:r>
-            <a:endParaRPr b="0" lang="de-AT" sz="3200" spc="-1" strike="noStrike">
-              <a:latin typeface="Arial"/>
-            </a:endParaRPr>
-          </a:p>
-          <a:p>
-            <a:pPr lvl="1" marL="864000" indent="-324000">
+          </a:p>
+          <a:p>
+            <a:pPr marL="864000" lvl="1" indent="-324000">
               <a:spcBef>
                 <a:spcPts val="1134"/>
               </a:spcBef>
@@ -5399,17 +5918,14 @@
               <a:buChar char=""/>
             </a:pPr>
             <a:r>
-              <a:rPr b="0" lang="de-AT" sz="2800" spc="-1" strike="noStrike">
+              <a:rPr lang="de-AT" sz="2800" b="0" strike="noStrike" spc="-1">
                 <a:latin typeface="Arial"/>
               </a:rPr>
               <a:t>Zweite Gliederungsebene</a:t>
             </a:r>
-            <a:endParaRPr b="0" lang="de-AT" sz="2800" spc="-1" strike="noStrike">
-              <a:latin typeface="Arial"/>
-            </a:endParaRPr>
-          </a:p>
-          <a:p>
-            <a:pPr lvl="2" marL="1296000" indent="-288000">
+          </a:p>
+          <a:p>
+            <a:pPr marL="1296000" lvl="2" indent="-288000">
               <a:spcBef>
                 <a:spcPts val="850"/>
               </a:spcBef>
@@ -5421,17 +5937,14 @@
               <a:buChar char=""/>
             </a:pPr>
             <a:r>
-              <a:rPr b="0" lang="de-AT" sz="2400" spc="-1" strike="noStrike">
+              <a:rPr lang="de-AT" sz="2400" b="0" strike="noStrike" spc="-1">
                 <a:latin typeface="Arial"/>
               </a:rPr>
               <a:t>Dritte Gliederungsebene</a:t>
             </a:r>
-            <a:endParaRPr b="0" lang="de-AT" sz="2400" spc="-1" strike="noStrike">
-              <a:latin typeface="Arial"/>
-            </a:endParaRPr>
-          </a:p>
-          <a:p>
-            <a:pPr lvl="3" marL="1728000" indent="-216000">
+          </a:p>
+          <a:p>
+            <a:pPr marL="1728000" lvl="3" indent="-216000">
               <a:spcBef>
                 <a:spcPts val="567"/>
               </a:spcBef>
@@ -5443,17 +5956,14 @@
               <a:buChar char=""/>
             </a:pPr>
             <a:r>
-              <a:rPr b="0" lang="de-AT" sz="2000" spc="-1" strike="noStrike">
+              <a:rPr lang="de-AT" sz="2000" b="0" strike="noStrike" spc="-1">
                 <a:latin typeface="Arial"/>
               </a:rPr>
               <a:t>Vierte Gliederungsebene</a:t>
             </a:r>
-            <a:endParaRPr b="0" lang="de-AT" sz="2000" spc="-1" strike="noStrike">
-              <a:latin typeface="Arial"/>
-            </a:endParaRPr>
-          </a:p>
-          <a:p>
-            <a:pPr lvl="4" marL="2160000" indent="-216000">
+          </a:p>
+          <a:p>
+            <a:pPr marL="2160000" lvl="4" indent="-216000">
               <a:spcBef>
                 <a:spcPts val="283"/>
               </a:spcBef>
@@ -5465,17 +5975,14 @@
               <a:buChar char=""/>
             </a:pPr>
             <a:r>
-              <a:rPr b="0" lang="de-AT" sz="2000" spc="-1" strike="noStrike">
+              <a:rPr lang="de-AT" sz="2000" b="0" strike="noStrike" spc="-1">
                 <a:latin typeface="Arial"/>
               </a:rPr>
               <a:t>Fünfte Gliederungsebene</a:t>
             </a:r>
-            <a:endParaRPr b="0" lang="de-AT" sz="2000" spc="-1" strike="noStrike">
-              <a:latin typeface="Arial"/>
-            </a:endParaRPr>
-          </a:p>
-          <a:p>
-            <a:pPr lvl="5" marL="2592000" indent="-216000">
+          </a:p>
+          <a:p>
+            <a:pPr marL="2592000" lvl="5" indent="-216000">
               <a:spcBef>
                 <a:spcPts val="283"/>
               </a:spcBef>
@@ -5487,17 +5994,14 @@
               <a:buChar char=""/>
             </a:pPr>
             <a:r>
-              <a:rPr b="0" lang="de-AT" sz="2000" spc="-1" strike="noStrike">
+              <a:rPr lang="de-AT" sz="2000" b="0" strike="noStrike" spc="-1">
                 <a:latin typeface="Arial"/>
               </a:rPr>
               <a:t>Sechste Gliederungsebene</a:t>
             </a:r>
-            <a:endParaRPr b="0" lang="de-AT" sz="2000" spc="-1" strike="noStrike">
-              <a:latin typeface="Arial"/>
-            </a:endParaRPr>
-          </a:p>
-          <a:p>
-            <a:pPr lvl="6" marL="3024000" indent="-216000">
+          </a:p>
+          <a:p>
+            <a:pPr marL="3024000" lvl="6" indent="-216000">
               <a:spcBef>
                 <a:spcPts val="283"/>
               </a:spcBef>
@@ -5509,45 +6013,323 @@
               <a:buChar char=""/>
             </a:pPr>
             <a:r>
-              <a:rPr b="0" lang="de-AT" sz="2000" spc="-1" strike="noStrike">
+              <a:rPr lang="de-AT" sz="2000" b="0" strike="noStrike" spc="-1">
                 <a:latin typeface="Arial"/>
               </a:rPr>
               <a:t>Siebte Gliederungsebene</a:t>
             </a:r>
-            <a:endParaRPr b="0" lang="de-AT" sz="2000" spc="-1" strike="noStrike">
-              <a:latin typeface="Arial"/>
-            </a:endParaRPr>
           </a:p>
         </p:txBody>
       </p:sp>
     </p:spTree>
   </p:cSld>
-  <p:clrMap bg1="lt1" bg2="lt2" tx1="dk1" tx2="dk2" accent1="accent1" accent2="accent2" accent3="accent3" accent4="accent4" accent5="accent5" accent6="accent6" hlink="hlink" folHlink="folHlink"/>
+  <p:clrMap bg1="lt1" tx1="dk1" bg2="lt2" tx2="dk2" accent1="accent1" accent2="accent2" accent3="accent3" accent4="accent4" accent5="accent5" accent6="accent6" hlink="hlink" folHlink="folHlink"/>
   <p:sldLayoutIdLst>
-    <p:sldLayoutId id="2147483649" r:id="rId6"/>
-    <p:sldLayoutId id="2147483650" r:id="rId7"/>
-    <p:sldLayoutId id="2147483651" r:id="rId8"/>
-    <p:sldLayoutId id="2147483652" r:id="rId9"/>
-    <p:sldLayoutId id="2147483653" r:id="rId10"/>
-    <p:sldLayoutId id="2147483654" r:id="rId11"/>
-    <p:sldLayoutId id="2147483655" r:id="rId12"/>
-    <p:sldLayoutId id="2147483656" r:id="rId13"/>
-    <p:sldLayoutId id="2147483657" r:id="rId14"/>
-    <p:sldLayoutId id="2147483658" r:id="rId15"/>
-    <p:sldLayoutId id="2147483659" r:id="rId16"/>
-    <p:sldLayoutId id="2147483660" r:id="rId17"/>
+    <p:sldLayoutId id="2147483649" r:id="rId1"/>
+    <p:sldLayoutId id="2147483650" r:id="rId2"/>
+    <p:sldLayoutId id="2147483651" r:id="rId3"/>
+    <p:sldLayoutId id="2147483652" r:id="rId4"/>
+    <p:sldLayoutId id="2147483653" r:id="rId5"/>
+    <p:sldLayoutId id="2147483654" r:id="rId6"/>
+    <p:sldLayoutId id="2147483655" r:id="rId7"/>
+    <p:sldLayoutId id="2147483656" r:id="rId8"/>
+    <p:sldLayoutId id="2147483657" r:id="rId9"/>
+    <p:sldLayoutId id="2147483658" r:id="rId10"/>
+    <p:sldLayoutId id="2147483659" r:id="rId11"/>
+    <p:sldLayoutId id="2147483660" r:id="rId12"/>
   </p:sldLayoutIdLst>
+  <p:txStyles>
+    <p:titleStyle>
+      <a:lvl1pPr algn="l" defTabSz="914400" rtl="0" eaLnBrk="1" latinLnBrk="0" hangingPunct="1">
+        <a:lnSpc>
+          <a:spcPct val="90000"/>
+        </a:lnSpc>
+        <a:spcBef>
+          <a:spcPct val="0"/>
+        </a:spcBef>
+        <a:buNone/>
+        <a:defRPr sz="4400" kern="1200">
+          <a:solidFill>
+            <a:schemeClr val="tx1"/>
+          </a:solidFill>
+          <a:latin typeface="+mj-lt"/>
+          <a:ea typeface="+mj-ea"/>
+          <a:cs typeface="+mj-cs"/>
+        </a:defRPr>
+      </a:lvl1pPr>
+    </p:titleStyle>
+    <p:bodyStyle>
+      <a:lvl1pPr marL="228600" indent="-228600" algn="l" defTabSz="914400" rtl="0" eaLnBrk="1" latinLnBrk="0" hangingPunct="1">
+        <a:lnSpc>
+          <a:spcPct val="90000"/>
+        </a:lnSpc>
+        <a:spcBef>
+          <a:spcPts val="1000"/>
+        </a:spcBef>
+        <a:buFont typeface="Arial" panose="020B0604020202020204" pitchFamily="34" charset="0"/>
+        <a:buChar char="•"/>
+        <a:defRPr sz="2800" kern="1200">
+          <a:solidFill>
+            <a:schemeClr val="tx1"/>
+          </a:solidFill>
+          <a:latin typeface="+mn-lt"/>
+          <a:ea typeface="+mn-ea"/>
+          <a:cs typeface="+mn-cs"/>
+        </a:defRPr>
+      </a:lvl1pPr>
+      <a:lvl2pPr marL="685800" indent="-228600" algn="l" defTabSz="914400" rtl="0" eaLnBrk="1" latinLnBrk="0" hangingPunct="1">
+        <a:lnSpc>
+          <a:spcPct val="90000"/>
+        </a:lnSpc>
+        <a:spcBef>
+          <a:spcPts val="500"/>
+        </a:spcBef>
+        <a:buFont typeface="Arial" panose="020B0604020202020204" pitchFamily="34" charset="0"/>
+        <a:buChar char="•"/>
+        <a:defRPr sz="2400" kern="1200">
+          <a:solidFill>
+            <a:schemeClr val="tx1"/>
+          </a:solidFill>
+          <a:latin typeface="+mn-lt"/>
+          <a:ea typeface="+mn-ea"/>
+          <a:cs typeface="+mn-cs"/>
+        </a:defRPr>
+      </a:lvl2pPr>
+      <a:lvl3pPr marL="1143000" indent="-228600" algn="l" defTabSz="914400" rtl="0" eaLnBrk="1" latinLnBrk="0" hangingPunct="1">
+        <a:lnSpc>
+          <a:spcPct val="90000"/>
+        </a:lnSpc>
+        <a:spcBef>
+          <a:spcPts val="500"/>
+        </a:spcBef>
+        <a:buFont typeface="Arial" panose="020B0604020202020204" pitchFamily="34" charset="0"/>
+        <a:buChar char="•"/>
+        <a:defRPr sz="2000" kern="1200">
+          <a:solidFill>
+            <a:schemeClr val="tx1"/>
+          </a:solidFill>
+          <a:latin typeface="+mn-lt"/>
+          <a:ea typeface="+mn-ea"/>
+          <a:cs typeface="+mn-cs"/>
+        </a:defRPr>
+      </a:lvl3pPr>
+      <a:lvl4pPr marL="1600200" indent="-228600" algn="l" defTabSz="914400" rtl="0" eaLnBrk="1" latinLnBrk="0" hangingPunct="1">
+        <a:lnSpc>
+          <a:spcPct val="90000"/>
+        </a:lnSpc>
+        <a:spcBef>
+          <a:spcPts val="500"/>
+        </a:spcBef>
+        <a:buFont typeface="Arial" panose="020B0604020202020204" pitchFamily="34" charset="0"/>
+        <a:buChar char="•"/>
+        <a:defRPr sz="1800" kern="1200">
+          <a:solidFill>
+            <a:schemeClr val="tx1"/>
+          </a:solidFill>
+          <a:latin typeface="+mn-lt"/>
+          <a:ea typeface="+mn-ea"/>
+          <a:cs typeface="+mn-cs"/>
+        </a:defRPr>
+      </a:lvl4pPr>
+      <a:lvl5pPr marL="2057400" indent="-228600" algn="l" defTabSz="914400" rtl="0" eaLnBrk="1" latinLnBrk="0" hangingPunct="1">
+        <a:lnSpc>
+          <a:spcPct val="90000"/>
+        </a:lnSpc>
+        <a:spcBef>
+          <a:spcPts val="500"/>
+        </a:spcBef>
+        <a:buFont typeface="Arial" panose="020B0604020202020204" pitchFamily="34" charset="0"/>
+        <a:buChar char="•"/>
+        <a:defRPr sz="1800" kern="1200">
+          <a:solidFill>
+            <a:schemeClr val="tx1"/>
+          </a:solidFill>
+          <a:latin typeface="+mn-lt"/>
+          <a:ea typeface="+mn-ea"/>
+          <a:cs typeface="+mn-cs"/>
+        </a:defRPr>
+      </a:lvl5pPr>
+      <a:lvl6pPr marL="2514600" indent="-228600" algn="l" defTabSz="914400" rtl="0" eaLnBrk="1" latinLnBrk="0" hangingPunct="1">
+        <a:lnSpc>
+          <a:spcPct val="90000"/>
+        </a:lnSpc>
+        <a:spcBef>
+          <a:spcPts val="500"/>
+        </a:spcBef>
+        <a:buFont typeface="Arial" panose="020B0604020202020204" pitchFamily="34" charset="0"/>
+        <a:buChar char="•"/>
+        <a:defRPr sz="1800" kern="1200">
+          <a:solidFill>
+            <a:schemeClr val="tx1"/>
+          </a:solidFill>
+          <a:latin typeface="+mn-lt"/>
+          <a:ea typeface="+mn-ea"/>
+          <a:cs typeface="+mn-cs"/>
+        </a:defRPr>
+      </a:lvl6pPr>
+      <a:lvl7pPr marL="2971800" indent="-228600" algn="l" defTabSz="914400" rtl="0" eaLnBrk="1" latinLnBrk="0" hangingPunct="1">
+        <a:lnSpc>
+          <a:spcPct val="90000"/>
+        </a:lnSpc>
+        <a:spcBef>
+          <a:spcPts val="500"/>
+        </a:spcBef>
+        <a:buFont typeface="Arial" panose="020B0604020202020204" pitchFamily="34" charset="0"/>
+        <a:buChar char="•"/>
+        <a:defRPr sz="1800" kern="1200">
+          <a:solidFill>
+            <a:schemeClr val="tx1"/>
+          </a:solidFill>
+          <a:latin typeface="+mn-lt"/>
+          <a:ea typeface="+mn-ea"/>
+          <a:cs typeface="+mn-cs"/>
+        </a:defRPr>
+      </a:lvl7pPr>
+      <a:lvl8pPr marL="3429000" indent="-228600" algn="l" defTabSz="914400" rtl="0" eaLnBrk="1" latinLnBrk="0" hangingPunct="1">
+        <a:lnSpc>
+          <a:spcPct val="90000"/>
+        </a:lnSpc>
+        <a:spcBef>
+          <a:spcPts val="500"/>
+        </a:spcBef>
+        <a:buFont typeface="Arial" panose="020B0604020202020204" pitchFamily="34" charset="0"/>
+        <a:buChar char="•"/>
+        <a:defRPr sz="1800" kern="1200">
+          <a:solidFill>
+            <a:schemeClr val="tx1"/>
+          </a:solidFill>
+          <a:latin typeface="+mn-lt"/>
+          <a:ea typeface="+mn-ea"/>
+          <a:cs typeface="+mn-cs"/>
+        </a:defRPr>
+      </a:lvl8pPr>
+      <a:lvl9pPr marL="3886200" indent="-228600" algn="l" defTabSz="914400" rtl="0" eaLnBrk="1" latinLnBrk="0" hangingPunct="1">
+        <a:lnSpc>
+          <a:spcPct val="90000"/>
+        </a:lnSpc>
+        <a:spcBef>
+          <a:spcPts val="500"/>
+        </a:spcBef>
+        <a:buFont typeface="Arial" panose="020B0604020202020204" pitchFamily="34" charset="0"/>
+        <a:buChar char="•"/>
+        <a:defRPr sz="1800" kern="1200">
+          <a:solidFill>
+            <a:schemeClr val="tx1"/>
+          </a:solidFill>
+          <a:latin typeface="+mn-lt"/>
+          <a:ea typeface="+mn-ea"/>
+          <a:cs typeface="+mn-cs"/>
+        </a:defRPr>
+      </a:lvl9pPr>
+    </p:bodyStyle>
+    <p:otherStyle>
+      <a:defPPr>
+        <a:defRPr lang="de-DE"/>
+      </a:defPPr>
+      <a:lvl1pPr marL="0" algn="l" defTabSz="914400" rtl="0" eaLnBrk="1" latinLnBrk="0" hangingPunct="1">
+        <a:defRPr sz="1800" kern="1200">
+          <a:solidFill>
+            <a:schemeClr val="tx1"/>
+          </a:solidFill>
+          <a:latin typeface="+mn-lt"/>
+          <a:ea typeface="+mn-ea"/>
+          <a:cs typeface="+mn-cs"/>
+        </a:defRPr>
+      </a:lvl1pPr>
+      <a:lvl2pPr marL="457200" algn="l" defTabSz="914400" rtl="0" eaLnBrk="1" latinLnBrk="0" hangingPunct="1">
+        <a:defRPr sz="1800" kern="1200">
+          <a:solidFill>
+            <a:schemeClr val="tx1"/>
+          </a:solidFill>
+          <a:latin typeface="+mn-lt"/>
+          <a:ea typeface="+mn-ea"/>
+          <a:cs typeface="+mn-cs"/>
+        </a:defRPr>
+      </a:lvl2pPr>
+      <a:lvl3pPr marL="914400" algn="l" defTabSz="914400" rtl="0" eaLnBrk="1" latinLnBrk="0" hangingPunct="1">
+        <a:defRPr sz="1800" kern="1200">
+          <a:solidFill>
+            <a:schemeClr val="tx1"/>
+          </a:solidFill>
+          <a:latin typeface="+mn-lt"/>
+          <a:ea typeface="+mn-ea"/>
+          <a:cs typeface="+mn-cs"/>
+        </a:defRPr>
+      </a:lvl3pPr>
+      <a:lvl4pPr marL="1371600" algn="l" defTabSz="914400" rtl="0" eaLnBrk="1" latinLnBrk="0" hangingPunct="1">
+        <a:defRPr sz="1800" kern="1200">
+          <a:solidFill>
+            <a:schemeClr val="tx1"/>
+          </a:solidFill>
+          <a:latin typeface="+mn-lt"/>
+          <a:ea typeface="+mn-ea"/>
+          <a:cs typeface="+mn-cs"/>
+        </a:defRPr>
+      </a:lvl4pPr>
+      <a:lvl5pPr marL="1828800" algn="l" defTabSz="914400" rtl="0" eaLnBrk="1" latinLnBrk="0" hangingPunct="1">
+        <a:defRPr sz="1800" kern="1200">
+          <a:solidFill>
+            <a:schemeClr val="tx1"/>
+          </a:solidFill>
+          <a:latin typeface="+mn-lt"/>
+          <a:ea typeface="+mn-ea"/>
+          <a:cs typeface="+mn-cs"/>
+        </a:defRPr>
+      </a:lvl5pPr>
+      <a:lvl6pPr marL="2286000" algn="l" defTabSz="914400" rtl="0" eaLnBrk="1" latinLnBrk="0" hangingPunct="1">
+        <a:defRPr sz="1800" kern="1200">
+          <a:solidFill>
+            <a:schemeClr val="tx1"/>
+          </a:solidFill>
+          <a:latin typeface="+mn-lt"/>
+          <a:ea typeface="+mn-ea"/>
+          <a:cs typeface="+mn-cs"/>
+        </a:defRPr>
+      </a:lvl6pPr>
+      <a:lvl7pPr marL="2743200" algn="l" defTabSz="914400" rtl="0" eaLnBrk="1" latinLnBrk="0" hangingPunct="1">
+        <a:defRPr sz="1800" kern="1200">
+          <a:solidFill>
+            <a:schemeClr val="tx1"/>
+          </a:solidFill>
+          <a:latin typeface="+mn-lt"/>
+          <a:ea typeface="+mn-ea"/>
+          <a:cs typeface="+mn-cs"/>
+        </a:defRPr>
+      </a:lvl7pPr>
+      <a:lvl8pPr marL="3200400" algn="l" defTabSz="914400" rtl="0" eaLnBrk="1" latinLnBrk="0" hangingPunct="1">
+        <a:defRPr sz="1800" kern="1200">
+          <a:solidFill>
+            <a:schemeClr val="tx1"/>
+          </a:solidFill>
+          <a:latin typeface="+mn-lt"/>
+          <a:ea typeface="+mn-ea"/>
+          <a:cs typeface="+mn-cs"/>
+        </a:defRPr>
+      </a:lvl8pPr>
+      <a:lvl9pPr marL="3657600" algn="l" defTabSz="914400" rtl="0" eaLnBrk="1" latinLnBrk="0" hangingPunct="1">
+        <a:defRPr sz="1800" kern="1200">
+          <a:solidFill>
+            <a:schemeClr val="tx1"/>
+          </a:solidFill>
+          <a:latin typeface="+mn-lt"/>
+          <a:ea typeface="+mn-ea"/>
+          <a:cs typeface="+mn-cs"/>
+        </a:defRPr>
+      </a:lvl9pPr>
+    </p:otherStyle>
+  </p:txStyles>
 </p:sldMaster>
 </file>
 
 <file path=ppt/slideMasters/slideMaster2.xml><?xml version="1.0" encoding="utf-8"?>
-<p:sldMaster xmlns:a="http://schemas.openxmlformats.org/drawingml/2006/main" xmlns:p="http://schemas.openxmlformats.org/presentationml/2006/main" xmlns:r="http://schemas.openxmlformats.org/officeDocument/2006/relationships" xmlns:p14="http://schemas.microsoft.com/office/powerpoint/2010/main" xmlns:p15="http://schemas.microsoft.com/office/powerpoint/2012/main" xmlns:mc="http://schemas.openxmlformats.org/markup-compatibility/2006">
+<p:sldMaster xmlns:a="http://schemas.openxmlformats.org/drawingml/2006/main" xmlns:r="http://schemas.openxmlformats.org/officeDocument/2006/relationships" xmlns:p="http://schemas.openxmlformats.org/presentationml/2006/main">
   <p:cSld>
     <p:bg>
       <p:bgPr>
         <a:solidFill>
-          <a:srgbClr val="ffffff"/>
+          <a:srgbClr val="FFFFFF"/>
         </a:solidFill>
+        <a:effectLst/>
       </p:bgPr>
     </p:bg>
     <p:spTree>
@@ -5566,13 +6348,13 @@
       </p:grpSpPr>
       <p:pic>
         <p:nvPicPr>
-          <p:cNvPr id="45" name="Picture 7" descr=""/>
+          <p:cNvPr id="45" name="Picture 7"/>
           <p:cNvPicPr/>
           <p:nvPr/>
         </p:nvPicPr>
         <p:blipFill>
-          <a:blip r:embed="rId2"/>
-          <a:srcRect l="-2" t="0" r="-6522" b="0"/>
+          <a:blip r:embed="rId14"/>
+          <a:srcRect l="-2" r="-6522"/>
           <a:stretch/>
         </p:blipFill>
         <p:spPr>
@@ -5590,12 +6372,12 @@
       </p:pic>
       <p:pic>
         <p:nvPicPr>
-          <p:cNvPr id="46" name="Picture 17" descr=""/>
+          <p:cNvPr id="46" name="Picture 17"/>
           <p:cNvPicPr/>
           <p:nvPr/>
         </p:nvPicPr>
         <p:blipFill>
-          <a:blip r:embed="rId3"/>
+          <a:blip r:embed="rId15"/>
           <a:stretch/>
         </p:blipFill>
         <p:spPr>
@@ -5631,15 +6413,22 @@
           </a:ln>
         </p:spPr>
         <p:style>
-          <a:lnRef idx="0"/>
-          <a:fillRef idx="0"/>
-          <a:effectRef idx="0"/>
+          <a:lnRef idx="0">
+            <a:scrgbClr r="0" g="0" b="0"/>
+          </a:lnRef>
+          <a:fillRef idx="0">
+            <a:scrgbClr r="0" g="0" b="0"/>
+          </a:fillRef>
+          <a:effectRef idx="0">
+            <a:scrgbClr r="0" g="0" b="0"/>
+          </a:effectRef>
           <a:fontRef idx="minor"/>
         </p:style>
         <p:txBody>
-          <a:bodyPr lIns="90000" rIns="90000" tIns="45000" bIns="45000" anchor="ctr">
+          <a:bodyPr lIns="90000" tIns="45000" rIns="90000" bIns="45000" anchor="ctr">
             <a:noAutofit/>
           </a:bodyPr>
+          <a:lstStyle/>
           <a:p>
             <a:pPr algn="r">
               <a:lnSpc>
@@ -5647,7 +6436,7 @@
               </a:lnSpc>
             </a:pPr>
             <a:r>
-              <a:rPr b="0" lang="en-CA" sz="1050" spc="-1" strike="noStrike">
+              <a:rPr lang="en-CA" sz="1050" b="0" strike="noStrike" spc="-1">
                 <a:solidFill>
                   <a:srgbClr val="000000"/>
                 </a:solidFill>
@@ -5656,7 +6445,7 @@
               </a:rPr>
               <a:t>12</a:t>
             </a:r>
-            <a:endParaRPr b="0" lang="de-AT" sz="1050" spc="-1" strike="noStrike">
+            <a:endParaRPr lang="de-AT" sz="1050" b="0" strike="noStrike" spc="-1">
               <a:latin typeface="Arial"/>
             </a:endParaRPr>
           </a:p>
@@ -5682,20 +6471,18 @@
           </a:prstGeom>
         </p:spPr>
         <p:txBody>
-          <a:bodyPr lIns="0" rIns="0" tIns="0" bIns="0" anchor="ctr">
+          <a:bodyPr lIns="0" tIns="0" rIns="0" bIns="0" anchor="ctr">
             <a:noAutofit/>
           </a:bodyPr>
+          <a:lstStyle/>
           <a:p>
             <a:pPr algn="ctr"/>
             <a:r>
-              <a:rPr b="0" lang="de-AT" sz="4400" spc="-1" strike="noStrike">
+              <a:rPr lang="de-AT" sz="4400" b="0" strike="noStrike" spc="-1">
                 <a:latin typeface="Arial"/>
               </a:rPr>
               <a:t>Format des Titeltextes durch Klicken bearbeiten</a:t>
             </a:r>
-            <a:endParaRPr b="0" lang="de-AT" sz="4400" spc="-1" strike="noStrike">
-              <a:latin typeface="Arial"/>
-            </a:endParaRPr>
           </a:p>
         </p:txBody>
       </p:sp>
@@ -5719,9 +6506,10 @@
           </a:prstGeom>
         </p:spPr>
         <p:txBody>
-          <a:bodyPr lIns="0" rIns="0" tIns="0" bIns="0">
+          <a:bodyPr lIns="0" tIns="0" rIns="0" bIns="0">
             <a:normAutofit/>
           </a:bodyPr>
+          <a:lstStyle/>
           <a:p>
             <a:pPr marL="432000" indent="-324000">
               <a:spcBef>
@@ -5735,23 +6523,14 @@
               <a:buChar char=""/>
             </a:pPr>
             <a:r>
-              <a:rPr b="0" lang="de-AT" sz="3200" spc="-1" strike="noStrike">
+              <a:rPr lang="de-AT" sz="3200" b="0" strike="noStrike" spc="-1">
                 <a:latin typeface="Arial"/>
               </a:rPr>
-              <a:t>Format des Gliederungstextes durch </a:t>
-            </a:r>
-            <a:r>
-              <a:rPr b="0" lang="de-AT" sz="3200" spc="-1" strike="noStrike">
-                <a:latin typeface="Arial"/>
-              </a:rPr>
-              <a:t>Klicken bearbeiten</a:t>
-            </a:r>
-            <a:endParaRPr b="0" lang="de-AT" sz="3200" spc="-1" strike="noStrike">
-              <a:latin typeface="Arial"/>
-            </a:endParaRPr>
-          </a:p>
-          <a:p>
-            <a:pPr lvl="1" marL="864000" indent="-324000">
+              <a:t>Format des Gliederungstextes durch Klicken bearbeiten</a:t>
+            </a:r>
+          </a:p>
+          <a:p>
+            <a:pPr marL="864000" lvl="1" indent="-324000">
               <a:spcBef>
                 <a:spcPts val="1134"/>
               </a:spcBef>
@@ -5763,17 +6542,14 @@
               <a:buChar char=""/>
             </a:pPr>
             <a:r>
-              <a:rPr b="0" lang="de-AT" sz="2800" spc="-1" strike="noStrike">
+              <a:rPr lang="de-AT" sz="2800" b="0" strike="noStrike" spc="-1">
                 <a:latin typeface="Arial"/>
               </a:rPr>
               <a:t>Zweite Gliederungsebene</a:t>
             </a:r>
-            <a:endParaRPr b="0" lang="de-AT" sz="2800" spc="-1" strike="noStrike">
-              <a:latin typeface="Arial"/>
-            </a:endParaRPr>
-          </a:p>
-          <a:p>
-            <a:pPr lvl="2" marL="1296000" indent="-288000">
+          </a:p>
+          <a:p>
+            <a:pPr marL="1296000" lvl="2" indent="-288000">
               <a:spcBef>
                 <a:spcPts val="850"/>
               </a:spcBef>
@@ -5785,17 +6561,14 @@
               <a:buChar char=""/>
             </a:pPr>
             <a:r>
-              <a:rPr b="0" lang="de-AT" sz="2400" spc="-1" strike="noStrike">
+              <a:rPr lang="de-AT" sz="2400" b="0" strike="noStrike" spc="-1">
                 <a:latin typeface="Arial"/>
               </a:rPr>
               <a:t>Dritte Gliederungsebene</a:t>
             </a:r>
-            <a:endParaRPr b="0" lang="de-AT" sz="2400" spc="-1" strike="noStrike">
-              <a:latin typeface="Arial"/>
-            </a:endParaRPr>
-          </a:p>
-          <a:p>
-            <a:pPr lvl="3" marL="1728000" indent="-216000">
+          </a:p>
+          <a:p>
+            <a:pPr marL="1728000" lvl="3" indent="-216000">
               <a:spcBef>
                 <a:spcPts val="567"/>
               </a:spcBef>
@@ -5807,17 +6580,14 @@
               <a:buChar char=""/>
             </a:pPr>
             <a:r>
-              <a:rPr b="0" lang="de-AT" sz="2000" spc="-1" strike="noStrike">
+              <a:rPr lang="de-AT" sz="2000" b="0" strike="noStrike" spc="-1">
                 <a:latin typeface="Arial"/>
               </a:rPr>
               <a:t>Vierte Gliederungsebene</a:t>
             </a:r>
-            <a:endParaRPr b="0" lang="de-AT" sz="2000" spc="-1" strike="noStrike">
-              <a:latin typeface="Arial"/>
-            </a:endParaRPr>
-          </a:p>
-          <a:p>
-            <a:pPr lvl="4" marL="2160000" indent="-216000">
+          </a:p>
+          <a:p>
+            <a:pPr marL="2160000" lvl="4" indent="-216000">
               <a:spcBef>
                 <a:spcPts val="283"/>
               </a:spcBef>
@@ -5829,17 +6599,14 @@
               <a:buChar char=""/>
             </a:pPr>
             <a:r>
-              <a:rPr b="0" lang="de-AT" sz="2000" spc="-1" strike="noStrike">
+              <a:rPr lang="de-AT" sz="2000" b="0" strike="noStrike" spc="-1">
                 <a:latin typeface="Arial"/>
               </a:rPr>
               <a:t>Fünfte Gliederungsebene</a:t>
             </a:r>
-            <a:endParaRPr b="0" lang="de-AT" sz="2000" spc="-1" strike="noStrike">
-              <a:latin typeface="Arial"/>
-            </a:endParaRPr>
-          </a:p>
-          <a:p>
-            <a:pPr lvl="5" marL="2592000" indent="-216000">
+          </a:p>
+          <a:p>
+            <a:pPr marL="2592000" lvl="5" indent="-216000">
               <a:spcBef>
                 <a:spcPts val="283"/>
               </a:spcBef>
@@ -5851,17 +6618,14 @@
               <a:buChar char=""/>
             </a:pPr>
             <a:r>
-              <a:rPr b="0" lang="de-AT" sz="2000" spc="-1" strike="noStrike">
+              <a:rPr lang="de-AT" sz="2000" b="0" strike="noStrike" spc="-1">
                 <a:latin typeface="Arial"/>
               </a:rPr>
               <a:t>Sechste Gliederungsebene</a:t>
             </a:r>
-            <a:endParaRPr b="0" lang="de-AT" sz="2000" spc="-1" strike="noStrike">
-              <a:latin typeface="Arial"/>
-            </a:endParaRPr>
-          </a:p>
-          <a:p>
-            <a:pPr lvl="6" marL="3024000" indent="-216000">
+          </a:p>
+          <a:p>
+            <a:pPr marL="3024000" lvl="6" indent="-216000">
               <a:spcBef>
                 <a:spcPts val="283"/>
               </a:spcBef>
@@ -5873,45 +6637,323 @@
               <a:buChar char=""/>
             </a:pPr>
             <a:r>
-              <a:rPr b="0" lang="de-AT" sz="2000" spc="-1" strike="noStrike">
+              <a:rPr lang="de-AT" sz="2000" b="0" strike="noStrike" spc="-1">
                 <a:latin typeface="Arial"/>
               </a:rPr>
               <a:t>Siebte Gliederungsebene</a:t>
             </a:r>
-            <a:endParaRPr b="0" lang="de-AT" sz="2000" spc="-1" strike="noStrike">
-              <a:latin typeface="Arial"/>
-            </a:endParaRPr>
           </a:p>
         </p:txBody>
       </p:sp>
     </p:spTree>
   </p:cSld>
-  <p:clrMap bg1="lt1" bg2="lt2" tx1="dk1" tx2="dk2" accent1="accent1" accent2="accent2" accent3="accent3" accent4="accent4" accent5="accent5" accent6="accent6" hlink="hlink" folHlink="folHlink"/>
+  <p:clrMap bg1="lt1" tx1="dk1" bg2="lt2" tx2="dk2" accent1="accent1" accent2="accent2" accent3="accent3" accent4="accent4" accent5="accent5" accent6="accent6" hlink="hlink" folHlink="folHlink"/>
   <p:sldLayoutIdLst>
-    <p:sldLayoutId id="2147483662" r:id="rId4"/>
-    <p:sldLayoutId id="2147483663" r:id="rId5"/>
-    <p:sldLayoutId id="2147483664" r:id="rId6"/>
-    <p:sldLayoutId id="2147483665" r:id="rId7"/>
-    <p:sldLayoutId id="2147483666" r:id="rId8"/>
-    <p:sldLayoutId id="2147483667" r:id="rId9"/>
-    <p:sldLayoutId id="2147483668" r:id="rId10"/>
-    <p:sldLayoutId id="2147483669" r:id="rId11"/>
-    <p:sldLayoutId id="2147483670" r:id="rId12"/>
-    <p:sldLayoutId id="2147483671" r:id="rId13"/>
-    <p:sldLayoutId id="2147483672" r:id="rId14"/>
-    <p:sldLayoutId id="2147483673" r:id="rId15"/>
+    <p:sldLayoutId id="2147483662" r:id="rId1"/>
+    <p:sldLayoutId id="2147483663" r:id="rId2"/>
+    <p:sldLayoutId id="2147483664" r:id="rId3"/>
+    <p:sldLayoutId id="2147483665" r:id="rId4"/>
+    <p:sldLayoutId id="2147483666" r:id="rId5"/>
+    <p:sldLayoutId id="2147483667" r:id="rId6"/>
+    <p:sldLayoutId id="2147483668" r:id="rId7"/>
+    <p:sldLayoutId id="2147483669" r:id="rId8"/>
+    <p:sldLayoutId id="2147483670" r:id="rId9"/>
+    <p:sldLayoutId id="2147483671" r:id="rId10"/>
+    <p:sldLayoutId id="2147483672" r:id="rId11"/>
+    <p:sldLayoutId id="2147483673" r:id="rId12"/>
   </p:sldLayoutIdLst>
+  <p:txStyles>
+    <p:titleStyle>
+      <a:lvl1pPr algn="l" defTabSz="914400" rtl="0" eaLnBrk="1" latinLnBrk="0" hangingPunct="1">
+        <a:lnSpc>
+          <a:spcPct val="90000"/>
+        </a:lnSpc>
+        <a:spcBef>
+          <a:spcPct val="0"/>
+        </a:spcBef>
+        <a:buNone/>
+        <a:defRPr sz="4400" kern="1200">
+          <a:solidFill>
+            <a:schemeClr val="tx1"/>
+          </a:solidFill>
+          <a:latin typeface="+mj-lt"/>
+          <a:ea typeface="+mj-ea"/>
+          <a:cs typeface="+mj-cs"/>
+        </a:defRPr>
+      </a:lvl1pPr>
+    </p:titleStyle>
+    <p:bodyStyle>
+      <a:lvl1pPr marL="228600" indent="-228600" algn="l" defTabSz="914400" rtl="0" eaLnBrk="1" latinLnBrk="0" hangingPunct="1">
+        <a:lnSpc>
+          <a:spcPct val="90000"/>
+        </a:lnSpc>
+        <a:spcBef>
+          <a:spcPts val="1000"/>
+        </a:spcBef>
+        <a:buFont typeface="Arial" panose="020B0604020202020204" pitchFamily="34" charset="0"/>
+        <a:buChar char="•"/>
+        <a:defRPr sz="2800" kern="1200">
+          <a:solidFill>
+            <a:schemeClr val="tx1"/>
+          </a:solidFill>
+          <a:latin typeface="+mn-lt"/>
+          <a:ea typeface="+mn-ea"/>
+          <a:cs typeface="+mn-cs"/>
+        </a:defRPr>
+      </a:lvl1pPr>
+      <a:lvl2pPr marL="685800" indent="-228600" algn="l" defTabSz="914400" rtl="0" eaLnBrk="1" latinLnBrk="0" hangingPunct="1">
+        <a:lnSpc>
+          <a:spcPct val="90000"/>
+        </a:lnSpc>
+        <a:spcBef>
+          <a:spcPts val="500"/>
+        </a:spcBef>
+        <a:buFont typeface="Arial" panose="020B0604020202020204" pitchFamily="34" charset="0"/>
+        <a:buChar char="•"/>
+        <a:defRPr sz="2400" kern="1200">
+          <a:solidFill>
+            <a:schemeClr val="tx1"/>
+          </a:solidFill>
+          <a:latin typeface="+mn-lt"/>
+          <a:ea typeface="+mn-ea"/>
+          <a:cs typeface="+mn-cs"/>
+        </a:defRPr>
+      </a:lvl2pPr>
+      <a:lvl3pPr marL="1143000" indent="-228600" algn="l" defTabSz="914400" rtl="0" eaLnBrk="1" latinLnBrk="0" hangingPunct="1">
+        <a:lnSpc>
+          <a:spcPct val="90000"/>
+        </a:lnSpc>
+        <a:spcBef>
+          <a:spcPts val="500"/>
+        </a:spcBef>
+        <a:buFont typeface="Arial" panose="020B0604020202020204" pitchFamily="34" charset="0"/>
+        <a:buChar char="•"/>
+        <a:defRPr sz="2000" kern="1200">
+          <a:solidFill>
+            <a:schemeClr val="tx1"/>
+          </a:solidFill>
+          <a:latin typeface="+mn-lt"/>
+          <a:ea typeface="+mn-ea"/>
+          <a:cs typeface="+mn-cs"/>
+        </a:defRPr>
+      </a:lvl3pPr>
+      <a:lvl4pPr marL="1600200" indent="-228600" algn="l" defTabSz="914400" rtl="0" eaLnBrk="1" latinLnBrk="0" hangingPunct="1">
+        <a:lnSpc>
+          <a:spcPct val="90000"/>
+        </a:lnSpc>
+        <a:spcBef>
+          <a:spcPts val="500"/>
+        </a:spcBef>
+        <a:buFont typeface="Arial" panose="020B0604020202020204" pitchFamily="34" charset="0"/>
+        <a:buChar char="•"/>
+        <a:defRPr sz="1800" kern="1200">
+          <a:solidFill>
+            <a:schemeClr val="tx1"/>
+          </a:solidFill>
+          <a:latin typeface="+mn-lt"/>
+          <a:ea typeface="+mn-ea"/>
+          <a:cs typeface="+mn-cs"/>
+        </a:defRPr>
+      </a:lvl4pPr>
+      <a:lvl5pPr marL="2057400" indent="-228600" algn="l" defTabSz="914400" rtl="0" eaLnBrk="1" latinLnBrk="0" hangingPunct="1">
+        <a:lnSpc>
+          <a:spcPct val="90000"/>
+        </a:lnSpc>
+        <a:spcBef>
+          <a:spcPts val="500"/>
+        </a:spcBef>
+        <a:buFont typeface="Arial" panose="020B0604020202020204" pitchFamily="34" charset="0"/>
+        <a:buChar char="•"/>
+        <a:defRPr sz="1800" kern="1200">
+          <a:solidFill>
+            <a:schemeClr val="tx1"/>
+          </a:solidFill>
+          <a:latin typeface="+mn-lt"/>
+          <a:ea typeface="+mn-ea"/>
+          <a:cs typeface="+mn-cs"/>
+        </a:defRPr>
+      </a:lvl5pPr>
+      <a:lvl6pPr marL="2514600" indent="-228600" algn="l" defTabSz="914400" rtl="0" eaLnBrk="1" latinLnBrk="0" hangingPunct="1">
+        <a:lnSpc>
+          <a:spcPct val="90000"/>
+        </a:lnSpc>
+        <a:spcBef>
+          <a:spcPts val="500"/>
+        </a:spcBef>
+        <a:buFont typeface="Arial" panose="020B0604020202020204" pitchFamily="34" charset="0"/>
+        <a:buChar char="•"/>
+        <a:defRPr sz="1800" kern="1200">
+          <a:solidFill>
+            <a:schemeClr val="tx1"/>
+          </a:solidFill>
+          <a:latin typeface="+mn-lt"/>
+          <a:ea typeface="+mn-ea"/>
+          <a:cs typeface="+mn-cs"/>
+        </a:defRPr>
+      </a:lvl6pPr>
+      <a:lvl7pPr marL="2971800" indent="-228600" algn="l" defTabSz="914400" rtl="0" eaLnBrk="1" latinLnBrk="0" hangingPunct="1">
+        <a:lnSpc>
+          <a:spcPct val="90000"/>
+        </a:lnSpc>
+        <a:spcBef>
+          <a:spcPts val="500"/>
+        </a:spcBef>
+        <a:buFont typeface="Arial" panose="020B0604020202020204" pitchFamily="34" charset="0"/>
+        <a:buChar char="•"/>
+        <a:defRPr sz="1800" kern="1200">
+          <a:solidFill>
+            <a:schemeClr val="tx1"/>
+          </a:solidFill>
+          <a:latin typeface="+mn-lt"/>
+          <a:ea typeface="+mn-ea"/>
+          <a:cs typeface="+mn-cs"/>
+        </a:defRPr>
+      </a:lvl7pPr>
+      <a:lvl8pPr marL="3429000" indent="-228600" algn="l" defTabSz="914400" rtl="0" eaLnBrk="1" latinLnBrk="0" hangingPunct="1">
+        <a:lnSpc>
+          <a:spcPct val="90000"/>
+        </a:lnSpc>
+        <a:spcBef>
+          <a:spcPts val="500"/>
+        </a:spcBef>
+        <a:buFont typeface="Arial" panose="020B0604020202020204" pitchFamily="34" charset="0"/>
+        <a:buChar char="•"/>
+        <a:defRPr sz="1800" kern="1200">
+          <a:solidFill>
+            <a:schemeClr val="tx1"/>
+          </a:solidFill>
+          <a:latin typeface="+mn-lt"/>
+          <a:ea typeface="+mn-ea"/>
+          <a:cs typeface="+mn-cs"/>
+        </a:defRPr>
+      </a:lvl8pPr>
+      <a:lvl9pPr marL="3886200" indent="-228600" algn="l" defTabSz="914400" rtl="0" eaLnBrk="1" latinLnBrk="0" hangingPunct="1">
+        <a:lnSpc>
+          <a:spcPct val="90000"/>
+        </a:lnSpc>
+        <a:spcBef>
+          <a:spcPts val="500"/>
+        </a:spcBef>
+        <a:buFont typeface="Arial" panose="020B0604020202020204" pitchFamily="34" charset="0"/>
+        <a:buChar char="•"/>
+        <a:defRPr sz="1800" kern="1200">
+          <a:solidFill>
+            <a:schemeClr val="tx1"/>
+          </a:solidFill>
+          <a:latin typeface="+mn-lt"/>
+          <a:ea typeface="+mn-ea"/>
+          <a:cs typeface="+mn-cs"/>
+        </a:defRPr>
+      </a:lvl9pPr>
+    </p:bodyStyle>
+    <p:otherStyle>
+      <a:defPPr>
+        <a:defRPr lang="de-DE"/>
+      </a:defPPr>
+      <a:lvl1pPr marL="0" algn="l" defTabSz="914400" rtl="0" eaLnBrk="1" latinLnBrk="0" hangingPunct="1">
+        <a:defRPr sz="1800" kern="1200">
+          <a:solidFill>
+            <a:schemeClr val="tx1"/>
+          </a:solidFill>
+          <a:latin typeface="+mn-lt"/>
+          <a:ea typeface="+mn-ea"/>
+          <a:cs typeface="+mn-cs"/>
+        </a:defRPr>
+      </a:lvl1pPr>
+      <a:lvl2pPr marL="457200" algn="l" defTabSz="914400" rtl="0" eaLnBrk="1" latinLnBrk="0" hangingPunct="1">
+        <a:defRPr sz="1800" kern="1200">
+          <a:solidFill>
+            <a:schemeClr val="tx1"/>
+          </a:solidFill>
+          <a:latin typeface="+mn-lt"/>
+          <a:ea typeface="+mn-ea"/>
+          <a:cs typeface="+mn-cs"/>
+        </a:defRPr>
+      </a:lvl2pPr>
+      <a:lvl3pPr marL="914400" algn="l" defTabSz="914400" rtl="0" eaLnBrk="1" latinLnBrk="0" hangingPunct="1">
+        <a:defRPr sz="1800" kern="1200">
+          <a:solidFill>
+            <a:schemeClr val="tx1"/>
+          </a:solidFill>
+          <a:latin typeface="+mn-lt"/>
+          <a:ea typeface="+mn-ea"/>
+          <a:cs typeface="+mn-cs"/>
+        </a:defRPr>
+      </a:lvl3pPr>
+      <a:lvl4pPr marL="1371600" algn="l" defTabSz="914400" rtl="0" eaLnBrk="1" latinLnBrk="0" hangingPunct="1">
+        <a:defRPr sz="1800" kern="1200">
+          <a:solidFill>
+            <a:schemeClr val="tx1"/>
+          </a:solidFill>
+          <a:latin typeface="+mn-lt"/>
+          <a:ea typeface="+mn-ea"/>
+          <a:cs typeface="+mn-cs"/>
+        </a:defRPr>
+      </a:lvl4pPr>
+      <a:lvl5pPr marL="1828800" algn="l" defTabSz="914400" rtl="0" eaLnBrk="1" latinLnBrk="0" hangingPunct="1">
+        <a:defRPr sz="1800" kern="1200">
+          <a:solidFill>
+            <a:schemeClr val="tx1"/>
+          </a:solidFill>
+          <a:latin typeface="+mn-lt"/>
+          <a:ea typeface="+mn-ea"/>
+          <a:cs typeface="+mn-cs"/>
+        </a:defRPr>
+      </a:lvl5pPr>
+      <a:lvl6pPr marL="2286000" algn="l" defTabSz="914400" rtl="0" eaLnBrk="1" latinLnBrk="0" hangingPunct="1">
+        <a:defRPr sz="1800" kern="1200">
+          <a:solidFill>
+            <a:schemeClr val="tx1"/>
+          </a:solidFill>
+          <a:latin typeface="+mn-lt"/>
+          <a:ea typeface="+mn-ea"/>
+          <a:cs typeface="+mn-cs"/>
+        </a:defRPr>
+      </a:lvl6pPr>
+      <a:lvl7pPr marL="2743200" algn="l" defTabSz="914400" rtl="0" eaLnBrk="1" latinLnBrk="0" hangingPunct="1">
+        <a:defRPr sz="1800" kern="1200">
+          <a:solidFill>
+            <a:schemeClr val="tx1"/>
+          </a:solidFill>
+          <a:latin typeface="+mn-lt"/>
+          <a:ea typeface="+mn-ea"/>
+          <a:cs typeface="+mn-cs"/>
+        </a:defRPr>
+      </a:lvl7pPr>
+      <a:lvl8pPr marL="3200400" algn="l" defTabSz="914400" rtl="0" eaLnBrk="1" latinLnBrk="0" hangingPunct="1">
+        <a:defRPr sz="1800" kern="1200">
+          <a:solidFill>
+            <a:schemeClr val="tx1"/>
+          </a:solidFill>
+          <a:latin typeface="+mn-lt"/>
+          <a:ea typeface="+mn-ea"/>
+          <a:cs typeface="+mn-cs"/>
+        </a:defRPr>
+      </a:lvl8pPr>
+      <a:lvl9pPr marL="3657600" algn="l" defTabSz="914400" rtl="0" eaLnBrk="1" latinLnBrk="0" hangingPunct="1">
+        <a:defRPr sz="1800" kern="1200">
+          <a:solidFill>
+            <a:schemeClr val="tx1"/>
+          </a:solidFill>
+          <a:latin typeface="+mn-lt"/>
+          <a:ea typeface="+mn-ea"/>
+          <a:cs typeface="+mn-cs"/>
+        </a:defRPr>
+      </a:lvl9pPr>
+    </p:otherStyle>
+  </p:txStyles>
 </p:sldMaster>
 </file>
 
 <file path=ppt/slideMasters/slideMaster3.xml><?xml version="1.0" encoding="utf-8"?>
-<p:sldMaster xmlns:a="http://schemas.openxmlformats.org/drawingml/2006/main" xmlns:p="http://schemas.openxmlformats.org/presentationml/2006/main" xmlns:r="http://schemas.openxmlformats.org/officeDocument/2006/relationships" xmlns:p14="http://schemas.microsoft.com/office/powerpoint/2010/main" xmlns:p15="http://schemas.microsoft.com/office/powerpoint/2012/main" xmlns:mc="http://schemas.openxmlformats.org/markup-compatibility/2006">
+<p:sldMaster xmlns:a="http://schemas.openxmlformats.org/drawingml/2006/main" xmlns:r="http://schemas.openxmlformats.org/officeDocument/2006/relationships" xmlns:p="http://schemas.openxmlformats.org/presentationml/2006/main">
   <p:cSld>
     <p:bg>
       <p:bgPr>
         <a:solidFill>
-          <a:srgbClr val="ffffff"/>
+          <a:srgbClr val="FFFFFF"/>
         </a:solidFill>
+        <a:effectLst/>
       </p:bgPr>
     </p:bg>
     <p:spTree>
@@ -5930,13 +6972,13 @@
       </p:grpSpPr>
       <p:pic>
         <p:nvPicPr>
-          <p:cNvPr id="86" name="Picture 7" descr=""/>
+          <p:cNvPr id="86" name="Picture 7"/>
           <p:cNvPicPr/>
           <p:nvPr/>
         </p:nvPicPr>
         <p:blipFill>
-          <a:blip r:embed="rId2"/>
-          <a:srcRect l="-2" t="0" r="-6522" b="0"/>
+          <a:blip r:embed="rId14"/>
+          <a:srcRect l="-2" r="-6522"/>
           <a:stretch/>
         </p:blipFill>
         <p:spPr>
@@ -5954,12 +6996,12 @@
       </p:pic>
       <p:pic>
         <p:nvPicPr>
-          <p:cNvPr id="87" name="Picture 17" descr=""/>
+          <p:cNvPr id="87" name="Picture 17"/>
           <p:cNvPicPr/>
           <p:nvPr/>
         </p:nvPicPr>
         <p:blipFill>
-          <a:blip r:embed="rId3"/>
+          <a:blip r:embed="rId15"/>
           <a:stretch/>
         </p:blipFill>
         <p:spPr>
@@ -5995,15 +7037,22 @@
           </a:ln>
         </p:spPr>
         <p:style>
-          <a:lnRef idx="0"/>
-          <a:fillRef idx="0"/>
-          <a:effectRef idx="0"/>
+          <a:lnRef idx="0">
+            <a:scrgbClr r="0" g="0" b="0"/>
+          </a:lnRef>
+          <a:fillRef idx="0">
+            <a:scrgbClr r="0" g="0" b="0"/>
+          </a:fillRef>
+          <a:effectRef idx="0">
+            <a:scrgbClr r="0" g="0" b="0"/>
+          </a:effectRef>
           <a:fontRef idx="minor"/>
         </p:style>
         <p:txBody>
-          <a:bodyPr lIns="90000" rIns="90000" tIns="45000" bIns="45000" anchor="ctr">
+          <a:bodyPr lIns="90000" tIns="45000" rIns="90000" bIns="45000" anchor="ctr">
             <a:noAutofit/>
           </a:bodyPr>
+          <a:lstStyle/>
           <a:p>
             <a:pPr algn="r">
               <a:lnSpc>
@@ -6011,7 +7060,7 @@
               </a:lnSpc>
             </a:pPr>
             <a:r>
-              <a:rPr b="0" lang="en-CA" sz="1050" spc="-1" strike="noStrike">
+              <a:rPr lang="en-CA" sz="1050" b="0" strike="noStrike" spc="-1">
                 <a:solidFill>
                   <a:srgbClr val="000000"/>
                 </a:solidFill>
@@ -6020,7 +7069,7 @@
               </a:rPr>
               <a:t>12</a:t>
             </a:r>
-            <a:endParaRPr b="0" lang="de-AT" sz="1050" spc="-1" strike="noStrike">
+            <a:endParaRPr lang="de-AT" sz="1050" b="0" strike="noStrike" spc="-1">
               <a:latin typeface="Arial"/>
             </a:endParaRPr>
           </a:p>
@@ -6046,19 +7095,17 @@
           </a:prstGeom>
         </p:spPr>
         <p:txBody>
-          <a:bodyPr lIns="0" rIns="0" tIns="0" bIns="0" anchor="ctr">
+          <a:bodyPr lIns="0" tIns="0" rIns="0" bIns="0" anchor="ctr">
             <a:noAutofit/>
           </a:bodyPr>
-          <a:p>
-            <a:r>
-              <a:rPr b="0" lang="de-AT" sz="1800" spc="-1" strike="noStrike">
+          <a:lstStyle/>
+          <a:p>
+            <a:r>
+              <a:rPr lang="de-AT" sz="1800" b="0" strike="noStrike" spc="-1">
                 <a:latin typeface="Arial"/>
               </a:rPr>
               <a:t>Format des Titeltextes durch Klicken bearbeiten</a:t>
             </a:r>
-            <a:endParaRPr b="0" lang="de-AT" sz="1800" spc="-1" strike="noStrike">
-              <a:latin typeface="Arial"/>
-            </a:endParaRPr>
           </a:p>
         </p:txBody>
       </p:sp>
@@ -6082,9 +7129,10 @@
           </a:prstGeom>
         </p:spPr>
         <p:txBody>
-          <a:bodyPr lIns="0" rIns="0" tIns="0" bIns="0">
+          <a:bodyPr lIns="0" tIns="0" rIns="0" bIns="0">
             <a:normAutofit/>
           </a:bodyPr>
+          <a:lstStyle/>
           <a:p>
             <a:pPr marL="432000" indent="-324000">
               <a:spcBef>
@@ -6098,17 +7146,14 @@
               <a:buChar char=""/>
             </a:pPr>
             <a:r>
-              <a:rPr b="0" lang="de-AT" sz="3200" spc="-1" strike="noStrike">
+              <a:rPr lang="de-AT" sz="3200" b="0" strike="noStrike" spc="-1">
                 <a:latin typeface="Arial"/>
               </a:rPr>
               <a:t>Format des Gliederungstextes durch Klicken bearbeiten</a:t>
             </a:r>
-            <a:endParaRPr b="0" lang="de-AT" sz="3200" spc="-1" strike="noStrike">
-              <a:latin typeface="Arial"/>
-            </a:endParaRPr>
-          </a:p>
-          <a:p>
-            <a:pPr lvl="1" marL="864000" indent="-324000">
+          </a:p>
+          <a:p>
+            <a:pPr marL="864000" lvl="1" indent="-324000">
               <a:spcBef>
                 <a:spcPts val="1134"/>
               </a:spcBef>
@@ -6120,17 +7165,14 @@
               <a:buChar char=""/>
             </a:pPr>
             <a:r>
-              <a:rPr b="0" lang="de-AT" sz="2800" spc="-1" strike="noStrike">
+              <a:rPr lang="de-AT" sz="2800" b="0" strike="noStrike" spc="-1">
                 <a:latin typeface="Arial"/>
               </a:rPr>
               <a:t>Zweite Gliederungsebene</a:t>
             </a:r>
-            <a:endParaRPr b="0" lang="de-AT" sz="2800" spc="-1" strike="noStrike">
-              <a:latin typeface="Arial"/>
-            </a:endParaRPr>
-          </a:p>
-          <a:p>
-            <a:pPr lvl="2" marL="1296000" indent="-288000">
+          </a:p>
+          <a:p>
+            <a:pPr marL="1296000" lvl="2" indent="-288000">
               <a:spcBef>
                 <a:spcPts val="850"/>
               </a:spcBef>
@@ -6142,17 +7184,14 @@
               <a:buChar char=""/>
             </a:pPr>
             <a:r>
-              <a:rPr b="0" lang="de-AT" sz="2400" spc="-1" strike="noStrike">
+              <a:rPr lang="de-AT" sz="2400" b="0" strike="noStrike" spc="-1">
                 <a:latin typeface="Arial"/>
               </a:rPr>
               <a:t>Dritte Gliederungsebene</a:t>
             </a:r>
-            <a:endParaRPr b="0" lang="de-AT" sz="2400" spc="-1" strike="noStrike">
-              <a:latin typeface="Arial"/>
-            </a:endParaRPr>
-          </a:p>
-          <a:p>
-            <a:pPr lvl="3" marL="1728000" indent="-216000">
+          </a:p>
+          <a:p>
+            <a:pPr marL="1728000" lvl="3" indent="-216000">
               <a:spcBef>
                 <a:spcPts val="567"/>
               </a:spcBef>
@@ -6164,17 +7203,14 @@
               <a:buChar char=""/>
             </a:pPr>
             <a:r>
-              <a:rPr b="0" lang="de-AT" sz="2000" spc="-1" strike="noStrike">
+              <a:rPr lang="de-AT" sz="2000" b="0" strike="noStrike" spc="-1">
                 <a:latin typeface="Arial"/>
               </a:rPr>
               <a:t>Vierte Gliederungsebene</a:t>
             </a:r>
-            <a:endParaRPr b="0" lang="de-AT" sz="2000" spc="-1" strike="noStrike">
-              <a:latin typeface="Arial"/>
-            </a:endParaRPr>
-          </a:p>
-          <a:p>
-            <a:pPr lvl="4" marL="2160000" indent="-216000">
+          </a:p>
+          <a:p>
+            <a:pPr marL="2160000" lvl="4" indent="-216000">
               <a:spcBef>
                 <a:spcPts val="283"/>
               </a:spcBef>
@@ -6186,17 +7222,14 @@
               <a:buChar char=""/>
             </a:pPr>
             <a:r>
-              <a:rPr b="0" lang="de-AT" sz="2000" spc="-1" strike="noStrike">
+              <a:rPr lang="de-AT" sz="2000" b="0" strike="noStrike" spc="-1">
                 <a:latin typeface="Arial"/>
               </a:rPr>
               <a:t>Fünfte Gliederungsebene</a:t>
             </a:r>
-            <a:endParaRPr b="0" lang="de-AT" sz="2000" spc="-1" strike="noStrike">
-              <a:latin typeface="Arial"/>
-            </a:endParaRPr>
-          </a:p>
-          <a:p>
-            <a:pPr lvl="5" marL="2592000" indent="-216000">
+          </a:p>
+          <a:p>
+            <a:pPr marL="2592000" lvl="5" indent="-216000">
               <a:spcBef>
                 <a:spcPts val="283"/>
               </a:spcBef>
@@ -6208,17 +7241,14 @@
               <a:buChar char=""/>
             </a:pPr>
             <a:r>
-              <a:rPr b="0" lang="de-AT" sz="2000" spc="-1" strike="noStrike">
+              <a:rPr lang="de-AT" sz="2000" b="0" strike="noStrike" spc="-1">
                 <a:latin typeface="Arial"/>
               </a:rPr>
               <a:t>Sechste Gliederungsebene</a:t>
             </a:r>
-            <a:endParaRPr b="0" lang="de-AT" sz="2000" spc="-1" strike="noStrike">
-              <a:latin typeface="Arial"/>
-            </a:endParaRPr>
-          </a:p>
-          <a:p>
-            <a:pPr lvl="6" marL="3024000" indent="-216000">
+          </a:p>
+          <a:p>
+            <a:pPr marL="3024000" lvl="6" indent="-216000">
               <a:spcBef>
                 <a:spcPts val="283"/>
               </a:spcBef>
@@ -6230,39 +7260,316 @@
               <a:buChar char=""/>
             </a:pPr>
             <a:r>
-              <a:rPr b="0" lang="de-AT" sz="2000" spc="-1" strike="noStrike">
+              <a:rPr lang="de-AT" sz="2000" b="0" strike="noStrike" spc="-1">
                 <a:latin typeface="Arial"/>
               </a:rPr>
               <a:t>Siebte Gliederungsebene</a:t>
             </a:r>
-            <a:endParaRPr b="0" lang="de-AT" sz="2000" spc="-1" strike="noStrike">
-              <a:latin typeface="Arial"/>
-            </a:endParaRPr>
           </a:p>
         </p:txBody>
       </p:sp>
     </p:spTree>
   </p:cSld>
-  <p:clrMap bg1="lt1" bg2="lt2" tx1="dk1" tx2="dk2" accent1="accent1" accent2="accent2" accent3="accent3" accent4="accent4" accent5="accent5" accent6="accent6" hlink="hlink" folHlink="folHlink"/>
+  <p:clrMap bg1="lt1" tx1="dk1" bg2="lt2" tx2="dk2" accent1="accent1" accent2="accent2" accent3="accent3" accent4="accent4" accent5="accent5" accent6="accent6" hlink="hlink" folHlink="folHlink"/>
   <p:sldLayoutIdLst>
-    <p:sldLayoutId id="2147483675" r:id="rId4"/>
-    <p:sldLayoutId id="2147483676" r:id="rId5"/>
-    <p:sldLayoutId id="2147483677" r:id="rId6"/>
-    <p:sldLayoutId id="2147483678" r:id="rId7"/>
-    <p:sldLayoutId id="2147483679" r:id="rId8"/>
-    <p:sldLayoutId id="2147483680" r:id="rId9"/>
-    <p:sldLayoutId id="2147483681" r:id="rId10"/>
-    <p:sldLayoutId id="2147483682" r:id="rId11"/>
-    <p:sldLayoutId id="2147483683" r:id="rId12"/>
-    <p:sldLayoutId id="2147483684" r:id="rId13"/>
-    <p:sldLayoutId id="2147483685" r:id="rId14"/>
-    <p:sldLayoutId id="2147483686" r:id="rId15"/>
+    <p:sldLayoutId id="2147483675" r:id="rId1"/>
+    <p:sldLayoutId id="2147483676" r:id="rId2"/>
+    <p:sldLayoutId id="2147483677" r:id="rId3"/>
+    <p:sldLayoutId id="2147483678" r:id="rId4"/>
+    <p:sldLayoutId id="2147483679" r:id="rId5"/>
+    <p:sldLayoutId id="2147483680" r:id="rId6"/>
+    <p:sldLayoutId id="2147483681" r:id="rId7"/>
+    <p:sldLayoutId id="2147483682" r:id="rId8"/>
+    <p:sldLayoutId id="2147483683" r:id="rId9"/>
+    <p:sldLayoutId id="2147483684" r:id="rId10"/>
+    <p:sldLayoutId id="2147483685" r:id="rId11"/>
+    <p:sldLayoutId id="2147483686" r:id="rId12"/>
   </p:sldLayoutIdLst>
+  <p:txStyles>
+    <p:titleStyle>
+      <a:lvl1pPr algn="l" defTabSz="914400" rtl="0" eaLnBrk="1" latinLnBrk="0" hangingPunct="1">
+        <a:lnSpc>
+          <a:spcPct val="90000"/>
+        </a:lnSpc>
+        <a:spcBef>
+          <a:spcPct val="0"/>
+        </a:spcBef>
+        <a:buNone/>
+        <a:defRPr sz="4400" kern="1200">
+          <a:solidFill>
+            <a:schemeClr val="tx1"/>
+          </a:solidFill>
+          <a:latin typeface="+mj-lt"/>
+          <a:ea typeface="+mj-ea"/>
+          <a:cs typeface="+mj-cs"/>
+        </a:defRPr>
+      </a:lvl1pPr>
+    </p:titleStyle>
+    <p:bodyStyle>
+      <a:lvl1pPr marL="228600" indent="-228600" algn="l" defTabSz="914400" rtl="0" eaLnBrk="1" latinLnBrk="0" hangingPunct="1">
+        <a:lnSpc>
+          <a:spcPct val="90000"/>
+        </a:lnSpc>
+        <a:spcBef>
+          <a:spcPts val="1000"/>
+        </a:spcBef>
+        <a:buFont typeface="Arial" panose="020B0604020202020204" pitchFamily="34" charset="0"/>
+        <a:buChar char="•"/>
+        <a:defRPr sz="2800" kern="1200">
+          <a:solidFill>
+            <a:schemeClr val="tx1"/>
+          </a:solidFill>
+          <a:latin typeface="+mn-lt"/>
+          <a:ea typeface="+mn-ea"/>
+          <a:cs typeface="+mn-cs"/>
+        </a:defRPr>
+      </a:lvl1pPr>
+      <a:lvl2pPr marL="685800" indent="-228600" algn="l" defTabSz="914400" rtl="0" eaLnBrk="1" latinLnBrk="0" hangingPunct="1">
+        <a:lnSpc>
+          <a:spcPct val="90000"/>
+        </a:lnSpc>
+        <a:spcBef>
+          <a:spcPts val="500"/>
+        </a:spcBef>
+        <a:buFont typeface="Arial" panose="020B0604020202020204" pitchFamily="34" charset="0"/>
+        <a:buChar char="•"/>
+        <a:defRPr sz="2400" kern="1200">
+          <a:solidFill>
+            <a:schemeClr val="tx1"/>
+          </a:solidFill>
+          <a:latin typeface="+mn-lt"/>
+          <a:ea typeface="+mn-ea"/>
+          <a:cs typeface="+mn-cs"/>
+        </a:defRPr>
+      </a:lvl2pPr>
+      <a:lvl3pPr marL="1143000" indent="-228600" algn="l" defTabSz="914400" rtl="0" eaLnBrk="1" latinLnBrk="0" hangingPunct="1">
+        <a:lnSpc>
+          <a:spcPct val="90000"/>
+        </a:lnSpc>
+        <a:spcBef>
+          <a:spcPts val="500"/>
+        </a:spcBef>
+        <a:buFont typeface="Arial" panose="020B0604020202020204" pitchFamily="34" charset="0"/>
+        <a:buChar char="•"/>
+        <a:defRPr sz="2000" kern="1200">
+          <a:solidFill>
+            <a:schemeClr val="tx1"/>
+          </a:solidFill>
+          <a:latin typeface="+mn-lt"/>
+          <a:ea typeface="+mn-ea"/>
+          <a:cs typeface="+mn-cs"/>
+        </a:defRPr>
+      </a:lvl3pPr>
+      <a:lvl4pPr marL="1600200" indent="-228600" algn="l" defTabSz="914400" rtl="0" eaLnBrk="1" latinLnBrk="0" hangingPunct="1">
+        <a:lnSpc>
+          <a:spcPct val="90000"/>
+        </a:lnSpc>
+        <a:spcBef>
+          <a:spcPts val="500"/>
+        </a:spcBef>
+        <a:buFont typeface="Arial" panose="020B0604020202020204" pitchFamily="34" charset="0"/>
+        <a:buChar char="•"/>
+        <a:defRPr sz="1800" kern="1200">
+          <a:solidFill>
+            <a:schemeClr val="tx1"/>
+          </a:solidFill>
+          <a:latin typeface="+mn-lt"/>
+          <a:ea typeface="+mn-ea"/>
+          <a:cs typeface="+mn-cs"/>
+        </a:defRPr>
+      </a:lvl4pPr>
+      <a:lvl5pPr marL="2057400" indent="-228600" algn="l" defTabSz="914400" rtl="0" eaLnBrk="1" latinLnBrk="0" hangingPunct="1">
+        <a:lnSpc>
+          <a:spcPct val="90000"/>
+        </a:lnSpc>
+        <a:spcBef>
+          <a:spcPts val="500"/>
+        </a:spcBef>
+        <a:buFont typeface="Arial" panose="020B0604020202020204" pitchFamily="34" charset="0"/>
+        <a:buChar char="•"/>
+        <a:defRPr sz="1800" kern="1200">
+          <a:solidFill>
+            <a:schemeClr val="tx1"/>
+          </a:solidFill>
+          <a:latin typeface="+mn-lt"/>
+          <a:ea typeface="+mn-ea"/>
+          <a:cs typeface="+mn-cs"/>
+        </a:defRPr>
+      </a:lvl5pPr>
+      <a:lvl6pPr marL="2514600" indent="-228600" algn="l" defTabSz="914400" rtl="0" eaLnBrk="1" latinLnBrk="0" hangingPunct="1">
+        <a:lnSpc>
+          <a:spcPct val="90000"/>
+        </a:lnSpc>
+        <a:spcBef>
+          <a:spcPts val="500"/>
+        </a:spcBef>
+        <a:buFont typeface="Arial" panose="020B0604020202020204" pitchFamily="34" charset="0"/>
+        <a:buChar char="•"/>
+        <a:defRPr sz="1800" kern="1200">
+          <a:solidFill>
+            <a:schemeClr val="tx1"/>
+          </a:solidFill>
+          <a:latin typeface="+mn-lt"/>
+          <a:ea typeface="+mn-ea"/>
+          <a:cs typeface="+mn-cs"/>
+        </a:defRPr>
+      </a:lvl6pPr>
+      <a:lvl7pPr marL="2971800" indent="-228600" algn="l" defTabSz="914400" rtl="0" eaLnBrk="1" latinLnBrk="0" hangingPunct="1">
+        <a:lnSpc>
+          <a:spcPct val="90000"/>
+        </a:lnSpc>
+        <a:spcBef>
+          <a:spcPts val="500"/>
+        </a:spcBef>
+        <a:buFont typeface="Arial" panose="020B0604020202020204" pitchFamily="34" charset="0"/>
+        <a:buChar char="•"/>
+        <a:defRPr sz="1800" kern="1200">
+          <a:solidFill>
+            <a:schemeClr val="tx1"/>
+          </a:solidFill>
+          <a:latin typeface="+mn-lt"/>
+          <a:ea typeface="+mn-ea"/>
+          <a:cs typeface="+mn-cs"/>
+        </a:defRPr>
+      </a:lvl7pPr>
+      <a:lvl8pPr marL="3429000" indent="-228600" algn="l" defTabSz="914400" rtl="0" eaLnBrk="1" latinLnBrk="0" hangingPunct="1">
+        <a:lnSpc>
+          <a:spcPct val="90000"/>
+        </a:lnSpc>
+        <a:spcBef>
+          <a:spcPts val="500"/>
+        </a:spcBef>
+        <a:buFont typeface="Arial" panose="020B0604020202020204" pitchFamily="34" charset="0"/>
+        <a:buChar char="•"/>
+        <a:defRPr sz="1800" kern="1200">
+          <a:solidFill>
+            <a:schemeClr val="tx1"/>
+          </a:solidFill>
+          <a:latin typeface="+mn-lt"/>
+          <a:ea typeface="+mn-ea"/>
+          <a:cs typeface="+mn-cs"/>
+        </a:defRPr>
+      </a:lvl8pPr>
+      <a:lvl9pPr marL="3886200" indent="-228600" algn="l" defTabSz="914400" rtl="0" eaLnBrk="1" latinLnBrk="0" hangingPunct="1">
+        <a:lnSpc>
+          <a:spcPct val="90000"/>
+        </a:lnSpc>
+        <a:spcBef>
+          <a:spcPts val="500"/>
+        </a:spcBef>
+        <a:buFont typeface="Arial" panose="020B0604020202020204" pitchFamily="34" charset="0"/>
+        <a:buChar char="•"/>
+        <a:defRPr sz="1800" kern="1200">
+          <a:solidFill>
+            <a:schemeClr val="tx1"/>
+          </a:solidFill>
+          <a:latin typeface="+mn-lt"/>
+          <a:ea typeface="+mn-ea"/>
+          <a:cs typeface="+mn-cs"/>
+        </a:defRPr>
+      </a:lvl9pPr>
+    </p:bodyStyle>
+    <p:otherStyle>
+      <a:defPPr>
+        <a:defRPr lang="de-DE"/>
+      </a:defPPr>
+      <a:lvl1pPr marL="0" algn="l" defTabSz="914400" rtl="0" eaLnBrk="1" latinLnBrk="0" hangingPunct="1">
+        <a:defRPr sz="1800" kern="1200">
+          <a:solidFill>
+            <a:schemeClr val="tx1"/>
+          </a:solidFill>
+          <a:latin typeface="+mn-lt"/>
+          <a:ea typeface="+mn-ea"/>
+          <a:cs typeface="+mn-cs"/>
+        </a:defRPr>
+      </a:lvl1pPr>
+      <a:lvl2pPr marL="457200" algn="l" defTabSz="914400" rtl="0" eaLnBrk="1" latinLnBrk="0" hangingPunct="1">
+        <a:defRPr sz="1800" kern="1200">
+          <a:solidFill>
+            <a:schemeClr val="tx1"/>
+          </a:solidFill>
+          <a:latin typeface="+mn-lt"/>
+          <a:ea typeface="+mn-ea"/>
+          <a:cs typeface="+mn-cs"/>
+        </a:defRPr>
+      </a:lvl2pPr>
+      <a:lvl3pPr marL="914400" algn="l" defTabSz="914400" rtl="0" eaLnBrk="1" latinLnBrk="0" hangingPunct="1">
+        <a:defRPr sz="1800" kern="1200">
+          <a:solidFill>
+            <a:schemeClr val="tx1"/>
+          </a:solidFill>
+          <a:latin typeface="+mn-lt"/>
+          <a:ea typeface="+mn-ea"/>
+          <a:cs typeface="+mn-cs"/>
+        </a:defRPr>
+      </a:lvl3pPr>
+      <a:lvl4pPr marL="1371600" algn="l" defTabSz="914400" rtl="0" eaLnBrk="1" latinLnBrk="0" hangingPunct="1">
+        <a:defRPr sz="1800" kern="1200">
+          <a:solidFill>
+            <a:schemeClr val="tx1"/>
+          </a:solidFill>
+          <a:latin typeface="+mn-lt"/>
+          <a:ea typeface="+mn-ea"/>
+          <a:cs typeface="+mn-cs"/>
+        </a:defRPr>
+      </a:lvl4pPr>
+      <a:lvl5pPr marL="1828800" algn="l" defTabSz="914400" rtl="0" eaLnBrk="1" latinLnBrk="0" hangingPunct="1">
+        <a:defRPr sz="1800" kern="1200">
+          <a:solidFill>
+            <a:schemeClr val="tx1"/>
+          </a:solidFill>
+          <a:latin typeface="+mn-lt"/>
+          <a:ea typeface="+mn-ea"/>
+          <a:cs typeface="+mn-cs"/>
+        </a:defRPr>
+      </a:lvl5pPr>
+      <a:lvl6pPr marL="2286000" algn="l" defTabSz="914400" rtl="0" eaLnBrk="1" latinLnBrk="0" hangingPunct="1">
+        <a:defRPr sz="1800" kern="1200">
+          <a:solidFill>
+            <a:schemeClr val="tx1"/>
+          </a:solidFill>
+          <a:latin typeface="+mn-lt"/>
+          <a:ea typeface="+mn-ea"/>
+          <a:cs typeface="+mn-cs"/>
+        </a:defRPr>
+      </a:lvl6pPr>
+      <a:lvl7pPr marL="2743200" algn="l" defTabSz="914400" rtl="0" eaLnBrk="1" latinLnBrk="0" hangingPunct="1">
+        <a:defRPr sz="1800" kern="1200">
+          <a:solidFill>
+            <a:schemeClr val="tx1"/>
+          </a:solidFill>
+          <a:latin typeface="+mn-lt"/>
+          <a:ea typeface="+mn-ea"/>
+          <a:cs typeface="+mn-cs"/>
+        </a:defRPr>
+      </a:lvl7pPr>
+      <a:lvl8pPr marL="3200400" algn="l" defTabSz="914400" rtl="0" eaLnBrk="1" latinLnBrk="0" hangingPunct="1">
+        <a:defRPr sz="1800" kern="1200">
+          <a:solidFill>
+            <a:schemeClr val="tx1"/>
+          </a:solidFill>
+          <a:latin typeface="+mn-lt"/>
+          <a:ea typeface="+mn-ea"/>
+          <a:cs typeface="+mn-cs"/>
+        </a:defRPr>
+      </a:lvl8pPr>
+      <a:lvl9pPr marL="3657600" algn="l" defTabSz="914400" rtl="0" eaLnBrk="1" latinLnBrk="0" hangingPunct="1">
+        <a:defRPr sz="1800" kern="1200">
+          <a:solidFill>
+            <a:schemeClr val="tx1"/>
+          </a:solidFill>
+          <a:latin typeface="+mn-lt"/>
+          <a:ea typeface="+mn-ea"/>
+          <a:cs typeface="+mn-cs"/>
+        </a:defRPr>
+      </a:lvl9pPr>
+    </p:otherStyle>
+  </p:txStyles>
 </p:sldMaster>
 </file>
 
 <file path=ppt/slides/slide1.xml><?xml version="1.0" encoding="utf-8"?>
-<p:sld xmlns:a="http://schemas.openxmlformats.org/drawingml/2006/main" xmlns:p="http://schemas.openxmlformats.org/presentationml/2006/main" xmlns:r="http://schemas.openxmlformats.org/officeDocument/2006/relationships" xmlns:p14="http://schemas.microsoft.com/office/powerpoint/2010/main" xmlns:p15="http://schemas.microsoft.com/office/powerpoint/2012/main" xmlns:mc="http://schemas.openxmlformats.org/markup-compatibility/2006">
+<p:sld xmlns:a="http://schemas.openxmlformats.org/drawingml/2006/main" xmlns:r="http://schemas.openxmlformats.org/officeDocument/2006/relationships" xmlns:p="http://schemas.openxmlformats.org/presentationml/2006/main">
   <p:cSld>
     <p:spTree>
       <p:nvGrpSpPr>
@@ -6298,15 +7605,22 @@
           </a:ln>
         </p:spPr>
         <p:style>
-          <a:lnRef idx="0"/>
-          <a:fillRef idx="0"/>
-          <a:effectRef idx="0"/>
+          <a:lnRef idx="0">
+            <a:scrgbClr r="0" g="0" b="0"/>
+          </a:lnRef>
+          <a:fillRef idx="0">
+            <a:scrgbClr r="0" g="0" b="0"/>
+          </a:fillRef>
+          <a:effectRef idx="0">
+            <a:scrgbClr r="0" g="0" b="0"/>
+          </a:effectRef>
           <a:fontRef idx="minor"/>
         </p:style>
         <p:txBody>
-          <a:bodyPr lIns="90000" rIns="90000" tIns="45000" bIns="45000" anchor="b">
+          <a:bodyPr lIns="90000" tIns="45000" rIns="90000" bIns="45000" anchor="b">
             <a:normAutofit/>
           </a:bodyPr>
+          <a:lstStyle/>
           <a:p>
             <a:pPr>
               <a:lnSpc>
@@ -6314,7 +7628,7 @@
               </a:lnSpc>
             </a:pPr>
             <a:r>
-              <a:rPr b="0" lang="zxx" sz="4800" spc="-52" strike="noStrike">
+              <a:rPr lang="zxx" sz="4800" b="0" strike="noStrike" spc="-52">
                 <a:solidFill>
                   <a:srgbClr val="262626"/>
                 </a:solidFill>
@@ -6324,7 +7638,7 @@
             </a:r>
             <a:br/>
             <a:r>
-              <a:rPr b="0" lang="zxx" sz="4800" spc="-52" strike="noStrike">
+              <a:rPr lang="zxx" sz="4800" b="0" strike="noStrike" spc="-52">
                 <a:solidFill>
                   <a:srgbClr val="262626"/>
                 </a:solidFill>
@@ -6332,7 +7646,7 @@
               </a:rPr>
               <a:t>P4 Accuracy of Approximate Circuits</a:t>
             </a:r>
-            <a:endParaRPr b="0" lang="zxx" sz="4800" spc="-1" strike="noStrike">
+            <a:endParaRPr lang="zxx" sz="4800" b="0" strike="noStrike" spc="-1">
               <a:latin typeface="Arial"/>
             </a:endParaRPr>
           </a:p>
@@ -6358,15 +7672,22 @@
           </a:ln>
         </p:spPr>
         <p:style>
-          <a:lnRef idx="0"/>
-          <a:fillRef idx="0"/>
-          <a:effectRef idx="0"/>
+          <a:lnRef idx="0">
+            <a:scrgbClr r="0" g="0" b="0"/>
+          </a:lnRef>
+          <a:fillRef idx="0">
+            <a:scrgbClr r="0" g="0" b="0"/>
+          </a:fillRef>
+          <a:effectRef idx="0">
+            <a:scrgbClr r="0" g="0" b="0"/>
+          </a:effectRef>
           <a:fontRef idx="minor"/>
         </p:style>
         <p:txBody>
-          <a:bodyPr lIns="90000" rIns="90000" tIns="45000" bIns="45000">
-            <a:normAutofit fontScale="38000"/>
-          </a:bodyPr>
+          <a:bodyPr lIns="90000" tIns="45000" rIns="90000" bIns="45000">
+            <a:normAutofit fontScale="83000" lnSpcReduction="10000"/>
+          </a:bodyPr>
+          <a:lstStyle/>
           <a:p>
             <a:pPr>
               <a:lnSpc>
@@ -6379,11 +7700,11 @@
                 <a:spcPts val="201"/>
               </a:spcAft>
               <a:tabLst>
-                <a:tab algn="l" pos="0"/>
+                <a:tab pos="0" algn="l"/>
               </a:tabLst>
             </a:pPr>
             <a:r>
-              <a:rPr b="0" lang="zxx" sz="2800" spc="197" strike="noStrike" cap="small">
+              <a:rPr lang="zxx" sz="2800" b="0" strike="noStrike" cap="small" spc="197">
                 <a:solidFill>
                   <a:srgbClr val="344068"/>
                 </a:solidFill>
@@ -6391,7 +7712,7 @@
               </a:rPr>
               <a:t>Fabian Garber, Simon Howind, Kagan Özten, Martin Resetarits, Peter Traunmüller</a:t>
             </a:r>
-            <a:endParaRPr b="0" lang="zxx" sz="2800" spc="-1" strike="noStrike">
+            <a:endParaRPr lang="zxx" sz="2800" b="0" strike="noStrike" spc="-1">
               <a:latin typeface="Arial"/>
             </a:endParaRPr>
           </a:p>
@@ -6399,19 +7720,14 @@
       </p:sp>
     </p:spTree>
   </p:cSld>
-  <mc:AlternateContent>
-    <mc:Choice Requires="p14">
-      <p:transition spd="slow" p14:dur="2000"/>
-    </mc:Choice>
-    <mc:Fallback>
-      <p:transition spd="slow"/>
-    </mc:Fallback>
-  </mc:AlternateContent>
+  <p:clrMapOvr>
+    <a:masterClrMapping/>
+  </p:clrMapOvr>
 </p:sld>
 </file>
 
 <file path=ppt/slides/slide2.xml><?xml version="1.0" encoding="utf-8"?>
-<p:sld xmlns:a="http://schemas.openxmlformats.org/drawingml/2006/main" xmlns:p="http://schemas.openxmlformats.org/presentationml/2006/main" xmlns:r="http://schemas.openxmlformats.org/officeDocument/2006/relationships" xmlns:p14="http://schemas.microsoft.com/office/powerpoint/2010/main" xmlns:p15="http://schemas.microsoft.com/office/powerpoint/2012/main" xmlns:mc="http://schemas.openxmlformats.org/markup-compatibility/2006">
+<p:sld xmlns:a="http://schemas.openxmlformats.org/drawingml/2006/main" xmlns:r="http://schemas.openxmlformats.org/officeDocument/2006/relationships" xmlns:p="http://schemas.openxmlformats.org/presentationml/2006/main">
   <p:cSld>
     <p:spTree>
       <p:nvGrpSpPr>
@@ -6447,15 +7763,22 @@
           </a:ln>
         </p:spPr>
         <p:style>
-          <a:lnRef idx="0"/>
-          <a:fillRef idx="0"/>
-          <a:effectRef idx="0"/>
+          <a:lnRef idx="0">
+            <a:scrgbClr r="0" g="0" b="0"/>
+          </a:lnRef>
+          <a:fillRef idx="0">
+            <a:scrgbClr r="0" g="0" b="0"/>
+          </a:fillRef>
+          <a:effectRef idx="0">
+            <a:scrgbClr r="0" g="0" b="0"/>
+          </a:effectRef>
           <a:fontRef idx="minor"/>
         </p:style>
         <p:txBody>
-          <a:bodyPr lIns="90000" rIns="90000" tIns="45000" bIns="45000" anchor="b">
+          <a:bodyPr lIns="90000" tIns="45000" rIns="90000" bIns="45000" anchor="b">
             <a:noAutofit/>
           </a:bodyPr>
+          <a:lstStyle/>
           <a:p>
             <a:pPr>
               <a:lnSpc>
@@ -6463,7 +7786,7 @@
               </a:lnSpc>
             </a:pPr>
             <a:r>
-              <a:rPr b="0" lang="zxx" sz="4800" spc="-52" strike="noStrike">
+              <a:rPr lang="zxx" sz="4800" b="0" strike="noStrike" spc="-52">
                 <a:solidFill>
                   <a:srgbClr val="404040"/>
                 </a:solidFill>
@@ -6471,7 +7794,7 @@
               </a:rPr>
               <a:t>Introduction</a:t>
             </a:r>
-            <a:endParaRPr b="0" lang="zxx" sz="4800" spc="-1" strike="noStrike">
+            <a:endParaRPr lang="zxx" sz="4800" b="0" strike="noStrike" spc="-1">
               <a:latin typeface="Arial"/>
             </a:endParaRPr>
           </a:p>
@@ -6497,15 +7820,22 @@
           </a:ln>
         </p:spPr>
         <p:style>
-          <a:lnRef idx="0"/>
-          <a:fillRef idx="0"/>
-          <a:effectRef idx="0"/>
+          <a:lnRef idx="0">
+            <a:scrgbClr r="0" g="0" b="0"/>
+          </a:lnRef>
+          <a:fillRef idx="0">
+            <a:scrgbClr r="0" g="0" b="0"/>
+          </a:fillRef>
+          <a:effectRef idx="0">
+            <a:scrgbClr r="0" g="0" b="0"/>
+          </a:effectRef>
           <a:fontRef idx="minor"/>
         </p:style>
         <p:txBody>
-          <a:bodyPr lIns="0" rIns="0" tIns="45000" bIns="45000">
+          <a:bodyPr lIns="0" tIns="45000" rIns="0" bIns="45000">
             <a:noAutofit/>
           </a:bodyPr>
+          <a:lstStyle/>
           <a:p>
             <a:pPr marL="432000" indent="-323640">
               <a:lnSpc>
@@ -6522,7 +7852,7 @@
               <a:buChar char=""/>
             </a:pPr>
             <a:r>
-              <a:rPr b="0" lang="zxx" sz="2000" spc="-1" strike="noStrike">
+              <a:rPr lang="zxx" sz="2000" b="0" strike="noStrike" spc="-1">
                 <a:solidFill>
                   <a:srgbClr val="404040"/>
                 </a:solidFill>
@@ -6530,7 +7860,7 @@
               </a:rPr>
               <a:t>Advantages of approximate computing</a:t>
             </a:r>
-            <a:endParaRPr b="0" lang="zxx" sz="2000" spc="-1" strike="noStrike">
+            <a:endParaRPr lang="zxx" sz="2000" b="0" strike="noStrike" spc="-1">
               <a:latin typeface="Arial"/>
             </a:endParaRPr>
           </a:p>
@@ -6550,7 +7880,7 @@
               <a:buChar char=""/>
             </a:pPr>
             <a:r>
-              <a:rPr b="0" lang="zxx" sz="2000" spc="-1" strike="noStrike">
+              <a:rPr lang="zxx" sz="2000" b="0" strike="noStrike" spc="-1">
                 <a:solidFill>
                   <a:srgbClr val="404040"/>
                 </a:solidFill>
@@ -6558,7 +7888,7 @@
               </a:rPr>
               <a:t>Energy-efficient</a:t>
             </a:r>
-            <a:endParaRPr b="0" lang="zxx" sz="2000" spc="-1" strike="noStrike">
+            <a:endParaRPr lang="zxx" sz="2000" b="0" strike="noStrike" spc="-1">
               <a:latin typeface="Arial"/>
             </a:endParaRPr>
           </a:p>
@@ -6578,7 +7908,7 @@
               <a:buChar char=""/>
             </a:pPr>
             <a:r>
-              <a:rPr b="0" lang="zxx" sz="2000" spc="-1" strike="noStrike">
+              <a:rPr lang="zxx" sz="2000" b="0" strike="noStrike" spc="-1">
                 <a:solidFill>
                   <a:srgbClr val="404040"/>
                 </a:solidFill>
@@ -6586,7 +7916,7 @@
               </a:rPr>
               <a:t>Less area</a:t>
             </a:r>
-            <a:endParaRPr b="0" lang="zxx" sz="2000" spc="-1" strike="noStrike">
+            <a:endParaRPr lang="zxx" sz="2000" b="0" strike="noStrike" spc="-1">
               <a:latin typeface="Arial"/>
             </a:endParaRPr>
           </a:p>
@@ -6606,7 +7936,7 @@
               <a:buChar char=""/>
             </a:pPr>
             <a:r>
-              <a:rPr b="0" lang="zxx" sz="2000" spc="-1" strike="noStrike">
+              <a:rPr lang="zxx" sz="2000" b="0" strike="noStrike" spc="-1">
                 <a:solidFill>
                   <a:srgbClr val="404040"/>
                 </a:solidFill>
@@ -6614,7 +7944,7 @@
               </a:rPr>
               <a:t>Less computing time</a:t>
             </a:r>
-            <a:endParaRPr b="0" lang="zxx" sz="2000" spc="-1" strike="noStrike">
+            <a:endParaRPr lang="zxx" sz="2000" b="0" strike="noStrike" spc="-1">
               <a:latin typeface="Arial"/>
             </a:endParaRPr>
           </a:p>
@@ -6627,7 +7957,7 @@
                 <a:spcPts val="1417"/>
               </a:spcBef>
             </a:pPr>
-            <a:endParaRPr b="0" lang="zxx" sz="2000" spc="-1" strike="noStrike">
+            <a:endParaRPr lang="zxx" sz="2000" b="0" strike="noStrike" spc="-1">
               <a:latin typeface="Arial"/>
             </a:endParaRPr>
           </a:p>
@@ -6653,15 +7983,22 @@
           </a:ln>
         </p:spPr>
         <p:style>
-          <a:lnRef idx="0"/>
-          <a:fillRef idx="0"/>
-          <a:effectRef idx="0"/>
+          <a:lnRef idx="0">
+            <a:scrgbClr r="0" g="0" b="0"/>
+          </a:lnRef>
+          <a:fillRef idx="0">
+            <a:scrgbClr r="0" g="0" b="0"/>
+          </a:fillRef>
+          <a:effectRef idx="0">
+            <a:scrgbClr r="0" g="0" b="0"/>
+          </a:effectRef>
           <a:fontRef idx="minor"/>
         </p:style>
         <p:txBody>
-          <a:bodyPr lIns="90000" rIns="90000" tIns="45000" bIns="45000" anchor="ctr">
+          <a:bodyPr lIns="90000" tIns="45000" rIns="90000" bIns="45000" anchor="ctr">
             <a:noAutofit/>
           </a:bodyPr>
+          <a:lstStyle/>
           <a:p>
             <a:pPr algn="r">
               <a:lnSpc>
@@ -6669,16 +8006,16 @@
               </a:lnSpc>
             </a:pPr>
             <a:fld id="{28AEFCD9-C362-4AC6-A5F6-7326765B4F73}" type="slidenum">
-              <a:rPr b="0" lang="zxx" sz="1050" spc="-1" strike="noStrike">
+              <a:rPr lang="zxx" sz="1050" b="0" strike="noStrike" spc="-1">
                 <a:solidFill>
                   <a:srgbClr val="000000"/>
                 </a:solidFill>
                 <a:latin typeface="Calibri"/>
               </a:rPr>
-              <a:t>1</a:t>
+              <a:t>2</a:t>
             </a:fld>
             <a:r>
-              <a:rPr b="0" lang="zxx" sz="1050" spc="-1" strike="noStrike">
+              <a:rPr lang="zxx" sz="1050" b="0" strike="noStrike" spc="-1">
                 <a:solidFill>
                   <a:srgbClr val="000000"/>
                 </a:solidFill>
@@ -6686,7 +8023,7 @@
               </a:rPr>
               <a:t>/</a:t>
             </a:r>
-            <a:endParaRPr b="0" lang="zxx" sz="1050" spc="-1" strike="noStrike">
+            <a:endParaRPr lang="zxx" sz="1050" b="0" strike="noStrike" spc="-1">
               <a:latin typeface="Arial"/>
             </a:endParaRPr>
           </a:p>
@@ -6694,19 +8031,14 @@
       </p:sp>
     </p:spTree>
   </p:cSld>
-  <mc:AlternateContent>
-    <mc:Choice Requires="p14">
-      <p:transition spd="slow" p14:dur="2000"/>
-    </mc:Choice>
-    <mc:Fallback>
-      <p:transition spd="slow"/>
-    </mc:Fallback>
-  </mc:AlternateContent>
+  <p:clrMapOvr>
+    <a:masterClrMapping/>
+  </p:clrMapOvr>
 </p:sld>
 </file>
 
 <file path=ppt/slides/slide3.xml><?xml version="1.0" encoding="utf-8"?>
-<p:sld xmlns:a="http://schemas.openxmlformats.org/drawingml/2006/main" xmlns:p="http://schemas.openxmlformats.org/presentationml/2006/main" xmlns:r="http://schemas.openxmlformats.org/officeDocument/2006/relationships" xmlns:p14="http://schemas.microsoft.com/office/powerpoint/2010/main" xmlns:p15="http://schemas.microsoft.com/office/powerpoint/2012/main" xmlns:mc="http://schemas.openxmlformats.org/markup-compatibility/2006">
+<p:sld xmlns:a="http://schemas.openxmlformats.org/drawingml/2006/main" xmlns:r="http://schemas.openxmlformats.org/officeDocument/2006/relationships" xmlns:p="http://schemas.openxmlformats.org/presentationml/2006/main">
   <p:cSld>
     <p:spTree>
       <p:nvGrpSpPr>
@@ -6742,15 +8074,22 @@
           </a:ln>
         </p:spPr>
         <p:style>
-          <a:lnRef idx="0"/>
-          <a:fillRef idx="0"/>
-          <a:effectRef idx="0"/>
+          <a:lnRef idx="0">
+            <a:scrgbClr r="0" g="0" b="0"/>
+          </a:lnRef>
+          <a:fillRef idx="0">
+            <a:scrgbClr r="0" g="0" b="0"/>
+          </a:fillRef>
+          <a:effectRef idx="0">
+            <a:scrgbClr r="0" g="0" b="0"/>
+          </a:effectRef>
           <a:fontRef idx="minor"/>
         </p:style>
         <p:txBody>
-          <a:bodyPr lIns="90000" rIns="90000" tIns="45000" bIns="45000" anchor="b">
+          <a:bodyPr lIns="90000" tIns="45000" rIns="90000" bIns="45000" anchor="b">
             <a:noAutofit/>
           </a:bodyPr>
+          <a:lstStyle/>
           <a:p>
             <a:pPr>
               <a:lnSpc>
@@ -6758,7 +8097,7 @@
               </a:lnSpc>
             </a:pPr>
             <a:r>
-              <a:rPr b="0" lang="zxx" sz="4800" spc="-52" strike="noStrike">
+              <a:rPr lang="zxx" sz="4800" b="0" strike="noStrike" spc="-52">
                 <a:solidFill>
                   <a:srgbClr val="404040"/>
                 </a:solidFill>
@@ -6766,7 +8105,7 @@
               </a:rPr>
               <a:t>Designed architecture</a:t>
             </a:r>
-            <a:endParaRPr b="0" lang="zxx" sz="4800" spc="-1" strike="noStrike">
+            <a:endParaRPr lang="zxx" sz="4800" b="0" strike="noStrike" spc="-1">
               <a:latin typeface="Arial"/>
             </a:endParaRPr>
           </a:p>
@@ -6792,15 +8131,208 @@
           </a:ln>
         </p:spPr>
         <p:style>
-          <a:lnRef idx="0"/>
-          <a:fillRef idx="0"/>
-          <a:effectRef idx="0"/>
+          <a:lnRef idx="0">
+            <a:scrgbClr r="0" g="0" b="0"/>
+          </a:lnRef>
+          <a:fillRef idx="0">
+            <a:scrgbClr r="0" g="0" b="0"/>
+          </a:fillRef>
+          <a:effectRef idx="0">
+            <a:scrgbClr r="0" g="0" b="0"/>
+          </a:effectRef>
           <a:fontRef idx="minor"/>
         </p:style>
         <p:txBody>
-          <a:bodyPr lIns="0" rIns="0" tIns="45000" bIns="45000">
+          <a:bodyPr lIns="0" tIns="45000" rIns="0" bIns="45000">
             <a:noAutofit/>
           </a:bodyPr>
+          <a:lstStyle/>
+          <a:p>
+            <a:pPr marL="342900" indent="-342900">
+              <a:lnSpc>
+                <a:spcPct val="90000"/>
+              </a:lnSpc>
+              <a:spcBef>
+                <a:spcPts val="1199"/>
+              </a:spcBef>
+              <a:spcAft>
+                <a:spcPts val="201"/>
+              </a:spcAft>
+              <a:buFont typeface="Arial" panose="020B0604020202020204" pitchFamily="34" charset="0"/>
+              <a:buChar char="•"/>
+            </a:pPr>
+            <a:r>
+              <a:rPr lang="de-DE" sz="2000" b="0" strike="noStrike" spc="-1" dirty="0" err="1">
+                <a:latin typeface="Arial"/>
+              </a:rPr>
+              <a:t>Presenting</a:t>
+            </a:r>
+            <a:r>
+              <a:rPr lang="de-DE" sz="2000" b="0" strike="noStrike" spc="-1" dirty="0">
+                <a:latin typeface="Arial"/>
+              </a:rPr>
+              <a:t> </a:t>
+            </a:r>
+            <a:r>
+              <a:rPr lang="de-DE" sz="2000" b="0" strike="noStrike" spc="-1" dirty="0" err="1">
+                <a:latin typeface="Arial"/>
+              </a:rPr>
+              <a:t>our</a:t>
+            </a:r>
+            <a:r>
+              <a:rPr lang="de-DE" sz="2000" b="0" strike="noStrike" spc="-1" dirty="0">
+                <a:latin typeface="Arial"/>
+              </a:rPr>
+              <a:t> design</a:t>
+            </a:r>
+          </a:p>
+          <a:p>
+            <a:pPr marL="342900" indent="-342900">
+              <a:lnSpc>
+                <a:spcPct val="90000"/>
+              </a:lnSpc>
+              <a:spcBef>
+                <a:spcPts val="1199"/>
+              </a:spcBef>
+              <a:spcAft>
+                <a:spcPts val="201"/>
+              </a:spcAft>
+              <a:buFont typeface="Arial" panose="020B0604020202020204" pitchFamily="34" charset="0"/>
+              <a:buChar char="•"/>
+            </a:pPr>
+            <a:r>
+              <a:rPr lang="de-DE" sz="2000" b="0" strike="noStrike" spc="-1" dirty="0" err="1">
+                <a:latin typeface="Arial"/>
+              </a:rPr>
+              <a:t>implementing</a:t>
+            </a:r>
+            <a:r>
+              <a:rPr lang="de-DE" sz="2000" b="0" strike="noStrike" spc="-1" dirty="0">
+                <a:latin typeface="Arial"/>
+              </a:rPr>
+              <a:t> </a:t>
+            </a:r>
+            <a:r>
+              <a:rPr lang="de-DE" sz="2000" b="0" strike="noStrike" spc="-1" dirty="0" err="1">
+                <a:latin typeface="Arial"/>
+              </a:rPr>
+              <a:t>two</a:t>
+            </a:r>
+            <a:r>
+              <a:rPr lang="de-DE" sz="2000" b="0" strike="noStrike" spc="-1" dirty="0">
+                <a:latin typeface="Arial"/>
+              </a:rPr>
+              <a:t> </a:t>
+            </a:r>
+            <a:r>
+              <a:rPr lang="de-DE" sz="2000" b="0" strike="noStrike" spc="-1" dirty="0" err="1">
+                <a:latin typeface="Arial"/>
+              </a:rPr>
+              <a:t>versions</a:t>
+            </a:r>
+            <a:r>
+              <a:rPr lang="de-DE" sz="2000" b="0" strike="noStrike" spc="-1" dirty="0">
+                <a:latin typeface="Arial"/>
+              </a:rPr>
+              <a:t> </a:t>
+            </a:r>
+            <a:r>
+              <a:rPr lang="de-DE" sz="2000" b="0" strike="noStrike" spc="-1" dirty="0" err="1">
+                <a:latin typeface="Arial"/>
+              </a:rPr>
+              <a:t>of</a:t>
+            </a:r>
+            <a:r>
+              <a:rPr lang="de-DE" sz="2000" b="0" strike="noStrike" spc="-1" dirty="0">
+                <a:latin typeface="Arial"/>
+              </a:rPr>
+              <a:t> </a:t>
+            </a:r>
+            <a:r>
+              <a:rPr lang="de-DE" sz="2000" b="0" strike="noStrike" spc="-1" dirty="0" err="1">
+                <a:latin typeface="Arial"/>
+              </a:rPr>
+              <a:t>Full-Adder</a:t>
+            </a:r>
+            <a:r>
+              <a:rPr lang="de-DE" sz="2000" b="0" strike="noStrike" spc="-1" dirty="0">
+                <a:latin typeface="Arial"/>
+              </a:rPr>
+              <a:t> (</a:t>
+            </a:r>
+            <a:r>
+              <a:rPr lang="de-DE" sz="2000" b="0" strike="noStrike" spc="-1" dirty="0" err="1">
+                <a:latin typeface="Arial"/>
+              </a:rPr>
+              <a:t>one</a:t>
+            </a:r>
+            <a:r>
+              <a:rPr lang="de-DE" sz="2000" b="0" strike="noStrike" spc="-1" dirty="0">
+                <a:latin typeface="Arial"/>
+              </a:rPr>
+              <a:t> </a:t>
+            </a:r>
+            <a:r>
+              <a:rPr lang="de-DE" sz="2000" b="0" strike="noStrike" spc="-1" dirty="0" err="1">
+                <a:latin typeface="Arial"/>
+              </a:rPr>
+              <a:t>exact</a:t>
+            </a:r>
+            <a:r>
+              <a:rPr lang="de-DE" sz="2000" b="0" strike="noStrike" spc="-1" dirty="0">
+                <a:latin typeface="Arial"/>
+              </a:rPr>
+              <a:t> and </a:t>
+            </a:r>
+            <a:r>
+              <a:rPr lang="de-DE" sz="2000" b="0" strike="noStrike" spc="-1" dirty="0" err="1">
+                <a:latin typeface="Arial"/>
+              </a:rPr>
+              <a:t>one</a:t>
+            </a:r>
+            <a:r>
+              <a:rPr lang="de-DE" sz="2000" b="0" strike="noStrike" spc="-1" dirty="0">
+                <a:latin typeface="Arial"/>
+              </a:rPr>
+              <a:t> </a:t>
+            </a:r>
+            <a:r>
+              <a:rPr lang="de-DE" sz="2000" b="0" strike="noStrike" spc="-1" dirty="0" err="1">
+                <a:latin typeface="Arial"/>
+              </a:rPr>
+              <a:t>approximate</a:t>
+            </a:r>
+            <a:r>
+              <a:rPr lang="de-DE" sz="2000" b="0" strike="noStrike" spc="-1" dirty="0">
+                <a:latin typeface="Arial"/>
+              </a:rPr>
+              <a:t>)</a:t>
+            </a:r>
+          </a:p>
+          <a:p>
+            <a:pPr marL="342900" indent="-342900">
+              <a:lnSpc>
+                <a:spcPct val="90000"/>
+              </a:lnSpc>
+              <a:spcBef>
+                <a:spcPts val="1199"/>
+              </a:spcBef>
+              <a:spcAft>
+                <a:spcPts val="201"/>
+              </a:spcAft>
+              <a:buFont typeface="Arial" panose="020B0604020202020204" pitchFamily="34" charset="0"/>
+              <a:buChar char="•"/>
+            </a:pPr>
+            <a:r>
+              <a:rPr lang="de-DE" sz="2000" b="0" strike="noStrike" spc="-1" dirty="0">
+                <a:latin typeface="Arial"/>
+              </a:rPr>
+              <a:t>CIRCUIT DIAGRAMME hinzufügen und Unterschiede erklären mit Hilfe von Tabelle</a:t>
+            </a:r>
+            <a:endParaRPr lang="zxx" sz="2000" b="0" strike="noStrike" spc="-1" dirty="0">
+              <a:latin typeface="Arial"/>
+            </a:endParaRPr>
+          </a:p>
           <a:p>
             <a:pPr marL="91440" indent="-90720">
               <a:lnSpc>
@@ -6813,21 +8345,21 @@
                 <a:spcPts val="201"/>
               </a:spcAft>
               <a:buClr>
-                <a:srgbClr val="14496f"/>
+                <a:srgbClr val="14496F"/>
               </a:buClr>
               <a:buFont typeface="Calibri"/>
               <a:buChar char=" "/>
             </a:pPr>
             <a:r>
-              <a:rPr b="0" lang="zxx" sz="2000" spc="-1" strike="noStrike">
+              <a:rPr lang="zxx" sz="2000" b="0" strike="noStrike" spc="-1" dirty="0">
                 <a:solidFill>
                   <a:srgbClr val="404040"/>
                 </a:solidFill>
                 <a:latin typeface="Calibri"/>
               </a:rPr>
-              <a:t>Presenting our design</a:t>
-            </a:r>
-            <a:endParaRPr b="0" lang="zxx" sz="2000" spc="-1" strike="noStrike">
+              <a:t> </a:t>
+            </a:r>
+            <a:endParaRPr lang="zxx" sz="2000" b="0" strike="noStrike" spc="-1" dirty="0">
               <a:latin typeface="Arial"/>
             </a:endParaRPr>
           </a:p>
@@ -6843,127 +8375,21 @@
                 <a:spcPts val="201"/>
               </a:spcAft>
               <a:buClr>
-                <a:srgbClr val="14496f"/>
+                <a:srgbClr val="14496F"/>
               </a:buClr>
               <a:buFont typeface="Calibri"/>
               <a:buChar char=" "/>
             </a:pPr>
             <a:r>
-              <a:rPr b="0" lang="zxx" sz="2000" spc="-1" strike="noStrike">
+              <a:rPr lang="zxx" sz="2000" b="0" strike="noStrike" spc="-1" dirty="0">
                 <a:solidFill>
                   <a:srgbClr val="404040"/>
                 </a:solidFill>
                 <a:latin typeface="Calibri"/>
               </a:rPr>
-              <a:t>*implementing two versions of Full-Adder (one exact and one approximate)</a:t>
-            </a:r>
-            <a:endParaRPr b="0" lang="zxx" sz="2000" spc="-1" strike="noStrike">
-              <a:latin typeface="Arial"/>
-            </a:endParaRPr>
-          </a:p>
-          <a:p>
-            <a:pPr marL="91440" indent="-90720">
-              <a:lnSpc>
-                <a:spcPct val="90000"/>
-              </a:lnSpc>
-              <a:spcBef>
-                <a:spcPts val="1199"/>
-              </a:spcBef>
-              <a:spcAft>
-                <a:spcPts val="201"/>
-              </a:spcAft>
-              <a:buClr>
-                <a:srgbClr val="14496f"/>
-              </a:buClr>
-              <a:buFont typeface="Calibri"/>
-              <a:buChar char=" "/>
-            </a:pPr>
-            <a:r>
-              <a:rPr b="0" lang="zxx" sz="2000" spc="-1" strike="noStrike">
-                <a:solidFill>
-                  <a:srgbClr val="404040"/>
-                </a:solidFill>
-                <a:latin typeface="Calibri"/>
-              </a:rPr>
-              <a:t>*CIRCUIT DIAGRAMME hinzufügen und Unterschiede erklären mit Hilfe von Tabelle</a:t>
-            </a:r>
-            <a:endParaRPr b="0" lang="zxx" sz="2000" spc="-1" strike="noStrike">
-              <a:latin typeface="Arial"/>
-            </a:endParaRPr>
-          </a:p>
-          <a:p>
-            <a:pPr>
-              <a:lnSpc>
-                <a:spcPct val="90000"/>
-              </a:lnSpc>
-              <a:spcBef>
-                <a:spcPts val="1199"/>
-              </a:spcBef>
-              <a:spcAft>
-                <a:spcPts val="201"/>
-              </a:spcAft>
-            </a:pPr>
-            <a:endParaRPr b="0" lang="zxx" sz="2000" spc="-1" strike="noStrike">
-              <a:latin typeface="Arial"/>
-            </a:endParaRPr>
-          </a:p>
-          <a:p>
-            <a:pPr marL="91440" indent="-90720">
-              <a:lnSpc>
-                <a:spcPct val="90000"/>
-              </a:lnSpc>
-              <a:spcBef>
-                <a:spcPts val="1199"/>
-              </a:spcBef>
-              <a:spcAft>
-                <a:spcPts val="201"/>
-              </a:spcAft>
-              <a:buClr>
-                <a:srgbClr val="14496f"/>
-              </a:buClr>
-              <a:buFont typeface="Calibri"/>
-              <a:buChar char=" "/>
-            </a:pPr>
-            <a:r>
-              <a:rPr b="0" lang="zxx" sz="2000" spc="-1" strike="noStrike">
-                <a:solidFill>
-                  <a:srgbClr val="404040"/>
-                </a:solidFill>
-                <a:latin typeface="Calibri"/>
-              </a:rPr>
               <a:t> </a:t>
             </a:r>
-            <a:endParaRPr b="0" lang="zxx" sz="2000" spc="-1" strike="noStrike">
-              <a:latin typeface="Arial"/>
-            </a:endParaRPr>
-          </a:p>
-          <a:p>
-            <a:pPr marL="91440" indent="-90720">
-              <a:lnSpc>
-                <a:spcPct val="90000"/>
-              </a:lnSpc>
-              <a:spcBef>
-                <a:spcPts val="1199"/>
-              </a:spcBef>
-              <a:spcAft>
-                <a:spcPts val="201"/>
-              </a:spcAft>
-              <a:buClr>
-                <a:srgbClr val="14496f"/>
-              </a:buClr>
-              <a:buFont typeface="Calibri"/>
-              <a:buChar char=" "/>
-            </a:pPr>
-            <a:r>
-              <a:rPr b="0" lang="zxx" sz="2000" spc="-1" strike="noStrike">
-                <a:solidFill>
-                  <a:srgbClr val="404040"/>
-                </a:solidFill>
-                <a:latin typeface="Calibri"/>
-              </a:rPr>
-              <a:t> </a:t>
-            </a:r>
-            <a:endParaRPr b="0" lang="zxx" sz="2000" spc="-1" strike="noStrike">
+            <a:endParaRPr lang="zxx" sz="2000" b="0" strike="noStrike" spc="-1" dirty="0">
               <a:latin typeface="Arial"/>
             </a:endParaRPr>
           </a:p>
@@ -6989,15 +8415,22 @@
           </a:ln>
         </p:spPr>
         <p:style>
-          <a:lnRef idx="0"/>
-          <a:fillRef idx="0"/>
-          <a:effectRef idx="0"/>
+          <a:lnRef idx="0">
+            <a:scrgbClr r="0" g="0" b="0"/>
+          </a:lnRef>
+          <a:fillRef idx="0">
+            <a:scrgbClr r="0" g="0" b="0"/>
+          </a:fillRef>
+          <a:effectRef idx="0">
+            <a:scrgbClr r="0" g="0" b="0"/>
+          </a:effectRef>
           <a:fontRef idx="minor"/>
         </p:style>
         <p:txBody>
-          <a:bodyPr lIns="90000" rIns="90000" tIns="45000" bIns="45000" anchor="ctr">
+          <a:bodyPr lIns="90000" tIns="45000" rIns="90000" bIns="45000" anchor="ctr">
             <a:noAutofit/>
           </a:bodyPr>
+          <a:lstStyle/>
           <a:p>
             <a:pPr algn="r">
               <a:lnSpc>
@@ -7005,16 +8438,16 @@
               </a:lnSpc>
             </a:pPr>
             <a:fld id="{BB3C10D2-631B-403A-982E-2D04DEE7FE8B}" type="slidenum">
-              <a:rPr b="0" lang="zxx" sz="1050" spc="-1" strike="noStrike">
+              <a:rPr lang="zxx" sz="1050" b="0" strike="noStrike" spc="-1">
                 <a:solidFill>
                   <a:srgbClr val="000000"/>
                 </a:solidFill>
                 <a:latin typeface="Calibri"/>
               </a:rPr>
-              <a:t>1</a:t>
+              <a:t>3</a:t>
             </a:fld>
             <a:r>
-              <a:rPr b="0" lang="zxx" sz="1050" spc="-1" strike="noStrike">
+              <a:rPr lang="zxx" sz="1050" b="0" strike="noStrike" spc="-1">
                 <a:solidFill>
                   <a:srgbClr val="000000"/>
                 </a:solidFill>
@@ -7022,7 +8455,7 @@
               </a:rPr>
               <a:t>/</a:t>
             </a:r>
-            <a:endParaRPr b="0" lang="zxx" sz="1050" spc="-1" strike="noStrike">
+            <a:endParaRPr lang="zxx" sz="1050" b="0" strike="noStrike" spc="-1">
               <a:latin typeface="Arial"/>
             </a:endParaRPr>
           </a:p>
@@ -7030,19 +8463,14 @@
       </p:sp>
     </p:spTree>
   </p:cSld>
-  <mc:AlternateContent>
-    <mc:Choice Requires="p14">
-      <p:transition spd="slow" p14:dur="2000"/>
-    </mc:Choice>
-    <mc:Fallback>
-      <p:transition spd="slow"/>
-    </mc:Fallback>
-  </mc:AlternateContent>
+  <p:clrMapOvr>
+    <a:masterClrMapping/>
+  </p:clrMapOvr>
 </p:sld>
 </file>
 
 <file path=ppt/slides/slide4.xml><?xml version="1.0" encoding="utf-8"?>
-<p:sld xmlns:a="http://schemas.openxmlformats.org/drawingml/2006/main" xmlns:p="http://schemas.openxmlformats.org/presentationml/2006/main" xmlns:r="http://schemas.openxmlformats.org/officeDocument/2006/relationships" xmlns:p14="http://schemas.microsoft.com/office/powerpoint/2010/main" xmlns:p15="http://schemas.microsoft.com/office/powerpoint/2012/main" xmlns:mc="http://schemas.openxmlformats.org/markup-compatibility/2006">
+<p:sld xmlns:a="http://schemas.openxmlformats.org/drawingml/2006/main" xmlns:r="http://schemas.openxmlformats.org/officeDocument/2006/relationships" xmlns:p="http://schemas.openxmlformats.org/presentationml/2006/main">
   <p:cSld>
     <p:spTree>
       <p:nvGrpSpPr>
@@ -7058,20 +8486,263 @@
           <a:chExt cx="0" cy="0"/>
         </a:xfrm>
       </p:grpSpPr>
+      <p:sp>
+        <p:nvSpPr>
+          <p:cNvPr id="138" name="CustomShape 1"/>
+          <p:cNvSpPr/>
+          <p:nvPr/>
+        </p:nvSpPr>
+        <p:spPr>
+          <a:xfrm>
+            <a:off x="127440" y="99000"/>
+            <a:ext cx="8836560" cy="953640"/>
+          </a:xfrm>
+          <a:prstGeom prst="rect">
+            <a:avLst/>
+          </a:prstGeom>
+          <a:noFill/>
+          <a:ln>
+            <a:noFill/>
+          </a:ln>
+        </p:spPr>
+        <p:style>
+          <a:lnRef idx="0">
+            <a:scrgbClr r="0" g="0" b="0"/>
+          </a:lnRef>
+          <a:fillRef idx="0">
+            <a:scrgbClr r="0" g="0" b="0"/>
+          </a:fillRef>
+          <a:effectRef idx="0">
+            <a:scrgbClr r="0" g="0" b="0"/>
+          </a:effectRef>
+          <a:fontRef idx="minor"/>
+        </p:style>
+        <p:txBody>
+          <a:bodyPr lIns="90000" tIns="45000" rIns="90000" bIns="45000" anchor="b">
+            <a:noAutofit/>
+          </a:bodyPr>
+          <a:lstStyle/>
+          <a:p>
+            <a:pPr>
+              <a:lnSpc>
+                <a:spcPct val="85000"/>
+              </a:lnSpc>
+            </a:pPr>
+            <a:r>
+              <a:rPr lang="de-DE" sz="4800" b="0" strike="noStrike" spc="-52" dirty="0">
+                <a:solidFill>
+                  <a:srgbClr val="404040"/>
+                </a:solidFill>
+                <a:latin typeface="Calibri Light"/>
+              </a:rPr>
+              <a:t>Circuit Designs</a:t>
+            </a:r>
+            <a:endParaRPr lang="zxx" sz="4800" b="0" strike="noStrike" spc="-1" dirty="0">
+              <a:latin typeface="Arial"/>
+            </a:endParaRPr>
+          </a:p>
+        </p:txBody>
+      </p:sp>
+      <p:sp>
+        <p:nvSpPr>
+          <p:cNvPr id="139" name="CustomShape 2"/>
+          <p:cNvSpPr/>
+          <p:nvPr/>
+        </p:nvSpPr>
+        <p:spPr>
+          <a:xfrm>
+            <a:off x="127440" y="1145520"/>
+            <a:ext cx="8836560" cy="5128920"/>
+          </a:xfrm>
+          <a:prstGeom prst="rect">
+            <a:avLst/>
+          </a:prstGeom>
+          <a:noFill/>
+          <a:ln>
+            <a:noFill/>
+          </a:ln>
+        </p:spPr>
+        <p:style>
+          <a:lnRef idx="0">
+            <a:scrgbClr r="0" g="0" b="0"/>
+          </a:lnRef>
+          <a:fillRef idx="0">
+            <a:scrgbClr r="0" g="0" b="0"/>
+          </a:fillRef>
+          <a:effectRef idx="0">
+            <a:scrgbClr r="0" g="0" b="0"/>
+          </a:effectRef>
+          <a:fontRef idx="minor"/>
+        </p:style>
+        <p:txBody>
+          <a:bodyPr lIns="0" tIns="45000" rIns="0" bIns="45000">
+            <a:noAutofit/>
+          </a:bodyPr>
+          <a:lstStyle/>
+          <a:p>
+            <a:pPr>
+              <a:lnSpc>
+                <a:spcPct val="90000"/>
+              </a:lnSpc>
+              <a:spcBef>
+                <a:spcPts val="1199"/>
+              </a:spcBef>
+              <a:spcAft>
+                <a:spcPts val="201"/>
+              </a:spcAft>
+            </a:pPr>
+            <a:endParaRPr lang="zxx" sz="2000" b="0" strike="noStrike" spc="-1" dirty="0">
+              <a:latin typeface="Arial"/>
+            </a:endParaRPr>
+          </a:p>
+          <a:p>
+            <a:pPr marL="91440" indent="-90720">
+              <a:lnSpc>
+                <a:spcPct val="90000"/>
+              </a:lnSpc>
+              <a:spcBef>
+                <a:spcPts val="1199"/>
+              </a:spcBef>
+              <a:spcAft>
+                <a:spcPts val="201"/>
+              </a:spcAft>
+              <a:buClr>
+                <a:srgbClr val="14496F"/>
+              </a:buClr>
+              <a:buFont typeface="Calibri"/>
+              <a:buChar char=" "/>
+            </a:pPr>
+            <a:r>
+              <a:rPr lang="zxx" sz="2000" b="0" strike="noStrike" spc="-1" dirty="0">
+                <a:solidFill>
+                  <a:srgbClr val="404040"/>
+                </a:solidFill>
+                <a:latin typeface="Calibri"/>
+              </a:rPr>
+              <a:t> </a:t>
+            </a:r>
+            <a:endParaRPr lang="zxx" sz="2000" b="0" strike="noStrike" spc="-1" dirty="0">
+              <a:latin typeface="Arial"/>
+            </a:endParaRPr>
+          </a:p>
+          <a:p>
+            <a:pPr marL="91440" indent="-90720">
+              <a:lnSpc>
+                <a:spcPct val="90000"/>
+              </a:lnSpc>
+              <a:spcBef>
+                <a:spcPts val="1199"/>
+              </a:spcBef>
+              <a:spcAft>
+                <a:spcPts val="201"/>
+              </a:spcAft>
+              <a:buClr>
+                <a:srgbClr val="14496F"/>
+              </a:buClr>
+              <a:buFont typeface="Calibri"/>
+              <a:buChar char=" "/>
+            </a:pPr>
+            <a:r>
+              <a:rPr lang="zxx" sz="2000" b="0" strike="noStrike" spc="-1" dirty="0">
+                <a:solidFill>
+                  <a:srgbClr val="404040"/>
+                </a:solidFill>
+                <a:latin typeface="Calibri"/>
+              </a:rPr>
+              <a:t> </a:t>
+            </a:r>
+            <a:endParaRPr lang="zxx" sz="2000" b="0" strike="noStrike" spc="-1" dirty="0">
+              <a:latin typeface="Arial"/>
+            </a:endParaRPr>
+          </a:p>
+        </p:txBody>
+      </p:sp>
+      <p:sp>
+        <p:nvSpPr>
+          <p:cNvPr id="140" name="CustomShape 3"/>
+          <p:cNvSpPr/>
+          <p:nvPr/>
+        </p:nvSpPr>
+        <p:spPr>
+          <a:xfrm>
+            <a:off x="4006440" y="6410880"/>
+            <a:ext cx="582840" cy="364320"/>
+          </a:xfrm>
+          <a:prstGeom prst="rect">
+            <a:avLst/>
+          </a:prstGeom>
+          <a:noFill/>
+          <a:ln>
+            <a:noFill/>
+          </a:ln>
+        </p:spPr>
+        <p:style>
+          <a:lnRef idx="0">
+            <a:scrgbClr r="0" g="0" b="0"/>
+          </a:lnRef>
+          <a:fillRef idx="0">
+            <a:scrgbClr r="0" g="0" b="0"/>
+          </a:fillRef>
+          <a:effectRef idx="0">
+            <a:scrgbClr r="0" g="0" b="0"/>
+          </a:effectRef>
+          <a:fontRef idx="minor"/>
+        </p:style>
+        <p:txBody>
+          <a:bodyPr lIns="90000" tIns="45000" rIns="90000" bIns="45000" anchor="ctr">
+            <a:noAutofit/>
+          </a:bodyPr>
+          <a:lstStyle/>
+          <a:p>
+            <a:pPr algn="r">
+              <a:lnSpc>
+                <a:spcPct val="100000"/>
+              </a:lnSpc>
+            </a:pPr>
+            <a:fld id="{BB3C10D2-631B-403A-982E-2D04DEE7FE8B}" type="slidenum">
+              <a:rPr lang="zxx" sz="1050" b="0" strike="noStrike" spc="-1">
+                <a:solidFill>
+                  <a:srgbClr val="000000"/>
+                </a:solidFill>
+                <a:latin typeface="Calibri"/>
+              </a:rPr>
+              <a:t>4</a:t>
+            </a:fld>
+            <a:r>
+              <a:rPr lang="zxx" sz="1050" b="0" strike="noStrike" spc="-1">
+                <a:solidFill>
+                  <a:srgbClr val="000000"/>
+                </a:solidFill>
+                <a:latin typeface="Calibri"/>
+              </a:rPr>
+              <a:t>/</a:t>
+            </a:r>
+            <a:endParaRPr lang="zxx" sz="1050" b="0" strike="noStrike" spc="-1">
+              <a:latin typeface="Arial"/>
+            </a:endParaRPr>
+          </a:p>
+        </p:txBody>
+      </p:sp>
       <p:pic>
         <p:nvPicPr>
-          <p:cNvPr id="141" name="" descr=""/>
+          <p:cNvPr id="5" name="Grafik 4">
+            <a:extLst>
+              <a:ext uri="{FF2B5EF4-FFF2-40B4-BE49-F238E27FC236}">
+                <a16:creationId xmlns:a16="http://schemas.microsoft.com/office/drawing/2014/main" id="{ED3C5150-9FDD-4AF5-B3AF-CBE84CCA7EFA}"/>
+              </a:ext>
+            </a:extLst>
+          </p:cNvPr>
           <p:cNvPicPr/>
           <p:nvPr/>
         </p:nvPicPr>
         <p:blipFill>
-          <a:blip r:embed="rId1"/>
+          <a:blip r:embed="rId3"/>
           <a:stretch/>
         </p:blipFill>
         <p:spPr>
           <a:xfrm>
-            <a:off x="-71640" y="-379080"/>
-            <a:ext cx="9143640" cy="3979080"/>
+            <a:off x="1206318" y="1272896"/>
+            <a:ext cx="5600243" cy="2437084"/>
           </a:xfrm>
           <a:prstGeom prst="rect">
             <a:avLst/>
@@ -7083,18 +8754,24 @@
       </p:pic>
       <p:pic>
         <p:nvPicPr>
-          <p:cNvPr id="142" name="" descr=""/>
+          <p:cNvPr id="6" name="Grafik 5">
+            <a:extLst>
+              <a:ext uri="{FF2B5EF4-FFF2-40B4-BE49-F238E27FC236}">
+                <a16:creationId xmlns:a16="http://schemas.microsoft.com/office/drawing/2014/main" id="{B591F0BA-ED0B-4327-A11E-CDB3AF0AF0E4}"/>
+              </a:ext>
+            </a:extLst>
+          </p:cNvPr>
           <p:cNvPicPr/>
           <p:nvPr/>
         </p:nvPicPr>
         <p:blipFill>
-          <a:blip r:embed="rId2"/>
+          <a:blip r:embed="rId4"/>
           <a:stretch/>
         </p:blipFill>
         <p:spPr>
           <a:xfrm>
-            <a:off x="72360" y="3384000"/>
-            <a:ext cx="9143640" cy="3219840"/>
+            <a:off x="1206318" y="3846420"/>
+            <a:ext cx="5600243" cy="1972069"/>
           </a:xfrm>
           <a:prstGeom prst="rect">
             <a:avLst/>
@@ -7105,20 +8782,20 @@
         </p:spPr>
       </p:pic>
     </p:spTree>
+    <p:extLst>
+      <p:ext uri="{BB962C8B-B14F-4D97-AF65-F5344CB8AC3E}">
+        <p14:creationId xmlns:p14="http://schemas.microsoft.com/office/powerpoint/2010/main" val="1726958085"/>
+      </p:ext>
+    </p:extLst>
   </p:cSld>
-  <mc:AlternateContent>
-    <mc:Choice Requires="p14">
-      <p:transition spd="slow" p14:dur="2000"/>
-    </mc:Choice>
-    <mc:Fallback>
-      <p:transition spd="slow"/>
-    </mc:Fallback>
-  </mc:AlternateContent>
+  <p:clrMapOvr>
+    <a:masterClrMapping/>
+  </p:clrMapOvr>
 </p:sld>
 </file>
 
 <file path=ppt/slides/slide5.xml><?xml version="1.0" encoding="utf-8"?>
-<p:sld xmlns:a="http://schemas.openxmlformats.org/drawingml/2006/main" xmlns:p="http://schemas.openxmlformats.org/presentationml/2006/main" xmlns:r="http://schemas.openxmlformats.org/officeDocument/2006/relationships" xmlns:p14="http://schemas.microsoft.com/office/powerpoint/2010/main" xmlns:p15="http://schemas.microsoft.com/office/powerpoint/2012/main" xmlns:mc="http://schemas.openxmlformats.org/markup-compatibility/2006">
+<p:sld xmlns:a="http://schemas.openxmlformats.org/drawingml/2006/main" xmlns:r="http://schemas.openxmlformats.org/officeDocument/2006/relationships" xmlns:p="http://schemas.openxmlformats.org/presentationml/2006/main">
   <p:cSld>
     <p:spTree>
       <p:nvGrpSpPr>
@@ -7134,20 +8811,263 @@
           <a:chExt cx="0" cy="0"/>
         </a:xfrm>
       </p:grpSpPr>
+      <p:sp>
+        <p:nvSpPr>
+          <p:cNvPr id="138" name="CustomShape 1"/>
+          <p:cNvSpPr/>
+          <p:nvPr/>
+        </p:nvSpPr>
+        <p:spPr>
+          <a:xfrm>
+            <a:off x="127440" y="99000"/>
+            <a:ext cx="8836560" cy="953640"/>
+          </a:xfrm>
+          <a:prstGeom prst="rect">
+            <a:avLst/>
+          </a:prstGeom>
+          <a:noFill/>
+          <a:ln>
+            <a:noFill/>
+          </a:ln>
+        </p:spPr>
+        <p:style>
+          <a:lnRef idx="0">
+            <a:scrgbClr r="0" g="0" b="0"/>
+          </a:lnRef>
+          <a:fillRef idx="0">
+            <a:scrgbClr r="0" g="0" b="0"/>
+          </a:fillRef>
+          <a:effectRef idx="0">
+            <a:scrgbClr r="0" g="0" b="0"/>
+          </a:effectRef>
+          <a:fontRef idx="minor"/>
+        </p:style>
+        <p:txBody>
+          <a:bodyPr lIns="90000" tIns="45000" rIns="90000" bIns="45000" anchor="b">
+            <a:noAutofit/>
+          </a:bodyPr>
+          <a:lstStyle/>
+          <a:p>
+            <a:pPr>
+              <a:lnSpc>
+                <a:spcPct val="85000"/>
+              </a:lnSpc>
+            </a:pPr>
+            <a:r>
+              <a:rPr lang="de-DE" sz="4800" b="0" strike="noStrike" spc="-52" dirty="0">
+                <a:solidFill>
+                  <a:srgbClr val="404040"/>
+                </a:solidFill>
+                <a:latin typeface="Calibri Light"/>
+              </a:rPr>
+              <a:t>Truth Table</a:t>
+            </a:r>
+            <a:endParaRPr lang="zxx" sz="4800" b="0" strike="noStrike" spc="-1" dirty="0">
+              <a:latin typeface="Arial"/>
+            </a:endParaRPr>
+          </a:p>
+        </p:txBody>
+      </p:sp>
+      <p:sp>
+        <p:nvSpPr>
+          <p:cNvPr id="139" name="CustomShape 2"/>
+          <p:cNvSpPr/>
+          <p:nvPr/>
+        </p:nvSpPr>
+        <p:spPr>
+          <a:xfrm>
+            <a:off x="127440" y="1145520"/>
+            <a:ext cx="8836560" cy="5128920"/>
+          </a:xfrm>
+          <a:prstGeom prst="rect">
+            <a:avLst/>
+          </a:prstGeom>
+          <a:noFill/>
+          <a:ln>
+            <a:noFill/>
+          </a:ln>
+        </p:spPr>
+        <p:style>
+          <a:lnRef idx="0">
+            <a:scrgbClr r="0" g="0" b="0"/>
+          </a:lnRef>
+          <a:fillRef idx="0">
+            <a:scrgbClr r="0" g="0" b="0"/>
+          </a:fillRef>
+          <a:effectRef idx="0">
+            <a:scrgbClr r="0" g="0" b="0"/>
+          </a:effectRef>
+          <a:fontRef idx="minor"/>
+        </p:style>
+        <p:txBody>
+          <a:bodyPr lIns="0" tIns="45000" rIns="0" bIns="45000">
+            <a:noAutofit/>
+          </a:bodyPr>
+          <a:lstStyle/>
+          <a:p>
+            <a:pPr>
+              <a:lnSpc>
+                <a:spcPct val="90000"/>
+              </a:lnSpc>
+              <a:spcBef>
+                <a:spcPts val="1199"/>
+              </a:spcBef>
+              <a:spcAft>
+                <a:spcPts val="201"/>
+              </a:spcAft>
+            </a:pPr>
+            <a:endParaRPr lang="zxx" sz="2000" b="0" strike="noStrike" spc="-1" dirty="0">
+              <a:latin typeface="Arial"/>
+            </a:endParaRPr>
+          </a:p>
+          <a:p>
+            <a:pPr marL="91440" indent="-90720">
+              <a:lnSpc>
+                <a:spcPct val="90000"/>
+              </a:lnSpc>
+              <a:spcBef>
+                <a:spcPts val="1199"/>
+              </a:spcBef>
+              <a:spcAft>
+                <a:spcPts val="201"/>
+              </a:spcAft>
+              <a:buClr>
+                <a:srgbClr val="14496F"/>
+              </a:buClr>
+              <a:buFont typeface="Calibri"/>
+              <a:buChar char=" "/>
+            </a:pPr>
+            <a:r>
+              <a:rPr lang="zxx" sz="2000" b="0" strike="noStrike" spc="-1" dirty="0">
+                <a:solidFill>
+                  <a:srgbClr val="404040"/>
+                </a:solidFill>
+                <a:latin typeface="Calibri"/>
+              </a:rPr>
+              <a:t> </a:t>
+            </a:r>
+            <a:endParaRPr lang="zxx" sz="2000" b="0" strike="noStrike" spc="-1" dirty="0">
+              <a:latin typeface="Arial"/>
+            </a:endParaRPr>
+          </a:p>
+          <a:p>
+            <a:pPr marL="91440" indent="-90720">
+              <a:lnSpc>
+                <a:spcPct val="90000"/>
+              </a:lnSpc>
+              <a:spcBef>
+                <a:spcPts val="1199"/>
+              </a:spcBef>
+              <a:spcAft>
+                <a:spcPts val="201"/>
+              </a:spcAft>
+              <a:buClr>
+                <a:srgbClr val="14496F"/>
+              </a:buClr>
+              <a:buFont typeface="Calibri"/>
+              <a:buChar char=" "/>
+            </a:pPr>
+            <a:r>
+              <a:rPr lang="zxx" sz="2000" b="0" strike="noStrike" spc="-1" dirty="0">
+                <a:solidFill>
+                  <a:srgbClr val="404040"/>
+                </a:solidFill>
+                <a:latin typeface="Calibri"/>
+              </a:rPr>
+              <a:t> </a:t>
+            </a:r>
+            <a:endParaRPr lang="zxx" sz="2000" b="0" strike="noStrike" spc="-1" dirty="0">
+              <a:latin typeface="Arial"/>
+            </a:endParaRPr>
+          </a:p>
+        </p:txBody>
+      </p:sp>
+      <p:sp>
+        <p:nvSpPr>
+          <p:cNvPr id="140" name="CustomShape 3"/>
+          <p:cNvSpPr/>
+          <p:nvPr/>
+        </p:nvSpPr>
+        <p:spPr>
+          <a:xfrm>
+            <a:off x="4006440" y="6410880"/>
+            <a:ext cx="582840" cy="364320"/>
+          </a:xfrm>
+          <a:prstGeom prst="rect">
+            <a:avLst/>
+          </a:prstGeom>
+          <a:noFill/>
+          <a:ln>
+            <a:noFill/>
+          </a:ln>
+        </p:spPr>
+        <p:style>
+          <a:lnRef idx="0">
+            <a:scrgbClr r="0" g="0" b="0"/>
+          </a:lnRef>
+          <a:fillRef idx="0">
+            <a:scrgbClr r="0" g="0" b="0"/>
+          </a:fillRef>
+          <a:effectRef idx="0">
+            <a:scrgbClr r="0" g="0" b="0"/>
+          </a:effectRef>
+          <a:fontRef idx="minor"/>
+        </p:style>
+        <p:txBody>
+          <a:bodyPr lIns="90000" tIns="45000" rIns="90000" bIns="45000" anchor="ctr">
+            <a:noAutofit/>
+          </a:bodyPr>
+          <a:lstStyle/>
+          <a:p>
+            <a:pPr algn="r">
+              <a:lnSpc>
+                <a:spcPct val="100000"/>
+              </a:lnSpc>
+            </a:pPr>
+            <a:fld id="{BB3C10D2-631B-403A-982E-2D04DEE7FE8B}" type="slidenum">
+              <a:rPr lang="zxx" sz="1050" b="0" strike="noStrike" spc="-1">
+                <a:solidFill>
+                  <a:srgbClr val="000000"/>
+                </a:solidFill>
+                <a:latin typeface="Calibri"/>
+              </a:rPr>
+              <a:t>5</a:t>
+            </a:fld>
+            <a:r>
+              <a:rPr lang="zxx" sz="1050" b="0" strike="noStrike" spc="-1">
+                <a:solidFill>
+                  <a:srgbClr val="000000"/>
+                </a:solidFill>
+                <a:latin typeface="Calibri"/>
+              </a:rPr>
+              <a:t>/</a:t>
+            </a:r>
+            <a:endParaRPr lang="zxx" sz="1050" b="0" strike="noStrike" spc="-1">
+              <a:latin typeface="Arial"/>
+            </a:endParaRPr>
+          </a:p>
+        </p:txBody>
+      </p:sp>
       <p:pic>
         <p:nvPicPr>
-          <p:cNvPr id="143" name="" descr=""/>
+          <p:cNvPr id="7" name="Grafik 6">
+            <a:extLst>
+              <a:ext uri="{FF2B5EF4-FFF2-40B4-BE49-F238E27FC236}">
+                <a16:creationId xmlns:a16="http://schemas.microsoft.com/office/drawing/2014/main" id="{FC488664-A8D3-4558-A892-C18C2C34D1A2}"/>
+              </a:ext>
+            </a:extLst>
+          </p:cNvPr>
           <p:cNvPicPr/>
           <p:nvPr/>
         </p:nvPicPr>
         <p:blipFill>
-          <a:blip r:embed="rId1"/>
+          <a:blip r:embed="rId3"/>
           <a:stretch/>
         </p:blipFill>
         <p:spPr>
           <a:xfrm>
-            <a:off x="609840" y="300240"/>
-            <a:ext cx="7924320" cy="6257520"/>
+            <a:off x="996309" y="1102877"/>
+            <a:ext cx="6603102" cy="5214206"/>
           </a:xfrm>
           <a:prstGeom prst="rect">
             <a:avLst/>
@@ -7158,20 +9078,20 @@
         </p:spPr>
       </p:pic>
     </p:spTree>
+    <p:extLst>
+      <p:ext uri="{BB962C8B-B14F-4D97-AF65-F5344CB8AC3E}">
+        <p14:creationId xmlns:p14="http://schemas.microsoft.com/office/powerpoint/2010/main" val="3384918538"/>
+      </p:ext>
+    </p:extLst>
   </p:cSld>
-  <mc:AlternateContent>
-    <mc:Choice Requires="p14">
-      <p:transition spd="slow" p14:dur="2000"/>
-    </mc:Choice>
-    <mc:Fallback>
-      <p:transition spd="slow"/>
-    </mc:Fallback>
-  </mc:AlternateContent>
+  <p:clrMapOvr>
+    <a:masterClrMapping/>
+  </p:clrMapOvr>
 </p:sld>
 </file>
 
 <file path=ppt/slides/slide6.xml><?xml version="1.0" encoding="utf-8"?>
-<p:sld xmlns:a="http://schemas.openxmlformats.org/drawingml/2006/main" xmlns:p="http://schemas.openxmlformats.org/presentationml/2006/main" xmlns:r="http://schemas.openxmlformats.org/officeDocument/2006/relationships" xmlns:p14="http://schemas.microsoft.com/office/powerpoint/2010/main" xmlns:p15="http://schemas.microsoft.com/office/powerpoint/2012/main" xmlns:mc="http://schemas.openxmlformats.org/markup-compatibility/2006">
+<p:sld xmlns:a="http://schemas.openxmlformats.org/drawingml/2006/main" xmlns:r="http://schemas.openxmlformats.org/officeDocument/2006/relationships" xmlns:p="http://schemas.openxmlformats.org/presentationml/2006/main">
   <p:cSld>
     <p:spTree>
       <p:nvGrpSpPr>
@@ -7207,15 +9127,22 @@
           </a:ln>
         </p:spPr>
         <p:style>
-          <a:lnRef idx="0"/>
-          <a:fillRef idx="0"/>
-          <a:effectRef idx="0"/>
+          <a:lnRef idx="0">
+            <a:scrgbClr r="0" g="0" b="0"/>
+          </a:lnRef>
+          <a:fillRef idx="0">
+            <a:scrgbClr r="0" g="0" b="0"/>
+          </a:fillRef>
+          <a:effectRef idx="0">
+            <a:scrgbClr r="0" g="0" b="0"/>
+          </a:effectRef>
           <a:fontRef idx="minor"/>
         </p:style>
         <p:txBody>
-          <a:bodyPr lIns="90000" rIns="90000" tIns="45000" bIns="45000" anchor="b">
-            <a:normAutofit fontScale="60000"/>
-          </a:bodyPr>
+          <a:bodyPr lIns="90000" tIns="45000" rIns="90000" bIns="45000" anchor="b">
+            <a:normAutofit fontScale="90000"/>
+          </a:bodyPr>
+          <a:lstStyle/>
           <a:p>
             <a:pPr>
               <a:lnSpc>
@@ -7223,7 +9150,7 @@
               </a:lnSpc>
             </a:pPr>
             <a:r>
-              <a:rPr b="0" lang="zxx" sz="4800" spc="-52" strike="noStrike">
+              <a:rPr lang="zxx" sz="4800" b="0" strike="noStrike" spc="-52" dirty="0">
                 <a:solidFill>
                   <a:srgbClr val="404040"/>
                 </a:solidFill>
@@ -7231,7 +9158,7 @@
               </a:rPr>
               <a:t>Progress – Faced Problems - Solutions</a:t>
             </a:r>
-            <a:endParaRPr b="0" lang="zxx" sz="4800" spc="-1" strike="noStrike">
+            <a:endParaRPr lang="zxx" sz="4800" b="0" strike="noStrike" spc="-1" dirty="0">
               <a:latin typeface="Arial"/>
             </a:endParaRPr>
           </a:p>
@@ -7257,15 +9184,22 @@
           </a:ln>
         </p:spPr>
         <p:style>
-          <a:lnRef idx="0"/>
-          <a:fillRef idx="0"/>
-          <a:effectRef idx="0"/>
+          <a:lnRef idx="0">
+            <a:scrgbClr r="0" g="0" b="0"/>
+          </a:lnRef>
+          <a:fillRef idx="0">
+            <a:scrgbClr r="0" g="0" b="0"/>
+          </a:fillRef>
+          <a:effectRef idx="0">
+            <a:scrgbClr r="0" g="0" b="0"/>
+          </a:effectRef>
           <a:fontRef idx="minor"/>
         </p:style>
         <p:txBody>
-          <a:bodyPr lIns="0" rIns="0" tIns="45000" bIns="45000">
+          <a:bodyPr lIns="0" tIns="45000" rIns="0" bIns="45000">
             <a:noAutofit/>
           </a:bodyPr>
+          <a:lstStyle/>
           <a:p>
             <a:pPr marL="432000" indent="-323640">
               <a:lnSpc>
@@ -7282,7 +9216,7 @@
               <a:buChar char=""/>
             </a:pPr>
             <a:r>
-              <a:rPr b="0" lang="zxx" sz="2000" spc="-1" strike="noStrike">
+              <a:rPr lang="zxx" sz="2000" b="0" strike="noStrike" spc="-1">
                 <a:solidFill>
                   <a:srgbClr val="404040"/>
                 </a:solidFill>
@@ -7290,7 +9224,7 @@
               </a:rPr>
               <a:t>VHDL Code</a:t>
             </a:r>
-            <a:endParaRPr b="0" lang="zxx" sz="2000" spc="-1" strike="noStrike">
+            <a:endParaRPr lang="zxx" sz="2000" b="0" strike="noStrike" spc="-1">
               <a:latin typeface="Arial"/>
             </a:endParaRPr>
           </a:p>
@@ -7310,7 +9244,7 @@
               <a:buChar char=""/>
             </a:pPr>
             <a:r>
-              <a:rPr b="0" lang="zxx" sz="2000" spc="-1" strike="noStrike">
+              <a:rPr lang="zxx" sz="2000" b="0" strike="noStrike" spc="-1">
                 <a:solidFill>
                   <a:srgbClr val="404040"/>
                 </a:solidFill>
@@ -7318,7 +9252,7 @@
               </a:rPr>
               <a:t>Python Code</a:t>
             </a:r>
-            <a:endParaRPr b="0" lang="zxx" sz="2000" spc="-1" strike="noStrike">
+            <a:endParaRPr lang="zxx" sz="2000" b="0" strike="noStrike" spc="-1">
               <a:latin typeface="Arial"/>
             </a:endParaRPr>
           </a:p>
@@ -7344,15 +9278,22 @@
           </a:ln>
         </p:spPr>
         <p:style>
-          <a:lnRef idx="0"/>
-          <a:fillRef idx="0"/>
-          <a:effectRef idx="0"/>
+          <a:lnRef idx="0">
+            <a:scrgbClr r="0" g="0" b="0"/>
+          </a:lnRef>
+          <a:fillRef idx="0">
+            <a:scrgbClr r="0" g="0" b="0"/>
+          </a:fillRef>
+          <a:effectRef idx="0">
+            <a:scrgbClr r="0" g="0" b="0"/>
+          </a:effectRef>
           <a:fontRef idx="minor"/>
         </p:style>
         <p:txBody>
-          <a:bodyPr lIns="90000" rIns="90000" tIns="45000" bIns="45000" anchor="ctr">
+          <a:bodyPr lIns="90000" tIns="45000" rIns="90000" bIns="45000" anchor="ctr">
             <a:noAutofit/>
           </a:bodyPr>
+          <a:lstStyle/>
           <a:p>
             <a:pPr algn="r">
               <a:lnSpc>
@@ -7360,7 +9301,7 @@
               </a:lnSpc>
             </a:pPr>
             <a:fld id="{FBA1FB1B-8EC8-4701-B7A3-764889EBDE91}" type="slidenum">
-              <a:rPr b="0" lang="zxx" sz="1050" spc="-1" strike="noStrike">
+              <a:rPr lang="zxx" sz="1050" b="0" strike="noStrike" spc="-1">
                 <a:solidFill>
                   <a:srgbClr val="000000"/>
                 </a:solidFill>
@@ -7369,7 +9310,7 @@
               <a:t>6</a:t>
             </a:fld>
             <a:r>
-              <a:rPr b="0" lang="zxx" sz="1050" spc="-1" strike="noStrike">
+              <a:rPr lang="zxx" sz="1050" b="0" strike="noStrike" spc="-1">
                 <a:solidFill>
                   <a:srgbClr val="000000"/>
                 </a:solidFill>
@@ -7377,7 +9318,7 @@
               </a:rPr>
               <a:t>/</a:t>
             </a:r>
-            <a:endParaRPr b="0" lang="zxx" sz="1050" spc="-1" strike="noStrike">
+            <a:endParaRPr lang="zxx" sz="1050" b="0" strike="noStrike" spc="-1">
               <a:latin typeface="Arial"/>
             </a:endParaRPr>
           </a:p>
@@ -7385,19 +9326,14 @@
       </p:sp>
     </p:spTree>
   </p:cSld>
-  <mc:AlternateContent>
-    <mc:Choice Requires="p14">
-      <p:transition spd="slow" p14:dur="2000"/>
-    </mc:Choice>
-    <mc:Fallback>
-      <p:transition spd="slow"/>
-    </mc:Fallback>
-  </mc:AlternateContent>
+  <p:clrMapOvr>
+    <a:masterClrMapping/>
+  </p:clrMapOvr>
 </p:sld>
 </file>
 
 <file path=ppt/slides/slide7.xml><?xml version="1.0" encoding="utf-8"?>
-<p:sld xmlns:a="http://schemas.openxmlformats.org/drawingml/2006/main" xmlns:p="http://schemas.openxmlformats.org/presentationml/2006/main" xmlns:r="http://schemas.openxmlformats.org/officeDocument/2006/relationships" xmlns:p14="http://schemas.microsoft.com/office/powerpoint/2010/main" xmlns:p15="http://schemas.microsoft.com/office/powerpoint/2012/main" xmlns:mc="http://schemas.openxmlformats.org/markup-compatibility/2006">
+<p:sld xmlns:a="http://schemas.openxmlformats.org/drawingml/2006/main" xmlns:r="http://schemas.openxmlformats.org/officeDocument/2006/relationships" xmlns:p="http://schemas.openxmlformats.org/presentationml/2006/main">
   <p:cSld>
     <p:spTree>
       <p:nvGrpSpPr>
@@ -7433,15 +9369,22 @@
           </a:ln>
         </p:spPr>
         <p:style>
-          <a:lnRef idx="0"/>
-          <a:fillRef idx="0"/>
-          <a:effectRef idx="0"/>
+          <a:lnRef idx="0">
+            <a:scrgbClr r="0" g="0" b="0"/>
+          </a:lnRef>
+          <a:fillRef idx="0">
+            <a:scrgbClr r="0" g="0" b="0"/>
+          </a:fillRef>
+          <a:effectRef idx="0">
+            <a:scrgbClr r="0" g="0" b="0"/>
+          </a:effectRef>
           <a:fontRef idx="minor"/>
         </p:style>
         <p:txBody>
-          <a:bodyPr lIns="90000" rIns="90000" tIns="45000" bIns="45000" anchor="b">
-            <a:normAutofit fontScale="60000"/>
-          </a:bodyPr>
+          <a:bodyPr lIns="90000" tIns="45000" rIns="90000" bIns="45000" anchor="b">
+            <a:normAutofit fontScale="90000"/>
+          </a:bodyPr>
+          <a:lstStyle/>
           <a:p>
             <a:pPr>
               <a:lnSpc>
@@ -7449,7 +9392,7 @@
               </a:lnSpc>
             </a:pPr>
             <a:r>
-              <a:rPr b="0" lang="zxx" sz="4800" spc="-52" strike="noStrike">
+              <a:rPr lang="zxx" sz="4800" b="0" strike="noStrike" spc="-52" dirty="0">
                 <a:solidFill>
                   <a:srgbClr val="404040"/>
                 </a:solidFill>
@@ -7457,7 +9400,7 @@
               </a:rPr>
               <a:t>Progress – Faced Problems - Solutions</a:t>
             </a:r>
-            <a:endParaRPr b="0" lang="zxx" sz="4800" spc="-1" strike="noStrike">
+            <a:endParaRPr lang="zxx" sz="4800" b="0" strike="noStrike" spc="-1" dirty="0">
               <a:latin typeface="Arial"/>
             </a:endParaRPr>
           </a:p>
@@ -7483,15 +9426,22 @@
           </a:ln>
         </p:spPr>
         <p:style>
-          <a:lnRef idx="0"/>
-          <a:fillRef idx="0"/>
-          <a:effectRef idx="0"/>
+          <a:lnRef idx="0">
+            <a:scrgbClr r="0" g="0" b="0"/>
+          </a:lnRef>
+          <a:fillRef idx="0">
+            <a:scrgbClr r="0" g="0" b="0"/>
+          </a:fillRef>
+          <a:effectRef idx="0">
+            <a:scrgbClr r="0" g="0" b="0"/>
+          </a:effectRef>
           <a:fontRef idx="minor"/>
         </p:style>
         <p:txBody>
-          <a:bodyPr lIns="0" rIns="0" tIns="45000" bIns="45000">
+          <a:bodyPr lIns="0" tIns="45000" rIns="0" bIns="45000">
             <a:noAutofit/>
           </a:bodyPr>
+          <a:lstStyle/>
           <a:p>
             <a:pPr marL="432000" indent="-323640">
               <a:lnSpc>
@@ -7508,7 +9458,7 @@
               <a:buChar char=""/>
             </a:pPr>
             <a:r>
-              <a:rPr b="0" lang="zxx" sz="2000" spc="-1" strike="noStrike">
+              <a:rPr lang="zxx" sz="2000" b="0" strike="noStrike" spc="-1">
                 <a:solidFill>
                   <a:srgbClr val="404040"/>
                 </a:solidFill>
@@ -7516,7 +9466,7 @@
               </a:rPr>
               <a:t>Binary Decision tree BILD</a:t>
             </a:r>
-            <a:endParaRPr b="0" lang="zxx" sz="2000" spc="-1" strike="noStrike">
+            <a:endParaRPr lang="zxx" sz="2000" b="0" strike="noStrike" spc="-1">
               <a:latin typeface="Arial"/>
             </a:endParaRPr>
           </a:p>
@@ -7542,15 +9492,22 @@
           </a:ln>
         </p:spPr>
         <p:style>
-          <a:lnRef idx="0"/>
-          <a:fillRef idx="0"/>
-          <a:effectRef idx="0"/>
+          <a:lnRef idx="0">
+            <a:scrgbClr r="0" g="0" b="0"/>
+          </a:lnRef>
+          <a:fillRef idx="0">
+            <a:scrgbClr r="0" g="0" b="0"/>
+          </a:fillRef>
+          <a:effectRef idx="0">
+            <a:scrgbClr r="0" g="0" b="0"/>
+          </a:effectRef>
           <a:fontRef idx="minor"/>
         </p:style>
         <p:txBody>
-          <a:bodyPr lIns="90000" rIns="90000" tIns="45000" bIns="45000" anchor="ctr">
+          <a:bodyPr lIns="90000" tIns="45000" rIns="90000" bIns="45000" anchor="ctr">
             <a:noAutofit/>
           </a:bodyPr>
+          <a:lstStyle/>
           <a:p>
             <a:pPr algn="r">
               <a:lnSpc>
@@ -7558,7 +9515,7 @@
               </a:lnSpc>
             </a:pPr>
             <a:fld id="{CC6F7E20-B439-47FF-A0C2-BDDAA2557689}" type="slidenum">
-              <a:rPr b="0" lang="zxx" sz="1050" spc="-1" strike="noStrike">
+              <a:rPr lang="zxx" sz="1050" b="0" strike="noStrike" spc="-1">
                 <a:solidFill>
                   <a:srgbClr val="000000"/>
                 </a:solidFill>
@@ -7567,7 +9524,7 @@
               <a:t>7</a:t>
             </a:fld>
             <a:r>
-              <a:rPr b="0" lang="zxx" sz="1050" spc="-1" strike="noStrike">
+              <a:rPr lang="zxx" sz="1050" b="0" strike="noStrike" spc="-1">
                 <a:solidFill>
                   <a:srgbClr val="000000"/>
                 </a:solidFill>
@@ -7575,7 +9532,7 @@
               </a:rPr>
               <a:t>/</a:t>
             </a:r>
-            <a:endParaRPr b="0" lang="zxx" sz="1050" spc="-1" strike="noStrike">
+            <a:endParaRPr lang="zxx" sz="1050" b="0" strike="noStrike" spc="-1">
               <a:latin typeface="Arial"/>
             </a:endParaRPr>
           </a:p>
@@ -7583,19 +9540,14 @@
       </p:sp>
     </p:spTree>
   </p:cSld>
-  <mc:AlternateContent>
-    <mc:Choice Requires="p14">
-      <p:transition spd="slow" p14:dur="2000"/>
-    </mc:Choice>
-    <mc:Fallback>
-      <p:transition spd="slow"/>
-    </mc:Fallback>
-  </mc:AlternateContent>
+  <p:clrMapOvr>
+    <a:masterClrMapping/>
+  </p:clrMapOvr>
 </p:sld>
 </file>
 
 <file path=ppt/slides/slide8.xml><?xml version="1.0" encoding="utf-8"?>
-<p:sld xmlns:a="http://schemas.openxmlformats.org/drawingml/2006/main" xmlns:p="http://schemas.openxmlformats.org/presentationml/2006/main" xmlns:r="http://schemas.openxmlformats.org/officeDocument/2006/relationships" xmlns:p14="http://schemas.microsoft.com/office/powerpoint/2010/main" xmlns:p15="http://schemas.microsoft.com/office/powerpoint/2012/main" xmlns:mc="http://schemas.openxmlformats.org/markup-compatibility/2006">
+<p:sld xmlns:a="http://schemas.openxmlformats.org/drawingml/2006/main" xmlns:r="http://schemas.openxmlformats.org/officeDocument/2006/relationships" xmlns:p="http://schemas.openxmlformats.org/presentationml/2006/main">
   <p:cSld>
     <p:spTree>
       <p:nvGrpSpPr>
@@ -7613,7 +9565,7 @@
       </p:grpSpPr>
       <p:sp>
         <p:nvSpPr>
-          <p:cNvPr id="150" name="CustomShape 1"/>
+          <p:cNvPr id="147" name="CustomShape 1"/>
           <p:cNvSpPr/>
           <p:nvPr/>
         </p:nvSpPr>
@@ -7631,15 +9583,22 @@
           </a:ln>
         </p:spPr>
         <p:style>
-          <a:lnRef idx="0"/>
-          <a:fillRef idx="0"/>
-          <a:effectRef idx="0"/>
+          <a:lnRef idx="0">
+            <a:scrgbClr r="0" g="0" b="0"/>
+          </a:lnRef>
+          <a:fillRef idx="0">
+            <a:scrgbClr r="0" g="0" b="0"/>
+          </a:fillRef>
+          <a:effectRef idx="0">
+            <a:scrgbClr r="0" g="0" b="0"/>
+          </a:effectRef>
           <a:fontRef idx="minor"/>
         </p:style>
         <p:txBody>
-          <a:bodyPr lIns="90000" rIns="90000" tIns="45000" bIns="45000" anchor="b">
-            <a:noAutofit/>
-          </a:bodyPr>
+          <a:bodyPr lIns="90000" tIns="45000" rIns="90000" bIns="45000" anchor="b">
+            <a:normAutofit fontScale="97500"/>
+          </a:bodyPr>
+          <a:lstStyle/>
           <a:p>
             <a:pPr>
               <a:lnSpc>
@@ -7647,7 +9606,7 @@
               </a:lnSpc>
             </a:pPr>
             <a:r>
-              <a:rPr b="0" lang="zxx" sz="4800" spc="-52" strike="noStrike">
+              <a:rPr lang="de-DE" sz="4800" b="0" strike="noStrike" spc="-52" dirty="0">
                 <a:solidFill>
                   <a:srgbClr val="404040"/>
                 </a:solidFill>
@@ -7655,15 +9614,15 @@
               </a:rPr>
               <a:t>Future Plans</a:t>
             </a:r>
-            <a:endParaRPr b="0" lang="zxx" sz="4800" spc="-1" strike="noStrike">
-              <a:latin typeface="Arial"/>
-            </a:endParaRPr>
-          </a:p>
-        </p:txBody>
-      </p:sp>
-      <p:sp>
-        <p:nvSpPr>
-          <p:cNvPr id="151" name="CustomShape 2"/>
+            <a:endParaRPr lang="zxx" sz="4800" b="0" strike="noStrike" spc="-1" dirty="0">
+              <a:latin typeface="Arial"/>
+            </a:endParaRPr>
+          </a:p>
+        </p:txBody>
+      </p:sp>
+      <p:sp>
+        <p:nvSpPr>
+          <p:cNvPr id="148" name="CustomShape 2"/>
           <p:cNvSpPr/>
           <p:nvPr/>
         </p:nvSpPr>
@@ -7681,94 +9640,22 @@
           </a:ln>
         </p:spPr>
         <p:style>
-          <a:lnRef idx="0"/>
-          <a:fillRef idx="0"/>
-          <a:effectRef idx="0"/>
+          <a:lnRef idx="0">
+            <a:scrgbClr r="0" g="0" b="0"/>
+          </a:lnRef>
+          <a:fillRef idx="0">
+            <a:scrgbClr r="0" g="0" b="0"/>
+          </a:fillRef>
+          <a:effectRef idx="0">
+            <a:scrgbClr r="0" g="0" b="0"/>
+          </a:effectRef>
           <a:fontRef idx="minor"/>
         </p:style>
-      </p:sp>
-      <p:sp>
-        <p:nvSpPr>
-          <p:cNvPr id="152" name="CustomShape 3"/>
-          <p:cNvSpPr/>
-          <p:nvPr/>
-        </p:nvSpPr>
-        <p:spPr>
-          <a:xfrm>
-            <a:off x="4006440" y="6410880"/>
-            <a:ext cx="582840" cy="364320"/>
-          </a:xfrm>
-          <a:prstGeom prst="rect">
-            <a:avLst/>
-          </a:prstGeom>
-          <a:noFill/>
-          <a:ln>
-            <a:noFill/>
-          </a:ln>
-        </p:spPr>
-        <p:style>
-          <a:lnRef idx="0"/>
-          <a:fillRef idx="0"/>
-          <a:effectRef idx="0"/>
-          <a:fontRef idx="minor"/>
-        </p:style>
-        <p:txBody>
-          <a:bodyPr lIns="90000" rIns="90000" tIns="45000" bIns="45000" anchor="ctr">
+        <p:txBody>
+          <a:bodyPr lIns="0" tIns="45000" rIns="0" bIns="45000">
             <a:noAutofit/>
           </a:bodyPr>
-          <a:p>
-            <a:pPr algn="r">
-              <a:lnSpc>
-                <a:spcPct val="100000"/>
-              </a:lnSpc>
-            </a:pPr>
-            <a:fld id="{446CEB61-42EC-4431-8092-F0C13B74719D}" type="slidenum">
-              <a:rPr b="0" lang="zxx" sz="1050" spc="-1" strike="noStrike">
-                <a:solidFill>
-                  <a:srgbClr val="000000"/>
-                </a:solidFill>
-                <a:latin typeface="Calibri"/>
-              </a:rPr>
-              <a:t>7</a:t>
-            </a:fld>
-            <a:r>
-              <a:rPr b="0" lang="zxx" sz="1050" spc="-1" strike="noStrike">
-                <a:solidFill>
-                  <a:srgbClr val="000000"/>
-                </a:solidFill>
-                <a:latin typeface="Calibri"/>
-              </a:rPr>
-              <a:t>/</a:t>
-            </a:r>
-            <a:endParaRPr b="0" lang="zxx" sz="1050" spc="-1" strike="noStrike">
-              <a:latin typeface="Arial"/>
-            </a:endParaRPr>
-          </a:p>
-        </p:txBody>
-      </p:sp>
-      <p:sp>
-        <p:nvSpPr>
-          <p:cNvPr id="153" name="TextShape 4"/>
-          <p:cNvSpPr txBox="1"/>
-          <p:nvPr/>
-        </p:nvSpPr>
-        <p:spPr>
-          <a:xfrm>
-            <a:off x="457200" y="1604520"/>
-            <a:ext cx="8229240" cy="3977280"/>
-          </a:xfrm>
-          <a:prstGeom prst="rect">
-            <a:avLst/>
-          </a:prstGeom>
-          <a:noFill/>
-          <a:ln>
-            <a:noFill/>
-          </a:ln>
-        </p:spPr>
-        <p:txBody>
-          <a:bodyPr lIns="0" rIns="0" tIns="0" bIns="0">
-            <a:normAutofit/>
-          </a:bodyPr>
+          <a:lstStyle/>
           <a:p>
             <a:pPr marL="432000" indent="-324000">
               <a:spcBef>
@@ -7782,14 +9669,23 @@
               <a:buChar char=""/>
             </a:pPr>
             <a:r>
-              <a:rPr b="0" lang="de-AT" sz="3200" spc="-1" strike="noStrike">
+              <a:rPr lang="de-AT" sz="2000" b="0" strike="noStrike" spc="-1" dirty="0">
                 <a:latin typeface="Arial"/>
               </a:rPr>
-              <a:t>Time, Area and Power Analysis with VHDL TOOL</a:t>
-            </a:r>
-            <a:endParaRPr b="0" lang="de-AT" sz="3200" spc="-1" strike="noStrike">
-              <a:latin typeface="Arial"/>
-            </a:endParaRPr>
+              <a:t>Time, Area and Power Analysis </a:t>
+            </a:r>
+            <a:r>
+              <a:rPr lang="de-AT" sz="2000" b="0" strike="noStrike" spc="-1" dirty="0" err="1">
+                <a:latin typeface="Arial"/>
+              </a:rPr>
+              <a:t>with</a:t>
+            </a:r>
+            <a:r>
+              <a:rPr lang="de-AT" sz="2000" b="0" strike="noStrike" spc="-1" dirty="0">
+                <a:latin typeface="Arial"/>
+              </a:rPr>
+              <a:t> VHDL TOOL</a:t>
+            </a:r>
           </a:p>
           <a:p>
             <a:pPr marL="432000" indent="-324000">
@@ -7804,12 +9700,18 @@
               <a:buChar char=""/>
             </a:pPr>
             <a:r>
-              <a:rPr b="0" lang="de-AT" sz="3200" spc="-1" strike="noStrike">
+              <a:rPr lang="de-AT" sz="2000" b="0" strike="noStrike" spc="-1" dirty="0">
                 <a:latin typeface="Arial"/>
               </a:rPr>
-              <a:t>Implementation in Open Source Processor</a:t>
-            </a:r>
-            <a:endParaRPr b="0" lang="de-AT" sz="3200" spc="-1" strike="noStrike">
+              <a:t>Implementation in Open Source </a:t>
+            </a:r>
+            <a:r>
+              <a:rPr lang="de-AT" sz="2000" b="0" strike="noStrike" spc="-1" dirty="0" err="1">
+                <a:latin typeface="Arial"/>
+              </a:rPr>
+              <a:t>Processor</a:t>
+            </a:r>
+            <a:endParaRPr lang="de-AT" sz="2000" b="0" strike="noStrike" spc="-1" dirty="0">
               <a:latin typeface="Arial"/>
             </a:endParaRPr>
           </a:p>
@@ -7826,14 +9728,29 @@
               <a:buChar char=""/>
             </a:pPr>
             <a:r>
-              <a:rPr b="0" lang="de-AT" sz="3200" spc="-1" strike="noStrike">
+              <a:rPr lang="de-AT" sz="2000" b="0" strike="noStrike" spc="-1" dirty="0" err="1">
                 <a:latin typeface="Arial"/>
               </a:rPr>
-              <a:t>Worst Case Error Analysis with BDT</a:t>
-            </a:r>
-            <a:endParaRPr b="0" lang="de-AT" sz="3200" spc="-1" strike="noStrike">
-              <a:latin typeface="Arial"/>
-            </a:endParaRPr>
+              <a:t>Worst</a:t>
+            </a:r>
+            <a:r>
+              <a:rPr lang="de-AT" sz="2000" b="0" strike="noStrike" spc="-1" dirty="0">
+                <a:latin typeface="Arial"/>
+              </a:rPr>
+              <a:t> Case Error Analysis </a:t>
+            </a:r>
+            <a:r>
+              <a:rPr lang="de-AT" sz="2000" b="0" strike="noStrike" spc="-1" dirty="0" err="1">
+                <a:latin typeface="Arial"/>
+              </a:rPr>
+              <a:t>with</a:t>
+            </a:r>
+            <a:r>
+              <a:rPr lang="de-AT" sz="2000" b="0" strike="noStrike" spc="-1" dirty="0">
+                <a:latin typeface="Arial"/>
+              </a:rPr>
+              <a:t> BDT</a:t>
+            </a:r>
           </a:p>
           <a:p>
             <a:pPr marL="432000" indent="-324000">
@@ -7848,32 +9765,113 @@
               <a:buChar char=""/>
             </a:pPr>
             <a:r>
-              <a:rPr b="0" lang="de-AT" sz="3200" spc="-1" strike="noStrike">
+              <a:rPr lang="de-AT" sz="2000" b="0" strike="noStrike" spc="-1" dirty="0" err="1">
                 <a:latin typeface="Arial"/>
               </a:rPr>
-              <a:t>Implementing on Zedboard (Hardware)</a:t>
-            </a:r>
-            <a:endParaRPr b="0" lang="de-AT" sz="3200" spc="-1" strike="noStrike">
+              <a:t>Implementing</a:t>
+            </a:r>
+            <a:r>
+              <a:rPr lang="de-AT" sz="2000" b="0" strike="noStrike" spc="-1" dirty="0">
+                <a:latin typeface="Arial"/>
+              </a:rPr>
+              <a:t> on </a:t>
+            </a:r>
+            <a:r>
+              <a:rPr lang="de-AT" sz="2000" b="0" strike="noStrike" spc="-1" dirty="0" err="1">
+                <a:latin typeface="Arial"/>
+              </a:rPr>
+              <a:t>Zedboard</a:t>
+            </a:r>
+            <a:r>
+              <a:rPr lang="de-AT" sz="2000" b="0" strike="noStrike" spc="-1" dirty="0">
+                <a:latin typeface="Arial"/>
+              </a:rPr>
+              <a:t> (Hardware)</a:t>
+            </a:r>
+          </a:p>
+        </p:txBody>
+      </p:sp>
+      <p:sp>
+        <p:nvSpPr>
+          <p:cNvPr id="149" name="CustomShape 3"/>
+          <p:cNvSpPr/>
+          <p:nvPr/>
+        </p:nvSpPr>
+        <p:spPr>
+          <a:xfrm>
+            <a:off x="4006440" y="6410880"/>
+            <a:ext cx="582840" cy="364320"/>
+          </a:xfrm>
+          <a:prstGeom prst="rect">
+            <a:avLst/>
+          </a:prstGeom>
+          <a:noFill/>
+          <a:ln>
+            <a:noFill/>
+          </a:ln>
+        </p:spPr>
+        <p:style>
+          <a:lnRef idx="0">
+            <a:scrgbClr r="0" g="0" b="0"/>
+          </a:lnRef>
+          <a:fillRef idx="0">
+            <a:scrgbClr r="0" g="0" b="0"/>
+          </a:fillRef>
+          <a:effectRef idx="0">
+            <a:scrgbClr r="0" g="0" b="0"/>
+          </a:effectRef>
+          <a:fontRef idx="minor"/>
+        </p:style>
+        <p:txBody>
+          <a:bodyPr lIns="90000" tIns="45000" rIns="90000" bIns="45000" anchor="ctr">
+            <a:noAutofit/>
+          </a:bodyPr>
+          <a:lstStyle/>
+          <a:p>
+            <a:pPr algn="r">
+              <a:lnSpc>
+                <a:spcPct val="100000"/>
+              </a:lnSpc>
+            </a:pPr>
+            <a:fld id="{CC6F7E20-B439-47FF-A0C2-BDDAA2557689}" type="slidenum">
+              <a:rPr lang="zxx" sz="1050" b="0" strike="noStrike" spc="-1">
+                <a:solidFill>
+                  <a:srgbClr val="000000"/>
+                </a:solidFill>
+                <a:latin typeface="Calibri"/>
+              </a:rPr>
+              <a:t>8</a:t>
+            </a:fld>
+            <a:r>
+              <a:rPr lang="zxx" sz="1050" b="0" strike="noStrike" spc="-1">
+                <a:solidFill>
+                  <a:srgbClr val="000000"/>
+                </a:solidFill>
+                <a:latin typeface="Calibri"/>
+              </a:rPr>
+              <a:t>/</a:t>
+            </a:r>
+            <a:endParaRPr lang="zxx" sz="1050" b="0" strike="noStrike" spc="-1">
               <a:latin typeface="Arial"/>
             </a:endParaRPr>
           </a:p>
         </p:txBody>
       </p:sp>
     </p:spTree>
+    <p:extLst>
+      <p:ext uri="{BB962C8B-B14F-4D97-AF65-F5344CB8AC3E}">
+        <p14:creationId xmlns:p14="http://schemas.microsoft.com/office/powerpoint/2010/main" val="1738108001"/>
+      </p:ext>
+    </p:extLst>
   </p:cSld>
-  <mc:AlternateContent>
-    <mc:Choice Requires="p14">
-      <p:transition spd="slow" p14:dur="2000"/>
-    </mc:Choice>
-    <mc:Fallback>
-      <p:transition spd="slow"/>
-    </mc:Fallback>
-  </mc:AlternateContent>
+  <p:clrMapOvr>
+    <a:masterClrMapping/>
+  </p:clrMapOvr>
 </p:sld>
 </file>
 
 <file path=ppt/slides/slide9.xml><?xml version="1.0" encoding="utf-8"?>
-<p:sld xmlns:a="http://schemas.openxmlformats.org/drawingml/2006/main" xmlns:p="http://schemas.openxmlformats.org/presentationml/2006/main" xmlns:r="http://schemas.openxmlformats.org/officeDocument/2006/relationships" xmlns:p14="http://schemas.microsoft.com/office/powerpoint/2010/main" xmlns:p15="http://schemas.microsoft.com/office/powerpoint/2012/main" xmlns:mc="http://schemas.openxmlformats.org/markup-compatibility/2006">
+<p:sld xmlns:a="http://schemas.openxmlformats.org/drawingml/2006/main" xmlns:r="http://schemas.openxmlformats.org/officeDocument/2006/relationships" xmlns:p="http://schemas.openxmlformats.org/presentationml/2006/main">
   <p:cSld>
     <p:spTree>
       <p:nvGrpSpPr>
@@ -7909,15 +9907,22 @@
           </a:ln>
         </p:spPr>
         <p:style>
-          <a:lnRef idx="0"/>
-          <a:fillRef idx="0"/>
-          <a:effectRef idx="0"/>
+          <a:lnRef idx="0">
+            <a:scrgbClr r="0" g="0" b="0"/>
+          </a:lnRef>
+          <a:fillRef idx="0">
+            <a:scrgbClr r="0" g="0" b="0"/>
+          </a:fillRef>
+          <a:effectRef idx="0">
+            <a:scrgbClr r="0" g="0" b="0"/>
+          </a:effectRef>
           <a:fontRef idx="minor"/>
         </p:style>
         <p:txBody>
-          <a:bodyPr lIns="90000" rIns="90000" tIns="45000" bIns="45000" anchor="ctr">
+          <a:bodyPr lIns="90000" tIns="45000" rIns="90000" bIns="45000" anchor="ctr">
             <a:noAutofit/>
           </a:bodyPr>
+          <a:lstStyle/>
           <a:p>
             <a:pPr algn="ctr">
               <a:lnSpc>
@@ -7925,7 +9930,7 @@
               </a:lnSpc>
             </a:pPr>
             <a:r>
-              <a:rPr b="0" lang="zxx" sz="4800" spc="-52" strike="noStrike">
+              <a:rPr lang="zxx" sz="4800" b="0" strike="noStrike" spc="-52">
                 <a:solidFill>
                   <a:srgbClr val="404040"/>
                 </a:solidFill>
@@ -7933,7 +9938,7 @@
               </a:rPr>
               <a:t>Thank you!</a:t>
             </a:r>
-            <a:endParaRPr b="0" lang="zxx" sz="4800" spc="-1" strike="noStrike">
+            <a:endParaRPr lang="zxx" sz="4800" b="0" strike="noStrike" spc="-1">
               <a:latin typeface="Arial"/>
             </a:endParaRPr>
           </a:p>
@@ -7959,15 +9964,22 @@
           </a:ln>
         </p:spPr>
         <p:style>
-          <a:lnRef idx="0"/>
-          <a:fillRef idx="0"/>
-          <a:effectRef idx="0"/>
+          <a:lnRef idx="0">
+            <a:scrgbClr r="0" g="0" b="0"/>
+          </a:lnRef>
+          <a:fillRef idx="0">
+            <a:scrgbClr r="0" g="0" b="0"/>
+          </a:fillRef>
+          <a:effectRef idx="0">
+            <a:scrgbClr r="0" g="0" b="0"/>
+          </a:effectRef>
           <a:fontRef idx="minor"/>
         </p:style>
         <p:txBody>
-          <a:bodyPr lIns="90000" rIns="90000" tIns="45000" bIns="45000" anchor="ctr">
+          <a:bodyPr lIns="90000" tIns="45000" rIns="90000" bIns="45000" anchor="ctr">
             <a:noAutofit/>
           </a:bodyPr>
+          <a:lstStyle/>
           <a:p>
             <a:pPr algn="r">
               <a:lnSpc>
@@ -7975,16 +9987,16 @@
               </a:lnSpc>
             </a:pPr>
             <a:fld id="{69FF41EE-F4E2-4BD6-9D5C-02DFBA608E94}" type="slidenum">
-              <a:rPr b="0" lang="zxx" sz="1050" spc="-1" strike="noStrike">
+              <a:rPr lang="zxx" sz="1050" b="0" strike="noStrike" spc="-1">
                 <a:solidFill>
                   <a:srgbClr val="000000"/>
                 </a:solidFill>
                 <a:latin typeface="Calibri"/>
               </a:rPr>
-              <a:t>8</a:t>
+              <a:t>9</a:t>
             </a:fld>
             <a:r>
-              <a:rPr b="0" lang="zxx" sz="1050" spc="-1" strike="noStrike">
+              <a:rPr lang="zxx" sz="1050" b="0" strike="noStrike" spc="-1">
                 <a:solidFill>
                   <a:srgbClr val="000000"/>
                 </a:solidFill>
@@ -7992,7 +10004,7 @@
               </a:rPr>
               <a:t>/</a:t>
             </a:r>
-            <a:endParaRPr b="0" lang="zxx" sz="1050" spc="-1" strike="noStrike">
+            <a:endParaRPr lang="zxx" sz="1050" b="0" strike="noStrike" spc="-1">
               <a:latin typeface="Arial"/>
             </a:endParaRPr>
           </a:p>
@@ -8000,14 +10012,9 @@
       </p:sp>
     </p:spTree>
   </p:cSld>
-  <mc:AlternateContent>
-    <mc:Choice Requires="p14">
-      <p:transition spd="slow" p14:dur="2000"/>
-    </mc:Choice>
-    <mc:Fallback>
-      <p:transition spd="slow"/>
-    </mc:Fallback>
-  </mc:AlternateContent>
+  <p:clrMapOvr>
+    <a:masterClrMapping/>
+  </p:clrMapOvr>
 </p:sld>
 </file>
 
@@ -8025,28 +10032,28 @@
         <a:srgbClr val="344068"/>
       </a:dk2>
       <a:lt2>
-        <a:srgbClr val="d9e0e6"/>
+        <a:srgbClr val="D9E0E6"/>
       </a:lt2>
       <a:accent1>
-        <a:srgbClr val="14496f"/>
+        <a:srgbClr val="14496F"/>
       </a:accent1>
       <a:accent2>
-        <a:srgbClr val="0e6180"/>
+        <a:srgbClr val="0E6180"/>
       </a:accent2>
       <a:accent3>
-        <a:srgbClr val="1d9399"/>
+        <a:srgbClr val="1D9399"/>
       </a:accent3>
       <a:accent4>
-        <a:srgbClr val="42ba97"/>
+        <a:srgbClr val="42BA97"/>
       </a:accent4>
       <a:accent5>
-        <a:srgbClr val="3e8853"/>
+        <a:srgbClr val="3E8853"/>
       </a:accent5>
       <a:accent6>
-        <a:srgbClr val="37560d"/>
+        <a:srgbClr val="37560D"/>
       </a:accent6>
       <a:hlink>
-        <a:srgbClr val="00b050"/>
+        <a:srgbClr val="00B050"/>
       </a:hlink>
       <a:folHlink>
         <a:srgbClr val="855001"/>
@@ -8234,6 +10241,8 @@
       </a:bgFillStyleLst>
     </a:fmtScheme>
   </a:themeElements>
+  <a:objectDefaults/>
+  <a:extraClrSchemeLst/>
 </a:theme>
 </file>
 
@@ -8251,28 +10260,28 @@
         <a:srgbClr val="344068"/>
       </a:dk2>
       <a:lt2>
-        <a:srgbClr val="d9e0e6"/>
+        <a:srgbClr val="D9E0E6"/>
       </a:lt2>
       <a:accent1>
-        <a:srgbClr val="14496f"/>
+        <a:srgbClr val="14496F"/>
       </a:accent1>
       <a:accent2>
-        <a:srgbClr val="0e6180"/>
+        <a:srgbClr val="0E6180"/>
       </a:accent2>
       <a:accent3>
-        <a:srgbClr val="1d9399"/>
+        <a:srgbClr val="1D9399"/>
       </a:accent3>
       <a:accent4>
-        <a:srgbClr val="42ba97"/>
+        <a:srgbClr val="42BA97"/>
       </a:accent4>
       <a:accent5>
-        <a:srgbClr val="3e8853"/>
+        <a:srgbClr val="3E8853"/>
       </a:accent5>
       <a:accent6>
-        <a:srgbClr val="37560d"/>
+        <a:srgbClr val="37560D"/>
       </a:accent6>
       <a:hlink>
-        <a:srgbClr val="00b050"/>
+        <a:srgbClr val="00B050"/>
       </a:hlink>
       <a:folHlink>
         <a:srgbClr val="855001"/>
@@ -8460,6 +10469,8 @@
       </a:bgFillStyleLst>
     </a:fmtScheme>
   </a:themeElements>
+  <a:objectDefaults/>
+  <a:extraClrSchemeLst/>
 </a:theme>
 </file>
 
@@ -8477,28 +10488,28 @@
         <a:srgbClr val="344068"/>
       </a:dk2>
       <a:lt2>
-        <a:srgbClr val="d9e0e6"/>
+        <a:srgbClr val="D9E0E6"/>
       </a:lt2>
       <a:accent1>
-        <a:srgbClr val="14496f"/>
+        <a:srgbClr val="14496F"/>
       </a:accent1>
       <a:accent2>
-        <a:srgbClr val="0e6180"/>
+        <a:srgbClr val="0E6180"/>
       </a:accent2>
       <a:accent3>
-        <a:srgbClr val="1d9399"/>
+        <a:srgbClr val="1D9399"/>
       </a:accent3>
       <a:accent4>
-        <a:srgbClr val="42ba97"/>
+        <a:srgbClr val="42BA97"/>
       </a:accent4>
       <a:accent5>
-        <a:srgbClr val="3e8853"/>
+        <a:srgbClr val="3E8853"/>
       </a:accent5>
       <a:accent6>
-        <a:srgbClr val="37560d"/>
+        <a:srgbClr val="37560D"/>
       </a:accent6>
       <a:hlink>
-        <a:srgbClr val="00b050"/>
+        <a:srgbClr val="00B050"/>
       </a:hlink>
       <a:folHlink>
         <a:srgbClr val="855001"/>
@@ -8686,6 +10697,8 @@
       </a:bgFillStyleLst>
     </a:fmtScheme>
   </a:themeElements>
+  <a:objectDefaults/>
+  <a:extraClrSchemeLst/>
 </a:theme>
 </file>
 
@@ -8703,28 +10716,28 @@
         <a:srgbClr val="344068"/>
       </a:dk2>
       <a:lt2>
-        <a:srgbClr val="d9e0e6"/>
+        <a:srgbClr val="D9E0E6"/>
       </a:lt2>
       <a:accent1>
-        <a:srgbClr val="14496f"/>
+        <a:srgbClr val="14496F"/>
       </a:accent1>
       <a:accent2>
-        <a:srgbClr val="0e6180"/>
+        <a:srgbClr val="0E6180"/>
       </a:accent2>
       <a:accent3>
-        <a:srgbClr val="1d9399"/>
+        <a:srgbClr val="1D9399"/>
       </a:accent3>
       <a:accent4>
-        <a:srgbClr val="42ba97"/>
+        <a:srgbClr val="42BA97"/>
       </a:accent4>
       <a:accent5>
-        <a:srgbClr val="3e8853"/>
+        <a:srgbClr val="3E8853"/>
       </a:accent5>
       <a:accent6>
-        <a:srgbClr val="37560d"/>
+        <a:srgbClr val="37560D"/>
       </a:accent6>
       <a:hlink>
-        <a:srgbClr val="00b050"/>
+        <a:srgbClr val="00B050"/>
       </a:hlink>
       <a:folHlink>
         <a:srgbClr val="855001"/>
@@ -8912,5 +10925,7 @@
       </a:bgFillStyleLst>
     </a:fmtScheme>
   </a:themeElements>
+  <a:objectDefaults/>
+  <a:extraClrSchemeLst/>
 </a:theme>
 </file>
--- a/Presentation Slides/Midterm 23-11-2021.pptx
+++ b/Presentation Slides/Midterm 23-11-2021.pptx
@@ -117,6 +117,11 @@
       </a:defRPr>
     </a:lvl9pPr>
   </p:defaultTextStyle>
+  <p:extLst>
+    <p:ext uri="{EFAFB233-063F-42B5-8137-9DF3F51BA10A}">
+      <p15:sldGuideLst xmlns:p15="http://schemas.microsoft.com/office/powerpoint/2012/main"/>
+    </p:ext>
+  </p:extLst>
 </p:presentation>
 </file>
 
@@ -7685,7 +7690,7 @@
         </p:style>
         <p:txBody>
           <a:bodyPr lIns="90000" tIns="45000" rIns="90000" bIns="45000">
-            <a:normAutofit fontScale="83000" lnSpcReduction="10000"/>
+            <a:normAutofit fontScale="90500" lnSpcReduction="20000"/>
           </a:bodyPr>
           <a:lstStyle/>
           <a:p>
@@ -8741,7 +8746,7 @@
         </p:blipFill>
         <p:spPr>
           <a:xfrm>
-            <a:off x="1206318" y="1272896"/>
+            <a:off x="1206318" y="1219109"/>
             <a:ext cx="5600243" cy="2437084"/>
           </a:xfrm>
           <a:prstGeom prst="rect">
@@ -8770,7 +8775,7 @@
         </p:blipFill>
         <p:spPr>
           <a:xfrm>
-            <a:off x="1206318" y="3846420"/>
+            <a:off x="1206318" y="3936065"/>
             <a:ext cx="5600243" cy="1972069"/>
           </a:xfrm>
           <a:prstGeom prst="rect">
@@ -8781,6 +8786,82 @@
           </a:ln>
         </p:spPr>
       </p:pic>
+      <p:sp>
+        <p:nvSpPr>
+          <p:cNvPr id="2" name="Textfeld 1">
+            <a:extLst>
+              <a:ext uri="{FF2B5EF4-FFF2-40B4-BE49-F238E27FC236}">
+                <a16:creationId xmlns:a16="http://schemas.microsoft.com/office/drawing/2014/main" id="{2FA2BDE9-2353-4408-A345-BC551E3C281C}"/>
+              </a:ext>
+            </a:extLst>
+          </p:cNvPr>
+          <p:cNvSpPr txBox="1"/>
+          <p:nvPr/>
+        </p:nvSpPr>
+        <p:spPr>
+          <a:xfrm>
+            <a:off x="1972235" y="3514836"/>
+            <a:ext cx="3773405" cy="369332"/>
+          </a:xfrm>
+          <a:prstGeom prst="rect">
+            <a:avLst/>
+          </a:prstGeom>
+          <a:noFill/>
+        </p:spPr>
+        <p:txBody>
+          <a:bodyPr wrap="none" rtlCol="0">
+            <a:spAutoFit/>
+          </a:bodyPr>
+          <a:lstStyle/>
+          <a:p>
+            <a:r>
+              <a:rPr lang="en-GB" dirty="0">
+                <a:latin typeface="Calibri" panose="020F0502020204030204" pitchFamily="34" charset="0"/>
+                <a:cs typeface="Calibri" panose="020F0502020204030204" pitchFamily="34" charset="0"/>
+              </a:rPr>
+              <a:t>Conventional Full Adder Circuit Design</a:t>
+            </a:r>
+          </a:p>
+        </p:txBody>
+      </p:sp>
+      <p:sp>
+        <p:nvSpPr>
+          <p:cNvPr id="8" name="Textfeld 7">
+            <a:extLst>
+              <a:ext uri="{FF2B5EF4-FFF2-40B4-BE49-F238E27FC236}">
+                <a16:creationId xmlns:a16="http://schemas.microsoft.com/office/drawing/2014/main" id="{F363A1DB-F9E7-403A-AB45-CAF985EF22F9}"/>
+              </a:ext>
+            </a:extLst>
+          </p:cNvPr>
+          <p:cNvSpPr txBox="1"/>
+          <p:nvPr/>
+        </p:nvSpPr>
+        <p:spPr>
+          <a:xfrm>
+            <a:off x="1014722" y="5723468"/>
+            <a:ext cx="5983433" cy="369332"/>
+          </a:xfrm>
+          <a:prstGeom prst="rect">
+            <a:avLst/>
+          </a:prstGeom>
+          <a:noFill/>
+        </p:spPr>
+        <p:txBody>
+          <a:bodyPr wrap="none" rtlCol="0">
+            <a:spAutoFit/>
+          </a:bodyPr>
+          <a:lstStyle/>
+          <a:p>
+            <a:r>
+              <a:rPr lang="en-GB" dirty="0">
+                <a:latin typeface="Calibri" panose="020F0502020204030204" pitchFamily="34" charset="0"/>
+                <a:cs typeface="Calibri" panose="020F0502020204030204" pitchFamily="34" charset="0"/>
+              </a:rPr>
+              <a:t>Approximate Full Adder Circuit Design as proposed in [source]</a:t>
+            </a:r>
+          </a:p>
+        </p:txBody>
+      </p:sp>
     </p:spTree>
     <p:extLst>
       <p:ext uri="{BB962C8B-B14F-4D97-AF65-F5344CB8AC3E}">

--- a/Presentation Slides/Midterm 23-11-2021.pptx
+++ b/Presentation Slides/Midterm 23-11-2021.pptx
@@ -7,7 +7,7 @@
     <p:sldMasterId id="2147483674" r:id="rId3"/>
   </p:sldMasterIdLst>
   <p:notesMasterIdLst>
-    <p:notesMasterId r:id="rId13"/>
+    <p:notesMasterId r:id="rId15"/>
   </p:notesMasterIdLst>
   <p:sldIdLst>
     <p:sldId id="256" r:id="rId4"/>
@@ -15,10 +15,12 @@
     <p:sldId id="258" r:id="rId6"/>
     <p:sldId id="265" r:id="rId7"/>
     <p:sldId id="266" r:id="rId8"/>
-    <p:sldId id="261" r:id="rId9"/>
-    <p:sldId id="262" r:id="rId10"/>
-    <p:sldId id="267" r:id="rId11"/>
-    <p:sldId id="264" r:id="rId12"/>
+    <p:sldId id="270" r:id="rId9"/>
+    <p:sldId id="268" r:id="rId10"/>
+    <p:sldId id="262" r:id="rId11"/>
+    <p:sldId id="271" r:id="rId12"/>
+    <p:sldId id="267" r:id="rId13"/>
+    <p:sldId id="264" r:id="rId14"/>
   </p:sldIdLst>
   <p:sldSz cx="9144000" cy="6858000" type="screen4x3"/>
   <p:notesSz cx="7559675" cy="10691813"/>
@@ -534,6 +536,87 @@
 </p:notes>
 </file>
 
+<file path=ppt/notesSlides/notesSlide10.xml><?xml version="1.0" encoding="utf-8"?>
+<p:notes xmlns:a="http://schemas.openxmlformats.org/drawingml/2006/main" xmlns:r="http://schemas.openxmlformats.org/officeDocument/2006/relationships" xmlns:p="http://schemas.openxmlformats.org/presentationml/2006/main">
+  <p:cSld>
+    <p:spTree>
+      <p:nvGrpSpPr>
+        <p:cNvPr id="1" name=""/>
+        <p:cNvGrpSpPr/>
+        <p:nvPr/>
+      </p:nvGrpSpPr>
+      <p:grpSpPr>
+        <a:xfrm>
+          <a:off x="0" y="0"/>
+          <a:ext cx="0" cy="0"/>
+          <a:chOff x="0" y="0"/>
+          <a:chExt cx="0" cy="0"/>
+        </a:xfrm>
+      </p:grpSpPr>
+      <p:sp>
+        <p:nvSpPr>
+          <p:cNvPr id="168" name="PlaceHolder 1"/>
+          <p:cNvSpPr>
+            <a:spLocks noGrp="1" noRot="1" noChangeAspect="1"/>
+          </p:cNvSpPr>
+          <p:nvPr>
+            <p:ph type="sldImg"/>
+          </p:nvPr>
+        </p:nvSpPr>
+        <p:spPr>
+          <a:xfrm>
+            <a:off x="1106488" y="812800"/>
+            <a:ext cx="5345112" cy="4008438"/>
+          </a:xfrm>
+          <a:prstGeom prst="rect">
+            <a:avLst/>
+          </a:prstGeom>
+        </p:spPr>
+      </p:sp>
+      <p:sp>
+        <p:nvSpPr>
+          <p:cNvPr id="169" name="PlaceHolder 2"/>
+          <p:cNvSpPr>
+            <a:spLocks noGrp="1"/>
+          </p:cNvSpPr>
+          <p:nvPr>
+            <p:ph type="body"/>
+          </p:nvPr>
+        </p:nvSpPr>
+        <p:spPr>
+          <a:xfrm>
+            <a:off x="756000" y="5078520"/>
+            <a:ext cx="6047640" cy="4811040"/>
+          </a:xfrm>
+          <a:prstGeom prst="rect">
+            <a:avLst/>
+          </a:prstGeom>
+        </p:spPr>
+        <p:txBody>
+          <a:bodyPr lIns="0" tIns="0" rIns="0" bIns="0">
+            <a:noAutofit/>
+          </a:bodyPr>
+          <a:lstStyle/>
+          <a:p>
+            <a:endParaRPr lang="zxx" sz="2000" b="0" strike="noStrike" spc="-1" dirty="0">
+              <a:latin typeface="Arial"/>
+            </a:endParaRPr>
+          </a:p>
+        </p:txBody>
+      </p:sp>
+    </p:spTree>
+    <p:extLst>
+      <p:ext uri="{BB962C8B-B14F-4D97-AF65-F5344CB8AC3E}">
+        <p14:creationId xmlns:p14="http://schemas.microsoft.com/office/powerpoint/2010/main" val="2936404242"/>
+      </p:ext>
+    </p:extLst>
+  </p:cSld>
+  <p:clrMapOvr>
+    <a:masterClrMapping/>
+  </p:clrMapOvr>
+</p:notes>
+</file>
+
 <file path=ppt/notesSlides/notesSlide2.xml><?xml version="1.0" encoding="utf-8"?>
 <p:notes xmlns:a="http://schemas.openxmlformats.org/drawingml/2006/main" xmlns:r="http://schemas.openxmlformats.org/officeDocument/2006/relationships" xmlns:p="http://schemas.openxmlformats.org/presentationml/2006/main">
   <p:cSld>
@@ -1011,6 +1094,24 @@
               </a:rPr>
               <a:t>This design will be implemented on an open-source processor. </a:t>
             </a:r>
+          </a:p>
+          <a:p>
+            <a:endParaRPr lang="en-US" sz="2000" b="0" strike="noStrike" spc="-1" dirty="0">
+              <a:latin typeface="Arial"/>
+            </a:endParaRPr>
+          </a:p>
+          <a:p>
+            <a:endParaRPr lang="en-US" sz="2000" b="0" strike="noStrike" spc="-1" dirty="0">
+              <a:latin typeface="Arial"/>
+            </a:endParaRPr>
+          </a:p>
+          <a:p>
+            <a:r>
+              <a:rPr lang="en-US" sz="2000" b="0" strike="noStrike" spc="-1" dirty="0">
+                <a:latin typeface="Arial"/>
+              </a:rPr>
+              <a:t>Error can happen in MSB -&gt; Error is more significant.</a:t>
+            </a:r>
             <a:br>
               <a:rPr lang="en-US" sz="2000" dirty="0"/>
             </a:br>
@@ -1096,23 +1197,38 @@
           <a:lstStyle/>
           <a:p>
             <a:r>
-              <a:rPr lang="zxx" sz="2000" b="0" strike="noStrike" spc="-1">
+              <a:rPr lang="en-US" sz="2400" b="0" strike="noStrike" spc="-1" dirty="0">
+                <a:solidFill>
+                  <a:srgbClr val="FF0000"/>
+                </a:solidFill>
                 <a:latin typeface="Arial"/>
               </a:rPr>
-              <a:t>We already wrote the VHDL code for the Full Adders and wrote a Python code that creates a Binary decision tree. </a:t>
-            </a:r>
-          </a:p>
-          <a:p>
-            <a:r>
-              <a:rPr lang="zxx" sz="2000" b="0" strike="noStrike" spc="-1">
+              <a:t>Vortragender </a:t>
+            </a:r>
+            <a:r>
+              <a:rPr lang="en-US" sz="2400" b="0" strike="noStrike" spc="-1" dirty="0" err="1">
+                <a:solidFill>
+                  <a:srgbClr val="FF0000"/>
+                </a:solidFill>
                 <a:latin typeface="Arial"/>
               </a:rPr>
-              <a:t>The binary decision tree will be later used to estimate the worst case error. </a:t>
-            </a:r>
+              <a:t>Wechselt</a:t>
+            </a:r>
+            <a:endParaRPr lang="zxx" sz="2400" b="0" strike="noStrike" spc="-1" dirty="0">
+              <a:solidFill>
+                <a:srgbClr val="FF0000"/>
+              </a:solidFill>
+              <a:latin typeface="Arial"/>
+            </a:endParaRPr>
           </a:p>
         </p:txBody>
       </p:sp>
     </p:spTree>
+    <p:extLst>
+      <p:ext uri="{BB962C8B-B14F-4D97-AF65-F5344CB8AC3E}">
+        <p14:creationId xmlns:p14="http://schemas.microsoft.com/office/powerpoint/2010/main" val="400218541"/>
+      </p:ext>
+    </p:extLst>
   </p:cSld>
   <p:clrMapOvr>
     <a:masterClrMapping/>
@@ -1139,7 +1255,7 @@
       </p:grpSpPr>
       <p:sp>
         <p:nvSpPr>
-          <p:cNvPr id="168" name="PlaceHolder 1"/>
+          <p:cNvPr id="166" name="PlaceHolder 1"/>
           <p:cNvSpPr>
             <a:spLocks noGrp="1" noRot="1" noChangeAspect="1"/>
           </p:cNvSpPr>
@@ -1159,7 +1275,7 @@
       </p:sp>
       <p:sp>
         <p:nvSpPr>
-          <p:cNvPr id="169" name="PlaceHolder 2"/>
+          <p:cNvPr id="167" name="PlaceHolder 2"/>
           <p:cNvSpPr>
             <a:spLocks noGrp="1"/>
           </p:cNvSpPr>
@@ -1182,16 +1298,18 @@
           </a:bodyPr>
           <a:lstStyle/>
           <a:p>
-            <a:r>
-              <a:rPr lang="zxx" sz="2000" b="0" strike="noStrike" spc="-1">
-                <a:latin typeface="Arial"/>
-              </a:rPr>
-              <a:t>Erklärung des BDT </a:t>
-            </a:r>
+            <a:endParaRPr lang="zxx" sz="2000" b="0" strike="noStrike" spc="-1" dirty="0">
+              <a:latin typeface="Arial"/>
+            </a:endParaRPr>
           </a:p>
         </p:txBody>
       </p:sp>
     </p:spTree>
+    <p:extLst>
+      <p:ext uri="{BB962C8B-B14F-4D97-AF65-F5344CB8AC3E}">
+        <p14:creationId xmlns:p14="http://schemas.microsoft.com/office/powerpoint/2010/main" val="3903471642"/>
+      </p:ext>
+    </p:extLst>
   </p:cSld>
   <p:clrMapOvr>
     <a:masterClrMapping/>
@@ -1261,6 +1379,114 @@
           </a:bodyPr>
           <a:lstStyle/>
           <a:p>
+            <a:r>
+              <a:rPr lang="en-US" sz="2000" b="0" strike="noStrike" spc="-1" dirty="0">
+                <a:latin typeface="Arial"/>
+              </a:rPr>
+              <a:t>As the system grows exponentially  truth table analysis is not recommended anymore.</a:t>
+            </a:r>
+          </a:p>
+          <a:p>
+            <a:endParaRPr lang="en-US" sz="2000" b="0" strike="noStrike" spc="-1" dirty="0">
+              <a:latin typeface="Arial"/>
+            </a:endParaRPr>
+          </a:p>
+          <a:p>
+            <a:r>
+              <a:rPr lang="en-US" sz="2000" b="0" strike="noStrike" spc="-1" dirty="0">
+                <a:latin typeface="Arial"/>
+              </a:rPr>
+              <a:t>As solution to this problem we use a BDD</a:t>
+            </a:r>
+          </a:p>
+          <a:p>
+            <a:endParaRPr lang="en-US" sz="2000" b="0" strike="noStrike" spc="-1" dirty="0">
+              <a:latin typeface="Arial"/>
+            </a:endParaRPr>
+          </a:p>
+          <a:p>
+            <a:r>
+              <a:rPr lang="en-US" sz="2000" b="0" strike="noStrike" spc="-1" dirty="0">
+                <a:latin typeface="Arial"/>
+              </a:rPr>
+              <a:t>A BDD is an graph to represent the Boolean function. This graph enhances computer analysis </a:t>
+            </a:r>
+            <a:endParaRPr lang="zxx" sz="2000" b="0" strike="noStrike" spc="-1" dirty="0">
+              <a:latin typeface="Arial"/>
+            </a:endParaRPr>
+          </a:p>
+        </p:txBody>
+      </p:sp>
+    </p:spTree>
+  </p:cSld>
+  <p:clrMapOvr>
+    <a:masterClrMapping/>
+  </p:clrMapOvr>
+</p:notes>
+</file>
+
+<file path=ppt/notesSlides/notesSlide9.xml><?xml version="1.0" encoding="utf-8"?>
+<p:notes xmlns:a="http://schemas.openxmlformats.org/drawingml/2006/main" xmlns:r="http://schemas.openxmlformats.org/officeDocument/2006/relationships" xmlns:p="http://schemas.openxmlformats.org/presentationml/2006/main">
+  <p:cSld>
+    <p:spTree>
+      <p:nvGrpSpPr>
+        <p:cNvPr id="1" name=""/>
+        <p:cNvGrpSpPr/>
+        <p:nvPr/>
+      </p:nvGrpSpPr>
+      <p:grpSpPr>
+        <a:xfrm>
+          <a:off x="0" y="0"/>
+          <a:ext cx="0" cy="0"/>
+          <a:chOff x="0" y="0"/>
+          <a:chExt cx="0" cy="0"/>
+        </a:xfrm>
+      </p:grpSpPr>
+      <p:sp>
+        <p:nvSpPr>
+          <p:cNvPr id="166" name="PlaceHolder 1"/>
+          <p:cNvSpPr>
+            <a:spLocks noGrp="1" noRot="1" noChangeAspect="1"/>
+          </p:cNvSpPr>
+          <p:nvPr>
+            <p:ph type="sldImg"/>
+          </p:nvPr>
+        </p:nvSpPr>
+        <p:spPr>
+          <a:xfrm>
+            <a:off x="1106488" y="812800"/>
+            <a:ext cx="5345112" cy="4008438"/>
+          </a:xfrm>
+          <a:prstGeom prst="rect">
+            <a:avLst/>
+          </a:prstGeom>
+        </p:spPr>
+      </p:sp>
+      <p:sp>
+        <p:nvSpPr>
+          <p:cNvPr id="167" name="PlaceHolder 2"/>
+          <p:cNvSpPr>
+            <a:spLocks noGrp="1"/>
+          </p:cNvSpPr>
+          <p:nvPr>
+            <p:ph type="body"/>
+          </p:nvPr>
+        </p:nvSpPr>
+        <p:spPr>
+          <a:xfrm>
+            <a:off x="756000" y="5078520"/>
+            <a:ext cx="6047640" cy="4811040"/>
+          </a:xfrm>
+          <a:prstGeom prst="rect">
+            <a:avLst/>
+          </a:prstGeom>
+        </p:spPr>
+        <p:txBody>
+          <a:bodyPr lIns="0" tIns="0" rIns="0" bIns="0">
+            <a:noAutofit/>
+          </a:bodyPr>
+          <a:lstStyle/>
+          <a:p>
             <a:endParaRPr lang="zxx" sz="2000" b="0" strike="noStrike" spc="-1" dirty="0">
               <a:latin typeface="Arial"/>
             </a:endParaRPr>
@@ -1270,7 +1496,7 @@
     </p:spTree>
     <p:extLst>
       <p:ext uri="{BB962C8B-B14F-4D97-AF65-F5344CB8AC3E}">
-        <p14:creationId xmlns:p14="http://schemas.microsoft.com/office/powerpoint/2010/main" val="2936404242"/>
+        <p14:creationId xmlns:p14="http://schemas.microsoft.com/office/powerpoint/2010/main" val="2101449569"/>
       </p:ext>
     </p:extLst>
   </p:cSld>
@@ -7731,6 +7957,455 @@
 </p:sld>
 </file>
 
+<file path=ppt/slides/slide10.xml><?xml version="1.0" encoding="utf-8"?>
+<p:sld xmlns:a="http://schemas.openxmlformats.org/drawingml/2006/main" xmlns:r="http://schemas.openxmlformats.org/officeDocument/2006/relationships" xmlns:p="http://schemas.openxmlformats.org/presentationml/2006/main">
+  <p:cSld>
+    <p:spTree>
+      <p:nvGrpSpPr>
+        <p:cNvPr id="1" name=""/>
+        <p:cNvGrpSpPr/>
+        <p:nvPr/>
+      </p:nvGrpSpPr>
+      <p:grpSpPr>
+        <a:xfrm>
+          <a:off x="0" y="0"/>
+          <a:ext cx="0" cy="0"/>
+          <a:chOff x="0" y="0"/>
+          <a:chExt cx="0" cy="0"/>
+        </a:xfrm>
+      </p:grpSpPr>
+      <p:sp>
+        <p:nvSpPr>
+          <p:cNvPr id="147" name="CustomShape 1"/>
+          <p:cNvSpPr/>
+          <p:nvPr/>
+        </p:nvSpPr>
+        <p:spPr>
+          <a:xfrm>
+            <a:off x="127440" y="99000"/>
+            <a:ext cx="8836560" cy="953640"/>
+          </a:xfrm>
+          <a:prstGeom prst="rect">
+            <a:avLst/>
+          </a:prstGeom>
+          <a:noFill/>
+          <a:ln>
+            <a:noFill/>
+          </a:ln>
+        </p:spPr>
+        <p:style>
+          <a:lnRef idx="0">
+            <a:scrgbClr r="0" g="0" b="0"/>
+          </a:lnRef>
+          <a:fillRef idx="0">
+            <a:scrgbClr r="0" g="0" b="0"/>
+          </a:fillRef>
+          <a:effectRef idx="0">
+            <a:scrgbClr r="0" g="0" b="0"/>
+          </a:effectRef>
+          <a:fontRef idx="minor"/>
+        </p:style>
+        <p:txBody>
+          <a:bodyPr lIns="90000" tIns="45000" rIns="90000" bIns="45000" anchor="b">
+            <a:normAutofit fontScale="97500"/>
+          </a:bodyPr>
+          <a:lstStyle/>
+          <a:p>
+            <a:pPr>
+              <a:lnSpc>
+                <a:spcPct val="85000"/>
+              </a:lnSpc>
+            </a:pPr>
+            <a:r>
+              <a:rPr lang="de-DE" sz="4800" b="0" strike="noStrike" spc="-52" dirty="0">
+                <a:solidFill>
+                  <a:srgbClr val="404040"/>
+                </a:solidFill>
+                <a:latin typeface="Calibri Light"/>
+              </a:rPr>
+              <a:t>Future Plans</a:t>
+            </a:r>
+            <a:endParaRPr lang="zxx" sz="4800" b="0" strike="noStrike" spc="-1" dirty="0">
+              <a:latin typeface="Arial"/>
+            </a:endParaRPr>
+          </a:p>
+        </p:txBody>
+      </p:sp>
+      <p:sp>
+        <p:nvSpPr>
+          <p:cNvPr id="148" name="CustomShape 2"/>
+          <p:cNvSpPr/>
+          <p:nvPr/>
+        </p:nvSpPr>
+        <p:spPr>
+          <a:xfrm>
+            <a:off x="127440" y="1145520"/>
+            <a:ext cx="8836560" cy="5128920"/>
+          </a:xfrm>
+          <a:prstGeom prst="rect">
+            <a:avLst/>
+          </a:prstGeom>
+          <a:noFill/>
+          <a:ln>
+            <a:noFill/>
+          </a:ln>
+        </p:spPr>
+        <p:style>
+          <a:lnRef idx="0">
+            <a:scrgbClr r="0" g="0" b="0"/>
+          </a:lnRef>
+          <a:fillRef idx="0">
+            <a:scrgbClr r="0" g="0" b="0"/>
+          </a:fillRef>
+          <a:effectRef idx="0">
+            <a:scrgbClr r="0" g="0" b="0"/>
+          </a:effectRef>
+          <a:fontRef idx="minor"/>
+        </p:style>
+        <p:txBody>
+          <a:bodyPr lIns="0" tIns="45000" rIns="0" bIns="45000">
+            <a:noAutofit/>
+          </a:bodyPr>
+          <a:lstStyle/>
+          <a:p>
+            <a:pPr marL="432000" indent="-324000">
+              <a:spcBef>
+                <a:spcPts val="1417"/>
+              </a:spcBef>
+              <a:buClr>
+                <a:srgbClr val="000000"/>
+              </a:buClr>
+              <a:buSzPct val="45000"/>
+              <a:buFont typeface="Wingdings" charset="2"/>
+              <a:buChar char=""/>
+            </a:pPr>
+            <a:r>
+              <a:rPr lang="en-US" sz="2000" b="0" strike="noStrike" spc="-1" dirty="0">
+                <a:latin typeface="Arial"/>
+              </a:rPr>
+              <a:t>Time, Area and Power Analysis with VHDL TOOL</a:t>
+            </a:r>
+          </a:p>
+          <a:p>
+            <a:pPr marL="432000" indent="-324000">
+              <a:spcBef>
+                <a:spcPts val="1417"/>
+              </a:spcBef>
+              <a:buClr>
+                <a:srgbClr val="000000"/>
+              </a:buClr>
+              <a:buSzPct val="45000"/>
+              <a:buFont typeface="Wingdings" charset="2"/>
+              <a:buChar char=""/>
+            </a:pPr>
+            <a:r>
+              <a:rPr lang="en-US" sz="2000" spc="-1" dirty="0">
+                <a:latin typeface="Arial"/>
+              </a:rPr>
+              <a:t>Adding functionality for generic N bit Adders</a:t>
+            </a:r>
+            <a:endParaRPr lang="en-US" sz="2000" b="0" strike="noStrike" spc="-1" dirty="0">
+              <a:latin typeface="Arial"/>
+            </a:endParaRPr>
+          </a:p>
+          <a:p>
+            <a:pPr marL="432000" indent="-324000">
+              <a:spcBef>
+                <a:spcPts val="1417"/>
+              </a:spcBef>
+              <a:buClr>
+                <a:srgbClr val="000000"/>
+              </a:buClr>
+              <a:buSzPct val="45000"/>
+              <a:buFont typeface="Wingdings" charset="2"/>
+              <a:buChar char=""/>
+            </a:pPr>
+            <a:r>
+              <a:rPr lang="en-US" sz="2000" b="0" strike="noStrike" spc="-1" dirty="0">
+                <a:latin typeface="Arial"/>
+              </a:rPr>
+              <a:t>Implementation in Open Source Processor</a:t>
+            </a:r>
+          </a:p>
+          <a:p>
+            <a:pPr marL="432000" indent="-324000">
+              <a:spcBef>
+                <a:spcPts val="1417"/>
+              </a:spcBef>
+              <a:buClr>
+                <a:srgbClr val="000000"/>
+              </a:buClr>
+              <a:buSzPct val="45000"/>
+              <a:buFont typeface="Wingdings" charset="2"/>
+              <a:buChar char=""/>
+            </a:pPr>
+            <a:r>
+              <a:rPr lang="en-US" sz="2000" b="0" strike="noStrike" spc="-1" dirty="0">
+                <a:latin typeface="Arial"/>
+              </a:rPr>
+              <a:t>Worst Case Error Analysis with BDD</a:t>
+            </a:r>
+          </a:p>
+          <a:p>
+            <a:pPr marL="432000" indent="-324000">
+              <a:spcBef>
+                <a:spcPts val="1417"/>
+              </a:spcBef>
+              <a:buClr>
+                <a:srgbClr val="000000"/>
+              </a:buClr>
+              <a:buSzPct val="45000"/>
+              <a:buFont typeface="Wingdings" charset="2"/>
+              <a:buChar char=""/>
+            </a:pPr>
+            <a:r>
+              <a:rPr lang="en-US" sz="2000" b="0" strike="noStrike" spc="-1" dirty="0">
+                <a:latin typeface="Arial"/>
+              </a:rPr>
+              <a:t>Implementing on </a:t>
+            </a:r>
+            <a:r>
+              <a:rPr lang="en-US" sz="2000" b="0" strike="noStrike" spc="-1" dirty="0" err="1">
+                <a:latin typeface="Arial"/>
+              </a:rPr>
+              <a:t>Zedboard</a:t>
+            </a:r>
+            <a:r>
+              <a:rPr lang="en-US" sz="2000" b="0" strike="noStrike" spc="-1" dirty="0">
+                <a:latin typeface="Arial"/>
+              </a:rPr>
+              <a:t> (Hardware)</a:t>
+            </a:r>
+          </a:p>
+        </p:txBody>
+      </p:sp>
+      <p:sp>
+        <p:nvSpPr>
+          <p:cNvPr id="149" name="CustomShape 3"/>
+          <p:cNvSpPr/>
+          <p:nvPr/>
+        </p:nvSpPr>
+        <p:spPr>
+          <a:xfrm>
+            <a:off x="4006440" y="6410880"/>
+            <a:ext cx="582840" cy="364320"/>
+          </a:xfrm>
+          <a:prstGeom prst="rect">
+            <a:avLst/>
+          </a:prstGeom>
+          <a:noFill/>
+          <a:ln>
+            <a:noFill/>
+          </a:ln>
+        </p:spPr>
+        <p:style>
+          <a:lnRef idx="0">
+            <a:scrgbClr r="0" g="0" b="0"/>
+          </a:lnRef>
+          <a:fillRef idx="0">
+            <a:scrgbClr r="0" g="0" b="0"/>
+          </a:fillRef>
+          <a:effectRef idx="0">
+            <a:scrgbClr r="0" g="0" b="0"/>
+          </a:effectRef>
+          <a:fontRef idx="minor"/>
+        </p:style>
+        <p:txBody>
+          <a:bodyPr lIns="90000" tIns="45000" rIns="90000" bIns="45000" anchor="ctr">
+            <a:noAutofit/>
+          </a:bodyPr>
+          <a:lstStyle/>
+          <a:p>
+            <a:pPr algn="r">
+              <a:lnSpc>
+                <a:spcPct val="100000"/>
+              </a:lnSpc>
+            </a:pPr>
+            <a:fld id="{CC6F7E20-B439-47FF-A0C2-BDDAA2557689}" type="slidenum">
+              <a:rPr lang="zxx" sz="1050" b="0" strike="noStrike" spc="-1">
+                <a:solidFill>
+                  <a:srgbClr val="000000"/>
+                </a:solidFill>
+                <a:latin typeface="Calibri"/>
+              </a:rPr>
+              <a:t>10</a:t>
+            </a:fld>
+            <a:r>
+              <a:rPr lang="zxx" sz="1050" b="0" strike="noStrike" spc="-1">
+                <a:solidFill>
+                  <a:srgbClr val="000000"/>
+                </a:solidFill>
+                <a:latin typeface="Calibri"/>
+              </a:rPr>
+              <a:t>/</a:t>
+            </a:r>
+            <a:endParaRPr lang="zxx" sz="1050" b="0" strike="noStrike" spc="-1">
+              <a:latin typeface="Arial"/>
+            </a:endParaRPr>
+          </a:p>
+        </p:txBody>
+      </p:sp>
+    </p:spTree>
+    <p:extLst>
+      <p:ext uri="{BB962C8B-B14F-4D97-AF65-F5344CB8AC3E}">
+        <p14:creationId xmlns:p14="http://schemas.microsoft.com/office/powerpoint/2010/main" val="1738108001"/>
+      </p:ext>
+    </p:extLst>
+  </p:cSld>
+  <p:clrMapOvr>
+    <a:masterClrMapping/>
+  </p:clrMapOvr>
+</p:sld>
+</file>
+
+<file path=ppt/slides/slide11.xml><?xml version="1.0" encoding="utf-8"?>
+<p:sld xmlns:a="http://schemas.openxmlformats.org/drawingml/2006/main" xmlns:r="http://schemas.openxmlformats.org/officeDocument/2006/relationships" xmlns:p="http://schemas.openxmlformats.org/presentationml/2006/main">
+  <p:cSld>
+    <p:spTree>
+      <p:nvGrpSpPr>
+        <p:cNvPr id="1" name=""/>
+        <p:cNvGrpSpPr/>
+        <p:nvPr/>
+      </p:nvGrpSpPr>
+      <p:grpSpPr>
+        <a:xfrm>
+          <a:off x="0" y="0"/>
+          <a:ext cx="0" cy="0"/>
+          <a:chOff x="0" y="0"/>
+          <a:chExt cx="0" cy="0"/>
+        </a:xfrm>
+      </p:grpSpPr>
+      <p:sp>
+        <p:nvSpPr>
+          <p:cNvPr id="154" name="CustomShape 1"/>
+          <p:cNvSpPr/>
+          <p:nvPr/>
+        </p:nvSpPr>
+        <p:spPr>
+          <a:xfrm>
+            <a:off x="822960" y="1385640"/>
+            <a:ext cx="7543080" cy="4147200"/>
+          </a:xfrm>
+          <a:prstGeom prst="rect">
+            <a:avLst/>
+          </a:prstGeom>
+          <a:noFill/>
+          <a:ln>
+            <a:noFill/>
+          </a:ln>
+        </p:spPr>
+        <p:style>
+          <a:lnRef idx="0">
+            <a:scrgbClr r="0" g="0" b="0"/>
+          </a:lnRef>
+          <a:fillRef idx="0">
+            <a:scrgbClr r="0" g="0" b="0"/>
+          </a:fillRef>
+          <a:effectRef idx="0">
+            <a:scrgbClr r="0" g="0" b="0"/>
+          </a:effectRef>
+          <a:fontRef idx="minor"/>
+        </p:style>
+        <p:txBody>
+          <a:bodyPr lIns="90000" tIns="45000" rIns="90000" bIns="45000" anchor="ctr">
+            <a:noAutofit/>
+          </a:bodyPr>
+          <a:lstStyle/>
+          <a:p>
+            <a:pPr algn="ctr">
+              <a:lnSpc>
+                <a:spcPct val="85000"/>
+              </a:lnSpc>
+            </a:pPr>
+            <a:r>
+              <a:rPr lang="zxx" sz="4800" b="0" strike="noStrike" spc="-52">
+                <a:solidFill>
+                  <a:srgbClr val="404040"/>
+                </a:solidFill>
+                <a:latin typeface="Calibri Light"/>
+              </a:rPr>
+              <a:t>Thank you!</a:t>
+            </a:r>
+            <a:endParaRPr lang="zxx" sz="4800" b="0" strike="noStrike" spc="-1">
+              <a:latin typeface="Arial"/>
+            </a:endParaRPr>
+          </a:p>
+        </p:txBody>
+      </p:sp>
+      <p:sp>
+        <p:nvSpPr>
+          <p:cNvPr id="155" name="CustomShape 2"/>
+          <p:cNvSpPr/>
+          <p:nvPr/>
+        </p:nvSpPr>
+        <p:spPr>
+          <a:xfrm>
+            <a:off x="4006440" y="6410880"/>
+            <a:ext cx="582840" cy="364320"/>
+          </a:xfrm>
+          <a:prstGeom prst="rect">
+            <a:avLst/>
+          </a:prstGeom>
+          <a:noFill/>
+          <a:ln>
+            <a:noFill/>
+          </a:ln>
+        </p:spPr>
+        <p:style>
+          <a:lnRef idx="0">
+            <a:scrgbClr r="0" g="0" b="0"/>
+          </a:lnRef>
+          <a:fillRef idx="0">
+            <a:scrgbClr r="0" g="0" b="0"/>
+          </a:fillRef>
+          <a:effectRef idx="0">
+            <a:scrgbClr r="0" g="0" b="0"/>
+          </a:effectRef>
+          <a:fontRef idx="minor"/>
+        </p:style>
+        <p:txBody>
+          <a:bodyPr lIns="90000" tIns="45000" rIns="90000" bIns="45000" anchor="ctr">
+            <a:noAutofit/>
+          </a:bodyPr>
+          <a:lstStyle/>
+          <a:p>
+            <a:pPr algn="r">
+              <a:lnSpc>
+                <a:spcPct val="100000"/>
+              </a:lnSpc>
+            </a:pPr>
+            <a:fld id="{69FF41EE-F4E2-4BD6-9D5C-02DFBA608E94}" type="slidenum">
+              <a:rPr lang="zxx" sz="1050" b="0" strike="noStrike" spc="-1">
+                <a:solidFill>
+                  <a:srgbClr val="000000"/>
+                </a:solidFill>
+                <a:latin typeface="Calibri"/>
+              </a:rPr>
+              <a:t>11</a:t>
+            </a:fld>
+            <a:r>
+              <a:rPr lang="zxx" sz="1050" b="0" strike="noStrike" spc="-1">
+                <a:solidFill>
+                  <a:srgbClr val="000000"/>
+                </a:solidFill>
+                <a:latin typeface="Calibri"/>
+              </a:rPr>
+              <a:t>/</a:t>
+            </a:r>
+            <a:endParaRPr lang="zxx" sz="1050" b="0" strike="noStrike" spc="-1">
+              <a:latin typeface="Arial"/>
+            </a:endParaRPr>
+          </a:p>
+        </p:txBody>
+      </p:sp>
+    </p:spTree>
+  </p:cSld>
+  <p:clrMapOvr>
+    <a:masterClrMapping/>
+  </p:clrMapOvr>
+</p:sld>
+</file>
+
 <file path=ppt/slides/slide2.xml><?xml version="1.0" encoding="utf-8"?>
 <p:sld xmlns:a="http://schemas.openxmlformats.org/drawingml/2006/main" xmlns:r="http://schemas.openxmlformats.org/officeDocument/2006/relationships" xmlns:p="http://schemas.openxmlformats.org/presentationml/2006/main">
   <p:cSld>
@@ -7791,7 +8466,7 @@
               </a:lnSpc>
             </a:pPr>
             <a:r>
-              <a:rPr lang="zxx" sz="4800" b="0" strike="noStrike" spc="-52">
+              <a:rPr lang="zxx" sz="4800" b="0" strike="noStrike" spc="-52" dirty="0">
                 <a:solidFill>
                   <a:srgbClr val="404040"/>
                 </a:solidFill>
@@ -7799,7 +8474,7 @@
               </a:rPr>
               <a:t>Introduction</a:t>
             </a:r>
-            <a:endParaRPr lang="zxx" sz="4800" b="0" strike="noStrike" spc="-1">
+            <a:endParaRPr lang="zxx" sz="4800" b="0" strike="noStrike" spc="-1" dirty="0">
               <a:latin typeface="Arial"/>
             </a:endParaRPr>
           </a:p>
@@ -8775,7 +9450,7 @@
         </p:blipFill>
         <p:spPr>
           <a:xfrm>
-            <a:off x="1206318" y="3936065"/>
+            <a:off x="1206318" y="3934478"/>
             <a:ext cx="5600243" cy="1972069"/>
           </a:xfrm>
           <a:prstGeom prst="rect">
@@ -8859,6 +9534,55 @@
               </a:rPr>
               <a:t>Approximate Full Adder Circuit Design as proposed in [source]</a:t>
             </a:r>
+          </a:p>
+        </p:txBody>
+      </p:sp>
+      <p:sp>
+        <p:nvSpPr>
+          <p:cNvPr id="3" name="Ellipse 2">
+            <a:extLst>
+              <a:ext uri="{FF2B5EF4-FFF2-40B4-BE49-F238E27FC236}">
+                <a16:creationId xmlns:a16="http://schemas.microsoft.com/office/drawing/2014/main" id="{344F5821-3128-4462-856D-FDC556DD649B}"/>
+              </a:ext>
+            </a:extLst>
+          </p:cNvPr>
+          <p:cNvSpPr/>
+          <p:nvPr/>
+        </p:nvSpPr>
+        <p:spPr>
+          <a:xfrm>
+            <a:off x="5660708" y="5386385"/>
+            <a:ext cx="105091" cy="112206"/>
+          </a:xfrm>
+          <a:prstGeom prst="ellipse">
+            <a:avLst/>
+          </a:prstGeom>
+          <a:solidFill>
+            <a:schemeClr val="bg1"/>
+          </a:solidFill>
+        </p:spPr>
+        <p:style>
+          <a:lnRef idx="2">
+            <a:schemeClr val="dk1">
+              <a:shade val="50000"/>
+            </a:schemeClr>
+          </a:lnRef>
+          <a:fillRef idx="1">
+            <a:schemeClr val="dk1"/>
+          </a:fillRef>
+          <a:effectRef idx="0">
+            <a:schemeClr val="dk1"/>
+          </a:effectRef>
+          <a:fontRef idx="minor">
+            <a:schemeClr val="lt1"/>
+          </a:fontRef>
+        </p:style>
+        <p:txBody>
+          <a:bodyPr rtlCol="0" anchor="ctr"/>
+          <a:lstStyle/>
+          <a:p>
+            <a:pPr algn="ctr"/>
+            <a:endParaRPr lang="en-AT"/>
           </a:p>
         </p:txBody>
       </p:sp>
@@ -9221,7 +9945,7 @@
         </p:style>
         <p:txBody>
           <a:bodyPr lIns="90000" tIns="45000" rIns="90000" bIns="45000" anchor="b">
-            <a:normAutofit fontScale="90000"/>
+            <a:normAutofit fontScale="97500"/>
           </a:bodyPr>
           <a:lstStyle/>
           <a:p>
@@ -9231,13 +9955,13 @@
               </a:lnSpc>
             </a:pPr>
             <a:r>
-              <a:rPr lang="zxx" sz="4800" b="0" strike="noStrike" spc="-52" dirty="0">
+              <a:rPr lang="en-US" sz="4800" b="0" strike="noStrike" spc="-52" dirty="0">
                 <a:solidFill>
                   <a:srgbClr val="404040"/>
                 </a:solidFill>
                 <a:latin typeface="Calibri Light"/>
               </a:rPr>
-              <a:t>Progress – Faced Problems - Solutions</a:t>
+              <a:t>Error Analysis</a:t>
             </a:r>
             <a:endParaRPr lang="zxx" sz="4800" b="0" strike="noStrike" spc="-1" dirty="0">
               <a:latin typeface="Arial"/>
@@ -9297,17 +10021,14 @@
               <a:buChar char=""/>
             </a:pPr>
             <a:r>
-              <a:rPr lang="zxx" sz="2000" b="0" strike="noStrike" spc="-1">
+              <a:rPr lang="en-US" sz="2000" spc="-1" dirty="0">
                 <a:solidFill>
                   <a:srgbClr val="404040"/>
                 </a:solidFill>
                 <a:latin typeface="Calibri"/>
               </a:rPr>
-              <a:t>VHDL Code</a:t>
-            </a:r>
-            <a:endParaRPr lang="zxx" sz="2000" b="0" strike="noStrike" spc="-1">
-              <a:latin typeface="Arial"/>
-            </a:endParaRPr>
+              <a:t>For multi bit inputs, the error is not Hamming distance</a:t>
+            </a:r>
           </a:p>
           <a:p>
             <a:pPr marL="432000" indent="-323640">
@@ -9325,15 +10046,15 @@
               <a:buChar char=""/>
             </a:pPr>
             <a:r>
-              <a:rPr lang="zxx" sz="2000" b="0" strike="noStrike" spc="-1">
+              <a:rPr lang="en-US" sz="2000" spc="-1" dirty="0">
                 <a:solidFill>
                   <a:srgbClr val="404040"/>
                 </a:solidFill>
                 <a:latin typeface="Calibri"/>
               </a:rPr>
-              <a:t>Python Code</a:t>
-            </a:r>
-            <a:endParaRPr lang="zxx" sz="2000" b="0" strike="noStrike" spc="-1">
+              <a:t>Error must be interpreted as number </a:t>
+            </a:r>
+            <a:endParaRPr lang="zxx" sz="2000" b="0" strike="noStrike" spc="-1" dirty="0">
               <a:latin typeface="Arial"/>
             </a:endParaRPr>
           </a:p>
@@ -9406,6 +10127,11 @@
         </p:txBody>
       </p:sp>
     </p:spTree>
+    <p:extLst>
+      <p:ext uri="{BB962C8B-B14F-4D97-AF65-F5344CB8AC3E}">
+        <p14:creationId xmlns:p14="http://schemas.microsoft.com/office/powerpoint/2010/main" val="380769318"/>
+      </p:ext>
+    </p:extLst>
   </p:cSld>
   <p:clrMapOvr>
     <a:masterClrMapping/>
@@ -9432,7 +10158,7 @@
       </p:grpSpPr>
       <p:sp>
         <p:nvSpPr>
-          <p:cNvPr id="147" name="CustomShape 1"/>
+          <p:cNvPr id="144" name="CustomShape 1"/>
           <p:cNvSpPr/>
           <p:nvPr/>
         </p:nvSpPr>
@@ -9463,7 +10189,7 @@
         </p:style>
         <p:txBody>
           <a:bodyPr lIns="90000" tIns="45000" rIns="90000" bIns="45000" anchor="b">
-            <a:normAutofit fontScale="90000"/>
+            <a:normAutofit fontScale="97500"/>
           </a:bodyPr>
           <a:lstStyle/>
           <a:p>
@@ -9473,13 +10199,13 @@
               </a:lnSpc>
             </a:pPr>
             <a:r>
-              <a:rPr lang="zxx" sz="4800" b="0" strike="noStrike" spc="-52" dirty="0">
+              <a:rPr lang="en-US" sz="4800" b="0" strike="noStrike" spc="-52" dirty="0">
                 <a:solidFill>
                   <a:srgbClr val="404040"/>
                 </a:solidFill>
                 <a:latin typeface="Calibri Light"/>
               </a:rPr>
-              <a:t>Progress – Faced Problems - Solutions</a:t>
+              <a:t>Error Analysis</a:t>
             </a:r>
             <a:endParaRPr lang="zxx" sz="4800" b="0" strike="noStrike" spc="-1" dirty="0">
               <a:latin typeface="Arial"/>
@@ -9489,7 +10215,7 @@
       </p:sp>
       <p:sp>
         <p:nvSpPr>
-          <p:cNvPr id="148" name="CustomShape 2"/>
+          <p:cNvPr id="145" name="CustomShape 2"/>
           <p:cNvSpPr/>
           <p:nvPr/>
         </p:nvSpPr>
@@ -9539,23 +10265,48 @@
               <a:buChar char=""/>
             </a:pPr>
             <a:r>
-              <a:rPr lang="zxx" sz="2000" b="0" strike="noStrike" spc="-1">
+              <a:rPr lang="en-US" sz="2000" spc="-1" dirty="0">
                 <a:solidFill>
                   <a:srgbClr val="404040"/>
                 </a:solidFill>
                 <a:latin typeface="Calibri"/>
               </a:rPr>
-              <a:t>Binary Decision tree BILD</a:t>
-            </a:r>
-            <a:endParaRPr lang="zxx" sz="2000" b="0" strike="noStrike" spc="-1">
-              <a:latin typeface="Arial"/>
-            </a:endParaRPr>
-          </a:p>
-        </p:txBody>
-      </p:sp>
-      <p:sp>
-        <p:nvSpPr>
-          <p:cNvPr id="149" name="CustomShape 3"/>
+              <a:t>For multi bit inputs, the error is not Hamming distance</a:t>
+            </a:r>
+          </a:p>
+          <a:p>
+            <a:pPr marL="432000" indent="-323640">
+              <a:lnSpc>
+                <a:spcPct val="100000"/>
+              </a:lnSpc>
+              <a:spcBef>
+                <a:spcPts val="1417"/>
+              </a:spcBef>
+              <a:buClr>
+                <a:srgbClr val="000000"/>
+              </a:buClr>
+              <a:buSzPct val="45000"/>
+              <a:buFont typeface="Wingdings" charset="2"/>
+              <a:buChar char=""/>
+            </a:pPr>
+            <a:r>
+              <a:rPr lang="en-US" sz="2000" spc="-1" dirty="0">
+                <a:solidFill>
+                  <a:srgbClr val="404040"/>
+                </a:solidFill>
+                <a:latin typeface="Calibri"/>
+              </a:rPr>
+              <a:t>Error must be interpreted as number </a:t>
+            </a:r>
+            <a:endParaRPr lang="zxx" sz="2000" b="0" strike="noStrike" spc="-1" dirty="0">
+              <a:latin typeface="Arial"/>
+            </a:endParaRPr>
+          </a:p>
+        </p:txBody>
+      </p:sp>
+      <p:sp>
+        <p:nvSpPr>
+          <p:cNvPr id="146" name="CustomShape 3"/>
           <p:cNvSpPr/>
           <p:nvPr/>
         </p:nvSpPr>
@@ -9595,7 +10346,7 @@
                 <a:spcPct val="100000"/>
               </a:lnSpc>
             </a:pPr>
-            <a:fld id="{CC6F7E20-B439-47FF-A0C2-BDDAA2557689}" type="slidenum">
+            <a:fld id="{FBA1FB1B-8EC8-4701-B7A3-764889EBDE91}" type="slidenum">
               <a:rPr lang="zxx" sz="1050" b="0" strike="noStrike" spc="-1">
                 <a:solidFill>
                   <a:srgbClr val="000000"/>
@@ -9619,7 +10370,339 @@
           </a:p>
         </p:txBody>
       </p:sp>
+      <p:sp>
+        <p:nvSpPr>
+          <p:cNvPr id="2" name="Rechteck 1">
+            <a:extLst>
+              <a:ext uri="{FF2B5EF4-FFF2-40B4-BE49-F238E27FC236}">
+                <a16:creationId xmlns:a16="http://schemas.microsoft.com/office/drawing/2014/main" id="{F9AEB0D6-34F7-4604-838C-C6CCEDD8907D}"/>
+              </a:ext>
+            </a:extLst>
+          </p:cNvPr>
+          <p:cNvSpPr/>
+          <p:nvPr/>
+        </p:nvSpPr>
+        <p:spPr>
+          <a:xfrm>
+            <a:off x="965200" y="2578100"/>
+            <a:ext cx="1295400" cy="1485900"/>
+          </a:xfrm>
+          <a:prstGeom prst="rect">
+            <a:avLst/>
+          </a:prstGeom>
+        </p:spPr>
+        <p:style>
+          <a:lnRef idx="2">
+            <a:schemeClr val="accent1">
+              <a:shade val="50000"/>
+            </a:schemeClr>
+          </a:lnRef>
+          <a:fillRef idx="1">
+            <a:schemeClr val="accent1"/>
+          </a:fillRef>
+          <a:effectRef idx="0">
+            <a:schemeClr val="accent1"/>
+          </a:effectRef>
+          <a:fontRef idx="minor">
+            <a:schemeClr val="lt1"/>
+          </a:fontRef>
+        </p:style>
+        <p:txBody>
+          <a:bodyPr rtlCol="0" anchor="ctr"/>
+          <a:lstStyle/>
+          <a:p>
+            <a:pPr algn="ctr"/>
+            <a:r>
+              <a:rPr lang="en-US" dirty="0"/>
+              <a:t>EXACT</a:t>
+            </a:r>
+            <a:endParaRPr lang="en-AT" dirty="0"/>
+          </a:p>
+        </p:txBody>
+      </p:sp>
+      <p:sp>
+        <p:nvSpPr>
+          <p:cNvPr id="6" name="Rechteck 5">
+            <a:extLst>
+              <a:ext uri="{FF2B5EF4-FFF2-40B4-BE49-F238E27FC236}">
+                <a16:creationId xmlns:a16="http://schemas.microsoft.com/office/drawing/2014/main" id="{B9AE3EB3-7714-40FE-84D0-16B5515B2785}"/>
+              </a:ext>
+            </a:extLst>
+          </p:cNvPr>
+          <p:cNvSpPr/>
+          <p:nvPr/>
+        </p:nvSpPr>
+        <p:spPr>
+          <a:xfrm>
+            <a:off x="965200" y="4394520"/>
+            <a:ext cx="1295400" cy="1485900"/>
+          </a:xfrm>
+          <a:prstGeom prst="rect">
+            <a:avLst/>
+          </a:prstGeom>
+        </p:spPr>
+        <p:style>
+          <a:lnRef idx="2">
+            <a:schemeClr val="accent1">
+              <a:shade val="50000"/>
+            </a:schemeClr>
+          </a:lnRef>
+          <a:fillRef idx="1">
+            <a:schemeClr val="accent1"/>
+          </a:fillRef>
+          <a:effectRef idx="0">
+            <a:schemeClr val="accent1"/>
+          </a:effectRef>
+          <a:fontRef idx="minor">
+            <a:schemeClr val="lt1"/>
+          </a:fontRef>
+        </p:style>
+        <p:txBody>
+          <a:bodyPr rtlCol="0" anchor="ctr"/>
+          <a:lstStyle/>
+          <a:p>
+            <a:pPr algn="ctr"/>
+            <a:r>
+              <a:rPr lang="en-US" dirty="0"/>
+              <a:t>INXA1</a:t>
+            </a:r>
+            <a:endParaRPr lang="en-AT" dirty="0"/>
+          </a:p>
+        </p:txBody>
+      </p:sp>
+      <p:sp>
+        <p:nvSpPr>
+          <p:cNvPr id="7" name="Rechteck 6">
+            <a:extLst>
+              <a:ext uri="{FF2B5EF4-FFF2-40B4-BE49-F238E27FC236}">
+                <a16:creationId xmlns:a16="http://schemas.microsoft.com/office/drawing/2014/main" id="{C27FD68F-656C-48DE-BEE2-A4F132C19B87}"/>
+              </a:ext>
+            </a:extLst>
+          </p:cNvPr>
+          <p:cNvSpPr/>
+          <p:nvPr/>
+        </p:nvSpPr>
+        <p:spPr>
+          <a:xfrm>
+            <a:off x="4006440" y="3378520"/>
+            <a:ext cx="1295400" cy="1485900"/>
+          </a:xfrm>
+          <a:prstGeom prst="rect">
+            <a:avLst/>
+          </a:prstGeom>
+          <a:solidFill>
+            <a:schemeClr val="accent3"/>
+          </a:solidFill>
+          <a:ln>
+            <a:solidFill>
+              <a:schemeClr val="bg1"/>
+            </a:solidFill>
+          </a:ln>
+        </p:spPr>
+        <p:style>
+          <a:lnRef idx="2">
+            <a:schemeClr val="accent1">
+              <a:shade val="50000"/>
+            </a:schemeClr>
+          </a:lnRef>
+          <a:fillRef idx="1">
+            <a:schemeClr val="accent1"/>
+          </a:fillRef>
+          <a:effectRef idx="0">
+            <a:schemeClr val="accent1"/>
+          </a:effectRef>
+          <a:fontRef idx="minor">
+            <a:schemeClr val="lt1"/>
+          </a:fontRef>
+        </p:style>
+        <p:txBody>
+          <a:bodyPr rtlCol="0" anchor="ctr"/>
+          <a:lstStyle/>
+          <a:p>
+            <a:pPr algn="ctr"/>
+            <a:r>
+              <a:rPr lang="en-US" dirty="0"/>
+              <a:t>subtract and </a:t>
+            </a:r>
+          </a:p>
+          <a:p>
+            <a:pPr algn="ctr"/>
+            <a:r>
+              <a:rPr lang="en-US" dirty="0"/>
+              <a:t>absolute</a:t>
+            </a:r>
+            <a:endParaRPr lang="en-AT" dirty="0"/>
+          </a:p>
+        </p:txBody>
+      </p:sp>
+      <p:cxnSp>
+        <p:nvCxnSpPr>
+          <p:cNvPr id="4" name="Gerade Verbindung mit Pfeil 3">
+            <a:extLst>
+              <a:ext uri="{FF2B5EF4-FFF2-40B4-BE49-F238E27FC236}">
+                <a16:creationId xmlns:a16="http://schemas.microsoft.com/office/drawing/2014/main" id="{C61B2D87-5C26-41E7-B965-330573423169}"/>
+              </a:ext>
+            </a:extLst>
+          </p:cNvPr>
+          <p:cNvCxnSpPr>
+            <a:cxnSpLocks/>
+            <a:stCxn id="2" idx="3"/>
+          </p:cNvCxnSpPr>
+          <p:nvPr/>
+        </p:nvCxnSpPr>
+        <p:spPr>
+          <a:xfrm>
+            <a:off x="2260600" y="3321050"/>
+            <a:ext cx="1745840" cy="514866"/>
+          </a:xfrm>
+          <a:prstGeom prst="straightConnector1">
+            <a:avLst/>
+          </a:prstGeom>
+          <a:ln>
+            <a:tailEnd type="triangle"/>
+          </a:ln>
+        </p:spPr>
+        <p:style>
+          <a:lnRef idx="1">
+            <a:schemeClr val="accent1"/>
+          </a:lnRef>
+          <a:fillRef idx="0">
+            <a:schemeClr val="accent1"/>
+          </a:fillRef>
+          <a:effectRef idx="0">
+            <a:schemeClr val="accent1"/>
+          </a:effectRef>
+          <a:fontRef idx="minor">
+            <a:schemeClr val="tx1"/>
+          </a:fontRef>
+        </p:style>
+      </p:cxnSp>
+      <p:cxnSp>
+        <p:nvCxnSpPr>
+          <p:cNvPr id="8" name="Gerade Verbindung mit Pfeil 7">
+            <a:extLst>
+              <a:ext uri="{FF2B5EF4-FFF2-40B4-BE49-F238E27FC236}">
+                <a16:creationId xmlns:a16="http://schemas.microsoft.com/office/drawing/2014/main" id="{D461F6FA-1EA8-4156-9278-C73CF64A306D}"/>
+              </a:ext>
+            </a:extLst>
+          </p:cNvPr>
+          <p:cNvCxnSpPr>
+            <a:cxnSpLocks/>
+            <a:stCxn id="6" idx="3"/>
+          </p:cNvCxnSpPr>
+          <p:nvPr/>
+        </p:nvCxnSpPr>
+        <p:spPr>
+          <a:xfrm flipV="1">
+            <a:off x="2260600" y="4426270"/>
+            <a:ext cx="1745840" cy="711200"/>
+          </a:xfrm>
+          <a:prstGeom prst="straightConnector1">
+            <a:avLst/>
+          </a:prstGeom>
+          <a:ln>
+            <a:tailEnd type="triangle"/>
+          </a:ln>
+        </p:spPr>
+        <p:style>
+          <a:lnRef idx="1">
+            <a:schemeClr val="accent1"/>
+          </a:lnRef>
+          <a:fillRef idx="0">
+            <a:schemeClr val="accent1"/>
+          </a:fillRef>
+          <a:effectRef idx="0">
+            <a:schemeClr val="accent1"/>
+          </a:effectRef>
+          <a:fontRef idx="minor">
+            <a:schemeClr val="tx1"/>
+          </a:fontRef>
+        </p:style>
+      </p:cxnSp>
+      <p:cxnSp>
+        <p:nvCxnSpPr>
+          <p:cNvPr id="10" name="Gerade Verbindung mit Pfeil 9">
+            <a:extLst>
+              <a:ext uri="{FF2B5EF4-FFF2-40B4-BE49-F238E27FC236}">
+                <a16:creationId xmlns:a16="http://schemas.microsoft.com/office/drawing/2014/main" id="{2B3E52AF-B830-49C4-8CBB-5F04F4CAE3C1}"/>
+              </a:ext>
+            </a:extLst>
+          </p:cNvPr>
+          <p:cNvCxnSpPr>
+            <a:cxnSpLocks/>
+            <a:stCxn id="7" idx="3"/>
+          </p:cNvCxnSpPr>
+          <p:nvPr/>
+        </p:nvCxnSpPr>
+        <p:spPr>
+          <a:xfrm>
+            <a:off x="5301840" y="4121470"/>
+            <a:ext cx="1600610" cy="0"/>
+          </a:xfrm>
+          <a:prstGeom prst="straightConnector1">
+            <a:avLst/>
+          </a:prstGeom>
+          <a:ln>
+            <a:tailEnd type="triangle"/>
+          </a:ln>
+        </p:spPr>
+        <p:style>
+          <a:lnRef idx="1">
+            <a:schemeClr val="accent1"/>
+          </a:lnRef>
+          <a:fillRef idx="0">
+            <a:schemeClr val="accent1"/>
+          </a:fillRef>
+          <a:effectRef idx="0">
+            <a:schemeClr val="accent1"/>
+          </a:effectRef>
+          <a:fontRef idx="minor">
+            <a:schemeClr val="tx1"/>
+          </a:fontRef>
+        </p:style>
+      </p:cxnSp>
+      <p:sp>
+        <p:nvSpPr>
+          <p:cNvPr id="11" name="Textfeld 10">
+            <a:extLst>
+              <a:ext uri="{FF2B5EF4-FFF2-40B4-BE49-F238E27FC236}">
+                <a16:creationId xmlns:a16="http://schemas.microsoft.com/office/drawing/2014/main" id="{CCA366D5-45E1-47B2-B356-A56C6F21F0A0}"/>
+              </a:ext>
+            </a:extLst>
+          </p:cNvPr>
+          <p:cNvSpPr txBox="1"/>
+          <p:nvPr/>
+        </p:nvSpPr>
+        <p:spPr>
+          <a:xfrm>
+            <a:off x="5937250" y="3651250"/>
+            <a:ext cx="1225550" cy="369332"/>
+          </a:xfrm>
+          <a:prstGeom prst="rect">
+            <a:avLst/>
+          </a:prstGeom>
+          <a:noFill/>
+        </p:spPr>
+        <p:txBody>
+          <a:bodyPr wrap="square" rtlCol="0">
+            <a:spAutoFit/>
+          </a:bodyPr>
+          <a:lstStyle/>
+          <a:p>
+            <a:r>
+              <a:rPr lang="en-US" dirty="0"/>
+              <a:t>Error</a:t>
+            </a:r>
+            <a:endParaRPr lang="en-AT" dirty="0"/>
+          </a:p>
+        </p:txBody>
+      </p:sp>
     </p:spTree>
+    <p:extLst>
+      <p:ext uri="{BB962C8B-B14F-4D97-AF65-F5344CB8AC3E}">
+        <p14:creationId xmlns:p14="http://schemas.microsoft.com/office/powerpoint/2010/main" val="3620305739"/>
+      </p:ext>
+    </p:extLst>
   </p:cSld>
   <p:clrMapOvr>
     <a:masterClrMapping/>
@@ -9687,13 +10770,13 @@
               </a:lnSpc>
             </a:pPr>
             <a:r>
-              <a:rPr lang="de-DE" sz="4800" b="0" strike="noStrike" spc="-52" dirty="0">
+              <a:rPr lang="en-US" sz="4800" b="0" strike="noStrike" spc="-52" dirty="0">
                 <a:solidFill>
                   <a:srgbClr val="404040"/>
                 </a:solidFill>
                 <a:latin typeface="Calibri Light"/>
               </a:rPr>
-              <a:t>Future Plans</a:t>
+              <a:t>Binary Decision Diagram</a:t>
             </a:r>
             <a:endParaRPr lang="zxx" sz="4800" b="0" strike="noStrike" spc="-1" dirty="0">
               <a:latin typeface="Arial"/>
@@ -9738,7 +10821,10 @@
           </a:bodyPr>
           <a:lstStyle/>
           <a:p>
-            <a:pPr marL="432000" indent="-324000">
+            <a:pPr marL="432000" indent="-323640">
+              <a:lnSpc>
+                <a:spcPct val="100000"/>
+              </a:lnSpc>
               <a:spcBef>
                 <a:spcPts val="1417"/>
               </a:spcBef>
@@ -9749,126 +10835,9 @@
               <a:buFont typeface="Wingdings" charset="2"/>
               <a:buChar char=""/>
             </a:pPr>
-            <a:r>
-              <a:rPr lang="de-AT" sz="2000" b="0" strike="noStrike" spc="-1" dirty="0">
-                <a:latin typeface="Arial"/>
-              </a:rPr>
-              <a:t>Time, Area and Power Analysis </a:t>
-            </a:r>
-            <a:r>
-              <a:rPr lang="de-AT" sz="2000" b="0" strike="noStrike" spc="-1" dirty="0" err="1">
-                <a:latin typeface="Arial"/>
-              </a:rPr>
-              <a:t>with</a:t>
-            </a:r>
-            <a:r>
-              <a:rPr lang="de-AT" sz="2000" b="0" strike="noStrike" spc="-1" dirty="0">
-                <a:latin typeface="Arial"/>
-              </a:rPr>
-              <a:t> VHDL TOOL</a:t>
-            </a:r>
-          </a:p>
-          <a:p>
-            <a:pPr marL="432000" indent="-324000">
-              <a:spcBef>
-                <a:spcPts val="1417"/>
-              </a:spcBef>
-              <a:buClr>
-                <a:srgbClr val="000000"/>
-              </a:buClr>
-              <a:buSzPct val="45000"/>
-              <a:buFont typeface="Wingdings" charset="2"/>
-              <a:buChar char=""/>
-            </a:pPr>
-            <a:r>
-              <a:rPr lang="de-AT" sz="2000" b="0" strike="noStrike" spc="-1" dirty="0">
-                <a:latin typeface="Arial"/>
-              </a:rPr>
-              <a:t>Implementation in Open Source </a:t>
-            </a:r>
-            <a:r>
-              <a:rPr lang="de-AT" sz="2000" b="0" strike="noStrike" spc="-1" dirty="0" err="1">
-                <a:latin typeface="Arial"/>
-              </a:rPr>
-              <a:t>Processor</a:t>
-            </a:r>
-            <a:endParaRPr lang="de-AT" sz="2000" b="0" strike="noStrike" spc="-1" dirty="0">
-              <a:latin typeface="Arial"/>
-            </a:endParaRPr>
-          </a:p>
-          <a:p>
-            <a:pPr marL="432000" indent="-324000">
-              <a:spcBef>
-                <a:spcPts val="1417"/>
-              </a:spcBef>
-              <a:buClr>
-                <a:srgbClr val="000000"/>
-              </a:buClr>
-              <a:buSzPct val="45000"/>
-              <a:buFont typeface="Wingdings" charset="2"/>
-              <a:buChar char=""/>
-            </a:pPr>
-            <a:r>
-              <a:rPr lang="de-AT" sz="2000" b="0" strike="noStrike" spc="-1" dirty="0" err="1">
-                <a:latin typeface="Arial"/>
-              </a:rPr>
-              <a:t>Worst</a:t>
-            </a:r>
-            <a:r>
-              <a:rPr lang="de-AT" sz="2000" b="0" strike="noStrike" spc="-1" dirty="0">
-                <a:latin typeface="Arial"/>
-              </a:rPr>
-              <a:t> Case Error Analysis </a:t>
-            </a:r>
-            <a:r>
-              <a:rPr lang="de-AT" sz="2000" b="0" strike="noStrike" spc="-1" dirty="0" err="1">
-                <a:latin typeface="Arial"/>
-              </a:rPr>
-              <a:t>with</a:t>
-            </a:r>
-            <a:r>
-              <a:rPr lang="de-AT" sz="2000" b="0" strike="noStrike" spc="-1" dirty="0">
-                <a:latin typeface="Arial"/>
-              </a:rPr>
-              <a:t> BDT</a:t>
-            </a:r>
-          </a:p>
-          <a:p>
-            <a:pPr marL="432000" indent="-324000">
-              <a:spcBef>
-                <a:spcPts val="1417"/>
-              </a:spcBef>
-              <a:buClr>
-                <a:srgbClr val="000000"/>
-              </a:buClr>
-              <a:buSzPct val="45000"/>
-              <a:buFont typeface="Wingdings" charset="2"/>
-              <a:buChar char=""/>
-            </a:pPr>
-            <a:r>
-              <a:rPr lang="de-AT" sz="2000" b="0" strike="noStrike" spc="-1" dirty="0" err="1">
-                <a:latin typeface="Arial"/>
-              </a:rPr>
-              <a:t>Implementing</a:t>
-            </a:r>
-            <a:r>
-              <a:rPr lang="de-AT" sz="2000" b="0" strike="noStrike" spc="-1" dirty="0">
-                <a:latin typeface="Arial"/>
-              </a:rPr>
-              <a:t> on </a:t>
-            </a:r>
-            <a:r>
-              <a:rPr lang="de-AT" sz="2000" b="0" strike="noStrike" spc="-1" dirty="0" err="1">
-                <a:latin typeface="Arial"/>
-              </a:rPr>
-              <a:t>Zedboard</a:t>
-            </a:r>
-            <a:r>
-              <a:rPr lang="de-AT" sz="2000" b="0" strike="noStrike" spc="-1" dirty="0">
-                <a:latin typeface="Arial"/>
-              </a:rPr>
-              <a:t> (Hardware)</a:t>
-            </a:r>
+            <a:endParaRPr lang="zxx" sz="2000" b="0" strike="noStrike" spc="-1" dirty="0">
+              <a:latin typeface="Arial"/>
+            </a:endParaRPr>
           </a:p>
         </p:txBody>
       </p:sp>
@@ -9938,12 +10907,101 @@
           </a:p>
         </p:txBody>
       </p:sp>
+      <p:pic>
+        <p:nvPicPr>
+          <p:cNvPr id="2054" name="Picture 6">
+            <a:extLst>
+              <a:ext uri="{FF2B5EF4-FFF2-40B4-BE49-F238E27FC236}">
+                <a16:creationId xmlns:a16="http://schemas.microsoft.com/office/drawing/2014/main" id="{3C492A5D-37CB-4298-A475-1848A04C6AE0}"/>
+              </a:ext>
+            </a:extLst>
+          </p:cNvPr>
+          <p:cNvPicPr>
+            <a:picLocks noChangeAspect="1" noChangeArrowheads="1"/>
+          </p:cNvPicPr>
+          <p:nvPr/>
+        </p:nvPicPr>
+        <p:blipFill>
+          <a:blip r:embed="rId3">
+            <a:extLst>
+              <a:ext uri="{28A0092B-C50C-407E-A947-70E740481C1C}">
+                <a14:useLocalDpi xmlns:a14="http://schemas.microsoft.com/office/drawing/2010/main" val="0"/>
+              </a:ext>
+            </a:extLst>
+          </a:blip>
+          <a:srcRect/>
+          <a:stretch>
+            <a:fillRect/>
+          </a:stretch>
+        </p:blipFill>
+        <p:spPr bwMode="auto">
+          <a:xfrm>
+            <a:off x="5763491" y="1685484"/>
+            <a:ext cx="2156114" cy="3760664"/>
+          </a:xfrm>
+          <a:prstGeom prst="rect">
+            <a:avLst/>
+          </a:prstGeom>
+          <a:noFill/>
+          <a:extLst>
+            <a:ext uri="{909E8E84-426E-40DD-AFC4-6F175D3DCCD1}">
+              <a14:hiddenFill xmlns:a14="http://schemas.microsoft.com/office/drawing/2010/main">
+                <a:solidFill>
+                  <a:srgbClr val="FFFFFF"/>
+                </a:solidFill>
+              </a14:hiddenFill>
+            </a:ext>
+          </a:extLst>
+        </p:spPr>
+      </p:pic>
+      <p:pic>
+        <p:nvPicPr>
+          <p:cNvPr id="2058" name="Picture 10">
+            <a:extLst>
+              <a:ext uri="{FF2B5EF4-FFF2-40B4-BE49-F238E27FC236}">
+                <a16:creationId xmlns:a16="http://schemas.microsoft.com/office/drawing/2014/main" id="{22BAE72F-5EEF-4A40-8929-F1AB13190636}"/>
+              </a:ext>
+            </a:extLst>
+          </p:cNvPr>
+          <p:cNvPicPr>
+            <a:picLocks noChangeAspect="1" noChangeArrowheads="1"/>
+          </p:cNvPicPr>
+          <p:nvPr/>
+        </p:nvPicPr>
+        <p:blipFill>
+          <a:blip r:embed="rId4">
+            <a:extLst>
+              <a:ext uri="{28A0092B-C50C-407E-A947-70E740481C1C}">
+                <a14:useLocalDpi xmlns:a14="http://schemas.microsoft.com/office/drawing/2010/main" val="0"/>
+              </a:ext>
+            </a:extLst>
+          </a:blip>
+          <a:srcRect/>
+          <a:stretch>
+            <a:fillRect/>
+          </a:stretch>
+        </p:blipFill>
+        <p:spPr bwMode="auto">
+          <a:xfrm>
+            <a:off x="974361" y="1946313"/>
+            <a:ext cx="3421823" cy="3228135"/>
+          </a:xfrm>
+          <a:prstGeom prst="rect">
+            <a:avLst/>
+          </a:prstGeom>
+          <a:noFill/>
+          <a:extLst>
+            <a:ext uri="{909E8E84-426E-40DD-AFC4-6F175D3DCCD1}">
+              <a14:hiddenFill xmlns:a14="http://schemas.microsoft.com/office/drawing/2010/main">
+                <a:solidFill>
+                  <a:srgbClr val="FFFFFF"/>
+                </a:solidFill>
+              </a14:hiddenFill>
+            </a:ext>
+          </a:extLst>
+        </p:spPr>
+      </p:pic>
     </p:spTree>
-    <p:extLst>
-      <p:ext uri="{BB962C8B-B14F-4D97-AF65-F5344CB8AC3E}">
-        <p14:creationId xmlns:p14="http://schemas.microsoft.com/office/powerpoint/2010/main" val="1738108001"/>
-      </p:ext>
-    </p:extLst>
   </p:cSld>
   <p:clrMapOvr>
     <a:masterClrMapping/>
@@ -9970,14 +11028,14 @@
       </p:grpSpPr>
       <p:sp>
         <p:nvSpPr>
-          <p:cNvPr id="154" name="CustomShape 1"/>
+          <p:cNvPr id="144" name="CustomShape 1"/>
           <p:cNvSpPr/>
           <p:nvPr/>
         </p:nvSpPr>
         <p:spPr>
           <a:xfrm>
-            <a:off x="822960" y="1385640"/>
-            <a:ext cx="7543080" cy="4147200"/>
+            <a:off x="127440" y="99000"/>
+            <a:ext cx="8836560" cy="953640"/>
           </a:xfrm>
           <a:prstGeom prst="rect">
             <a:avLst/>
@@ -10000,41 +11058,41 @@
           <a:fontRef idx="minor"/>
         </p:style>
         <p:txBody>
-          <a:bodyPr lIns="90000" tIns="45000" rIns="90000" bIns="45000" anchor="ctr">
-            <a:noAutofit/>
-          </a:bodyPr>
-          <a:lstStyle/>
-          <a:p>
-            <a:pPr algn="ctr">
+          <a:bodyPr lIns="90000" tIns="45000" rIns="90000" bIns="45000" anchor="b">
+            <a:normAutofit fontScale="97500"/>
+          </a:bodyPr>
+          <a:lstStyle/>
+          <a:p>
+            <a:pPr>
               <a:lnSpc>
                 <a:spcPct val="85000"/>
               </a:lnSpc>
             </a:pPr>
             <a:r>
-              <a:rPr lang="zxx" sz="4800" b="0" strike="noStrike" spc="-52">
+              <a:rPr lang="en-US" sz="4800" b="0" strike="noStrike" spc="-52" dirty="0">
                 <a:solidFill>
                   <a:srgbClr val="404040"/>
                 </a:solidFill>
                 <a:latin typeface="Calibri Light"/>
               </a:rPr>
-              <a:t>Thank you!</a:t>
-            </a:r>
-            <a:endParaRPr lang="zxx" sz="4800" b="0" strike="noStrike" spc="-1">
-              <a:latin typeface="Arial"/>
-            </a:endParaRPr>
-          </a:p>
-        </p:txBody>
-      </p:sp>
-      <p:sp>
-        <p:nvSpPr>
-          <p:cNvPr id="155" name="CustomShape 2"/>
+              <a:t>Current Status</a:t>
+            </a:r>
+            <a:endParaRPr lang="zxx" sz="4800" b="0" strike="noStrike" spc="-1" dirty="0">
+              <a:latin typeface="Arial"/>
+            </a:endParaRPr>
+          </a:p>
+        </p:txBody>
+      </p:sp>
+      <p:sp>
+        <p:nvSpPr>
+          <p:cNvPr id="145" name="CustomShape 2"/>
           <p:cNvSpPr/>
           <p:nvPr/>
         </p:nvSpPr>
         <p:spPr>
           <a:xfrm>
-            <a:off x="4006440" y="6410880"/>
-            <a:ext cx="582840" cy="364320"/>
+            <a:off x="127440" y="1145520"/>
+            <a:ext cx="8836560" cy="5128920"/>
           </a:xfrm>
           <a:prstGeom prst="rect">
             <a:avLst/>
@@ -10057,6 +11115,132 @@
           <a:fontRef idx="minor"/>
         </p:style>
         <p:txBody>
+          <a:bodyPr lIns="0" tIns="45000" rIns="0" bIns="45000">
+            <a:noAutofit/>
+          </a:bodyPr>
+          <a:lstStyle/>
+          <a:p>
+            <a:pPr marL="432000" indent="-323640">
+              <a:lnSpc>
+                <a:spcPct val="100000"/>
+              </a:lnSpc>
+              <a:spcBef>
+                <a:spcPts val="1417"/>
+              </a:spcBef>
+              <a:buClr>
+                <a:srgbClr val="000000"/>
+              </a:buClr>
+              <a:buSzPct val="45000"/>
+              <a:buFont typeface="Wingdings" charset="2"/>
+              <a:buChar char=""/>
+            </a:pPr>
+            <a:r>
+              <a:rPr lang="en-US" sz="2000" b="0" strike="noStrike" spc="-1" dirty="0">
+                <a:latin typeface="Arial"/>
+              </a:rPr>
+              <a:t>VHDL code for full adder and INXA1 finished</a:t>
+            </a:r>
+          </a:p>
+          <a:p>
+            <a:pPr marL="432000" indent="-323640">
+              <a:lnSpc>
+                <a:spcPct val="100000"/>
+              </a:lnSpc>
+              <a:spcBef>
+                <a:spcPts val="1417"/>
+              </a:spcBef>
+              <a:buClr>
+                <a:srgbClr val="000000"/>
+              </a:buClr>
+              <a:buSzPct val="45000"/>
+              <a:buFont typeface="Wingdings" charset="2"/>
+              <a:buChar char=""/>
+            </a:pPr>
+            <a:r>
+              <a:rPr lang="en-US" sz="2000" spc="-1" dirty="0">
+                <a:latin typeface="Arial"/>
+              </a:rPr>
+              <a:t>Python code for Binary Decision Diagram for 1 bit analysis</a:t>
+            </a:r>
+          </a:p>
+          <a:p>
+            <a:pPr marL="432000" indent="-323640">
+              <a:lnSpc>
+                <a:spcPct val="100000"/>
+              </a:lnSpc>
+              <a:spcBef>
+                <a:spcPts val="1417"/>
+              </a:spcBef>
+              <a:buClr>
+                <a:srgbClr val="000000"/>
+              </a:buClr>
+              <a:buSzPct val="45000"/>
+              <a:buFont typeface="Wingdings" charset="2"/>
+              <a:buChar char=""/>
+            </a:pPr>
+            <a:r>
+              <a:rPr lang="en-US" sz="2000" spc="-1" dirty="0">
+                <a:latin typeface="Arial"/>
+              </a:rPr>
+              <a:t>First estimation of power consumption</a:t>
+            </a:r>
+            <a:endParaRPr lang="en-US" sz="2000" b="0" strike="noStrike" spc="-1" dirty="0">
+              <a:latin typeface="Arial"/>
+            </a:endParaRPr>
+          </a:p>
+          <a:p>
+            <a:pPr marL="432000" indent="-323640">
+              <a:lnSpc>
+                <a:spcPct val="100000"/>
+              </a:lnSpc>
+              <a:spcBef>
+                <a:spcPts val="1417"/>
+              </a:spcBef>
+              <a:buClr>
+                <a:srgbClr val="000000"/>
+              </a:buClr>
+              <a:buSzPct val="45000"/>
+              <a:buFont typeface="Wingdings" charset="2"/>
+              <a:buChar char=""/>
+            </a:pPr>
+            <a:endParaRPr lang="zxx" sz="2000" b="0" strike="noStrike" spc="-1" dirty="0">
+              <a:latin typeface="Arial"/>
+            </a:endParaRPr>
+          </a:p>
+        </p:txBody>
+      </p:sp>
+      <p:sp>
+        <p:nvSpPr>
+          <p:cNvPr id="146" name="CustomShape 3"/>
+          <p:cNvSpPr/>
+          <p:nvPr/>
+        </p:nvSpPr>
+        <p:spPr>
+          <a:xfrm>
+            <a:off x="4006440" y="6410880"/>
+            <a:ext cx="582840" cy="364320"/>
+          </a:xfrm>
+          <a:prstGeom prst="rect">
+            <a:avLst/>
+          </a:prstGeom>
+          <a:noFill/>
+          <a:ln>
+            <a:noFill/>
+          </a:ln>
+        </p:spPr>
+        <p:style>
+          <a:lnRef idx="0">
+            <a:scrgbClr r="0" g="0" b="0"/>
+          </a:lnRef>
+          <a:fillRef idx="0">
+            <a:scrgbClr r="0" g="0" b="0"/>
+          </a:fillRef>
+          <a:effectRef idx="0">
+            <a:scrgbClr r="0" g="0" b="0"/>
+          </a:effectRef>
+          <a:fontRef idx="minor"/>
+        </p:style>
+        <p:txBody>
           <a:bodyPr lIns="90000" tIns="45000" rIns="90000" bIns="45000" anchor="ctr">
             <a:noAutofit/>
           </a:bodyPr>
@@ -10067,7 +11251,7 @@
                 <a:spcPct val="100000"/>
               </a:lnSpc>
             </a:pPr>
-            <a:fld id="{69FF41EE-F4E2-4BD6-9D5C-02DFBA608E94}" type="slidenum">
+            <a:fld id="{FBA1FB1B-8EC8-4701-B7A3-764889EBDE91}" type="slidenum">
               <a:rPr lang="zxx" sz="1050" b="0" strike="noStrike" spc="-1">
                 <a:solidFill>
                   <a:srgbClr val="000000"/>
@@ -10092,6 +11276,11 @@
         </p:txBody>
       </p:sp>
     </p:spTree>
+    <p:extLst>
+      <p:ext uri="{BB962C8B-B14F-4D97-AF65-F5344CB8AC3E}">
+        <p14:creationId xmlns:p14="http://schemas.microsoft.com/office/powerpoint/2010/main" val="2949103165"/>
+      </p:ext>
+    </p:extLst>
   </p:cSld>
   <p:clrMapOvr>
     <a:masterClrMapping/>
